--- a/Presentation/C-ITS.pptx
+++ b/Presentation/C-ITS.pptx
@@ -5,25 +5,31 @@
     <p:sldMasterId id="2147483648" r:id="rId1"/>
   </p:sldMasterIdLst>
   <p:notesMasterIdLst>
-    <p:notesMasterId r:id="rId18"/>
+    <p:notesMasterId r:id="rId24"/>
   </p:notesMasterIdLst>
   <p:sldIdLst>
     <p:sldId id="256" r:id="rId2"/>
     <p:sldId id="257" r:id="rId3"/>
     <p:sldId id="267" r:id="rId4"/>
-    <p:sldId id="258" r:id="rId5"/>
-    <p:sldId id="259" r:id="rId6"/>
-    <p:sldId id="268" r:id="rId7"/>
-    <p:sldId id="269" r:id="rId8"/>
-    <p:sldId id="270" r:id="rId9"/>
-    <p:sldId id="271" r:id="rId10"/>
-    <p:sldId id="272" r:id="rId11"/>
-    <p:sldId id="261" r:id="rId12"/>
-    <p:sldId id="263" r:id="rId13"/>
-    <p:sldId id="264" r:id="rId14"/>
-    <p:sldId id="262" r:id="rId15"/>
-    <p:sldId id="260" r:id="rId16"/>
-    <p:sldId id="265" r:id="rId17"/>
+    <p:sldId id="284" r:id="rId5"/>
+    <p:sldId id="258" r:id="rId6"/>
+    <p:sldId id="259" r:id="rId7"/>
+    <p:sldId id="268" r:id="rId8"/>
+    <p:sldId id="269" r:id="rId9"/>
+    <p:sldId id="270" r:id="rId10"/>
+    <p:sldId id="271" r:id="rId11"/>
+    <p:sldId id="272" r:id="rId12"/>
+    <p:sldId id="261" r:id="rId13"/>
+    <p:sldId id="274" r:id="rId14"/>
+    <p:sldId id="275" r:id="rId15"/>
+    <p:sldId id="276" r:id="rId16"/>
+    <p:sldId id="277" r:id="rId17"/>
+    <p:sldId id="278" r:id="rId18"/>
+    <p:sldId id="279" r:id="rId19"/>
+    <p:sldId id="282" r:id="rId20"/>
+    <p:sldId id="280" r:id="rId21"/>
+    <p:sldId id="281" r:id="rId22"/>
+    <p:sldId id="265" r:id="rId23"/>
   </p:sldIdLst>
   <p:sldSz cx="12192000" cy="6858000"/>
   <p:notesSz cx="6858000" cy="9144000"/>
@@ -1706,7 +1712,7 @@
           <a:p>
             <a:fld id="{F8D372CF-70C8-4756-8EEA-216D48386233}" type="datetimeFigureOut">
               <a:rPr lang="en-US" smtClean="0"/>
-              <a:t>1/25/2025</a:t>
+              <a:t>2/2/2025</a:t>
             </a:fld>
             <a:endParaRPr lang="en-US"/>
           </a:p>
@@ -1973,6 +1979,90 @@
 </p:notesMaster>
 </file>
 
+<file path=ppt/notesSlides/notesSlide1.xml><?xml version="1.0" encoding="utf-8"?>
+<p:notes xmlns:a="http://schemas.openxmlformats.org/drawingml/2006/main" xmlns:r="http://schemas.openxmlformats.org/officeDocument/2006/relationships" xmlns:p="http://schemas.openxmlformats.org/presentationml/2006/main">
+  <p:cSld>
+    <p:spTree>
+      <p:nvGrpSpPr>
+        <p:cNvPr id="1" name=""/>
+        <p:cNvGrpSpPr/>
+        <p:nvPr/>
+      </p:nvGrpSpPr>
+      <p:grpSpPr>
+        <a:xfrm>
+          <a:off x="0" y="0"/>
+          <a:ext cx="0" cy="0"/>
+          <a:chOff x="0" y="0"/>
+          <a:chExt cx="0" cy="0"/>
+        </a:xfrm>
+      </p:grpSpPr>
+      <p:sp>
+        <p:nvSpPr>
+          <p:cNvPr id="2" name="Slide Image Placeholder 1"/>
+          <p:cNvSpPr>
+            <a:spLocks noGrp="1" noRot="1" noChangeAspect="1"/>
+          </p:cNvSpPr>
+          <p:nvPr>
+            <p:ph type="sldImg"/>
+          </p:nvPr>
+        </p:nvSpPr>
+        <p:spPr/>
+      </p:sp>
+      <p:sp>
+        <p:nvSpPr>
+          <p:cNvPr id="3" name="Notes Placeholder 2"/>
+          <p:cNvSpPr>
+            <a:spLocks noGrp="1"/>
+          </p:cNvSpPr>
+          <p:nvPr>
+            <p:ph type="body" idx="1"/>
+          </p:nvPr>
+        </p:nvSpPr>
+        <p:spPr/>
+        <p:txBody>
+          <a:bodyPr/>
+          <a:lstStyle/>
+          <a:p>
+            <a:endParaRPr lang="en-US" dirty="0"/>
+          </a:p>
+        </p:txBody>
+      </p:sp>
+      <p:sp>
+        <p:nvSpPr>
+          <p:cNvPr id="4" name="Slide Number Placeholder 3"/>
+          <p:cNvSpPr>
+            <a:spLocks noGrp="1"/>
+          </p:cNvSpPr>
+          <p:nvPr>
+            <p:ph type="sldNum" sz="quarter" idx="5"/>
+          </p:nvPr>
+        </p:nvSpPr>
+        <p:spPr/>
+        <p:txBody>
+          <a:bodyPr/>
+          <a:lstStyle/>
+          <a:p>
+            <a:fld id="{7EF48B4C-4F6E-4AB3-8A3E-4D72E0F0B15A}" type="slidenum">
+              <a:rPr lang="en-US" smtClean="0"/>
+              <a:t>1</a:t>
+            </a:fld>
+            <a:endParaRPr lang="en-US"/>
+          </a:p>
+        </p:txBody>
+      </p:sp>
+    </p:spTree>
+    <p:extLst>
+      <p:ext uri="{BB962C8B-B14F-4D97-AF65-F5344CB8AC3E}">
+        <p14:creationId xmlns:p14="http://schemas.microsoft.com/office/powerpoint/2010/main" val="936054786"/>
+      </p:ext>
+    </p:extLst>
+  </p:cSld>
+  <p:clrMapOvr>
+    <a:masterClrMapping/>
+  </p:clrMapOvr>
+</p:notes>
+</file>
+
 <file path=ppt/slideLayouts/slideLayout1.xml><?xml version="1.0" encoding="utf-8"?>
 <p:sldLayout xmlns:a="http://schemas.openxmlformats.org/drawingml/2006/main" xmlns:r="http://schemas.openxmlformats.org/officeDocument/2006/relationships" xmlns:p="http://schemas.openxmlformats.org/presentationml/2006/main" type="title" preserve="1">
   <p:cSld name="Title Slide">
@@ -2120,7 +2210,7 @@
           <a:p>
             <a:fld id="{B73644A4-7126-4ABB-8146-94F291BED3D2}" type="datetime1">
               <a:rPr lang="en-US" smtClean="0"/>
-              <a:t>1/25/2025</a:t>
+              <a:t>2/2/2025</a:t>
             </a:fld>
             <a:endParaRPr lang="en-US"/>
           </a:p>
@@ -2321,7 +2411,7 @@
           <a:p>
             <a:fld id="{00D74320-5045-4ED7-8920-8ADAC095C01F}" type="datetime1">
               <a:rPr lang="en-US" smtClean="0"/>
-              <a:t>1/25/2025</a:t>
+              <a:t>2/2/2025</a:t>
             </a:fld>
             <a:endParaRPr lang="en-US"/>
           </a:p>
@@ -2532,7 +2622,7 @@
           <a:p>
             <a:fld id="{F2FFABB2-524D-4849-9E26-33C35E0C858B}" type="datetime1">
               <a:rPr lang="en-US" smtClean="0"/>
-              <a:t>1/25/2025</a:t>
+              <a:t>2/2/2025</a:t>
             </a:fld>
             <a:endParaRPr lang="en-US"/>
           </a:p>
@@ -2733,7 +2823,7 @@
           <a:p>
             <a:fld id="{025A5627-FABB-457E-8F66-79AC15F319AB}" type="datetime1">
               <a:rPr lang="en-US" smtClean="0"/>
-              <a:t>1/25/2025</a:t>
+              <a:t>2/2/2025</a:t>
             </a:fld>
             <a:endParaRPr lang="en-US"/>
           </a:p>
@@ -3011,7 +3101,7 @@
           <a:p>
             <a:fld id="{B137BE0E-DCD5-4161-8998-62FF15282FC6}" type="datetime1">
               <a:rPr lang="en-US" smtClean="0"/>
-              <a:t>1/25/2025</a:t>
+              <a:t>2/2/2025</a:t>
             </a:fld>
             <a:endParaRPr lang="en-US"/>
           </a:p>
@@ -3279,7 +3369,7 @@
           <a:p>
             <a:fld id="{B7C17C6D-4275-4CF5-85D9-AB0289A161EC}" type="datetime1">
               <a:rPr lang="en-US" smtClean="0"/>
-              <a:t>1/25/2025</a:t>
+              <a:t>2/2/2025</a:t>
             </a:fld>
             <a:endParaRPr lang="en-US"/>
           </a:p>
@@ -3694,7 +3784,7 @@
           <a:p>
             <a:fld id="{31BD056B-CBD3-48E2-A074-4D03248E0534}" type="datetime1">
               <a:rPr lang="en-US" smtClean="0"/>
-              <a:t>1/25/2025</a:t>
+              <a:t>2/2/2025</a:t>
             </a:fld>
             <a:endParaRPr lang="en-US"/>
           </a:p>
@@ -3838,7 +3928,7 @@
           <a:p>
             <a:fld id="{8B751AE4-1BFC-46CA-B09E-C5BA2803DE6C}" type="datetime1">
               <a:rPr lang="en-US" smtClean="0"/>
-              <a:t>1/25/2025</a:t>
+              <a:t>2/2/2025</a:t>
             </a:fld>
             <a:endParaRPr lang="en-US"/>
           </a:p>
@@ -3954,7 +4044,7 @@
           <a:p>
             <a:fld id="{05AEF7F6-75E8-43AE-9476-FD51A78BF610}" type="datetime1">
               <a:rPr lang="en-US" smtClean="0"/>
-              <a:t>1/25/2025</a:t>
+              <a:t>2/2/2025</a:t>
             </a:fld>
             <a:endParaRPr lang="en-US"/>
           </a:p>
@@ -4268,7 +4358,7 @@
           <a:p>
             <a:fld id="{5149BAAA-C66B-4834-9FC0-A8C299128EEE}" type="datetime1">
               <a:rPr lang="en-US" smtClean="0"/>
-              <a:t>1/25/2025</a:t>
+              <a:t>2/2/2025</a:t>
             </a:fld>
             <a:endParaRPr lang="en-US"/>
           </a:p>
@@ -4559,7 +4649,7 @@
           <a:p>
             <a:fld id="{EABAEC79-B6ED-4A88-871D-586FAF85315F}" type="datetime1">
               <a:rPr lang="en-US" smtClean="0"/>
-              <a:t>1/25/2025</a:t>
+              <a:t>2/2/2025</a:t>
             </a:fld>
             <a:endParaRPr lang="en-US"/>
           </a:p>
@@ -4803,7 +4893,7 @@
           <a:p>
             <a:fld id="{A3A5D426-F544-4617-B7E7-26F9CC460ED2}" type="datetime1">
               <a:rPr lang="en-US" smtClean="0"/>
-              <a:t>1/25/2025</a:t>
+              <a:t>2/2/2025</a:t>
             </a:fld>
             <a:endParaRPr lang="en-US"/>
           </a:p>
@@ -5307,8 +5397,14 @@
           <p:nvPr/>
         </p:nvPicPr>
         <p:blipFill>
-          <a:blip r:embed="rId2"/>
-          <a:srcRect t="5120"/>
+          <a:blip r:embed="rId3">
+            <a:extLst>
+              <a:ext uri="{28A0092B-C50C-407E-A947-70E740481C1C}">
+                <a14:useLocalDpi xmlns:a14="http://schemas.microsoft.com/office/drawing/2010/main" val="0"/>
+              </a:ext>
+            </a:extLst>
+          </a:blip>
+          <a:srcRect l="1078" r="1078"/>
           <a:stretch/>
         </p:blipFill>
         <p:spPr>
@@ -5685,7 +5781,7 @@
         <p:cNvPr id="1" name="">
           <a:extLst>
             <a:ext uri="{FF2B5EF4-FFF2-40B4-BE49-F238E27FC236}">
-              <a16:creationId xmlns:a16="http://schemas.microsoft.com/office/drawing/2014/main" id="{5FAE3230-8784-13E7-0FFC-88A1F39EE39E}"/>
+              <a16:creationId xmlns:a16="http://schemas.microsoft.com/office/drawing/2014/main" id="{D13F421F-1AF5-B220-D3AE-32282CAA8409}"/>
             </a:ext>
           </a:extLst>
         </p:cNvPr>
@@ -5702,7 +5798,7 @@
       </p:grpSpPr>
       <p:sp useBgFill="1">
         <p:nvSpPr>
-          <p:cNvPr id="3079" name="Rectangle 3078">
+          <p:cNvPr id="3088" name="Rectangle 3087">
             <a:extLst>
               <a:ext uri="{FF2B5EF4-FFF2-40B4-BE49-F238E27FC236}">
                 <a16:creationId xmlns:a16="http://schemas.microsoft.com/office/drawing/2014/main" id="{979E27D9-03C7-44E2-9FF8-15D0C8506AF7}"/>
@@ -5781,7 +5877,7 @@
           <p:cNvPr id="2" name="Title 1">
             <a:extLst>
               <a:ext uri="{FF2B5EF4-FFF2-40B4-BE49-F238E27FC236}">
-                <a16:creationId xmlns:a16="http://schemas.microsoft.com/office/drawing/2014/main" id="{C41A0248-D601-E6FD-9CAD-82160F9DEC26}"/>
+                <a16:creationId xmlns:a16="http://schemas.microsoft.com/office/drawing/2014/main" id="{70F2B506-61CA-53BD-62FE-A31F79445779}"/>
               </a:ext>
             </a:extLst>
           </p:cNvPr>
@@ -5805,7 +5901,14 @@
           <a:lstStyle/>
           <a:p>
             <a:r>
-              <a:rPr lang="en-US" sz="4000"/>
+              <a:rPr lang="en-US" sz="3700"/>
+              <a:t>Software</a:t>
+            </a:r>
+            <a:br>
+              <a:rPr lang="en-US" sz="3700"/>
+            </a:br>
+            <a:r>
+              <a:rPr lang="en-US" sz="3700"/>
               <a:t>DTC (Diagnostic Trouble Codes)</a:t>
             </a:r>
           </a:p>
@@ -5816,7 +5919,7 @@
           <p:cNvPr id="4" name="Footer Placeholder 3">
             <a:extLst>
               <a:ext uri="{FF2B5EF4-FFF2-40B4-BE49-F238E27FC236}">
-                <a16:creationId xmlns:a16="http://schemas.microsoft.com/office/drawing/2014/main" id="{6E956C50-A43B-3686-B86A-E4D998891834}"/>
+                <a16:creationId xmlns:a16="http://schemas.microsoft.com/office/drawing/2014/main" id="{CA27A937-7B8D-B213-F7BA-48243F1FA74C}"/>
               </a:ext>
             </a:extLst>
           </p:cNvPr>
@@ -5863,7 +5966,7 @@
           <p:cNvPr id="3" name="Content Placeholder 2">
             <a:extLst>
               <a:ext uri="{FF2B5EF4-FFF2-40B4-BE49-F238E27FC236}">
-                <a16:creationId xmlns:a16="http://schemas.microsoft.com/office/drawing/2014/main" id="{91CAA917-23DE-7B23-D59E-374A9611B9AB}"/>
+                <a16:creationId xmlns:a16="http://schemas.microsoft.com/office/drawing/2014/main" id="{3FDD14B2-FE31-9D55-C36B-EE48F2BF2BF7}"/>
               </a:ext>
             </a:extLst>
           </p:cNvPr>
@@ -5887,69 +5990,32 @@
           <a:lstStyle/>
           <a:p>
             <a:r>
-              <a:rPr lang="en-US" sz="1700" dirty="0"/>
-              <a:t>First Character.</a:t>
-            </a:r>
-          </a:p>
-          <a:p>
-            <a:pPr lvl="1"/>
-            <a:r>
-              <a:rPr lang="en-US" sz="1700" dirty="0"/>
-              <a:t>The part of the vehicle that has a fault.</a:t>
-            </a:r>
-          </a:p>
-          <a:p>
-            <a:r>
-              <a:rPr lang="en-US" sz="1700" dirty="0"/>
-              <a:t>Second Character</a:t>
-            </a:r>
-          </a:p>
-          <a:p>
-            <a:pPr lvl="1"/>
-            <a:r>
-              <a:rPr lang="en-US" sz="1700" dirty="0"/>
-              <a:t>0: Standardized code.</a:t>
-            </a:r>
-          </a:p>
-          <a:p>
-            <a:pPr lvl="1"/>
-            <a:r>
-              <a:rPr lang="en-US" sz="1700" dirty="0"/>
-              <a:t>1: Manufacturer-specific code.</a:t>
-            </a:r>
-          </a:p>
-          <a:p>
-            <a:r>
-              <a:rPr lang="en-US" sz="1700" dirty="0"/>
-              <a:t>Third Character</a:t>
-            </a:r>
-          </a:p>
-          <a:p>
-            <a:pPr lvl="1"/>
-            <a:r>
-              <a:rPr lang="en-US" sz="1700" dirty="0"/>
-              <a:t>The subsystem of the vehicle that has a fault.</a:t>
-            </a:r>
-          </a:p>
-          <a:p>
-            <a:r>
-              <a:rPr lang="en-US" sz="1700" dirty="0"/>
-              <a:t>Fourth and Fifth Character</a:t>
-            </a:r>
-          </a:p>
-          <a:p>
-            <a:pPr lvl="1"/>
-            <a:r>
-              <a:rPr lang="en-US" sz="1700" dirty="0"/>
-              <a:t>Exact problem that is active.</a:t>
-            </a:r>
-          </a:p>
-          <a:p>
-            <a:pPr lvl="1"/>
-            <a:r>
-              <a:rPr lang="en-US" sz="1700" dirty="0"/>
-              <a:t>Values from 0-99.</a:t>
-            </a:r>
+              <a:rPr lang="en-US" sz="2000" b="0" i="0" dirty="0">
+                <a:effectLst/>
+                <a:latin typeface="MaisonNeue"/>
+              </a:rPr>
+              <a:t>Diagnostic Trouble Codes or OBD-II or J1939.</a:t>
+            </a:r>
+            <a:endParaRPr lang="en-US" sz="2000" dirty="0">
+              <a:latin typeface="MaisonNeue"/>
+            </a:endParaRPr>
+          </a:p>
+          <a:p>
+            <a:r>
+              <a:rPr lang="en-US" sz="2000" dirty="0">
+                <a:latin typeface="MaisonNeue"/>
+              </a:rPr>
+              <a:t>This codes are the way of communication of the vehicle to let the user what is happening inside. Notify you if there is a problem.</a:t>
+            </a:r>
+          </a:p>
+          <a:p>
+            <a:r>
+              <a:rPr lang="en-US" sz="2000" dirty="0">
+                <a:latin typeface="MaisonNeue"/>
+              </a:rPr>
+              <a:t>Using a telematics control unit (TCU), app or a gateway. You can access this codes to monitor the vehicle.</a:t>
+            </a:r>
+            <a:endParaRPr lang="en-US" sz="2000" dirty="0"/>
           </a:p>
         </p:txBody>
       </p:sp>
@@ -5958,7 +6024,7 @@
           <p:cNvPr id="3074" name="Picture 2" descr="What is Diagnostic Trouble Codes? - Get the answer here | AutoPi.io">
             <a:extLst>
               <a:ext uri="{FF2B5EF4-FFF2-40B4-BE49-F238E27FC236}">
-                <a16:creationId xmlns:a16="http://schemas.microsoft.com/office/drawing/2014/main" id="{F9F28BF3-CC58-7058-6CB8-FA394078045B}"/>
+                <a16:creationId xmlns:a16="http://schemas.microsoft.com/office/drawing/2014/main" id="{78E19C27-87F0-4C5C-0D14-3DAFCF4EE795}"/>
               </a:ext>
             </a:extLst>
           </p:cNvPr>
@@ -6001,7 +6067,7 @@
       </p:pic>
       <p:sp>
         <p:nvSpPr>
-          <p:cNvPr id="3081" name="Rectangle 3080">
+          <p:cNvPr id="3090" name="Rectangle 3089">
             <a:extLst>
               <a:ext uri="{FF2B5EF4-FFF2-40B4-BE49-F238E27FC236}">
                 <a16:creationId xmlns:a16="http://schemas.microsoft.com/office/drawing/2014/main" id="{EEBF1590-3B36-48EE-A89D-3B6F3CB256AB}"/>
@@ -6072,7 +6138,7 @@
       </p:sp>
       <p:sp>
         <p:nvSpPr>
-          <p:cNvPr id="3083" name="Rectangle 3082">
+          <p:cNvPr id="3092" name="Rectangle 3091">
             <a:extLst>
               <a:ext uri="{FF2B5EF4-FFF2-40B4-BE49-F238E27FC236}">
                 <a16:creationId xmlns:a16="http://schemas.microsoft.com/office/drawing/2014/main" id="{AC8F6C8C-AB5A-4548-942D-E3FD40ACBC49}"/>
@@ -6150,7 +6216,7 @@
           <p:cNvPr id="5" name="Footer Placeholder 5">
             <a:extLst>
               <a:ext uri="{FF2B5EF4-FFF2-40B4-BE49-F238E27FC236}">
-                <a16:creationId xmlns:a16="http://schemas.microsoft.com/office/drawing/2014/main" id="{C413BA19-6241-E990-BD8D-61FEE102B9E5}"/>
+                <a16:creationId xmlns:a16="http://schemas.microsoft.com/office/drawing/2014/main" id="{6939809F-DB7E-5BE9-1EA6-75425BDA083E}"/>
               </a:ext>
             </a:extLst>
           </p:cNvPr>
@@ -6277,7 +6343,633 @@
             </a:pPr>
             <a:r>
               <a:rPr lang="en-US" dirty="0"/>
-              <a:t>Fig. 7, DTC Code.</a:t>
+              <a:t>Fig. 8, DTC Code.</a:t>
+            </a:r>
+          </a:p>
+        </p:txBody>
+      </p:sp>
+    </p:spTree>
+    <p:extLst>
+      <p:ext uri="{BB962C8B-B14F-4D97-AF65-F5344CB8AC3E}">
+        <p14:creationId xmlns:p14="http://schemas.microsoft.com/office/powerpoint/2010/main" val="100226028"/>
+      </p:ext>
+    </p:extLst>
+  </p:cSld>
+  <p:clrMapOvr>
+    <a:masterClrMapping/>
+  </p:clrMapOvr>
+</p:sld>
+</file>
+
+<file path=ppt/slides/slide11.xml><?xml version="1.0" encoding="utf-8"?>
+<p:sld xmlns:a="http://schemas.openxmlformats.org/drawingml/2006/main" xmlns:r="http://schemas.openxmlformats.org/officeDocument/2006/relationships" xmlns:p="http://schemas.openxmlformats.org/presentationml/2006/main">
+  <p:cSld>
+    <p:bg>
+      <p:bgPr>
+        <a:solidFill>
+          <a:schemeClr val="bg1"/>
+        </a:solidFill>
+        <a:effectLst/>
+      </p:bgPr>
+    </p:bg>
+    <p:spTree>
+      <p:nvGrpSpPr>
+        <p:cNvPr id="1" name="">
+          <a:extLst>
+            <a:ext uri="{FF2B5EF4-FFF2-40B4-BE49-F238E27FC236}">
+              <a16:creationId xmlns:a16="http://schemas.microsoft.com/office/drawing/2014/main" id="{5FAE3230-8784-13E7-0FFC-88A1F39EE39E}"/>
+            </a:ext>
+          </a:extLst>
+        </p:cNvPr>
+        <p:cNvGrpSpPr/>
+        <p:nvPr/>
+      </p:nvGrpSpPr>
+      <p:grpSpPr>
+        <a:xfrm>
+          <a:off x="0" y="0"/>
+          <a:ext cx="0" cy="0"/>
+          <a:chOff x="0" y="0"/>
+          <a:chExt cx="0" cy="0"/>
+        </a:xfrm>
+      </p:grpSpPr>
+      <p:sp useBgFill="1">
+        <p:nvSpPr>
+          <p:cNvPr id="3079" name="Rectangle 3078">
+            <a:extLst>
+              <a:ext uri="{FF2B5EF4-FFF2-40B4-BE49-F238E27FC236}">
+                <a16:creationId xmlns:a16="http://schemas.microsoft.com/office/drawing/2014/main" id="{979E27D9-03C7-44E2-9FF8-15D0C8506AF7}"/>
+              </a:ext>
+              <a:ext uri="{C183D7F6-B498-43B3-948B-1728B52AA6E4}">
+                <adec:decorative xmlns:adec="http://schemas.microsoft.com/office/drawing/2017/decorative" val="1"/>
+              </a:ext>
+            </a:extLst>
+          </p:cNvPr>
+          <p:cNvSpPr>
+            <a:spLocks noGrp="1" noRot="1" noChangeAspect="1" noMove="1" noResize="1" noEditPoints="1" noAdjustHandles="1" noChangeArrowheads="1" noChangeShapeType="1" noTextEdit="1"/>
+          </p:cNvSpPr>
+          <p:nvPr>
+            <p:extLst>
+              <p:ext uri="{386F3935-93C4-4BCD-93E2-E3B085C9AB24}">
+                <p16:designElem xmlns:p16="http://schemas.microsoft.com/office/powerpoint/2015/main" val="1"/>
+              </p:ext>
+            </p:extLst>
+          </p:nvPr>
+        </p:nvSpPr>
+        <p:spPr>
+          <a:xfrm>
+            <a:off x="0" y="0"/>
+            <a:ext cx="12192000" cy="6858000"/>
+          </a:xfrm>
+          <a:prstGeom prst="rect">
+            <a:avLst/>
+          </a:prstGeom>
+          <a:ln w="12700" cap="flat" cmpd="sng" algn="ctr">
+            <a:noFill/>
+            <a:prstDash val="solid"/>
+            <a:miter lim="800000"/>
+          </a:ln>
+          <a:effectLst/>
+          <a:extLst>
+            <a:ext uri="{91240B29-F687-4F45-9708-019B960494DF}">
+              <a14:hiddenLine xmlns:a14="http://schemas.microsoft.com/office/drawing/2010/main" w="12700" cap="flat" cmpd="sng" algn="ctr">
+                <a:solidFill>
+                  <a:schemeClr val="accent1">
+                    <a:shade val="50000"/>
+                  </a:schemeClr>
+                </a:solidFill>
+                <a:prstDash val="solid"/>
+                <a:miter lim="800000"/>
+              </a14:hiddenLine>
+            </a:ext>
+          </a:extLst>
+        </p:spPr>
+        <p:style>
+          <a:lnRef idx="2">
+            <a:schemeClr val="accent1">
+              <a:shade val="50000"/>
+            </a:schemeClr>
+          </a:lnRef>
+          <a:fillRef idx="1">
+            <a:schemeClr val="accent1"/>
+          </a:fillRef>
+          <a:effectRef idx="0">
+            <a:schemeClr val="accent1"/>
+          </a:effectRef>
+          <a:fontRef idx="minor">
+            <a:schemeClr val="lt1"/>
+          </a:fontRef>
+        </p:style>
+        <p:txBody>
+          <a:bodyPr rtlCol="0" anchor="ctr"/>
+          <a:lstStyle/>
+          <a:p>
+            <a:pPr algn="ctr"/>
+            <a:endParaRPr lang="en-US"/>
+          </a:p>
+        </p:txBody>
+      </p:sp>
+      <p:sp>
+        <p:nvSpPr>
+          <p:cNvPr id="2" name="Title 1">
+            <a:extLst>
+              <a:ext uri="{FF2B5EF4-FFF2-40B4-BE49-F238E27FC236}">
+                <a16:creationId xmlns:a16="http://schemas.microsoft.com/office/drawing/2014/main" id="{C41A0248-D601-E6FD-9CAD-82160F9DEC26}"/>
+              </a:ext>
+            </a:extLst>
+          </p:cNvPr>
+          <p:cNvSpPr>
+            <a:spLocks noGrp="1"/>
+          </p:cNvSpPr>
+          <p:nvPr>
+            <p:ph type="title"/>
+          </p:nvPr>
+        </p:nvSpPr>
+        <p:spPr>
+          <a:xfrm>
+            <a:off x="1136397" y="502021"/>
+            <a:ext cx="4959603" cy="1642969"/>
+          </a:xfrm>
+        </p:spPr>
+        <p:txBody>
+          <a:bodyPr anchor="b">
+            <a:normAutofit/>
+          </a:bodyPr>
+          <a:lstStyle/>
+          <a:p>
+            <a:r>
+              <a:rPr lang="en-US" sz="4000"/>
+              <a:t>DTC (Diagnostic Trouble Codes)</a:t>
+            </a:r>
+          </a:p>
+        </p:txBody>
+      </p:sp>
+      <p:sp>
+        <p:nvSpPr>
+          <p:cNvPr id="4" name="Footer Placeholder 3">
+            <a:extLst>
+              <a:ext uri="{FF2B5EF4-FFF2-40B4-BE49-F238E27FC236}">
+                <a16:creationId xmlns:a16="http://schemas.microsoft.com/office/drawing/2014/main" id="{6E956C50-A43B-3686-B86A-E4D998891834}"/>
+              </a:ext>
+            </a:extLst>
+          </p:cNvPr>
+          <p:cNvSpPr>
+            <a:spLocks noGrp="1"/>
+          </p:cNvSpPr>
+          <p:nvPr>
+            <p:ph type="ftr" sz="quarter" idx="11"/>
+          </p:nvPr>
+        </p:nvSpPr>
+        <p:spPr>
+          <a:xfrm rot="5400000">
+            <a:off x="-1827726" y="1983972"/>
+            <a:ext cx="4114800" cy="365125"/>
+          </a:xfrm>
+        </p:spPr>
+        <p:txBody>
+          <a:bodyPr>
+            <a:normAutofit/>
+          </a:bodyPr>
+          <a:lstStyle/>
+          <a:p>
+            <a:pPr algn="l">
+              <a:spcAft>
+                <a:spcPts val="600"/>
+              </a:spcAft>
+            </a:pPr>
+            <a:r>
+              <a:rPr lang="en-US" sz="1100">
+                <a:solidFill>
+                  <a:schemeClr val="tx1">
+                    <a:lumMod val="50000"/>
+                    <a:lumOff val="50000"/>
+                  </a:schemeClr>
+                </a:solidFill>
+              </a:rPr>
+              <a:t>Fig. 6, DTC structure</a:t>
+            </a:r>
+          </a:p>
+        </p:txBody>
+      </p:sp>
+      <p:sp>
+        <p:nvSpPr>
+          <p:cNvPr id="3" name="Content Placeholder 2">
+            <a:extLst>
+              <a:ext uri="{FF2B5EF4-FFF2-40B4-BE49-F238E27FC236}">
+                <a16:creationId xmlns:a16="http://schemas.microsoft.com/office/drawing/2014/main" id="{91CAA917-23DE-7B23-D59E-374A9611B9AB}"/>
+              </a:ext>
+            </a:extLst>
+          </p:cNvPr>
+          <p:cNvSpPr>
+            <a:spLocks noGrp="1"/>
+          </p:cNvSpPr>
+          <p:nvPr>
+            <p:ph idx="1"/>
+          </p:nvPr>
+        </p:nvSpPr>
+        <p:spPr>
+          <a:xfrm>
+            <a:off x="1136397" y="2418408"/>
+            <a:ext cx="4959603" cy="3522569"/>
+          </a:xfrm>
+        </p:spPr>
+        <p:txBody>
+          <a:bodyPr anchor="t">
+            <a:normAutofit/>
+          </a:bodyPr>
+          <a:lstStyle/>
+          <a:p>
+            <a:r>
+              <a:rPr lang="en-US" sz="1700" dirty="0"/>
+              <a:t>First Character.</a:t>
+            </a:r>
+          </a:p>
+          <a:p>
+            <a:pPr lvl="1"/>
+            <a:r>
+              <a:rPr lang="en-US" sz="1700" dirty="0"/>
+              <a:t>The part of the vehicle that has a fault.</a:t>
+            </a:r>
+          </a:p>
+          <a:p>
+            <a:r>
+              <a:rPr lang="en-US" sz="1700" dirty="0"/>
+              <a:t>Second Character</a:t>
+            </a:r>
+          </a:p>
+          <a:p>
+            <a:pPr lvl="1"/>
+            <a:r>
+              <a:rPr lang="en-US" sz="1700" dirty="0"/>
+              <a:t>0: Standardized code.</a:t>
+            </a:r>
+          </a:p>
+          <a:p>
+            <a:pPr lvl="1"/>
+            <a:r>
+              <a:rPr lang="en-US" sz="1700" dirty="0"/>
+              <a:t>1: Manufacturer-specific code.</a:t>
+            </a:r>
+          </a:p>
+          <a:p>
+            <a:r>
+              <a:rPr lang="en-US" sz="1700" dirty="0"/>
+              <a:t>Third Character</a:t>
+            </a:r>
+          </a:p>
+          <a:p>
+            <a:pPr lvl="1"/>
+            <a:r>
+              <a:rPr lang="en-US" sz="1700" dirty="0"/>
+              <a:t>The subsystem of the vehicle that has a fault.</a:t>
+            </a:r>
+          </a:p>
+          <a:p>
+            <a:r>
+              <a:rPr lang="en-US" sz="1700" dirty="0"/>
+              <a:t>Fourth and Fifth Character</a:t>
+            </a:r>
+          </a:p>
+          <a:p>
+            <a:pPr lvl="1"/>
+            <a:r>
+              <a:rPr lang="en-US" sz="1700" dirty="0"/>
+              <a:t>Exact problem that is active.</a:t>
+            </a:r>
+          </a:p>
+          <a:p>
+            <a:pPr lvl="1"/>
+            <a:r>
+              <a:rPr lang="en-US" sz="1700" dirty="0"/>
+              <a:t>Values from 0-99.</a:t>
+            </a:r>
+          </a:p>
+        </p:txBody>
+      </p:sp>
+      <p:pic>
+        <p:nvPicPr>
+          <p:cNvPr id="3074" name="Picture 2" descr="What is Diagnostic Trouble Codes? - Get the answer here | AutoPi.io">
+            <a:extLst>
+              <a:ext uri="{FF2B5EF4-FFF2-40B4-BE49-F238E27FC236}">
+                <a16:creationId xmlns:a16="http://schemas.microsoft.com/office/drawing/2014/main" id="{F9F28BF3-CC58-7058-6CB8-FA394078045B}"/>
+              </a:ext>
+            </a:extLst>
+          </p:cNvPr>
+          <p:cNvPicPr>
+            <a:picLocks noChangeAspect="1" noChangeArrowheads="1"/>
+          </p:cNvPicPr>
+          <p:nvPr/>
+        </p:nvPicPr>
+        <p:blipFill>
+          <a:blip r:embed="rId2">
+            <a:extLst>
+              <a:ext uri="{28A0092B-C50C-407E-A947-70E740481C1C}">
+                <a14:useLocalDpi xmlns:a14="http://schemas.microsoft.com/office/drawing/2010/main" val="0"/>
+              </a:ext>
+            </a:extLst>
+          </a:blip>
+          <a:stretch>
+            <a:fillRect/>
+          </a:stretch>
+        </p:blipFill>
+        <p:spPr bwMode="auto">
+          <a:xfrm>
+            <a:off x="6512442" y="1284740"/>
+            <a:ext cx="5201023" cy="3874762"/>
+          </a:xfrm>
+          <a:prstGeom prst="rect">
+            <a:avLst/>
+          </a:prstGeom>
+          <a:noFill/>
+          <a:extLst>
+            <a:ext uri="{909E8E84-426E-40DD-AFC4-6F175D3DCCD1}">
+              <a14:hiddenFill xmlns:a14="http://schemas.microsoft.com/office/drawing/2010/main">
+                <a:solidFill>
+                  <a:srgbClr val="FFFFFF"/>
+                </a:solidFill>
+              </a14:hiddenFill>
+            </a:ext>
+          </a:extLst>
+        </p:spPr>
+      </p:pic>
+      <p:sp>
+        <p:nvSpPr>
+          <p:cNvPr id="3081" name="Rectangle 3080">
+            <a:extLst>
+              <a:ext uri="{FF2B5EF4-FFF2-40B4-BE49-F238E27FC236}">
+                <a16:creationId xmlns:a16="http://schemas.microsoft.com/office/drawing/2014/main" id="{EEBF1590-3B36-48EE-A89D-3B6F3CB256AB}"/>
+              </a:ext>
+              <a:ext uri="{C183D7F6-B498-43B3-948B-1728B52AA6E4}">
+                <adec:decorative xmlns:adec="http://schemas.microsoft.com/office/drawing/2017/decorative" val="1"/>
+              </a:ext>
+            </a:extLst>
+          </p:cNvPr>
+          <p:cNvSpPr>
+            <a:spLocks noGrp="1" noRot="1" noChangeAspect="1" noMove="1" noResize="1" noEditPoints="1" noAdjustHandles="1" noChangeArrowheads="1" noChangeShapeType="1" noTextEdit="1"/>
+          </p:cNvSpPr>
+          <p:nvPr>
+            <p:extLst>
+              <p:ext uri="{386F3935-93C4-4BCD-93E2-E3B085C9AB24}">
+                <p16:designElem xmlns:p16="http://schemas.microsoft.com/office/powerpoint/2015/main" val="1"/>
+              </p:ext>
+            </p:extLst>
+          </p:nvPr>
+        </p:nvSpPr>
+        <p:spPr>
+          <a:xfrm rot="10800000" flipH="1">
+            <a:off x="0" y="6400799"/>
+            <a:ext cx="12192000" cy="456773"/>
+          </a:xfrm>
+          <a:prstGeom prst="rect">
+            <a:avLst/>
+          </a:prstGeom>
+          <a:gradFill>
+            <a:gsLst>
+              <a:gs pos="0">
+                <a:schemeClr val="accent1"/>
+              </a:gs>
+              <a:gs pos="78000">
+                <a:srgbClr val="000000"/>
+              </a:gs>
+            </a:gsLst>
+            <a:lin ang="2400000" scaled="0"/>
+          </a:gradFill>
+          <a:ln>
+            <a:noFill/>
+          </a:ln>
+        </p:spPr>
+        <p:style>
+          <a:lnRef idx="2">
+            <a:schemeClr val="accent1">
+              <a:shade val="50000"/>
+            </a:schemeClr>
+          </a:lnRef>
+          <a:fillRef idx="1">
+            <a:schemeClr val="accent1"/>
+          </a:fillRef>
+          <a:effectRef idx="0">
+            <a:schemeClr val="accent1"/>
+          </a:effectRef>
+          <a:fontRef idx="minor">
+            <a:schemeClr val="lt1"/>
+          </a:fontRef>
+        </p:style>
+        <p:txBody>
+          <a:bodyPr rtlCol="0" anchor="ctr"/>
+          <a:lstStyle/>
+          <a:p>
+            <a:pPr algn="ctr"/>
+            <a:endParaRPr lang="en-US"/>
+          </a:p>
+        </p:txBody>
+      </p:sp>
+      <p:sp>
+        <p:nvSpPr>
+          <p:cNvPr id="3083" name="Rectangle 3082">
+            <a:extLst>
+              <a:ext uri="{FF2B5EF4-FFF2-40B4-BE49-F238E27FC236}">
+                <a16:creationId xmlns:a16="http://schemas.microsoft.com/office/drawing/2014/main" id="{AC8F6C8C-AB5A-4548-942D-E3FD40ACBC49}"/>
+              </a:ext>
+              <a:ext uri="{C183D7F6-B498-43B3-948B-1728B52AA6E4}">
+                <adec:decorative xmlns:adec="http://schemas.microsoft.com/office/drawing/2017/decorative" val="1"/>
+              </a:ext>
+            </a:extLst>
+          </p:cNvPr>
+          <p:cNvSpPr>
+            <a:spLocks noGrp="1" noRot="1" noChangeAspect="1" noMove="1" noResize="1" noEditPoints="1" noAdjustHandles="1" noChangeArrowheads="1" noChangeShapeType="1" noTextEdit="1"/>
+          </p:cNvSpPr>
+          <p:nvPr>
+            <p:extLst>
+              <p:ext uri="{386F3935-93C4-4BCD-93E2-E3B085C9AB24}">
+                <p16:designElem xmlns:p16="http://schemas.microsoft.com/office/powerpoint/2015/main" val="1"/>
+              </p:ext>
+            </p:extLst>
+          </p:nvPr>
+        </p:nvSpPr>
+        <p:spPr>
+          <a:xfrm flipH="1">
+            <a:off x="4038600" y="6400799"/>
+            <a:ext cx="8153398" cy="456772"/>
+          </a:xfrm>
+          <a:prstGeom prst="rect">
+            <a:avLst/>
+          </a:prstGeom>
+          <a:gradFill>
+            <a:gsLst>
+              <a:gs pos="0">
+                <a:srgbClr val="000000">
+                  <a:alpha val="63000"/>
+                </a:srgbClr>
+              </a:gs>
+              <a:gs pos="100000">
+                <a:schemeClr val="accent1">
+                  <a:lumMod val="75000"/>
+                </a:schemeClr>
+              </a:gs>
+            </a:gsLst>
+            <a:lin ang="13800000" scaled="0"/>
+          </a:gradFill>
+          <a:ln>
+            <a:noFill/>
+          </a:ln>
+        </p:spPr>
+        <p:style>
+          <a:lnRef idx="2">
+            <a:schemeClr val="accent1">
+              <a:shade val="50000"/>
+            </a:schemeClr>
+          </a:lnRef>
+          <a:fillRef idx="1">
+            <a:schemeClr val="accent1"/>
+          </a:fillRef>
+          <a:effectRef idx="0">
+            <a:schemeClr val="accent1"/>
+          </a:effectRef>
+          <a:fontRef idx="minor">
+            <a:schemeClr val="lt1"/>
+          </a:fontRef>
+        </p:style>
+        <p:txBody>
+          <a:bodyPr rtlCol="0" anchor="ctr"/>
+          <a:lstStyle/>
+          <a:p>
+            <a:pPr algn="ctr"/>
+            <a:endParaRPr lang="en-US"/>
+          </a:p>
+        </p:txBody>
+      </p:sp>
+      <p:sp>
+        <p:nvSpPr>
+          <p:cNvPr id="5" name="Footer Placeholder 5">
+            <a:extLst>
+              <a:ext uri="{FF2B5EF4-FFF2-40B4-BE49-F238E27FC236}">
+                <a16:creationId xmlns:a16="http://schemas.microsoft.com/office/drawing/2014/main" id="{C413BA19-6241-E990-BD8D-61FEE102B9E5}"/>
+              </a:ext>
+            </a:extLst>
+          </p:cNvPr>
+          <p:cNvSpPr txBox="1">
+            <a:spLocks/>
+          </p:cNvSpPr>
+          <p:nvPr/>
+        </p:nvSpPr>
+        <p:spPr>
+          <a:xfrm>
+            <a:off x="8231123" y="6444242"/>
+            <a:ext cx="3960877" cy="365125"/>
+          </a:xfrm>
+          <a:prstGeom prst="rect">
+            <a:avLst/>
+          </a:prstGeom>
+        </p:spPr>
+        <p:txBody>
+          <a:bodyPr vert="horz" lIns="91440" tIns="45720" rIns="91440" bIns="45720" rtlCol="0" anchor="ctr">
+            <a:normAutofit/>
+          </a:bodyPr>
+          <a:lstStyle>
+            <a:defPPr>
+              <a:defRPr lang="en-US"/>
+            </a:defPPr>
+            <a:lvl1pPr marL="0" algn="ctr" defTabSz="914400" rtl="0" eaLnBrk="1" latinLnBrk="0" hangingPunct="1">
+              <a:defRPr sz="1200" kern="1200">
+                <a:solidFill>
+                  <a:schemeClr val="tx1">
+                    <a:tint val="82000"/>
+                  </a:schemeClr>
+                </a:solidFill>
+                <a:latin typeface="+mn-lt"/>
+                <a:ea typeface="+mn-ea"/>
+                <a:cs typeface="+mn-cs"/>
+              </a:defRPr>
+            </a:lvl1pPr>
+            <a:lvl2pPr marL="457200" algn="l" defTabSz="914400" rtl="0" eaLnBrk="1" latinLnBrk="0" hangingPunct="1">
+              <a:defRPr sz="1800" kern="1200">
+                <a:solidFill>
+                  <a:schemeClr val="tx1"/>
+                </a:solidFill>
+                <a:latin typeface="+mn-lt"/>
+                <a:ea typeface="+mn-ea"/>
+                <a:cs typeface="+mn-cs"/>
+              </a:defRPr>
+            </a:lvl2pPr>
+            <a:lvl3pPr marL="914400" algn="l" defTabSz="914400" rtl="0" eaLnBrk="1" latinLnBrk="0" hangingPunct="1">
+              <a:defRPr sz="1800" kern="1200">
+                <a:solidFill>
+                  <a:schemeClr val="tx1"/>
+                </a:solidFill>
+                <a:latin typeface="+mn-lt"/>
+                <a:ea typeface="+mn-ea"/>
+                <a:cs typeface="+mn-cs"/>
+              </a:defRPr>
+            </a:lvl3pPr>
+            <a:lvl4pPr marL="1371600" algn="l" defTabSz="914400" rtl="0" eaLnBrk="1" latinLnBrk="0" hangingPunct="1">
+              <a:defRPr sz="1800" kern="1200">
+                <a:solidFill>
+                  <a:schemeClr val="tx1"/>
+                </a:solidFill>
+                <a:latin typeface="+mn-lt"/>
+                <a:ea typeface="+mn-ea"/>
+                <a:cs typeface="+mn-cs"/>
+              </a:defRPr>
+            </a:lvl4pPr>
+            <a:lvl5pPr marL="1828800" algn="l" defTabSz="914400" rtl="0" eaLnBrk="1" latinLnBrk="0" hangingPunct="1">
+              <a:defRPr sz="1800" kern="1200">
+                <a:solidFill>
+                  <a:schemeClr val="tx1"/>
+                </a:solidFill>
+                <a:latin typeface="+mn-lt"/>
+                <a:ea typeface="+mn-ea"/>
+                <a:cs typeface="+mn-cs"/>
+              </a:defRPr>
+            </a:lvl5pPr>
+            <a:lvl6pPr marL="2286000" algn="l" defTabSz="914400" rtl="0" eaLnBrk="1" latinLnBrk="0" hangingPunct="1">
+              <a:defRPr sz="1800" kern="1200">
+                <a:solidFill>
+                  <a:schemeClr val="tx1"/>
+                </a:solidFill>
+                <a:latin typeface="+mn-lt"/>
+                <a:ea typeface="+mn-ea"/>
+                <a:cs typeface="+mn-cs"/>
+              </a:defRPr>
+            </a:lvl6pPr>
+            <a:lvl7pPr marL="2743200" algn="l" defTabSz="914400" rtl="0" eaLnBrk="1" latinLnBrk="0" hangingPunct="1">
+              <a:defRPr sz="1800" kern="1200">
+                <a:solidFill>
+                  <a:schemeClr val="tx1"/>
+                </a:solidFill>
+                <a:latin typeface="+mn-lt"/>
+                <a:ea typeface="+mn-ea"/>
+                <a:cs typeface="+mn-cs"/>
+              </a:defRPr>
+            </a:lvl7pPr>
+            <a:lvl8pPr marL="3200400" algn="l" defTabSz="914400" rtl="0" eaLnBrk="1" latinLnBrk="0" hangingPunct="1">
+              <a:defRPr sz="1800" kern="1200">
+                <a:solidFill>
+                  <a:schemeClr val="tx1"/>
+                </a:solidFill>
+                <a:latin typeface="+mn-lt"/>
+                <a:ea typeface="+mn-ea"/>
+                <a:cs typeface="+mn-cs"/>
+              </a:defRPr>
+            </a:lvl8pPr>
+            <a:lvl9pPr marL="3657600" algn="l" defTabSz="914400" rtl="0" eaLnBrk="1" latinLnBrk="0" hangingPunct="1">
+              <a:defRPr sz="1800" kern="1200">
+                <a:solidFill>
+                  <a:schemeClr val="tx1"/>
+                </a:solidFill>
+                <a:latin typeface="+mn-lt"/>
+                <a:ea typeface="+mn-ea"/>
+                <a:cs typeface="+mn-cs"/>
+              </a:defRPr>
+            </a:lvl9pPr>
+          </a:lstStyle>
+          <a:p>
+            <a:pPr algn="l">
+              <a:spcAft>
+                <a:spcPts val="600"/>
+              </a:spcAft>
+            </a:pPr>
+            <a:r>
+              <a:rPr lang="en-US" dirty="0"/>
+              <a:t>Fig. 9, DTC Code.</a:t>
             </a:r>
           </a:p>
         </p:txBody>
@@ -6295,7 +6987,7 @@
 </p:sld>
 </file>
 
-<file path=ppt/slides/slide11.xml><?xml version="1.0" encoding="utf-8"?>
+<file path=ppt/slides/slide12.xml><?xml version="1.0" encoding="utf-8"?>
 <p:sld xmlns:a="http://schemas.openxmlformats.org/drawingml/2006/main" xmlns:r="http://schemas.openxmlformats.org/officeDocument/2006/relationships" xmlns:p="http://schemas.openxmlformats.org/presentationml/2006/main">
   <p:cSld>
     <p:bg>
@@ -6652,7 +7344,7 @@
           <a:lstStyle/>
           <a:p>
             <a:r>
-              <a:rPr lang="en-US" sz="4000" kern="1200">
+              <a:rPr lang="en-US" sz="4000" kern="1200" dirty="0">
                 <a:solidFill>
                   <a:srgbClr val="FFFFFF"/>
                 </a:solidFill>
@@ -6683,7 +7375,7 @@
         </p:nvSpPr>
         <p:spPr>
           <a:xfrm>
-            <a:off x="457199" y="5096182"/>
+            <a:off x="475860" y="5366680"/>
             <a:ext cx="10153651" cy="873612"/>
           </a:xfrm>
         </p:spPr>
@@ -6733,15 +7425,20 @@
           <p:nvPr/>
         </p:nvPicPr>
         <p:blipFill>
-          <a:blip r:embed="rId2"/>
-          <a:stretch>
-            <a:fillRect/>
-          </a:stretch>
+          <a:blip r:embed="rId2">
+            <a:extLst>
+              <a:ext uri="{28A0092B-C50C-407E-A947-70E740481C1C}">
+                <a14:useLocalDpi xmlns:a14="http://schemas.microsoft.com/office/drawing/2010/main" val="0"/>
+              </a:ext>
+            </a:extLst>
+          </a:blip>
+          <a:srcRect/>
+          <a:stretch/>
         </p:blipFill>
         <p:spPr>
           <a:xfrm>
-            <a:off x="457199" y="1655276"/>
-            <a:ext cx="11327549" cy="3171713"/>
+            <a:off x="614840" y="1619532"/>
+            <a:ext cx="10453209" cy="3747148"/>
           </a:xfrm>
           <a:prstGeom prst="rect">
             <a:avLst/>
@@ -6761,9 +7458,17 @@
 </p:sld>
 </file>
 
-<file path=ppt/slides/slide12.xml><?xml version="1.0" encoding="utf-8"?>
+<file path=ppt/slides/slide13.xml><?xml version="1.0" encoding="utf-8"?>
 <p:sld xmlns:a="http://schemas.openxmlformats.org/drawingml/2006/main" xmlns:r="http://schemas.openxmlformats.org/officeDocument/2006/relationships" xmlns:p="http://schemas.openxmlformats.org/presentationml/2006/main">
   <p:cSld>
+    <p:bg>
+      <p:bgPr>
+        <a:solidFill>
+          <a:schemeClr val="bg1"/>
+        </a:solidFill>
+        <a:effectLst/>
+      </p:bgPr>
+    </p:bg>
     <p:spTree>
       <p:nvGrpSpPr>
         <p:cNvPr id="1" name=""/>
@@ -6778,12 +7483,315 @@
           <a:chExt cx="0" cy="0"/>
         </a:xfrm>
       </p:grpSpPr>
+      <p:sp useBgFill="1">
+        <p:nvSpPr>
+          <p:cNvPr id="11" name="Rectangle 10">
+            <a:extLst>
+              <a:ext uri="{FF2B5EF4-FFF2-40B4-BE49-F238E27FC236}">
+                <a16:creationId xmlns:a16="http://schemas.microsoft.com/office/drawing/2014/main" id="{A8384FB5-9ADC-4DDC-881B-597D56F5B15D}"/>
+              </a:ext>
+              <a:ext uri="{C183D7F6-B498-43B3-948B-1728B52AA6E4}">
+                <adec:decorative xmlns:adec="http://schemas.microsoft.com/office/drawing/2017/decorative" val="1"/>
+              </a:ext>
+            </a:extLst>
+          </p:cNvPr>
+          <p:cNvSpPr>
+            <a:spLocks noGrp="1" noRot="1" noChangeAspect="1" noMove="1" noResize="1" noEditPoints="1" noAdjustHandles="1" noChangeArrowheads="1" noChangeShapeType="1" noTextEdit="1"/>
+          </p:cNvSpPr>
+          <p:nvPr>
+            <p:extLst>
+              <p:ext uri="{386F3935-93C4-4BCD-93E2-E3B085C9AB24}">
+                <p16:designElem xmlns:p16="http://schemas.microsoft.com/office/powerpoint/2015/main" val="1"/>
+              </p:ext>
+            </p:extLst>
+          </p:nvPr>
+        </p:nvSpPr>
+        <p:spPr>
+          <a:xfrm>
+            <a:off x="0" y="0"/>
+            <a:ext cx="12192000" cy="6858000"/>
+          </a:xfrm>
+          <a:prstGeom prst="rect">
+            <a:avLst/>
+          </a:prstGeom>
+          <a:ln w="12700" cap="flat" cmpd="sng" algn="ctr">
+            <a:noFill/>
+            <a:prstDash val="solid"/>
+            <a:miter lim="800000"/>
+          </a:ln>
+          <a:effectLst/>
+          <a:extLst>
+            <a:ext uri="{91240B29-F687-4F45-9708-019B960494DF}">
+              <a14:hiddenLine xmlns:a14="http://schemas.microsoft.com/office/drawing/2010/main" w="12700" cap="flat" cmpd="sng" algn="ctr">
+                <a:solidFill>
+                  <a:schemeClr val="accent1">
+                    <a:shade val="50000"/>
+                  </a:schemeClr>
+                </a:solidFill>
+                <a:prstDash val="solid"/>
+                <a:miter lim="800000"/>
+              </a14:hiddenLine>
+            </a:ext>
+          </a:extLst>
+        </p:spPr>
+        <p:style>
+          <a:lnRef idx="2">
+            <a:schemeClr val="accent1">
+              <a:shade val="50000"/>
+            </a:schemeClr>
+          </a:lnRef>
+          <a:fillRef idx="1">
+            <a:schemeClr val="accent1"/>
+          </a:fillRef>
+          <a:effectRef idx="0">
+            <a:schemeClr val="accent1"/>
+          </a:effectRef>
+          <a:fontRef idx="minor">
+            <a:schemeClr val="lt1"/>
+          </a:fontRef>
+        </p:style>
+        <p:txBody>
+          <a:bodyPr rtlCol="0" anchor="ctr"/>
+          <a:lstStyle/>
+          <a:p>
+            <a:pPr algn="ctr"/>
+            <a:endParaRPr lang="en-US"/>
+          </a:p>
+        </p:txBody>
+      </p:sp>
       <p:sp>
         <p:nvSpPr>
+          <p:cNvPr id="13" name="Rectangle 12">
+            <a:extLst>
+              <a:ext uri="{FF2B5EF4-FFF2-40B4-BE49-F238E27FC236}">
+                <a16:creationId xmlns:a16="http://schemas.microsoft.com/office/drawing/2014/main" id="{1199E1B1-A8C0-4FE8-A5A8-1CB41D69F857}"/>
+              </a:ext>
+              <a:ext uri="{C183D7F6-B498-43B3-948B-1728B52AA6E4}">
+                <adec:decorative xmlns:adec="http://schemas.microsoft.com/office/drawing/2017/decorative" val="1"/>
+              </a:ext>
+            </a:extLst>
+          </p:cNvPr>
+          <p:cNvSpPr>
+            <a:spLocks noGrp="1" noRot="1" noChangeAspect="1" noMove="1" noResize="1" noEditPoints="1" noAdjustHandles="1" noChangeArrowheads="1" noChangeShapeType="1" noTextEdit="1"/>
+          </p:cNvSpPr>
+          <p:nvPr>
+            <p:extLst>
+              <p:ext uri="{386F3935-93C4-4BCD-93E2-E3B085C9AB24}">
+                <p16:designElem xmlns:p16="http://schemas.microsoft.com/office/powerpoint/2015/main" val="1"/>
+              </p:ext>
+            </p:extLst>
+          </p:nvPr>
+        </p:nvSpPr>
+        <p:spPr>
+          <a:xfrm rot="10800000" flipH="1">
+            <a:off x="2" y="0"/>
+            <a:ext cx="12191998" cy="1575955"/>
+          </a:xfrm>
+          <a:prstGeom prst="rect">
+            <a:avLst/>
+          </a:prstGeom>
+          <a:gradFill>
+            <a:gsLst>
+              <a:gs pos="0">
+                <a:srgbClr val="000000">
+                  <a:alpha val="96000"/>
+                </a:srgbClr>
+              </a:gs>
+              <a:gs pos="100000">
+                <a:schemeClr val="accent1">
+                  <a:lumMod val="75000"/>
+                </a:schemeClr>
+              </a:gs>
+            </a:gsLst>
+            <a:lin ang="6000000" scaled="0"/>
+          </a:gradFill>
+          <a:ln>
+            <a:noFill/>
+          </a:ln>
+        </p:spPr>
+        <p:style>
+          <a:lnRef idx="2">
+            <a:schemeClr val="accent1">
+              <a:shade val="50000"/>
+            </a:schemeClr>
+          </a:lnRef>
+          <a:fillRef idx="1">
+            <a:schemeClr val="accent1"/>
+          </a:fillRef>
+          <a:effectRef idx="0">
+            <a:schemeClr val="accent1"/>
+          </a:effectRef>
+          <a:fontRef idx="minor">
+            <a:schemeClr val="lt1"/>
+          </a:fontRef>
+        </p:style>
+        <p:txBody>
+          <a:bodyPr rtlCol="0" anchor="ctr"/>
+          <a:lstStyle/>
+          <a:p>
+            <a:pPr algn="ctr"/>
+            <a:endParaRPr lang="en-US"/>
+          </a:p>
+        </p:txBody>
+      </p:sp>
+      <p:sp>
+        <p:nvSpPr>
+          <p:cNvPr id="15" name="Rectangle 14">
+            <a:extLst>
+              <a:ext uri="{FF2B5EF4-FFF2-40B4-BE49-F238E27FC236}">
+                <a16:creationId xmlns:a16="http://schemas.microsoft.com/office/drawing/2014/main" id="{84A8DE83-DE75-4B41-9DB4-A7EC0B0DEC0B}"/>
+              </a:ext>
+              <a:ext uri="{C183D7F6-B498-43B3-948B-1728B52AA6E4}">
+                <adec:decorative xmlns:adec="http://schemas.microsoft.com/office/drawing/2017/decorative" val="1"/>
+              </a:ext>
+            </a:extLst>
+          </p:cNvPr>
+          <p:cNvSpPr>
+            <a:spLocks noGrp="1" noRot="1" noChangeAspect="1" noMove="1" noResize="1" noEditPoints="1" noAdjustHandles="1" noChangeArrowheads="1" noChangeShapeType="1" noTextEdit="1"/>
+          </p:cNvSpPr>
+          <p:nvPr>
+            <p:extLst>
+              <p:ext uri="{386F3935-93C4-4BCD-93E2-E3B085C9AB24}">
+                <p16:designElem xmlns:p16="http://schemas.microsoft.com/office/powerpoint/2015/main" val="1"/>
+              </p:ext>
+            </p:extLst>
+          </p:nvPr>
+        </p:nvSpPr>
+        <p:spPr>
+          <a:xfrm>
+            <a:off x="0" y="0"/>
+            <a:ext cx="8128856" cy="1575461"/>
+          </a:xfrm>
+          <a:prstGeom prst="rect">
+            <a:avLst/>
+          </a:prstGeom>
+          <a:gradFill>
+            <a:gsLst>
+              <a:gs pos="0">
+                <a:schemeClr val="accent1">
+                  <a:alpha val="41000"/>
+                </a:schemeClr>
+              </a:gs>
+              <a:gs pos="74000">
+                <a:schemeClr val="accent1">
+                  <a:lumMod val="60000"/>
+                  <a:lumOff val="40000"/>
+                  <a:alpha val="0"/>
+                </a:schemeClr>
+              </a:gs>
+            </a:gsLst>
+            <a:lin ang="8400000" scaled="0"/>
+          </a:gradFill>
+          <a:ln>
+            <a:noFill/>
+          </a:ln>
+        </p:spPr>
+        <p:style>
+          <a:lnRef idx="2">
+            <a:schemeClr val="accent1">
+              <a:shade val="50000"/>
+            </a:schemeClr>
+          </a:lnRef>
+          <a:fillRef idx="1">
+            <a:schemeClr val="accent1"/>
+          </a:fillRef>
+          <a:effectRef idx="0">
+            <a:schemeClr val="accent1"/>
+          </a:effectRef>
+          <a:fontRef idx="minor">
+            <a:schemeClr val="lt1"/>
+          </a:fontRef>
+        </p:style>
+        <p:txBody>
+          <a:bodyPr rtlCol="0" anchor="ctr"/>
+          <a:lstStyle/>
+          <a:p>
+            <a:pPr algn="ctr"/>
+            <a:endParaRPr lang="en-US"/>
+          </a:p>
+        </p:txBody>
+      </p:sp>
+      <p:sp>
+        <p:nvSpPr>
+          <p:cNvPr id="17" name="Rectangle 16">
+            <a:extLst>
+              <a:ext uri="{FF2B5EF4-FFF2-40B4-BE49-F238E27FC236}">
+                <a16:creationId xmlns:a16="http://schemas.microsoft.com/office/drawing/2014/main" id="{A7009A0A-BEF5-4EAC-AF15-E4F9F002E239}"/>
+              </a:ext>
+              <a:ext uri="{C183D7F6-B498-43B3-948B-1728B52AA6E4}">
+                <adec:decorative xmlns:adec="http://schemas.microsoft.com/office/drawing/2017/decorative" val="1"/>
+              </a:ext>
+            </a:extLst>
+          </p:cNvPr>
+          <p:cNvSpPr>
+            <a:spLocks noGrp="1" noRot="1" noChangeAspect="1" noMove="1" noResize="1" noEditPoints="1" noAdjustHandles="1" noChangeArrowheads="1" noChangeShapeType="1" noTextEdit="1"/>
+          </p:cNvSpPr>
+          <p:nvPr>
+            <p:extLst>
+              <p:ext uri="{386F3935-93C4-4BCD-93E2-E3B085C9AB24}">
+                <p16:designElem xmlns:p16="http://schemas.microsoft.com/office/powerpoint/2015/main" val="1"/>
+              </p:ext>
+            </p:extLst>
+          </p:nvPr>
+        </p:nvSpPr>
+        <p:spPr>
+          <a:xfrm flipH="1">
+            <a:off x="-3" y="-1"/>
+            <a:ext cx="12192002" cy="1574311"/>
+          </a:xfrm>
+          <a:prstGeom prst="rect">
+            <a:avLst/>
+          </a:prstGeom>
+          <a:gradFill>
+            <a:gsLst>
+              <a:gs pos="0">
+                <a:srgbClr val="000000">
+                  <a:alpha val="63000"/>
+                </a:srgbClr>
+              </a:gs>
+              <a:gs pos="78000">
+                <a:schemeClr val="accent1">
+                  <a:alpha val="15000"/>
+                </a:schemeClr>
+              </a:gs>
+            </a:gsLst>
+            <a:lin ang="15600000" scaled="0"/>
+          </a:gradFill>
+          <a:ln>
+            <a:noFill/>
+          </a:ln>
+        </p:spPr>
+        <p:style>
+          <a:lnRef idx="2">
+            <a:schemeClr val="accent1">
+              <a:shade val="50000"/>
+            </a:schemeClr>
+          </a:lnRef>
+          <a:fillRef idx="1">
+            <a:schemeClr val="accent1"/>
+          </a:fillRef>
+          <a:effectRef idx="0">
+            <a:schemeClr val="accent1"/>
+          </a:effectRef>
+          <a:fontRef idx="minor">
+            <a:schemeClr val="lt1"/>
+          </a:fontRef>
+        </p:style>
+        <p:txBody>
+          <a:bodyPr rtlCol="0" anchor="ctr"/>
+          <a:lstStyle/>
+          <a:p>
+            <a:pPr algn="ctr"/>
+            <a:endParaRPr lang="en-US"/>
+          </a:p>
+        </p:txBody>
+      </p:sp>
+      <p:sp>
+        <p:nvSpPr>
           <p:cNvPr id="2" name="Title 1">
             <a:extLst>
               <a:ext uri="{FF2B5EF4-FFF2-40B4-BE49-F238E27FC236}">
-                <a16:creationId xmlns:a16="http://schemas.microsoft.com/office/drawing/2014/main" id="{5C802DB2-C19E-B328-0DDC-1811DBC24F77}"/>
+                <a16:creationId xmlns:a16="http://schemas.microsoft.com/office/drawing/2014/main" id="{94B328AE-E53D-89D4-CE8C-E82025EE8E1F}"/>
               </a:ext>
             </a:extLst>
           </p:cNvPr>
@@ -6794,13 +7802,27 @@
             <p:ph type="title"/>
           </p:nvPr>
         </p:nvSpPr>
-        <p:spPr/>
-        <p:txBody>
-          <a:bodyPr/>
+        <p:spPr>
+          <a:xfrm>
+            <a:off x="699713" y="248038"/>
+            <a:ext cx="7063721" cy="1159200"/>
+          </a:xfrm>
+        </p:spPr>
+        <p:txBody>
+          <a:bodyPr vert="horz" lIns="91440" tIns="45720" rIns="91440" bIns="45720" rtlCol="0" anchor="ctr">
+            <a:normAutofit/>
+          </a:bodyPr>
           <a:lstStyle/>
           <a:p>
             <a:r>
-              <a:rPr lang="en-US" dirty="0"/>
+              <a:rPr lang="en-US" sz="4000" kern="1200" dirty="0">
+                <a:solidFill>
+                  <a:srgbClr val="FFFFFF"/>
+                </a:solidFill>
+                <a:latin typeface="+mj-lt"/>
+                <a:ea typeface="+mj-ea"/>
+                <a:cs typeface="+mj-cs"/>
+              </a:rPr>
               <a:t>OBU</a:t>
             </a:r>
           </a:p>
@@ -6811,7 +7833,7 @@
           <p:cNvPr id="3" name="Content Placeholder 2">
             <a:extLst>
               <a:ext uri="{FF2B5EF4-FFF2-40B4-BE49-F238E27FC236}">
-                <a16:creationId xmlns:a16="http://schemas.microsoft.com/office/drawing/2014/main" id="{FC5C4E9B-C36E-044F-3C4D-C6069F92DEE2}"/>
+                <a16:creationId xmlns:a16="http://schemas.microsoft.com/office/drawing/2014/main" id="{ADC23DE7-688F-96A3-C6A2-5683C853A5E8}"/>
               </a:ext>
             </a:extLst>
           </p:cNvPr>
@@ -6822,39 +7844,472 @@
             <p:ph idx="1"/>
           </p:nvPr>
         </p:nvSpPr>
-        <p:spPr/>
-        <p:txBody>
-          <a:bodyPr/>
+        <p:spPr>
+          <a:xfrm>
+            <a:off x="425060" y="1927480"/>
+            <a:ext cx="10153651" cy="2587370"/>
+          </a:xfrm>
+        </p:spPr>
+        <p:txBody>
+          <a:bodyPr vert="horz" lIns="91440" tIns="45720" rIns="91440" bIns="45720" rtlCol="0" anchor="ctr">
+            <a:normAutofit/>
+          </a:bodyPr>
           <a:lstStyle/>
           <a:p>
-            <a:endParaRPr lang="en-US"/>
-          </a:p>
-        </p:txBody>
-      </p:sp>
+            <a:r>
+              <a:rPr lang="en-US" sz="2000" dirty="0" err="1">
+                <a:solidFill>
+                  <a:schemeClr val="tx1">
+                    <a:lumMod val="95000"/>
+                    <a:lumOff val="5000"/>
+                  </a:schemeClr>
+                </a:solidFill>
+              </a:rPr>
+              <a:t>OnBoard</a:t>
+            </a:r>
+            <a:r>
+              <a:rPr lang="en-US" sz="2000" dirty="0">
+                <a:solidFill>
+                  <a:schemeClr val="tx1">
+                    <a:lumMod val="95000"/>
+                    <a:lumOff val="5000"/>
+                  </a:schemeClr>
+                </a:solidFill>
+              </a:rPr>
+              <a:t> Unit providing C-ITS capabilities</a:t>
+            </a:r>
+          </a:p>
+          <a:p>
+            <a:r>
+              <a:rPr lang="en-US" sz="2000" dirty="0">
+                <a:solidFill>
+                  <a:schemeClr val="tx1">
+                    <a:lumMod val="95000"/>
+                    <a:lumOff val="5000"/>
+                  </a:schemeClr>
+                </a:solidFill>
+              </a:rPr>
+              <a:t>Modeled after </a:t>
+            </a:r>
+            <a:r>
+              <a:rPr lang="en-US" sz="2000" dirty="0" err="1">
+                <a:solidFill>
+                  <a:schemeClr val="tx1">
+                    <a:lumMod val="95000"/>
+                    <a:lumOff val="5000"/>
+                  </a:schemeClr>
+                </a:solidFill>
+              </a:rPr>
+              <a:t>Commsignia’s</a:t>
+            </a:r>
+            <a:r>
+              <a:rPr lang="en-US" sz="2000" dirty="0">
+                <a:solidFill>
+                  <a:schemeClr val="tx1">
+                    <a:lumMod val="95000"/>
+                    <a:lumOff val="5000"/>
+                  </a:schemeClr>
+                </a:solidFill>
+              </a:rPr>
+              <a:t> ITS-OB4</a:t>
+            </a:r>
+          </a:p>
+          <a:p>
+            <a:r>
+              <a:rPr lang="en-US" sz="2000" dirty="0">
+                <a:solidFill>
+                  <a:schemeClr val="tx1">
+                    <a:lumMod val="95000"/>
+                    <a:lumOff val="5000"/>
+                  </a:schemeClr>
+                </a:solidFill>
+              </a:rPr>
+              <a:t>Integrated into existing vehicle</a:t>
+            </a:r>
+          </a:p>
+          <a:p>
+            <a:r>
+              <a:rPr lang="en-US" sz="2000" dirty="0">
+                <a:solidFill>
+                  <a:schemeClr val="tx1">
+                    <a:lumMod val="95000"/>
+                    <a:lumOff val="5000"/>
+                  </a:schemeClr>
+                </a:solidFill>
+              </a:rPr>
+              <a:t>Communicates mainly through CAN/OBD-II</a:t>
+            </a:r>
+          </a:p>
+          <a:p>
+            <a:endParaRPr lang="en-US" sz="2000" kern="1200" dirty="0">
+              <a:solidFill>
+                <a:srgbClr val="FFFFFF"/>
+              </a:solidFill>
+              <a:latin typeface="+mn-lt"/>
+              <a:ea typeface="+mn-ea"/>
+              <a:cs typeface="+mn-cs"/>
+            </a:endParaRPr>
+          </a:p>
+        </p:txBody>
+      </p:sp>
+      <p:pic>
+        <p:nvPicPr>
+          <p:cNvPr id="5" name="Picture 4" descr="A close up of a device&#10;&#10;Description automatically generated">
+            <a:extLst>
+              <a:ext uri="{FF2B5EF4-FFF2-40B4-BE49-F238E27FC236}">
+                <a16:creationId xmlns:a16="http://schemas.microsoft.com/office/drawing/2014/main" id="{AB4DE169-45DE-05CC-816A-9FB8B7CFAD06}"/>
+              </a:ext>
+            </a:extLst>
+          </p:cNvPr>
+          <p:cNvPicPr>
+            <a:picLocks noChangeAspect="1"/>
+          </p:cNvPicPr>
+          <p:nvPr/>
+        </p:nvPicPr>
+        <p:blipFill>
+          <a:blip r:embed="rId2">
+            <a:extLst>
+              <a:ext uri="{28A0092B-C50C-407E-A947-70E740481C1C}">
+                <a14:useLocalDpi xmlns:a14="http://schemas.microsoft.com/office/drawing/2010/main" val="0"/>
+              </a:ext>
+            </a:extLst>
+          </a:blip>
+          <a:stretch>
+            <a:fillRect/>
+          </a:stretch>
+        </p:blipFill>
+        <p:spPr>
+          <a:xfrm>
+            <a:off x="6692302" y="3335673"/>
+            <a:ext cx="5429847" cy="1759812"/>
+          </a:xfrm>
+          <a:prstGeom prst="rect">
+            <a:avLst/>
+          </a:prstGeom>
+        </p:spPr>
+      </p:pic>
       <p:sp>
         <p:nvSpPr>
-          <p:cNvPr id="4" name="Footer Placeholder 3">
-            <a:extLst>
-              <a:ext uri="{FF2B5EF4-FFF2-40B4-BE49-F238E27FC236}">
-                <a16:creationId xmlns:a16="http://schemas.microsoft.com/office/drawing/2014/main" id="{D9967B7C-127A-0822-839B-E02BD98AC3A4}"/>
-              </a:ext>
-            </a:extLst>
-          </p:cNvPr>
-          <p:cNvSpPr>
-            <a:spLocks noGrp="1"/>
-          </p:cNvSpPr>
-          <p:nvPr>
-            <p:ph type="ftr" sz="quarter" idx="11"/>
-          </p:nvPr>
-        </p:nvSpPr>
-        <p:spPr/>
-        <p:txBody>
-          <a:bodyPr/>
-          <a:lstStyle/>
-          <a:p>
-            <a:r>
-              <a:rPr lang="en-US"/>
-              <a:t>Fig. 1, Awarenees Driving</a:t>
+          <p:cNvPr id="8" name="Footer Placeholder 5">
+            <a:extLst>
+              <a:ext uri="{FF2B5EF4-FFF2-40B4-BE49-F238E27FC236}">
+                <a16:creationId xmlns:a16="http://schemas.microsoft.com/office/drawing/2014/main" id="{75B7F654-032B-A09C-CA79-2FB92B1290E6}"/>
+              </a:ext>
+            </a:extLst>
+          </p:cNvPr>
+          <p:cNvSpPr txBox="1">
+            <a:spLocks/>
+          </p:cNvSpPr>
+          <p:nvPr/>
+        </p:nvSpPr>
+        <p:spPr>
+          <a:xfrm>
+            <a:off x="7208773" y="4912922"/>
+            <a:ext cx="3960877" cy="365125"/>
+          </a:xfrm>
+          <a:prstGeom prst="rect">
+            <a:avLst/>
+          </a:prstGeom>
+        </p:spPr>
+        <p:txBody>
+          <a:bodyPr vert="horz" lIns="91440" tIns="45720" rIns="91440" bIns="45720" rtlCol="0" anchor="ctr">
+            <a:normAutofit/>
+          </a:bodyPr>
+          <a:lstStyle>
+            <a:defPPr>
+              <a:defRPr lang="en-US"/>
+            </a:defPPr>
+            <a:lvl1pPr marL="0" algn="ctr" defTabSz="914400" rtl="0" eaLnBrk="1" latinLnBrk="0" hangingPunct="1">
+              <a:defRPr sz="1200" kern="1200">
+                <a:solidFill>
+                  <a:schemeClr val="tx1">
+                    <a:tint val="82000"/>
+                  </a:schemeClr>
+                </a:solidFill>
+                <a:latin typeface="+mn-lt"/>
+                <a:ea typeface="+mn-ea"/>
+                <a:cs typeface="+mn-cs"/>
+              </a:defRPr>
+            </a:lvl1pPr>
+            <a:lvl2pPr marL="457200" algn="l" defTabSz="914400" rtl="0" eaLnBrk="1" latinLnBrk="0" hangingPunct="1">
+              <a:defRPr sz="1800" kern="1200">
+                <a:solidFill>
+                  <a:schemeClr val="tx1"/>
+                </a:solidFill>
+                <a:latin typeface="+mn-lt"/>
+                <a:ea typeface="+mn-ea"/>
+                <a:cs typeface="+mn-cs"/>
+              </a:defRPr>
+            </a:lvl2pPr>
+            <a:lvl3pPr marL="914400" algn="l" defTabSz="914400" rtl="0" eaLnBrk="1" latinLnBrk="0" hangingPunct="1">
+              <a:defRPr sz="1800" kern="1200">
+                <a:solidFill>
+                  <a:schemeClr val="tx1"/>
+                </a:solidFill>
+                <a:latin typeface="+mn-lt"/>
+                <a:ea typeface="+mn-ea"/>
+                <a:cs typeface="+mn-cs"/>
+              </a:defRPr>
+            </a:lvl3pPr>
+            <a:lvl4pPr marL="1371600" algn="l" defTabSz="914400" rtl="0" eaLnBrk="1" latinLnBrk="0" hangingPunct="1">
+              <a:defRPr sz="1800" kern="1200">
+                <a:solidFill>
+                  <a:schemeClr val="tx1"/>
+                </a:solidFill>
+                <a:latin typeface="+mn-lt"/>
+                <a:ea typeface="+mn-ea"/>
+                <a:cs typeface="+mn-cs"/>
+              </a:defRPr>
+            </a:lvl4pPr>
+            <a:lvl5pPr marL="1828800" algn="l" defTabSz="914400" rtl="0" eaLnBrk="1" latinLnBrk="0" hangingPunct="1">
+              <a:defRPr sz="1800" kern="1200">
+                <a:solidFill>
+                  <a:schemeClr val="tx1"/>
+                </a:solidFill>
+                <a:latin typeface="+mn-lt"/>
+                <a:ea typeface="+mn-ea"/>
+                <a:cs typeface="+mn-cs"/>
+              </a:defRPr>
+            </a:lvl5pPr>
+            <a:lvl6pPr marL="2286000" algn="l" defTabSz="914400" rtl="0" eaLnBrk="1" latinLnBrk="0" hangingPunct="1">
+              <a:defRPr sz="1800" kern="1200">
+                <a:solidFill>
+                  <a:schemeClr val="tx1"/>
+                </a:solidFill>
+                <a:latin typeface="+mn-lt"/>
+                <a:ea typeface="+mn-ea"/>
+                <a:cs typeface="+mn-cs"/>
+              </a:defRPr>
+            </a:lvl6pPr>
+            <a:lvl7pPr marL="2743200" algn="l" defTabSz="914400" rtl="0" eaLnBrk="1" latinLnBrk="0" hangingPunct="1">
+              <a:defRPr sz="1800" kern="1200">
+                <a:solidFill>
+                  <a:schemeClr val="tx1"/>
+                </a:solidFill>
+                <a:latin typeface="+mn-lt"/>
+                <a:ea typeface="+mn-ea"/>
+                <a:cs typeface="+mn-cs"/>
+              </a:defRPr>
+            </a:lvl7pPr>
+            <a:lvl8pPr marL="3200400" algn="l" defTabSz="914400" rtl="0" eaLnBrk="1" latinLnBrk="0" hangingPunct="1">
+              <a:defRPr sz="1800" kern="1200">
+                <a:solidFill>
+                  <a:schemeClr val="tx1"/>
+                </a:solidFill>
+                <a:latin typeface="+mn-lt"/>
+                <a:ea typeface="+mn-ea"/>
+                <a:cs typeface="+mn-cs"/>
+              </a:defRPr>
+            </a:lvl8pPr>
+            <a:lvl9pPr marL="3657600" algn="l" defTabSz="914400" rtl="0" eaLnBrk="1" latinLnBrk="0" hangingPunct="1">
+              <a:defRPr sz="1800" kern="1200">
+                <a:solidFill>
+                  <a:schemeClr val="tx1"/>
+                </a:solidFill>
+                <a:latin typeface="+mn-lt"/>
+                <a:ea typeface="+mn-ea"/>
+                <a:cs typeface="+mn-cs"/>
+              </a:defRPr>
+            </a:lvl9pPr>
+          </a:lstStyle>
+          <a:p>
+            <a:pPr algn="l">
+              <a:spcAft>
+                <a:spcPts val="600"/>
+              </a:spcAft>
+            </a:pPr>
+            <a:r>
+              <a:rPr lang="en-US" dirty="0"/>
+              <a:t>Fig. 10, </a:t>
+            </a:r>
+            <a:r>
+              <a:rPr lang="en-US" dirty="0" err="1"/>
+              <a:t>Commsignia</a:t>
+            </a:r>
+            <a:r>
+              <a:rPr lang="en-US" dirty="0"/>
+              <a:t> OBU Ports</a:t>
+            </a:r>
+          </a:p>
+        </p:txBody>
+      </p:sp>
+      <p:pic>
+        <p:nvPicPr>
+          <p:cNvPr id="10" name="Picture 9" descr="A black rectangular object with many small holes&#10;&#10;Description automatically generated with medium confidence">
+            <a:extLst>
+              <a:ext uri="{FF2B5EF4-FFF2-40B4-BE49-F238E27FC236}">
+                <a16:creationId xmlns:a16="http://schemas.microsoft.com/office/drawing/2014/main" id="{256C1D40-7715-35E6-906C-A28CE15C7066}"/>
+              </a:ext>
+            </a:extLst>
+          </p:cNvPr>
+          <p:cNvPicPr>
+            <a:picLocks noChangeAspect="1"/>
+          </p:cNvPicPr>
+          <p:nvPr/>
+        </p:nvPicPr>
+        <p:blipFill>
+          <a:blip r:embed="rId3">
+            <a:extLst>
+              <a:ext uri="{28A0092B-C50C-407E-A947-70E740481C1C}">
+                <a14:useLocalDpi xmlns:a14="http://schemas.microsoft.com/office/drawing/2010/main" val="0"/>
+              </a:ext>
+            </a:extLst>
+          </a:blip>
+          <a:stretch>
+            <a:fillRect/>
+          </a:stretch>
+        </p:blipFill>
+        <p:spPr>
+          <a:xfrm>
+            <a:off x="1576302" y="2750404"/>
+            <a:ext cx="6319106" cy="5055285"/>
+          </a:xfrm>
+          <a:prstGeom prst="rect">
+            <a:avLst/>
+          </a:prstGeom>
+        </p:spPr>
+      </p:pic>
+      <p:sp>
+        <p:nvSpPr>
+          <p:cNvPr id="12" name="Footer Placeholder 5">
+            <a:extLst>
+              <a:ext uri="{FF2B5EF4-FFF2-40B4-BE49-F238E27FC236}">
+                <a16:creationId xmlns:a16="http://schemas.microsoft.com/office/drawing/2014/main" id="{04597C8E-4B13-3724-E369-F0D7295FF150}"/>
+              </a:ext>
+            </a:extLst>
+          </p:cNvPr>
+          <p:cNvSpPr txBox="1">
+            <a:spLocks/>
+          </p:cNvSpPr>
+          <p:nvPr/>
+        </p:nvSpPr>
+        <p:spPr>
+          <a:xfrm>
+            <a:off x="4928734" y="6275763"/>
+            <a:ext cx="3960877" cy="365125"/>
+          </a:xfrm>
+          <a:prstGeom prst="rect">
+            <a:avLst/>
+          </a:prstGeom>
+        </p:spPr>
+        <p:txBody>
+          <a:bodyPr vert="horz" lIns="91440" tIns="45720" rIns="91440" bIns="45720" rtlCol="0" anchor="ctr">
+            <a:normAutofit/>
+          </a:bodyPr>
+          <a:lstStyle>
+            <a:defPPr>
+              <a:defRPr lang="en-US"/>
+            </a:defPPr>
+            <a:lvl1pPr marL="0" algn="ctr" defTabSz="914400" rtl="0" eaLnBrk="1" latinLnBrk="0" hangingPunct="1">
+              <a:defRPr sz="1200" kern="1200">
+                <a:solidFill>
+                  <a:schemeClr val="tx1">
+                    <a:tint val="82000"/>
+                  </a:schemeClr>
+                </a:solidFill>
+                <a:latin typeface="+mn-lt"/>
+                <a:ea typeface="+mn-ea"/>
+                <a:cs typeface="+mn-cs"/>
+              </a:defRPr>
+            </a:lvl1pPr>
+            <a:lvl2pPr marL="457200" algn="l" defTabSz="914400" rtl="0" eaLnBrk="1" latinLnBrk="0" hangingPunct="1">
+              <a:defRPr sz="1800" kern="1200">
+                <a:solidFill>
+                  <a:schemeClr val="tx1"/>
+                </a:solidFill>
+                <a:latin typeface="+mn-lt"/>
+                <a:ea typeface="+mn-ea"/>
+                <a:cs typeface="+mn-cs"/>
+              </a:defRPr>
+            </a:lvl2pPr>
+            <a:lvl3pPr marL="914400" algn="l" defTabSz="914400" rtl="0" eaLnBrk="1" latinLnBrk="0" hangingPunct="1">
+              <a:defRPr sz="1800" kern="1200">
+                <a:solidFill>
+                  <a:schemeClr val="tx1"/>
+                </a:solidFill>
+                <a:latin typeface="+mn-lt"/>
+                <a:ea typeface="+mn-ea"/>
+                <a:cs typeface="+mn-cs"/>
+              </a:defRPr>
+            </a:lvl3pPr>
+            <a:lvl4pPr marL="1371600" algn="l" defTabSz="914400" rtl="0" eaLnBrk="1" latinLnBrk="0" hangingPunct="1">
+              <a:defRPr sz="1800" kern="1200">
+                <a:solidFill>
+                  <a:schemeClr val="tx1"/>
+                </a:solidFill>
+                <a:latin typeface="+mn-lt"/>
+                <a:ea typeface="+mn-ea"/>
+                <a:cs typeface="+mn-cs"/>
+              </a:defRPr>
+            </a:lvl4pPr>
+            <a:lvl5pPr marL="1828800" algn="l" defTabSz="914400" rtl="0" eaLnBrk="1" latinLnBrk="0" hangingPunct="1">
+              <a:defRPr sz="1800" kern="1200">
+                <a:solidFill>
+                  <a:schemeClr val="tx1"/>
+                </a:solidFill>
+                <a:latin typeface="+mn-lt"/>
+                <a:ea typeface="+mn-ea"/>
+                <a:cs typeface="+mn-cs"/>
+              </a:defRPr>
+            </a:lvl5pPr>
+            <a:lvl6pPr marL="2286000" algn="l" defTabSz="914400" rtl="0" eaLnBrk="1" latinLnBrk="0" hangingPunct="1">
+              <a:defRPr sz="1800" kern="1200">
+                <a:solidFill>
+                  <a:schemeClr val="tx1"/>
+                </a:solidFill>
+                <a:latin typeface="+mn-lt"/>
+                <a:ea typeface="+mn-ea"/>
+                <a:cs typeface="+mn-cs"/>
+              </a:defRPr>
+            </a:lvl6pPr>
+            <a:lvl7pPr marL="2743200" algn="l" defTabSz="914400" rtl="0" eaLnBrk="1" latinLnBrk="0" hangingPunct="1">
+              <a:defRPr sz="1800" kern="1200">
+                <a:solidFill>
+                  <a:schemeClr val="tx1"/>
+                </a:solidFill>
+                <a:latin typeface="+mn-lt"/>
+                <a:ea typeface="+mn-ea"/>
+                <a:cs typeface="+mn-cs"/>
+              </a:defRPr>
+            </a:lvl7pPr>
+            <a:lvl8pPr marL="3200400" algn="l" defTabSz="914400" rtl="0" eaLnBrk="1" latinLnBrk="0" hangingPunct="1">
+              <a:defRPr sz="1800" kern="1200">
+                <a:solidFill>
+                  <a:schemeClr val="tx1"/>
+                </a:solidFill>
+                <a:latin typeface="+mn-lt"/>
+                <a:ea typeface="+mn-ea"/>
+                <a:cs typeface="+mn-cs"/>
+              </a:defRPr>
+            </a:lvl8pPr>
+            <a:lvl9pPr marL="3657600" algn="l" defTabSz="914400" rtl="0" eaLnBrk="1" latinLnBrk="0" hangingPunct="1">
+              <a:defRPr sz="1800" kern="1200">
+                <a:solidFill>
+                  <a:schemeClr val="tx1"/>
+                </a:solidFill>
+                <a:latin typeface="+mn-lt"/>
+                <a:ea typeface="+mn-ea"/>
+                <a:cs typeface="+mn-cs"/>
+              </a:defRPr>
+            </a:lvl9pPr>
+          </a:lstStyle>
+          <a:p>
+            <a:pPr algn="l">
+              <a:spcAft>
+                <a:spcPts val="600"/>
+              </a:spcAft>
+            </a:pPr>
+            <a:r>
+              <a:rPr lang="en-US" dirty="0"/>
+              <a:t>Fig. 9, </a:t>
+            </a:r>
+            <a:r>
+              <a:rPr lang="en-US" dirty="0" err="1"/>
+              <a:t>Commsignia</a:t>
+            </a:r>
+            <a:r>
+              <a:rPr lang="en-US" dirty="0"/>
+              <a:t> OBU</a:t>
             </a:r>
           </a:p>
         </p:txBody>
@@ -6862,7 +8317,7 @@
     </p:spTree>
     <p:extLst>
       <p:ext uri="{BB962C8B-B14F-4D97-AF65-F5344CB8AC3E}">
-        <p14:creationId xmlns:p14="http://schemas.microsoft.com/office/powerpoint/2010/main" val="1635181427"/>
+        <p14:creationId xmlns:p14="http://schemas.microsoft.com/office/powerpoint/2010/main" val="2020791191"/>
       </p:ext>
     </p:extLst>
   </p:cSld>
@@ -6872,9 +8327,17 @@
 </p:sld>
 </file>
 
-<file path=ppt/slides/slide13.xml><?xml version="1.0" encoding="utf-8"?>
+<file path=ppt/slides/slide14.xml><?xml version="1.0" encoding="utf-8"?>
 <p:sld xmlns:a="http://schemas.openxmlformats.org/drawingml/2006/main" xmlns:r="http://schemas.openxmlformats.org/officeDocument/2006/relationships" xmlns:p="http://schemas.openxmlformats.org/presentationml/2006/main">
   <p:cSld>
+    <p:bg>
+      <p:bgPr>
+        <a:solidFill>
+          <a:schemeClr val="bg1"/>
+        </a:solidFill>
+        <a:effectLst/>
+      </p:bgPr>
+    </p:bg>
     <p:spTree>
       <p:nvGrpSpPr>
         <p:cNvPr id="1" name=""/>
@@ -6889,12 +8352,315 @@
           <a:chExt cx="0" cy="0"/>
         </a:xfrm>
       </p:grpSpPr>
+      <p:sp useBgFill="1">
+        <p:nvSpPr>
+          <p:cNvPr id="11" name="Rectangle 10">
+            <a:extLst>
+              <a:ext uri="{FF2B5EF4-FFF2-40B4-BE49-F238E27FC236}">
+                <a16:creationId xmlns:a16="http://schemas.microsoft.com/office/drawing/2014/main" id="{A8384FB5-9ADC-4DDC-881B-597D56F5B15D}"/>
+              </a:ext>
+              <a:ext uri="{C183D7F6-B498-43B3-948B-1728B52AA6E4}">
+                <adec:decorative xmlns:adec="http://schemas.microsoft.com/office/drawing/2017/decorative" val="1"/>
+              </a:ext>
+            </a:extLst>
+          </p:cNvPr>
+          <p:cNvSpPr>
+            <a:spLocks noGrp="1" noRot="1" noChangeAspect="1" noMove="1" noResize="1" noEditPoints="1" noAdjustHandles="1" noChangeArrowheads="1" noChangeShapeType="1" noTextEdit="1"/>
+          </p:cNvSpPr>
+          <p:nvPr>
+            <p:extLst>
+              <p:ext uri="{386F3935-93C4-4BCD-93E2-E3B085C9AB24}">
+                <p16:designElem xmlns:p16="http://schemas.microsoft.com/office/powerpoint/2015/main" val="1"/>
+              </p:ext>
+            </p:extLst>
+          </p:nvPr>
+        </p:nvSpPr>
+        <p:spPr>
+          <a:xfrm>
+            <a:off x="0" y="0"/>
+            <a:ext cx="12192000" cy="6858000"/>
+          </a:xfrm>
+          <a:prstGeom prst="rect">
+            <a:avLst/>
+          </a:prstGeom>
+          <a:ln w="12700" cap="flat" cmpd="sng" algn="ctr">
+            <a:noFill/>
+            <a:prstDash val="solid"/>
+            <a:miter lim="800000"/>
+          </a:ln>
+          <a:effectLst/>
+          <a:extLst>
+            <a:ext uri="{91240B29-F687-4F45-9708-019B960494DF}">
+              <a14:hiddenLine xmlns:a14="http://schemas.microsoft.com/office/drawing/2010/main" w="12700" cap="flat" cmpd="sng" algn="ctr">
+                <a:solidFill>
+                  <a:schemeClr val="accent1">
+                    <a:shade val="50000"/>
+                  </a:schemeClr>
+                </a:solidFill>
+                <a:prstDash val="solid"/>
+                <a:miter lim="800000"/>
+              </a14:hiddenLine>
+            </a:ext>
+          </a:extLst>
+        </p:spPr>
+        <p:style>
+          <a:lnRef idx="2">
+            <a:schemeClr val="accent1">
+              <a:shade val="50000"/>
+            </a:schemeClr>
+          </a:lnRef>
+          <a:fillRef idx="1">
+            <a:schemeClr val="accent1"/>
+          </a:fillRef>
+          <a:effectRef idx="0">
+            <a:schemeClr val="accent1"/>
+          </a:effectRef>
+          <a:fontRef idx="minor">
+            <a:schemeClr val="lt1"/>
+          </a:fontRef>
+        </p:style>
+        <p:txBody>
+          <a:bodyPr rtlCol="0" anchor="ctr"/>
+          <a:lstStyle/>
+          <a:p>
+            <a:pPr algn="ctr"/>
+            <a:endParaRPr lang="en-US"/>
+          </a:p>
+        </p:txBody>
+      </p:sp>
       <p:sp>
         <p:nvSpPr>
+          <p:cNvPr id="13" name="Rectangle 12">
+            <a:extLst>
+              <a:ext uri="{FF2B5EF4-FFF2-40B4-BE49-F238E27FC236}">
+                <a16:creationId xmlns:a16="http://schemas.microsoft.com/office/drawing/2014/main" id="{1199E1B1-A8C0-4FE8-A5A8-1CB41D69F857}"/>
+              </a:ext>
+              <a:ext uri="{C183D7F6-B498-43B3-948B-1728B52AA6E4}">
+                <adec:decorative xmlns:adec="http://schemas.microsoft.com/office/drawing/2017/decorative" val="1"/>
+              </a:ext>
+            </a:extLst>
+          </p:cNvPr>
+          <p:cNvSpPr>
+            <a:spLocks noGrp="1" noRot="1" noChangeAspect="1" noMove="1" noResize="1" noEditPoints="1" noAdjustHandles="1" noChangeArrowheads="1" noChangeShapeType="1" noTextEdit="1"/>
+          </p:cNvSpPr>
+          <p:nvPr>
+            <p:extLst>
+              <p:ext uri="{386F3935-93C4-4BCD-93E2-E3B085C9AB24}">
+                <p16:designElem xmlns:p16="http://schemas.microsoft.com/office/powerpoint/2015/main" val="1"/>
+              </p:ext>
+            </p:extLst>
+          </p:nvPr>
+        </p:nvSpPr>
+        <p:spPr>
+          <a:xfrm rot="10800000" flipH="1">
+            <a:off x="2" y="0"/>
+            <a:ext cx="12191998" cy="1575955"/>
+          </a:xfrm>
+          <a:prstGeom prst="rect">
+            <a:avLst/>
+          </a:prstGeom>
+          <a:gradFill>
+            <a:gsLst>
+              <a:gs pos="0">
+                <a:srgbClr val="000000">
+                  <a:alpha val="96000"/>
+                </a:srgbClr>
+              </a:gs>
+              <a:gs pos="100000">
+                <a:schemeClr val="accent1">
+                  <a:lumMod val="75000"/>
+                </a:schemeClr>
+              </a:gs>
+            </a:gsLst>
+            <a:lin ang="6000000" scaled="0"/>
+          </a:gradFill>
+          <a:ln>
+            <a:noFill/>
+          </a:ln>
+        </p:spPr>
+        <p:style>
+          <a:lnRef idx="2">
+            <a:schemeClr val="accent1">
+              <a:shade val="50000"/>
+            </a:schemeClr>
+          </a:lnRef>
+          <a:fillRef idx="1">
+            <a:schemeClr val="accent1"/>
+          </a:fillRef>
+          <a:effectRef idx="0">
+            <a:schemeClr val="accent1"/>
+          </a:effectRef>
+          <a:fontRef idx="minor">
+            <a:schemeClr val="lt1"/>
+          </a:fontRef>
+        </p:style>
+        <p:txBody>
+          <a:bodyPr rtlCol="0" anchor="ctr"/>
+          <a:lstStyle/>
+          <a:p>
+            <a:pPr algn="ctr"/>
+            <a:endParaRPr lang="en-US"/>
+          </a:p>
+        </p:txBody>
+      </p:sp>
+      <p:sp>
+        <p:nvSpPr>
+          <p:cNvPr id="15" name="Rectangle 14">
+            <a:extLst>
+              <a:ext uri="{FF2B5EF4-FFF2-40B4-BE49-F238E27FC236}">
+                <a16:creationId xmlns:a16="http://schemas.microsoft.com/office/drawing/2014/main" id="{84A8DE83-DE75-4B41-9DB4-A7EC0B0DEC0B}"/>
+              </a:ext>
+              <a:ext uri="{C183D7F6-B498-43B3-948B-1728B52AA6E4}">
+                <adec:decorative xmlns:adec="http://schemas.microsoft.com/office/drawing/2017/decorative" val="1"/>
+              </a:ext>
+            </a:extLst>
+          </p:cNvPr>
+          <p:cNvSpPr>
+            <a:spLocks noGrp="1" noRot="1" noChangeAspect="1" noMove="1" noResize="1" noEditPoints="1" noAdjustHandles="1" noChangeArrowheads="1" noChangeShapeType="1" noTextEdit="1"/>
+          </p:cNvSpPr>
+          <p:nvPr>
+            <p:extLst>
+              <p:ext uri="{386F3935-93C4-4BCD-93E2-E3B085C9AB24}">
+                <p16:designElem xmlns:p16="http://schemas.microsoft.com/office/powerpoint/2015/main" val="1"/>
+              </p:ext>
+            </p:extLst>
+          </p:nvPr>
+        </p:nvSpPr>
+        <p:spPr>
+          <a:xfrm>
+            <a:off x="0" y="0"/>
+            <a:ext cx="8128856" cy="1575461"/>
+          </a:xfrm>
+          <a:prstGeom prst="rect">
+            <a:avLst/>
+          </a:prstGeom>
+          <a:gradFill>
+            <a:gsLst>
+              <a:gs pos="0">
+                <a:schemeClr val="accent1">
+                  <a:alpha val="41000"/>
+                </a:schemeClr>
+              </a:gs>
+              <a:gs pos="74000">
+                <a:schemeClr val="accent1">
+                  <a:lumMod val="60000"/>
+                  <a:lumOff val="40000"/>
+                  <a:alpha val="0"/>
+                </a:schemeClr>
+              </a:gs>
+            </a:gsLst>
+            <a:lin ang="8400000" scaled="0"/>
+          </a:gradFill>
+          <a:ln>
+            <a:noFill/>
+          </a:ln>
+        </p:spPr>
+        <p:style>
+          <a:lnRef idx="2">
+            <a:schemeClr val="accent1">
+              <a:shade val="50000"/>
+            </a:schemeClr>
+          </a:lnRef>
+          <a:fillRef idx="1">
+            <a:schemeClr val="accent1"/>
+          </a:fillRef>
+          <a:effectRef idx="0">
+            <a:schemeClr val="accent1"/>
+          </a:effectRef>
+          <a:fontRef idx="minor">
+            <a:schemeClr val="lt1"/>
+          </a:fontRef>
+        </p:style>
+        <p:txBody>
+          <a:bodyPr rtlCol="0" anchor="ctr"/>
+          <a:lstStyle/>
+          <a:p>
+            <a:pPr algn="ctr"/>
+            <a:endParaRPr lang="en-US"/>
+          </a:p>
+        </p:txBody>
+      </p:sp>
+      <p:sp>
+        <p:nvSpPr>
+          <p:cNvPr id="17" name="Rectangle 16">
+            <a:extLst>
+              <a:ext uri="{FF2B5EF4-FFF2-40B4-BE49-F238E27FC236}">
+                <a16:creationId xmlns:a16="http://schemas.microsoft.com/office/drawing/2014/main" id="{A7009A0A-BEF5-4EAC-AF15-E4F9F002E239}"/>
+              </a:ext>
+              <a:ext uri="{C183D7F6-B498-43B3-948B-1728B52AA6E4}">
+                <adec:decorative xmlns:adec="http://schemas.microsoft.com/office/drawing/2017/decorative" val="1"/>
+              </a:ext>
+            </a:extLst>
+          </p:cNvPr>
+          <p:cNvSpPr>
+            <a:spLocks noGrp="1" noRot="1" noChangeAspect="1" noMove="1" noResize="1" noEditPoints="1" noAdjustHandles="1" noChangeArrowheads="1" noChangeShapeType="1" noTextEdit="1"/>
+          </p:cNvSpPr>
+          <p:nvPr>
+            <p:extLst>
+              <p:ext uri="{386F3935-93C4-4BCD-93E2-E3B085C9AB24}">
+                <p16:designElem xmlns:p16="http://schemas.microsoft.com/office/powerpoint/2015/main" val="1"/>
+              </p:ext>
+            </p:extLst>
+          </p:nvPr>
+        </p:nvSpPr>
+        <p:spPr>
+          <a:xfrm flipH="1">
+            <a:off x="-3" y="-1"/>
+            <a:ext cx="12192002" cy="1574311"/>
+          </a:xfrm>
+          <a:prstGeom prst="rect">
+            <a:avLst/>
+          </a:prstGeom>
+          <a:gradFill>
+            <a:gsLst>
+              <a:gs pos="0">
+                <a:srgbClr val="000000">
+                  <a:alpha val="63000"/>
+                </a:srgbClr>
+              </a:gs>
+              <a:gs pos="78000">
+                <a:schemeClr val="accent1">
+                  <a:alpha val="15000"/>
+                </a:schemeClr>
+              </a:gs>
+            </a:gsLst>
+            <a:lin ang="15600000" scaled="0"/>
+          </a:gradFill>
+          <a:ln>
+            <a:noFill/>
+          </a:ln>
+        </p:spPr>
+        <p:style>
+          <a:lnRef idx="2">
+            <a:schemeClr val="accent1">
+              <a:shade val="50000"/>
+            </a:schemeClr>
+          </a:lnRef>
+          <a:fillRef idx="1">
+            <a:schemeClr val="accent1"/>
+          </a:fillRef>
+          <a:effectRef idx="0">
+            <a:schemeClr val="accent1"/>
+          </a:effectRef>
+          <a:fontRef idx="minor">
+            <a:schemeClr val="lt1"/>
+          </a:fontRef>
+        </p:style>
+        <p:txBody>
+          <a:bodyPr rtlCol="0" anchor="ctr"/>
+          <a:lstStyle/>
+          <a:p>
+            <a:pPr algn="ctr"/>
+            <a:endParaRPr lang="en-US"/>
+          </a:p>
+        </p:txBody>
+      </p:sp>
+      <p:sp>
+        <p:nvSpPr>
           <p:cNvPr id="2" name="Title 1">
             <a:extLst>
               <a:ext uri="{FF2B5EF4-FFF2-40B4-BE49-F238E27FC236}">
-                <a16:creationId xmlns:a16="http://schemas.microsoft.com/office/drawing/2014/main" id="{E6ABBADB-7C0D-3A95-C647-0E03FA97DB28}"/>
+                <a16:creationId xmlns:a16="http://schemas.microsoft.com/office/drawing/2014/main" id="{94B328AE-E53D-89D4-CE8C-E82025EE8E1F}"/>
               </a:ext>
             </a:extLst>
           </p:cNvPr>
@@ -6905,67 +8671,254 @@
             <p:ph type="title"/>
           </p:nvPr>
         </p:nvSpPr>
-        <p:spPr/>
-        <p:txBody>
-          <a:bodyPr/>
+        <p:spPr>
+          <a:xfrm>
+            <a:off x="699713" y="248038"/>
+            <a:ext cx="7063721" cy="1159200"/>
+          </a:xfrm>
+        </p:spPr>
+        <p:txBody>
+          <a:bodyPr vert="horz" lIns="91440" tIns="45720" rIns="91440" bIns="45720" rtlCol="0" anchor="ctr">
+            <a:normAutofit/>
+          </a:bodyPr>
           <a:lstStyle/>
           <a:p>
             <a:r>
-              <a:rPr lang="en-US" dirty="0"/>
-              <a:t>RSU</a:t>
-            </a:r>
-          </a:p>
-        </p:txBody>
-      </p:sp>
-      <p:sp>
-        <p:nvSpPr>
-          <p:cNvPr id="3" name="Content Placeholder 2">
-            <a:extLst>
-              <a:ext uri="{FF2B5EF4-FFF2-40B4-BE49-F238E27FC236}">
-                <a16:creationId xmlns:a16="http://schemas.microsoft.com/office/drawing/2014/main" id="{6E7F3D96-ADCC-3FB6-55FD-AB8AE95144BF}"/>
-              </a:ext>
-            </a:extLst>
-          </p:cNvPr>
-          <p:cNvSpPr>
-            <a:spLocks noGrp="1"/>
-          </p:cNvSpPr>
+              <a:rPr lang="en-US" sz="4000" kern="1200" dirty="0">
+                <a:solidFill>
+                  <a:srgbClr val="FFFFFF"/>
+                </a:solidFill>
+                <a:latin typeface="+mj-lt"/>
+                <a:ea typeface="+mj-ea"/>
+                <a:cs typeface="+mj-cs"/>
+              </a:rPr>
+              <a:t>OBU - Hardware</a:t>
+            </a:r>
+          </a:p>
+        </p:txBody>
+      </p:sp>
+      <p:pic>
+        <p:nvPicPr>
+          <p:cNvPr id="12" name="Content Placeholder 11" descr="A group of rectangular colored boxes&#10;&#10;Description automatically generated with medium confidence">
+            <a:extLst>
+              <a:ext uri="{FF2B5EF4-FFF2-40B4-BE49-F238E27FC236}">
+                <a16:creationId xmlns:a16="http://schemas.microsoft.com/office/drawing/2014/main" id="{C81D638B-0E20-6AED-3DFF-F43351A47980}"/>
+              </a:ext>
+            </a:extLst>
+          </p:cNvPr>
+          <p:cNvPicPr>
+            <a:picLocks noGrp="1" noChangeAspect="1"/>
+          </p:cNvPicPr>
           <p:nvPr>
             <p:ph idx="1"/>
           </p:nvPr>
-        </p:nvSpPr>
-        <p:spPr/>
-        <p:txBody>
-          <a:bodyPr/>
-          <a:lstStyle/>
-          <a:p>
-            <a:endParaRPr lang="en-US"/>
-          </a:p>
-        </p:txBody>
-      </p:sp>
+        </p:nvPicPr>
+        <p:blipFill>
+          <a:blip r:embed="rId2">
+            <a:extLst>
+              <a:ext uri="{28A0092B-C50C-407E-A947-70E740481C1C}">
+                <a14:useLocalDpi xmlns:a14="http://schemas.microsoft.com/office/drawing/2010/main" val="0"/>
+              </a:ext>
+            </a:extLst>
+          </a:blip>
+          <a:stretch>
+            <a:fillRect/>
+          </a:stretch>
+        </p:blipFill>
+        <p:spPr>
+          <a:xfrm>
+            <a:off x="5145259" y="2456858"/>
+            <a:ext cx="6972900" cy="3851774"/>
+          </a:xfrm>
+        </p:spPr>
+      </p:pic>
+      <p:pic>
+        <p:nvPicPr>
+          <p:cNvPr id="16" name="Graphic 15">
+            <a:extLst>
+              <a:ext uri="{FF2B5EF4-FFF2-40B4-BE49-F238E27FC236}">
+                <a16:creationId xmlns:a16="http://schemas.microsoft.com/office/drawing/2014/main" id="{E02314A7-6591-A1B9-E982-110F7E286CE2}"/>
+              </a:ext>
+            </a:extLst>
+          </p:cNvPr>
+          <p:cNvPicPr>
+            <a:picLocks noChangeAspect="1"/>
+          </p:cNvPicPr>
+          <p:nvPr/>
+        </p:nvPicPr>
+        <p:blipFill>
+          <a:blip r:embed="rId3">
+            <a:extLst>
+              <a:ext uri="{28A0092B-C50C-407E-A947-70E740481C1C}">
+                <a14:useLocalDpi xmlns:a14="http://schemas.microsoft.com/office/drawing/2010/main" val="0"/>
+              </a:ext>
+              <a:ext uri="{96DAC541-7B7A-43D3-8B79-37D633B846F1}">
+                <asvg:svgBlip xmlns:asvg="http://schemas.microsoft.com/office/drawing/2016/SVG/main" r:embed="rId4"/>
+              </a:ext>
+            </a:extLst>
+          </a:blip>
+          <a:stretch>
+            <a:fillRect/>
+          </a:stretch>
+        </p:blipFill>
+        <p:spPr>
+          <a:xfrm>
+            <a:off x="187904" y="1988362"/>
+            <a:ext cx="5033453" cy="4454434"/>
+          </a:xfrm>
+          <a:prstGeom prst="rect">
+            <a:avLst/>
+          </a:prstGeom>
+          <a:effectLst>
+            <a:innerShdw blurRad="63500" dist="50800" dir="16200000">
+              <a:prstClr val="black">
+                <a:alpha val="50000"/>
+              </a:prstClr>
+            </a:innerShdw>
+          </a:effectLst>
+        </p:spPr>
+      </p:pic>
       <p:sp>
         <p:nvSpPr>
-          <p:cNvPr id="4" name="Footer Placeholder 3">
-            <a:extLst>
-              <a:ext uri="{FF2B5EF4-FFF2-40B4-BE49-F238E27FC236}">
-                <a16:creationId xmlns:a16="http://schemas.microsoft.com/office/drawing/2014/main" id="{54273802-E7DD-F752-6FFA-89CAD45B7809}"/>
-              </a:ext>
-            </a:extLst>
-          </p:cNvPr>
-          <p:cNvSpPr>
-            <a:spLocks noGrp="1"/>
-          </p:cNvSpPr>
-          <p:nvPr>
-            <p:ph type="ftr" sz="quarter" idx="11"/>
-          </p:nvPr>
-        </p:nvSpPr>
-        <p:spPr/>
-        <p:txBody>
-          <a:bodyPr/>
-          <a:lstStyle/>
-          <a:p>
-            <a:r>
-              <a:rPr lang="en-US"/>
-              <a:t>Fig. 1, Awarenees Driving</a:t>
+          <p:cNvPr id="20" name="Footer Placeholder 5">
+            <a:extLst>
+              <a:ext uri="{FF2B5EF4-FFF2-40B4-BE49-F238E27FC236}">
+                <a16:creationId xmlns:a16="http://schemas.microsoft.com/office/drawing/2014/main" id="{28E1992F-FA71-886F-8FB7-A2FB6B496CEE}"/>
+              </a:ext>
+            </a:extLst>
+          </p:cNvPr>
+          <p:cNvSpPr txBox="1">
+            <a:spLocks/>
+          </p:cNvSpPr>
+          <p:nvPr/>
+        </p:nvSpPr>
+        <p:spPr>
+          <a:xfrm>
+            <a:off x="187904" y="6244837"/>
+            <a:ext cx="3960877" cy="365125"/>
+          </a:xfrm>
+          <a:prstGeom prst="rect">
+            <a:avLst/>
+          </a:prstGeom>
+        </p:spPr>
+        <p:txBody>
+          <a:bodyPr vert="horz" lIns="91440" tIns="45720" rIns="91440" bIns="45720" rtlCol="0" anchor="ctr">
+            <a:normAutofit/>
+          </a:bodyPr>
+          <a:lstStyle>
+            <a:defPPr>
+              <a:defRPr lang="en-US"/>
+            </a:defPPr>
+            <a:lvl1pPr marL="0" algn="ctr" defTabSz="914400" rtl="0" eaLnBrk="1" latinLnBrk="0" hangingPunct="1">
+              <a:defRPr sz="1200" kern="1200">
+                <a:solidFill>
+                  <a:schemeClr val="tx1">
+                    <a:tint val="82000"/>
+                  </a:schemeClr>
+                </a:solidFill>
+                <a:latin typeface="+mn-lt"/>
+                <a:ea typeface="+mn-ea"/>
+                <a:cs typeface="+mn-cs"/>
+              </a:defRPr>
+            </a:lvl1pPr>
+            <a:lvl2pPr marL="457200" algn="l" defTabSz="914400" rtl="0" eaLnBrk="1" latinLnBrk="0" hangingPunct="1">
+              <a:defRPr sz="1800" kern="1200">
+                <a:solidFill>
+                  <a:schemeClr val="tx1"/>
+                </a:solidFill>
+                <a:latin typeface="+mn-lt"/>
+                <a:ea typeface="+mn-ea"/>
+                <a:cs typeface="+mn-cs"/>
+              </a:defRPr>
+            </a:lvl2pPr>
+            <a:lvl3pPr marL="914400" algn="l" defTabSz="914400" rtl="0" eaLnBrk="1" latinLnBrk="0" hangingPunct="1">
+              <a:defRPr sz="1800" kern="1200">
+                <a:solidFill>
+                  <a:schemeClr val="tx1"/>
+                </a:solidFill>
+                <a:latin typeface="+mn-lt"/>
+                <a:ea typeface="+mn-ea"/>
+                <a:cs typeface="+mn-cs"/>
+              </a:defRPr>
+            </a:lvl3pPr>
+            <a:lvl4pPr marL="1371600" algn="l" defTabSz="914400" rtl="0" eaLnBrk="1" latinLnBrk="0" hangingPunct="1">
+              <a:defRPr sz="1800" kern="1200">
+                <a:solidFill>
+                  <a:schemeClr val="tx1"/>
+                </a:solidFill>
+                <a:latin typeface="+mn-lt"/>
+                <a:ea typeface="+mn-ea"/>
+                <a:cs typeface="+mn-cs"/>
+              </a:defRPr>
+            </a:lvl4pPr>
+            <a:lvl5pPr marL="1828800" algn="l" defTabSz="914400" rtl="0" eaLnBrk="1" latinLnBrk="0" hangingPunct="1">
+              <a:defRPr sz="1800" kern="1200">
+                <a:solidFill>
+                  <a:schemeClr val="tx1"/>
+                </a:solidFill>
+                <a:latin typeface="+mn-lt"/>
+                <a:ea typeface="+mn-ea"/>
+                <a:cs typeface="+mn-cs"/>
+              </a:defRPr>
+            </a:lvl5pPr>
+            <a:lvl6pPr marL="2286000" algn="l" defTabSz="914400" rtl="0" eaLnBrk="1" latinLnBrk="0" hangingPunct="1">
+              <a:defRPr sz="1800" kern="1200">
+                <a:solidFill>
+                  <a:schemeClr val="tx1"/>
+                </a:solidFill>
+                <a:latin typeface="+mn-lt"/>
+                <a:ea typeface="+mn-ea"/>
+                <a:cs typeface="+mn-cs"/>
+              </a:defRPr>
+            </a:lvl6pPr>
+            <a:lvl7pPr marL="2743200" algn="l" defTabSz="914400" rtl="0" eaLnBrk="1" latinLnBrk="0" hangingPunct="1">
+              <a:defRPr sz="1800" kern="1200">
+                <a:solidFill>
+                  <a:schemeClr val="tx1"/>
+                </a:solidFill>
+                <a:latin typeface="+mn-lt"/>
+                <a:ea typeface="+mn-ea"/>
+                <a:cs typeface="+mn-cs"/>
+              </a:defRPr>
+            </a:lvl7pPr>
+            <a:lvl8pPr marL="3200400" algn="l" defTabSz="914400" rtl="0" eaLnBrk="1" latinLnBrk="0" hangingPunct="1">
+              <a:defRPr sz="1800" kern="1200">
+                <a:solidFill>
+                  <a:schemeClr val="tx1"/>
+                </a:solidFill>
+                <a:latin typeface="+mn-lt"/>
+                <a:ea typeface="+mn-ea"/>
+                <a:cs typeface="+mn-cs"/>
+              </a:defRPr>
+            </a:lvl8pPr>
+            <a:lvl9pPr marL="3657600" algn="l" defTabSz="914400" rtl="0" eaLnBrk="1" latinLnBrk="0" hangingPunct="1">
+              <a:defRPr sz="1800" kern="1200">
+                <a:solidFill>
+                  <a:schemeClr val="tx1"/>
+                </a:solidFill>
+                <a:latin typeface="+mn-lt"/>
+                <a:ea typeface="+mn-ea"/>
+                <a:cs typeface="+mn-cs"/>
+              </a:defRPr>
+            </a:lvl9pPr>
+          </a:lstStyle>
+          <a:p>
+            <a:pPr algn="l">
+              <a:spcAft>
+                <a:spcPts val="600"/>
+              </a:spcAft>
+            </a:pPr>
+            <a:r>
+              <a:rPr lang="en-US" dirty="0"/>
+              <a:t>Fig. 11, </a:t>
+            </a:r>
+            <a:r>
+              <a:rPr lang="en-US" dirty="0" err="1"/>
+              <a:t>Commsignia</a:t>
+            </a:r>
+            <a:r>
+              <a:rPr lang="en-US" dirty="0"/>
+              <a:t> OBU Architecture</a:t>
             </a:r>
           </a:p>
         </p:txBody>
@@ -6973,7 +8926,7 @@
     </p:spTree>
     <p:extLst>
       <p:ext uri="{BB962C8B-B14F-4D97-AF65-F5344CB8AC3E}">
-        <p14:creationId xmlns:p14="http://schemas.microsoft.com/office/powerpoint/2010/main" val="2907743083"/>
+        <p14:creationId xmlns:p14="http://schemas.microsoft.com/office/powerpoint/2010/main" val="499486130"/>
       </p:ext>
     </p:extLst>
   </p:cSld>
@@ -6983,9 +8936,17 @@
 </p:sld>
 </file>
 
-<file path=ppt/slides/slide14.xml><?xml version="1.0" encoding="utf-8"?>
+<file path=ppt/slides/slide15.xml><?xml version="1.0" encoding="utf-8"?>
 <p:sld xmlns:a="http://schemas.openxmlformats.org/drawingml/2006/main" xmlns:r="http://schemas.openxmlformats.org/officeDocument/2006/relationships" xmlns:p="http://schemas.openxmlformats.org/presentationml/2006/main">
   <p:cSld>
+    <p:bg>
+      <p:bgPr>
+        <a:solidFill>
+          <a:schemeClr val="bg1"/>
+        </a:solidFill>
+        <a:effectLst/>
+      </p:bgPr>
+    </p:bg>
     <p:spTree>
       <p:nvGrpSpPr>
         <p:cNvPr id="1" name=""/>
@@ -7000,12 +8961,315 @@
           <a:chExt cx="0" cy="0"/>
         </a:xfrm>
       </p:grpSpPr>
+      <p:sp useBgFill="1">
+        <p:nvSpPr>
+          <p:cNvPr id="11" name="Rectangle 10">
+            <a:extLst>
+              <a:ext uri="{FF2B5EF4-FFF2-40B4-BE49-F238E27FC236}">
+                <a16:creationId xmlns:a16="http://schemas.microsoft.com/office/drawing/2014/main" id="{A8384FB5-9ADC-4DDC-881B-597D56F5B15D}"/>
+              </a:ext>
+              <a:ext uri="{C183D7F6-B498-43B3-948B-1728B52AA6E4}">
+                <adec:decorative xmlns:adec="http://schemas.microsoft.com/office/drawing/2017/decorative" val="1"/>
+              </a:ext>
+            </a:extLst>
+          </p:cNvPr>
+          <p:cNvSpPr>
+            <a:spLocks noGrp="1" noRot="1" noChangeAspect="1" noMove="1" noResize="1" noEditPoints="1" noAdjustHandles="1" noChangeArrowheads="1" noChangeShapeType="1" noTextEdit="1"/>
+          </p:cNvSpPr>
+          <p:nvPr>
+            <p:extLst>
+              <p:ext uri="{386F3935-93C4-4BCD-93E2-E3B085C9AB24}">
+                <p16:designElem xmlns:p16="http://schemas.microsoft.com/office/powerpoint/2015/main" val="1"/>
+              </p:ext>
+            </p:extLst>
+          </p:nvPr>
+        </p:nvSpPr>
+        <p:spPr>
+          <a:xfrm>
+            <a:off x="0" y="0"/>
+            <a:ext cx="12192000" cy="6858000"/>
+          </a:xfrm>
+          <a:prstGeom prst="rect">
+            <a:avLst/>
+          </a:prstGeom>
+          <a:ln w="12700" cap="flat" cmpd="sng" algn="ctr">
+            <a:noFill/>
+            <a:prstDash val="solid"/>
+            <a:miter lim="800000"/>
+          </a:ln>
+          <a:effectLst/>
+          <a:extLst>
+            <a:ext uri="{91240B29-F687-4F45-9708-019B960494DF}">
+              <a14:hiddenLine xmlns:a14="http://schemas.microsoft.com/office/drawing/2010/main" w="12700" cap="flat" cmpd="sng" algn="ctr">
+                <a:solidFill>
+                  <a:schemeClr val="accent1">
+                    <a:shade val="50000"/>
+                  </a:schemeClr>
+                </a:solidFill>
+                <a:prstDash val="solid"/>
+                <a:miter lim="800000"/>
+              </a14:hiddenLine>
+            </a:ext>
+          </a:extLst>
+        </p:spPr>
+        <p:style>
+          <a:lnRef idx="2">
+            <a:schemeClr val="accent1">
+              <a:shade val="50000"/>
+            </a:schemeClr>
+          </a:lnRef>
+          <a:fillRef idx="1">
+            <a:schemeClr val="accent1"/>
+          </a:fillRef>
+          <a:effectRef idx="0">
+            <a:schemeClr val="accent1"/>
+          </a:effectRef>
+          <a:fontRef idx="minor">
+            <a:schemeClr val="lt1"/>
+          </a:fontRef>
+        </p:style>
+        <p:txBody>
+          <a:bodyPr rtlCol="0" anchor="ctr"/>
+          <a:lstStyle/>
+          <a:p>
+            <a:pPr algn="ctr"/>
+            <a:endParaRPr lang="en-US"/>
+          </a:p>
+        </p:txBody>
+      </p:sp>
       <p:sp>
         <p:nvSpPr>
+          <p:cNvPr id="13" name="Rectangle 12">
+            <a:extLst>
+              <a:ext uri="{FF2B5EF4-FFF2-40B4-BE49-F238E27FC236}">
+                <a16:creationId xmlns:a16="http://schemas.microsoft.com/office/drawing/2014/main" id="{1199E1B1-A8C0-4FE8-A5A8-1CB41D69F857}"/>
+              </a:ext>
+              <a:ext uri="{C183D7F6-B498-43B3-948B-1728B52AA6E4}">
+                <adec:decorative xmlns:adec="http://schemas.microsoft.com/office/drawing/2017/decorative" val="1"/>
+              </a:ext>
+            </a:extLst>
+          </p:cNvPr>
+          <p:cNvSpPr>
+            <a:spLocks noGrp="1" noRot="1" noChangeAspect="1" noMove="1" noResize="1" noEditPoints="1" noAdjustHandles="1" noChangeArrowheads="1" noChangeShapeType="1" noTextEdit="1"/>
+          </p:cNvSpPr>
+          <p:nvPr>
+            <p:extLst>
+              <p:ext uri="{386F3935-93C4-4BCD-93E2-E3B085C9AB24}">
+                <p16:designElem xmlns:p16="http://schemas.microsoft.com/office/powerpoint/2015/main" val="1"/>
+              </p:ext>
+            </p:extLst>
+          </p:nvPr>
+        </p:nvSpPr>
+        <p:spPr>
+          <a:xfrm rot="10800000" flipH="1">
+            <a:off x="2" y="0"/>
+            <a:ext cx="12191998" cy="1575955"/>
+          </a:xfrm>
+          <a:prstGeom prst="rect">
+            <a:avLst/>
+          </a:prstGeom>
+          <a:gradFill>
+            <a:gsLst>
+              <a:gs pos="0">
+                <a:srgbClr val="000000">
+                  <a:alpha val="96000"/>
+                </a:srgbClr>
+              </a:gs>
+              <a:gs pos="100000">
+                <a:schemeClr val="accent1">
+                  <a:lumMod val="75000"/>
+                </a:schemeClr>
+              </a:gs>
+            </a:gsLst>
+            <a:lin ang="6000000" scaled="0"/>
+          </a:gradFill>
+          <a:ln>
+            <a:noFill/>
+          </a:ln>
+        </p:spPr>
+        <p:style>
+          <a:lnRef idx="2">
+            <a:schemeClr val="accent1">
+              <a:shade val="50000"/>
+            </a:schemeClr>
+          </a:lnRef>
+          <a:fillRef idx="1">
+            <a:schemeClr val="accent1"/>
+          </a:fillRef>
+          <a:effectRef idx="0">
+            <a:schemeClr val="accent1"/>
+          </a:effectRef>
+          <a:fontRef idx="minor">
+            <a:schemeClr val="lt1"/>
+          </a:fontRef>
+        </p:style>
+        <p:txBody>
+          <a:bodyPr rtlCol="0" anchor="ctr"/>
+          <a:lstStyle/>
+          <a:p>
+            <a:pPr algn="ctr"/>
+            <a:endParaRPr lang="en-US"/>
+          </a:p>
+        </p:txBody>
+      </p:sp>
+      <p:sp>
+        <p:nvSpPr>
+          <p:cNvPr id="15" name="Rectangle 14">
+            <a:extLst>
+              <a:ext uri="{FF2B5EF4-FFF2-40B4-BE49-F238E27FC236}">
+                <a16:creationId xmlns:a16="http://schemas.microsoft.com/office/drawing/2014/main" id="{84A8DE83-DE75-4B41-9DB4-A7EC0B0DEC0B}"/>
+              </a:ext>
+              <a:ext uri="{C183D7F6-B498-43B3-948B-1728B52AA6E4}">
+                <adec:decorative xmlns:adec="http://schemas.microsoft.com/office/drawing/2017/decorative" val="1"/>
+              </a:ext>
+            </a:extLst>
+          </p:cNvPr>
+          <p:cNvSpPr>
+            <a:spLocks noGrp="1" noRot="1" noChangeAspect="1" noMove="1" noResize="1" noEditPoints="1" noAdjustHandles="1" noChangeArrowheads="1" noChangeShapeType="1" noTextEdit="1"/>
+          </p:cNvSpPr>
+          <p:nvPr>
+            <p:extLst>
+              <p:ext uri="{386F3935-93C4-4BCD-93E2-E3B085C9AB24}">
+                <p16:designElem xmlns:p16="http://schemas.microsoft.com/office/powerpoint/2015/main" val="1"/>
+              </p:ext>
+            </p:extLst>
+          </p:nvPr>
+        </p:nvSpPr>
+        <p:spPr>
+          <a:xfrm>
+            <a:off x="0" y="0"/>
+            <a:ext cx="8128856" cy="1575461"/>
+          </a:xfrm>
+          <a:prstGeom prst="rect">
+            <a:avLst/>
+          </a:prstGeom>
+          <a:gradFill>
+            <a:gsLst>
+              <a:gs pos="0">
+                <a:schemeClr val="accent1">
+                  <a:alpha val="41000"/>
+                </a:schemeClr>
+              </a:gs>
+              <a:gs pos="74000">
+                <a:schemeClr val="accent1">
+                  <a:lumMod val="60000"/>
+                  <a:lumOff val="40000"/>
+                  <a:alpha val="0"/>
+                </a:schemeClr>
+              </a:gs>
+            </a:gsLst>
+            <a:lin ang="8400000" scaled="0"/>
+          </a:gradFill>
+          <a:ln>
+            <a:noFill/>
+          </a:ln>
+        </p:spPr>
+        <p:style>
+          <a:lnRef idx="2">
+            <a:schemeClr val="accent1">
+              <a:shade val="50000"/>
+            </a:schemeClr>
+          </a:lnRef>
+          <a:fillRef idx="1">
+            <a:schemeClr val="accent1"/>
+          </a:fillRef>
+          <a:effectRef idx="0">
+            <a:schemeClr val="accent1"/>
+          </a:effectRef>
+          <a:fontRef idx="minor">
+            <a:schemeClr val="lt1"/>
+          </a:fontRef>
+        </p:style>
+        <p:txBody>
+          <a:bodyPr rtlCol="0" anchor="ctr"/>
+          <a:lstStyle/>
+          <a:p>
+            <a:pPr algn="ctr"/>
+            <a:endParaRPr lang="en-US"/>
+          </a:p>
+        </p:txBody>
+      </p:sp>
+      <p:sp>
+        <p:nvSpPr>
+          <p:cNvPr id="17" name="Rectangle 16">
+            <a:extLst>
+              <a:ext uri="{FF2B5EF4-FFF2-40B4-BE49-F238E27FC236}">
+                <a16:creationId xmlns:a16="http://schemas.microsoft.com/office/drawing/2014/main" id="{A7009A0A-BEF5-4EAC-AF15-E4F9F002E239}"/>
+              </a:ext>
+              <a:ext uri="{C183D7F6-B498-43B3-948B-1728B52AA6E4}">
+                <adec:decorative xmlns:adec="http://schemas.microsoft.com/office/drawing/2017/decorative" val="1"/>
+              </a:ext>
+            </a:extLst>
+          </p:cNvPr>
+          <p:cNvSpPr>
+            <a:spLocks noGrp="1" noRot="1" noChangeAspect="1" noMove="1" noResize="1" noEditPoints="1" noAdjustHandles="1" noChangeArrowheads="1" noChangeShapeType="1" noTextEdit="1"/>
+          </p:cNvSpPr>
+          <p:nvPr>
+            <p:extLst>
+              <p:ext uri="{386F3935-93C4-4BCD-93E2-E3B085C9AB24}">
+                <p16:designElem xmlns:p16="http://schemas.microsoft.com/office/powerpoint/2015/main" val="1"/>
+              </p:ext>
+            </p:extLst>
+          </p:nvPr>
+        </p:nvSpPr>
+        <p:spPr>
+          <a:xfrm flipH="1">
+            <a:off x="-3" y="-1"/>
+            <a:ext cx="12192002" cy="1574311"/>
+          </a:xfrm>
+          <a:prstGeom prst="rect">
+            <a:avLst/>
+          </a:prstGeom>
+          <a:gradFill>
+            <a:gsLst>
+              <a:gs pos="0">
+                <a:srgbClr val="000000">
+                  <a:alpha val="63000"/>
+                </a:srgbClr>
+              </a:gs>
+              <a:gs pos="78000">
+                <a:schemeClr val="accent1">
+                  <a:alpha val="15000"/>
+                </a:schemeClr>
+              </a:gs>
+            </a:gsLst>
+            <a:lin ang="15600000" scaled="0"/>
+          </a:gradFill>
+          <a:ln>
+            <a:noFill/>
+          </a:ln>
+        </p:spPr>
+        <p:style>
+          <a:lnRef idx="2">
+            <a:schemeClr val="accent1">
+              <a:shade val="50000"/>
+            </a:schemeClr>
+          </a:lnRef>
+          <a:fillRef idx="1">
+            <a:schemeClr val="accent1"/>
+          </a:fillRef>
+          <a:effectRef idx="0">
+            <a:schemeClr val="accent1"/>
+          </a:effectRef>
+          <a:fontRef idx="minor">
+            <a:schemeClr val="lt1"/>
+          </a:fontRef>
+        </p:style>
+        <p:txBody>
+          <a:bodyPr rtlCol="0" anchor="ctr"/>
+          <a:lstStyle/>
+          <a:p>
+            <a:pPr algn="ctr"/>
+            <a:endParaRPr lang="en-US"/>
+          </a:p>
+        </p:txBody>
+      </p:sp>
+      <p:sp>
+        <p:nvSpPr>
           <p:cNvPr id="2" name="Title 1">
             <a:extLst>
               <a:ext uri="{FF2B5EF4-FFF2-40B4-BE49-F238E27FC236}">
-                <a16:creationId xmlns:a16="http://schemas.microsoft.com/office/drawing/2014/main" id="{184DB290-2643-FE56-33EE-3B9B80F91434}"/>
+                <a16:creationId xmlns:a16="http://schemas.microsoft.com/office/drawing/2014/main" id="{94B328AE-E53D-89D4-CE8C-E82025EE8E1F}"/>
               </a:ext>
             </a:extLst>
           </p:cNvPr>
@@ -7016,75 +9280,295 @@
             <p:ph type="title"/>
           </p:nvPr>
         </p:nvSpPr>
-        <p:spPr/>
-        <p:txBody>
-          <a:bodyPr/>
+        <p:spPr>
+          <a:xfrm>
+            <a:off x="699713" y="248038"/>
+            <a:ext cx="7063721" cy="1159200"/>
+          </a:xfrm>
+        </p:spPr>
+        <p:txBody>
+          <a:bodyPr vert="horz" lIns="91440" tIns="45720" rIns="91440" bIns="45720" rtlCol="0" anchor="ctr">
+            <a:normAutofit/>
+          </a:bodyPr>
           <a:lstStyle/>
           <a:p>
             <a:r>
-              <a:rPr lang="en-US" dirty="0"/>
-              <a:t>DTC</a:t>
-            </a:r>
-          </a:p>
-        </p:txBody>
-      </p:sp>
-      <p:sp>
-        <p:nvSpPr>
-          <p:cNvPr id="3" name="Content Placeholder 2">
-            <a:extLst>
-              <a:ext uri="{FF2B5EF4-FFF2-40B4-BE49-F238E27FC236}">
-                <a16:creationId xmlns:a16="http://schemas.microsoft.com/office/drawing/2014/main" id="{3A855569-A089-F092-1046-FCBAFC392CD9}"/>
-              </a:ext>
-            </a:extLst>
-          </p:cNvPr>
-          <p:cNvSpPr>
-            <a:spLocks noGrp="1"/>
-          </p:cNvSpPr>
+              <a:rPr lang="en-US" sz="4000" kern="1200" dirty="0">
+                <a:solidFill>
+                  <a:srgbClr val="FFFFFF"/>
+                </a:solidFill>
+                <a:latin typeface="+mj-lt"/>
+                <a:ea typeface="+mj-ea"/>
+                <a:cs typeface="+mj-cs"/>
+              </a:rPr>
+              <a:t>OBU - Software</a:t>
+            </a:r>
+          </a:p>
+        </p:txBody>
+      </p:sp>
+      <p:pic>
+        <p:nvPicPr>
+          <p:cNvPr id="6" name="Content Placeholder 5" descr="A diagram of a software company&#10;&#10;Description automatically generated with medium confidence">
+            <a:extLst>
+              <a:ext uri="{FF2B5EF4-FFF2-40B4-BE49-F238E27FC236}">
+                <a16:creationId xmlns:a16="http://schemas.microsoft.com/office/drawing/2014/main" id="{972D9D15-B938-1168-CAFD-A871883B1EF9}"/>
+              </a:ext>
+            </a:extLst>
+          </p:cNvPr>
+          <p:cNvPicPr>
+            <a:picLocks noGrp="1" noChangeAspect="1"/>
+          </p:cNvPicPr>
           <p:nvPr>
             <p:ph idx="1"/>
           </p:nvPr>
-        </p:nvSpPr>
-        <p:spPr/>
-        <p:txBody>
-          <a:bodyPr/>
-          <a:lstStyle/>
-          <a:p>
-            <a:endParaRPr lang="en-US"/>
-          </a:p>
-        </p:txBody>
-      </p:sp>
+        </p:nvPicPr>
+        <p:blipFill>
+          <a:blip r:embed="rId2">
+            <a:extLst>
+              <a:ext uri="{28A0092B-C50C-407E-A947-70E740481C1C}">
+                <a14:useLocalDpi xmlns:a14="http://schemas.microsoft.com/office/drawing/2010/main" val="0"/>
+              </a:ext>
+            </a:extLst>
+          </a:blip>
+          <a:stretch>
+            <a:fillRect/>
+          </a:stretch>
+        </p:blipFill>
+        <p:spPr>
+          <a:xfrm>
+            <a:off x="6328882" y="2039910"/>
+            <a:ext cx="5113527" cy="4351338"/>
+          </a:xfrm>
+        </p:spPr>
+      </p:pic>
       <p:sp>
         <p:nvSpPr>
-          <p:cNvPr id="4" name="Footer Placeholder 3">
-            <a:extLst>
-              <a:ext uri="{FF2B5EF4-FFF2-40B4-BE49-F238E27FC236}">
-                <a16:creationId xmlns:a16="http://schemas.microsoft.com/office/drawing/2014/main" id="{0520A484-9070-97BA-3274-0A93F7E04F08}"/>
-              </a:ext>
-            </a:extLst>
-          </p:cNvPr>
-          <p:cNvSpPr>
-            <a:spLocks noGrp="1"/>
-          </p:cNvSpPr>
-          <p:nvPr>
-            <p:ph type="ftr" sz="quarter" idx="11"/>
-          </p:nvPr>
-        </p:nvSpPr>
-        <p:spPr/>
-        <p:txBody>
-          <a:bodyPr/>
-          <a:lstStyle/>
-          <a:p>
-            <a:r>
-              <a:rPr lang="en-US"/>
-              <a:t>Fig. 1, Awarenees Driving</a:t>
-            </a:r>
+          <p:cNvPr id="7" name="Content Placeholder 2">
+            <a:extLst>
+              <a:ext uri="{FF2B5EF4-FFF2-40B4-BE49-F238E27FC236}">
+                <a16:creationId xmlns:a16="http://schemas.microsoft.com/office/drawing/2014/main" id="{64D80EC7-3EC5-C86D-E55F-3073D03EA18A}"/>
+              </a:ext>
+            </a:extLst>
+          </p:cNvPr>
+          <p:cNvSpPr txBox="1">
+            <a:spLocks/>
+          </p:cNvSpPr>
+          <p:nvPr/>
+        </p:nvSpPr>
+        <p:spPr>
+          <a:xfrm>
+            <a:off x="425061" y="2279650"/>
+            <a:ext cx="5378840" cy="2235200"/>
+          </a:xfrm>
+          <a:prstGeom prst="rect">
+            <a:avLst/>
+          </a:prstGeom>
+        </p:spPr>
+        <p:txBody>
+          <a:bodyPr vert="horz" lIns="91440" tIns="45720" rIns="91440" bIns="45720" rtlCol="0" anchor="ctr">
+            <a:normAutofit/>
+          </a:bodyPr>
+          <a:lstStyle>
+            <a:lvl1pPr marL="228600" indent="-228600" algn="l" defTabSz="914400" rtl="0" eaLnBrk="1" latinLnBrk="0" hangingPunct="1">
+              <a:lnSpc>
+                <a:spcPct val="90000"/>
+              </a:lnSpc>
+              <a:spcBef>
+                <a:spcPts val="1000"/>
+              </a:spcBef>
+              <a:buFont typeface="Arial" panose="020B0604020202020204" pitchFamily="34" charset="0"/>
+              <a:buChar char="•"/>
+              <a:defRPr sz="2800" kern="1200">
+                <a:solidFill>
+                  <a:schemeClr val="tx1"/>
+                </a:solidFill>
+                <a:latin typeface="+mn-lt"/>
+                <a:ea typeface="+mn-ea"/>
+                <a:cs typeface="+mn-cs"/>
+              </a:defRPr>
+            </a:lvl1pPr>
+            <a:lvl2pPr marL="685800" indent="-228600" algn="l" defTabSz="914400" rtl="0" eaLnBrk="1" latinLnBrk="0" hangingPunct="1">
+              <a:lnSpc>
+                <a:spcPct val="90000"/>
+              </a:lnSpc>
+              <a:spcBef>
+                <a:spcPts val="500"/>
+              </a:spcBef>
+              <a:buFont typeface="Arial" panose="020B0604020202020204" pitchFamily="34" charset="0"/>
+              <a:buChar char="•"/>
+              <a:defRPr sz="2400" kern="1200">
+                <a:solidFill>
+                  <a:schemeClr val="tx1"/>
+                </a:solidFill>
+                <a:latin typeface="+mn-lt"/>
+                <a:ea typeface="+mn-ea"/>
+                <a:cs typeface="+mn-cs"/>
+              </a:defRPr>
+            </a:lvl2pPr>
+            <a:lvl3pPr marL="1143000" indent="-228600" algn="l" defTabSz="914400" rtl="0" eaLnBrk="1" latinLnBrk="0" hangingPunct="1">
+              <a:lnSpc>
+                <a:spcPct val="90000"/>
+              </a:lnSpc>
+              <a:spcBef>
+                <a:spcPts val="500"/>
+              </a:spcBef>
+              <a:buFont typeface="Arial" panose="020B0604020202020204" pitchFamily="34" charset="0"/>
+              <a:buChar char="•"/>
+              <a:defRPr sz="2000" kern="1200">
+                <a:solidFill>
+                  <a:schemeClr val="tx1"/>
+                </a:solidFill>
+                <a:latin typeface="+mn-lt"/>
+                <a:ea typeface="+mn-ea"/>
+                <a:cs typeface="+mn-cs"/>
+              </a:defRPr>
+            </a:lvl3pPr>
+            <a:lvl4pPr marL="1600200" indent="-228600" algn="l" defTabSz="914400" rtl="0" eaLnBrk="1" latinLnBrk="0" hangingPunct="1">
+              <a:lnSpc>
+                <a:spcPct val="90000"/>
+              </a:lnSpc>
+              <a:spcBef>
+                <a:spcPts val="500"/>
+              </a:spcBef>
+              <a:buFont typeface="Arial" panose="020B0604020202020204" pitchFamily="34" charset="0"/>
+              <a:buChar char="•"/>
+              <a:defRPr sz="1800" kern="1200">
+                <a:solidFill>
+                  <a:schemeClr val="tx1"/>
+                </a:solidFill>
+                <a:latin typeface="+mn-lt"/>
+                <a:ea typeface="+mn-ea"/>
+                <a:cs typeface="+mn-cs"/>
+              </a:defRPr>
+            </a:lvl4pPr>
+            <a:lvl5pPr marL="2057400" indent="-228600" algn="l" defTabSz="914400" rtl="0" eaLnBrk="1" latinLnBrk="0" hangingPunct="1">
+              <a:lnSpc>
+                <a:spcPct val="90000"/>
+              </a:lnSpc>
+              <a:spcBef>
+                <a:spcPts val="500"/>
+              </a:spcBef>
+              <a:buFont typeface="Arial" panose="020B0604020202020204" pitchFamily="34" charset="0"/>
+              <a:buChar char="•"/>
+              <a:defRPr sz="1800" kern="1200">
+                <a:solidFill>
+                  <a:schemeClr val="tx1"/>
+                </a:solidFill>
+                <a:latin typeface="+mn-lt"/>
+                <a:ea typeface="+mn-ea"/>
+                <a:cs typeface="+mn-cs"/>
+              </a:defRPr>
+            </a:lvl5pPr>
+            <a:lvl6pPr marL="2514600" indent="-228600" algn="l" defTabSz="914400" rtl="0" eaLnBrk="1" latinLnBrk="0" hangingPunct="1">
+              <a:lnSpc>
+                <a:spcPct val="90000"/>
+              </a:lnSpc>
+              <a:spcBef>
+                <a:spcPts val="500"/>
+              </a:spcBef>
+              <a:buFont typeface="Arial" panose="020B0604020202020204" pitchFamily="34" charset="0"/>
+              <a:buChar char="•"/>
+              <a:defRPr sz="1800" kern="1200">
+                <a:solidFill>
+                  <a:schemeClr val="tx1"/>
+                </a:solidFill>
+                <a:latin typeface="+mn-lt"/>
+                <a:ea typeface="+mn-ea"/>
+                <a:cs typeface="+mn-cs"/>
+              </a:defRPr>
+            </a:lvl6pPr>
+            <a:lvl7pPr marL="2971800" indent="-228600" algn="l" defTabSz="914400" rtl="0" eaLnBrk="1" latinLnBrk="0" hangingPunct="1">
+              <a:lnSpc>
+                <a:spcPct val="90000"/>
+              </a:lnSpc>
+              <a:spcBef>
+                <a:spcPts val="500"/>
+              </a:spcBef>
+              <a:buFont typeface="Arial" panose="020B0604020202020204" pitchFamily="34" charset="0"/>
+              <a:buChar char="•"/>
+              <a:defRPr sz="1800" kern="1200">
+                <a:solidFill>
+                  <a:schemeClr val="tx1"/>
+                </a:solidFill>
+                <a:latin typeface="+mn-lt"/>
+                <a:ea typeface="+mn-ea"/>
+                <a:cs typeface="+mn-cs"/>
+              </a:defRPr>
+            </a:lvl7pPr>
+            <a:lvl8pPr marL="3429000" indent="-228600" algn="l" defTabSz="914400" rtl="0" eaLnBrk="1" latinLnBrk="0" hangingPunct="1">
+              <a:lnSpc>
+                <a:spcPct val="90000"/>
+              </a:lnSpc>
+              <a:spcBef>
+                <a:spcPts val="500"/>
+              </a:spcBef>
+              <a:buFont typeface="Arial" panose="020B0604020202020204" pitchFamily="34" charset="0"/>
+              <a:buChar char="•"/>
+              <a:defRPr sz="1800" kern="1200">
+                <a:solidFill>
+                  <a:schemeClr val="tx1"/>
+                </a:solidFill>
+                <a:latin typeface="+mn-lt"/>
+                <a:ea typeface="+mn-ea"/>
+                <a:cs typeface="+mn-cs"/>
+              </a:defRPr>
+            </a:lvl8pPr>
+            <a:lvl9pPr marL="3886200" indent="-228600" algn="l" defTabSz="914400" rtl="0" eaLnBrk="1" latinLnBrk="0" hangingPunct="1">
+              <a:lnSpc>
+                <a:spcPct val="90000"/>
+              </a:lnSpc>
+              <a:spcBef>
+                <a:spcPts val="500"/>
+              </a:spcBef>
+              <a:buFont typeface="Arial" panose="020B0604020202020204" pitchFamily="34" charset="0"/>
+              <a:buChar char="•"/>
+              <a:defRPr sz="1800" kern="1200">
+                <a:solidFill>
+                  <a:schemeClr val="tx1"/>
+                </a:solidFill>
+                <a:latin typeface="+mn-lt"/>
+                <a:ea typeface="+mn-ea"/>
+                <a:cs typeface="+mn-cs"/>
+              </a:defRPr>
+            </a:lvl9pPr>
+          </a:lstStyle>
+          <a:p>
+            <a:r>
+              <a:rPr lang="en-US" sz="2000" dirty="0">
+                <a:solidFill>
+                  <a:schemeClr val="tx1">
+                    <a:lumMod val="95000"/>
+                    <a:lumOff val="5000"/>
+                  </a:schemeClr>
+                </a:solidFill>
+              </a:rPr>
+              <a:t>The software checks for faults and communicates with the backend</a:t>
+            </a:r>
+          </a:p>
+          <a:p>
+            <a:r>
+              <a:rPr lang="en-US" sz="2000" dirty="0">
+                <a:solidFill>
+                  <a:schemeClr val="tx1">
+                    <a:lumMod val="95000"/>
+                    <a:lumOff val="5000"/>
+                  </a:schemeClr>
+                </a:solidFill>
+              </a:rPr>
+              <a:t>Communication is either alerting backend of own fault or receiving info about another SV</a:t>
+            </a:r>
+            <a:endParaRPr lang="en-US" sz="2000" dirty="0">
+              <a:solidFill>
+                <a:srgbClr val="FFFFFF"/>
+              </a:solidFill>
+            </a:endParaRPr>
           </a:p>
         </p:txBody>
       </p:sp>
     </p:spTree>
     <p:extLst>
       <p:ext uri="{BB962C8B-B14F-4D97-AF65-F5344CB8AC3E}">
-        <p14:creationId xmlns:p14="http://schemas.microsoft.com/office/powerpoint/2010/main" val="4184189203"/>
+        <p14:creationId xmlns:p14="http://schemas.microsoft.com/office/powerpoint/2010/main" val="4015210397"/>
       </p:ext>
     </p:extLst>
   </p:cSld>
@@ -7094,9 +9578,17 @@
 </p:sld>
 </file>
 
-<file path=ppt/slides/slide15.xml><?xml version="1.0" encoding="utf-8"?>
+<file path=ppt/slides/slide16.xml><?xml version="1.0" encoding="utf-8"?>
 <p:sld xmlns:a="http://schemas.openxmlformats.org/drawingml/2006/main" xmlns:r="http://schemas.openxmlformats.org/officeDocument/2006/relationships" xmlns:p="http://schemas.openxmlformats.org/presentationml/2006/main">
   <p:cSld>
+    <p:bg>
+      <p:bgPr>
+        <a:solidFill>
+          <a:schemeClr val="bg1"/>
+        </a:solidFill>
+        <a:effectLst/>
+      </p:bgPr>
+    </p:bg>
     <p:spTree>
       <p:nvGrpSpPr>
         <p:cNvPr id="1" name=""/>
@@ -7111,12 +9603,315 @@
           <a:chExt cx="0" cy="0"/>
         </a:xfrm>
       </p:grpSpPr>
+      <p:sp useBgFill="1">
+        <p:nvSpPr>
+          <p:cNvPr id="11" name="Rectangle 10">
+            <a:extLst>
+              <a:ext uri="{FF2B5EF4-FFF2-40B4-BE49-F238E27FC236}">
+                <a16:creationId xmlns:a16="http://schemas.microsoft.com/office/drawing/2014/main" id="{A8384FB5-9ADC-4DDC-881B-597D56F5B15D}"/>
+              </a:ext>
+              <a:ext uri="{C183D7F6-B498-43B3-948B-1728B52AA6E4}">
+                <adec:decorative xmlns:adec="http://schemas.microsoft.com/office/drawing/2017/decorative" val="1"/>
+              </a:ext>
+            </a:extLst>
+          </p:cNvPr>
+          <p:cNvSpPr>
+            <a:spLocks noGrp="1" noRot="1" noChangeAspect="1" noMove="1" noResize="1" noEditPoints="1" noAdjustHandles="1" noChangeArrowheads="1" noChangeShapeType="1" noTextEdit="1"/>
+          </p:cNvSpPr>
+          <p:nvPr>
+            <p:extLst>
+              <p:ext uri="{386F3935-93C4-4BCD-93E2-E3B085C9AB24}">
+                <p16:designElem xmlns:p16="http://schemas.microsoft.com/office/powerpoint/2015/main" val="1"/>
+              </p:ext>
+            </p:extLst>
+          </p:nvPr>
+        </p:nvSpPr>
+        <p:spPr>
+          <a:xfrm>
+            <a:off x="0" y="0"/>
+            <a:ext cx="12192000" cy="6858000"/>
+          </a:xfrm>
+          <a:prstGeom prst="rect">
+            <a:avLst/>
+          </a:prstGeom>
+          <a:ln w="12700" cap="flat" cmpd="sng" algn="ctr">
+            <a:noFill/>
+            <a:prstDash val="solid"/>
+            <a:miter lim="800000"/>
+          </a:ln>
+          <a:effectLst/>
+          <a:extLst>
+            <a:ext uri="{91240B29-F687-4F45-9708-019B960494DF}">
+              <a14:hiddenLine xmlns:a14="http://schemas.microsoft.com/office/drawing/2010/main" w="12700" cap="flat" cmpd="sng" algn="ctr">
+                <a:solidFill>
+                  <a:schemeClr val="accent1">
+                    <a:shade val="50000"/>
+                  </a:schemeClr>
+                </a:solidFill>
+                <a:prstDash val="solid"/>
+                <a:miter lim="800000"/>
+              </a14:hiddenLine>
+            </a:ext>
+          </a:extLst>
+        </p:spPr>
+        <p:style>
+          <a:lnRef idx="2">
+            <a:schemeClr val="accent1">
+              <a:shade val="50000"/>
+            </a:schemeClr>
+          </a:lnRef>
+          <a:fillRef idx="1">
+            <a:schemeClr val="accent1"/>
+          </a:fillRef>
+          <a:effectRef idx="0">
+            <a:schemeClr val="accent1"/>
+          </a:effectRef>
+          <a:fontRef idx="minor">
+            <a:schemeClr val="lt1"/>
+          </a:fontRef>
+        </p:style>
+        <p:txBody>
+          <a:bodyPr rtlCol="0" anchor="ctr"/>
+          <a:lstStyle/>
+          <a:p>
+            <a:pPr algn="ctr"/>
+            <a:endParaRPr lang="en-US"/>
+          </a:p>
+        </p:txBody>
+      </p:sp>
       <p:sp>
         <p:nvSpPr>
+          <p:cNvPr id="13" name="Rectangle 12">
+            <a:extLst>
+              <a:ext uri="{FF2B5EF4-FFF2-40B4-BE49-F238E27FC236}">
+                <a16:creationId xmlns:a16="http://schemas.microsoft.com/office/drawing/2014/main" id="{1199E1B1-A8C0-4FE8-A5A8-1CB41D69F857}"/>
+              </a:ext>
+              <a:ext uri="{C183D7F6-B498-43B3-948B-1728B52AA6E4}">
+                <adec:decorative xmlns:adec="http://schemas.microsoft.com/office/drawing/2017/decorative" val="1"/>
+              </a:ext>
+            </a:extLst>
+          </p:cNvPr>
+          <p:cNvSpPr>
+            <a:spLocks noGrp="1" noRot="1" noChangeAspect="1" noMove="1" noResize="1" noEditPoints="1" noAdjustHandles="1" noChangeArrowheads="1" noChangeShapeType="1" noTextEdit="1"/>
+          </p:cNvSpPr>
+          <p:nvPr>
+            <p:extLst>
+              <p:ext uri="{386F3935-93C4-4BCD-93E2-E3B085C9AB24}">
+                <p16:designElem xmlns:p16="http://schemas.microsoft.com/office/powerpoint/2015/main" val="1"/>
+              </p:ext>
+            </p:extLst>
+          </p:nvPr>
+        </p:nvSpPr>
+        <p:spPr>
+          <a:xfrm rot="10800000" flipH="1">
+            <a:off x="2" y="0"/>
+            <a:ext cx="12191998" cy="1575955"/>
+          </a:xfrm>
+          <a:prstGeom prst="rect">
+            <a:avLst/>
+          </a:prstGeom>
+          <a:gradFill>
+            <a:gsLst>
+              <a:gs pos="0">
+                <a:srgbClr val="000000">
+                  <a:alpha val="96000"/>
+                </a:srgbClr>
+              </a:gs>
+              <a:gs pos="100000">
+                <a:schemeClr val="accent1">
+                  <a:lumMod val="75000"/>
+                </a:schemeClr>
+              </a:gs>
+            </a:gsLst>
+            <a:lin ang="6000000" scaled="0"/>
+          </a:gradFill>
+          <a:ln>
+            <a:noFill/>
+          </a:ln>
+        </p:spPr>
+        <p:style>
+          <a:lnRef idx="2">
+            <a:schemeClr val="accent1">
+              <a:shade val="50000"/>
+            </a:schemeClr>
+          </a:lnRef>
+          <a:fillRef idx="1">
+            <a:schemeClr val="accent1"/>
+          </a:fillRef>
+          <a:effectRef idx="0">
+            <a:schemeClr val="accent1"/>
+          </a:effectRef>
+          <a:fontRef idx="minor">
+            <a:schemeClr val="lt1"/>
+          </a:fontRef>
+        </p:style>
+        <p:txBody>
+          <a:bodyPr rtlCol="0" anchor="ctr"/>
+          <a:lstStyle/>
+          <a:p>
+            <a:pPr algn="ctr"/>
+            <a:endParaRPr lang="en-US"/>
+          </a:p>
+        </p:txBody>
+      </p:sp>
+      <p:sp>
+        <p:nvSpPr>
+          <p:cNvPr id="15" name="Rectangle 14">
+            <a:extLst>
+              <a:ext uri="{FF2B5EF4-FFF2-40B4-BE49-F238E27FC236}">
+                <a16:creationId xmlns:a16="http://schemas.microsoft.com/office/drawing/2014/main" id="{84A8DE83-DE75-4B41-9DB4-A7EC0B0DEC0B}"/>
+              </a:ext>
+              <a:ext uri="{C183D7F6-B498-43B3-948B-1728B52AA6E4}">
+                <adec:decorative xmlns:adec="http://schemas.microsoft.com/office/drawing/2017/decorative" val="1"/>
+              </a:ext>
+            </a:extLst>
+          </p:cNvPr>
+          <p:cNvSpPr>
+            <a:spLocks noGrp="1" noRot="1" noChangeAspect="1" noMove="1" noResize="1" noEditPoints="1" noAdjustHandles="1" noChangeArrowheads="1" noChangeShapeType="1" noTextEdit="1"/>
+          </p:cNvSpPr>
+          <p:nvPr>
+            <p:extLst>
+              <p:ext uri="{386F3935-93C4-4BCD-93E2-E3B085C9AB24}">
+                <p16:designElem xmlns:p16="http://schemas.microsoft.com/office/powerpoint/2015/main" val="1"/>
+              </p:ext>
+            </p:extLst>
+          </p:nvPr>
+        </p:nvSpPr>
+        <p:spPr>
+          <a:xfrm>
+            <a:off x="0" y="0"/>
+            <a:ext cx="8128856" cy="1575461"/>
+          </a:xfrm>
+          <a:prstGeom prst="rect">
+            <a:avLst/>
+          </a:prstGeom>
+          <a:gradFill>
+            <a:gsLst>
+              <a:gs pos="0">
+                <a:schemeClr val="accent1">
+                  <a:alpha val="41000"/>
+                </a:schemeClr>
+              </a:gs>
+              <a:gs pos="74000">
+                <a:schemeClr val="accent1">
+                  <a:lumMod val="60000"/>
+                  <a:lumOff val="40000"/>
+                  <a:alpha val="0"/>
+                </a:schemeClr>
+              </a:gs>
+            </a:gsLst>
+            <a:lin ang="8400000" scaled="0"/>
+          </a:gradFill>
+          <a:ln>
+            <a:noFill/>
+          </a:ln>
+        </p:spPr>
+        <p:style>
+          <a:lnRef idx="2">
+            <a:schemeClr val="accent1">
+              <a:shade val="50000"/>
+            </a:schemeClr>
+          </a:lnRef>
+          <a:fillRef idx="1">
+            <a:schemeClr val="accent1"/>
+          </a:fillRef>
+          <a:effectRef idx="0">
+            <a:schemeClr val="accent1"/>
+          </a:effectRef>
+          <a:fontRef idx="minor">
+            <a:schemeClr val="lt1"/>
+          </a:fontRef>
+        </p:style>
+        <p:txBody>
+          <a:bodyPr rtlCol="0" anchor="ctr"/>
+          <a:lstStyle/>
+          <a:p>
+            <a:pPr algn="ctr"/>
+            <a:endParaRPr lang="en-US"/>
+          </a:p>
+        </p:txBody>
+      </p:sp>
+      <p:sp>
+        <p:nvSpPr>
+          <p:cNvPr id="17" name="Rectangle 16">
+            <a:extLst>
+              <a:ext uri="{FF2B5EF4-FFF2-40B4-BE49-F238E27FC236}">
+                <a16:creationId xmlns:a16="http://schemas.microsoft.com/office/drawing/2014/main" id="{A7009A0A-BEF5-4EAC-AF15-E4F9F002E239}"/>
+              </a:ext>
+              <a:ext uri="{C183D7F6-B498-43B3-948B-1728B52AA6E4}">
+                <adec:decorative xmlns:adec="http://schemas.microsoft.com/office/drawing/2017/decorative" val="1"/>
+              </a:ext>
+            </a:extLst>
+          </p:cNvPr>
+          <p:cNvSpPr>
+            <a:spLocks noGrp="1" noRot="1" noChangeAspect="1" noMove="1" noResize="1" noEditPoints="1" noAdjustHandles="1" noChangeArrowheads="1" noChangeShapeType="1" noTextEdit="1"/>
+          </p:cNvSpPr>
+          <p:nvPr>
+            <p:extLst>
+              <p:ext uri="{386F3935-93C4-4BCD-93E2-E3B085C9AB24}">
+                <p16:designElem xmlns:p16="http://schemas.microsoft.com/office/powerpoint/2015/main" val="1"/>
+              </p:ext>
+            </p:extLst>
+          </p:nvPr>
+        </p:nvSpPr>
+        <p:spPr>
+          <a:xfrm flipH="1">
+            <a:off x="-3" y="-1"/>
+            <a:ext cx="12192002" cy="1574311"/>
+          </a:xfrm>
+          <a:prstGeom prst="rect">
+            <a:avLst/>
+          </a:prstGeom>
+          <a:gradFill>
+            <a:gsLst>
+              <a:gs pos="0">
+                <a:srgbClr val="000000">
+                  <a:alpha val="63000"/>
+                </a:srgbClr>
+              </a:gs>
+              <a:gs pos="78000">
+                <a:schemeClr val="accent1">
+                  <a:alpha val="15000"/>
+                </a:schemeClr>
+              </a:gs>
+            </a:gsLst>
+            <a:lin ang="15600000" scaled="0"/>
+          </a:gradFill>
+          <a:ln>
+            <a:noFill/>
+          </a:ln>
+        </p:spPr>
+        <p:style>
+          <a:lnRef idx="2">
+            <a:schemeClr val="accent1">
+              <a:shade val="50000"/>
+            </a:schemeClr>
+          </a:lnRef>
+          <a:fillRef idx="1">
+            <a:schemeClr val="accent1"/>
+          </a:fillRef>
+          <a:effectRef idx="0">
+            <a:schemeClr val="accent1"/>
+          </a:effectRef>
+          <a:fontRef idx="minor">
+            <a:schemeClr val="lt1"/>
+          </a:fontRef>
+        </p:style>
+        <p:txBody>
+          <a:bodyPr rtlCol="0" anchor="ctr"/>
+          <a:lstStyle/>
+          <a:p>
+            <a:pPr algn="ctr"/>
+            <a:endParaRPr lang="en-US"/>
+          </a:p>
+        </p:txBody>
+      </p:sp>
+      <p:sp>
+        <p:nvSpPr>
           <p:cNvPr id="2" name="Title 1">
             <a:extLst>
               <a:ext uri="{FF2B5EF4-FFF2-40B4-BE49-F238E27FC236}">
-                <a16:creationId xmlns:a16="http://schemas.microsoft.com/office/drawing/2014/main" id="{569B06EC-102F-17E0-49C7-FACF19A27708}"/>
+                <a16:creationId xmlns:a16="http://schemas.microsoft.com/office/drawing/2014/main" id="{94B328AE-E53D-89D4-CE8C-E82025EE8E1F}"/>
               </a:ext>
             </a:extLst>
           </p:cNvPr>
@@ -7127,14 +9922,28 @@
             <p:ph type="title"/>
           </p:nvPr>
         </p:nvSpPr>
-        <p:spPr/>
-        <p:txBody>
-          <a:bodyPr/>
+        <p:spPr>
+          <a:xfrm>
+            <a:off x="699713" y="248038"/>
+            <a:ext cx="7063721" cy="1159200"/>
+          </a:xfrm>
+        </p:spPr>
+        <p:txBody>
+          <a:bodyPr vert="horz" lIns="91440" tIns="45720" rIns="91440" bIns="45720" rtlCol="0" anchor="ctr">
+            <a:normAutofit/>
+          </a:bodyPr>
           <a:lstStyle/>
           <a:p>
             <a:r>
-              <a:rPr lang="en-US" dirty="0"/>
-              <a:t>Software</a:t>
+              <a:rPr lang="en-US" sz="4000" kern="1200" dirty="0">
+                <a:solidFill>
+                  <a:srgbClr val="FFFFFF"/>
+                </a:solidFill>
+                <a:latin typeface="+mj-lt"/>
+                <a:ea typeface="+mj-ea"/>
+                <a:cs typeface="+mj-cs"/>
+              </a:rPr>
+              <a:t>RSU</a:t>
             </a:r>
           </a:p>
         </p:txBody>
@@ -7144,7 +9953,7 @@
           <p:cNvPr id="3" name="Content Placeholder 2">
             <a:extLst>
               <a:ext uri="{FF2B5EF4-FFF2-40B4-BE49-F238E27FC236}">
-                <a16:creationId xmlns:a16="http://schemas.microsoft.com/office/drawing/2014/main" id="{A31721F8-6950-845B-363D-5A8AC4DDE947}"/>
+                <a16:creationId xmlns:a16="http://schemas.microsoft.com/office/drawing/2014/main" id="{ADC23DE7-688F-96A3-C6A2-5683C853A5E8}"/>
               </a:ext>
             </a:extLst>
           </p:cNvPr>
@@ -7155,47 +9964,318 @@
             <p:ph idx="1"/>
           </p:nvPr>
         </p:nvSpPr>
-        <p:spPr/>
-        <p:txBody>
-          <a:bodyPr/>
+        <p:spPr>
+          <a:xfrm>
+            <a:off x="425061" y="1927480"/>
+            <a:ext cx="5670940" cy="2587370"/>
+          </a:xfrm>
+        </p:spPr>
+        <p:txBody>
+          <a:bodyPr vert="horz" lIns="91440" tIns="45720" rIns="91440" bIns="45720" rtlCol="0" anchor="ctr">
+            <a:normAutofit/>
+          </a:bodyPr>
           <a:lstStyle/>
           <a:p>
-            <a:endParaRPr lang="en-US" dirty="0"/>
+            <a:r>
+              <a:rPr lang="en-US" sz="2000" kern="1200" dirty="0">
+                <a:solidFill>
+                  <a:schemeClr val="tx1">
+                    <a:lumMod val="95000"/>
+                    <a:lumOff val="5000"/>
+                  </a:schemeClr>
+                </a:solidFill>
+                <a:latin typeface="+mn-lt"/>
+                <a:ea typeface="+mn-ea"/>
+                <a:cs typeface="+mn-cs"/>
+              </a:rPr>
+              <a:t>Roadside Unit facilitates communication between road use</a:t>
+            </a:r>
+            <a:r>
+              <a:rPr lang="en-US" sz="2000" dirty="0">
+                <a:solidFill>
+                  <a:schemeClr val="tx1">
+                    <a:lumMod val="95000"/>
+                    <a:lumOff val="5000"/>
+                  </a:schemeClr>
+                </a:solidFill>
+              </a:rPr>
+              <a:t>rs and infrastructure</a:t>
+            </a:r>
+          </a:p>
+          <a:p>
+            <a:r>
+              <a:rPr lang="en-US" sz="2000" kern="1200" dirty="0">
+                <a:solidFill>
+                  <a:schemeClr val="tx1">
+                    <a:lumMod val="95000"/>
+                    <a:lumOff val="5000"/>
+                  </a:schemeClr>
+                </a:solidFill>
+                <a:latin typeface="+mn-lt"/>
+                <a:ea typeface="+mn-ea"/>
+                <a:cs typeface="+mn-cs"/>
+              </a:rPr>
+              <a:t>Modeled after </a:t>
+            </a:r>
+            <a:r>
+              <a:rPr lang="en-US" sz="2000" kern="1200" dirty="0" err="1">
+                <a:solidFill>
+                  <a:schemeClr val="tx1">
+                    <a:lumMod val="95000"/>
+                    <a:lumOff val="5000"/>
+                  </a:schemeClr>
+                </a:solidFill>
+                <a:latin typeface="+mn-lt"/>
+                <a:ea typeface="+mn-ea"/>
+                <a:cs typeface="+mn-cs"/>
+              </a:rPr>
+              <a:t>Commsignia’s</a:t>
+            </a:r>
+            <a:r>
+              <a:rPr lang="en-US" sz="2000" kern="1200" dirty="0">
+                <a:solidFill>
+                  <a:schemeClr val="tx1">
+                    <a:lumMod val="95000"/>
+                    <a:lumOff val="5000"/>
+                  </a:schemeClr>
+                </a:solidFill>
+                <a:latin typeface="+mn-lt"/>
+                <a:ea typeface="+mn-ea"/>
+                <a:cs typeface="+mn-cs"/>
+              </a:rPr>
+              <a:t> ITS-RS4</a:t>
+            </a:r>
+          </a:p>
+          <a:p>
+            <a:r>
+              <a:rPr lang="en-US" sz="2000" dirty="0">
+                <a:solidFill>
+                  <a:schemeClr val="tx1">
+                    <a:lumMod val="95000"/>
+                    <a:lumOff val="5000"/>
+                  </a:schemeClr>
+                </a:solidFill>
+              </a:rPr>
+              <a:t>Architecture is very similar to </a:t>
+            </a:r>
+            <a:r>
+              <a:rPr lang="en-US" sz="2000" dirty="0" err="1">
+                <a:solidFill>
+                  <a:schemeClr val="tx1">
+                    <a:lumMod val="95000"/>
+                    <a:lumOff val="5000"/>
+                  </a:schemeClr>
+                </a:solidFill>
+              </a:rPr>
+              <a:t>Commsignia’s</a:t>
+            </a:r>
+            <a:r>
+              <a:rPr lang="en-US" sz="2000" dirty="0">
+                <a:solidFill>
+                  <a:schemeClr val="tx1">
+                    <a:lumMod val="95000"/>
+                    <a:lumOff val="5000"/>
+                  </a:schemeClr>
+                </a:solidFill>
+              </a:rPr>
+              <a:t> ITS-OB4</a:t>
+            </a:r>
+            <a:endParaRPr lang="en-US" sz="2000" kern="1200" dirty="0">
+              <a:solidFill>
+                <a:srgbClr val="FFFFFF"/>
+              </a:solidFill>
+              <a:latin typeface="+mn-lt"/>
+              <a:ea typeface="+mn-ea"/>
+              <a:cs typeface="+mn-cs"/>
+            </a:endParaRPr>
           </a:p>
         </p:txBody>
       </p:sp>
       <p:sp>
         <p:nvSpPr>
-          <p:cNvPr id="4" name="Footer Placeholder 3">
-            <a:extLst>
-              <a:ext uri="{FF2B5EF4-FFF2-40B4-BE49-F238E27FC236}">
-                <a16:creationId xmlns:a16="http://schemas.microsoft.com/office/drawing/2014/main" id="{C4ACEE93-93AB-7380-7119-2E725923725C}"/>
-              </a:ext>
-            </a:extLst>
-          </p:cNvPr>
-          <p:cNvSpPr>
-            <a:spLocks noGrp="1"/>
-          </p:cNvSpPr>
-          <p:nvPr>
-            <p:ph type="ftr" sz="quarter" idx="11"/>
-          </p:nvPr>
-        </p:nvSpPr>
-        <p:spPr/>
-        <p:txBody>
-          <a:bodyPr/>
-          <a:lstStyle/>
-          <a:p>
-            <a:r>
-              <a:rPr lang="en-US"/>
-              <a:t>Fig. 1, Awarenees Driving</a:t>
-            </a:r>
-          </a:p>
-        </p:txBody>
-      </p:sp>
+          <p:cNvPr id="8" name="Footer Placeholder 5">
+            <a:extLst>
+              <a:ext uri="{FF2B5EF4-FFF2-40B4-BE49-F238E27FC236}">
+                <a16:creationId xmlns:a16="http://schemas.microsoft.com/office/drawing/2014/main" id="{75B7F654-032B-A09C-CA79-2FB92B1290E6}"/>
+              </a:ext>
+            </a:extLst>
+          </p:cNvPr>
+          <p:cNvSpPr txBox="1">
+            <a:spLocks/>
+          </p:cNvSpPr>
+          <p:nvPr/>
+        </p:nvSpPr>
+        <p:spPr>
+          <a:xfrm>
+            <a:off x="8560367" y="6275762"/>
+            <a:ext cx="3960877" cy="365125"/>
+          </a:xfrm>
+          <a:prstGeom prst="rect">
+            <a:avLst/>
+          </a:prstGeom>
+        </p:spPr>
+        <p:txBody>
+          <a:bodyPr vert="horz" lIns="91440" tIns="45720" rIns="91440" bIns="45720" rtlCol="0" anchor="ctr">
+            <a:normAutofit/>
+          </a:bodyPr>
+          <a:lstStyle>
+            <a:defPPr>
+              <a:defRPr lang="en-US"/>
+            </a:defPPr>
+            <a:lvl1pPr marL="0" algn="ctr" defTabSz="914400" rtl="0" eaLnBrk="1" latinLnBrk="0" hangingPunct="1">
+              <a:defRPr sz="1200" kern="1200">
+                <a:solidFill>
+                  <a:schemeClr val="tx1">
+                    <a:tint val="82000"/>
+                  </a:schemeClr>
+                </a:solidFill>
+                <a:latin typeface="+mn-lt"/>
+                <a:ea typeface="+mn-ea"/>
+                <a:cs typeface="+mn-cs"/>
+              </a:defRPr>
+            </a:lvl1pPr>
+            <a:lvl2pPr marL="457200" algn="l" defTabSz="914400" rtl="0" eaLnBrk="1" latinLnBrk="0" hangingPunct="1">
+              <a:defRPr sz="1800" kern="1200">
+                <a:solidFill>
+                  <a:schemeClr val="tx1"/>
+                </a:solidFill>
+                <a:latin typeface="+mn-lt"/>
+                <a:ea typeface="+mn-ea"/>
+                <a:cs typeface="+mn-cs"/>
+              </a:defRPr>
+            </a:lvl2pPr>
+            <a:lvl3pPr marL="914400" algn="l" defTabSz="914400" rtl="0" eaLnBrk="1" latinLnBrk="0" hangingPunct="1">
+              <a:defRPr sz="1800" kern="1200">
+                <a:solidFill>
+                  <a:schemeClr val="tx1"/>
+                </a:solidFill>
+                <a:latin typeface="+mn-lt"/>
+                <a:ea typeface="+mn-ea"/>
+                <a:cs typeface="+mn-cs"/>
+              </a:defRPr>
+            </a:lvl3pPr>
+            <a:lvl4pPr marL="1371600" algn="l" defTabSz="914400" rtl="0" eaLnBrk="1" latinLnBrk="0" hangingPunct="1">
+              <a:defRPr sz="1800" kern="1200">
+                <a:solidFill>
+                  <a:schemeClr val="tx1"/>
+                </a:solidFill>
+                <a:latin typeface="+mn-lt"/>
+                <a:ea typeface="+mn-ea"/>
+                <a:cs typeface="+mn-cs"/>
+              </a:defRPr>
+            </a:lvl4pPr>
+            <a:lvl5pPr marL="1828800" algn="l" defTabSz="914400" rtl="0" eaLnBrk="1" latinLnBrk="0" hangingPunct="1">
+              <a:defRPr sz="1800" kern="1200">
+                <a:solidFill>
+                  <a:schemeClr val="tx1"/>
+                </a:solidFill>
+                <a:latin typeface="+mn-lt"/>
+                <a:ea typeface="+mn-ea"/>
+                <a:cs typeface="+mn-cs"/>
+              </a:defRPr>
+            </a:lvl5pPr>
+            <a:lvl6pPr marL="2286000" algn="l" defTabSz="914400" rtl="0" eaLnBrk="1" latinLnBrk="0" hangingPunct="1">
+              <a:defRPr sz="1800" kern="1200">
+                <a:solidFill>
+                  <a:schemeClr val="tx1"/>
+                </a:solidFill>
+                <a:latin typeface="+mn-lt"/>
+                <a:ea typeface="+mn-ea"/>
+                <a:cs typeface="+mn-cs"/>
+              </a:defRPr>
+            </a:lvl6pPr>
+            <a:lvl7pPr marL="2743200" algn="l" defTabSz="914400" rtl="0" eaLnBrk="1" latinLnBrk="0" hangingPunct="1">
+              <a:defRPr sz="1800" kern="1200">
+                <a:solidFill>
+                  <a:schemeClr val="tx1"/>
+                </a:solidFill>
+                <a:latin typeface="+mn-lt"/>
+                <a:ea typeface="+mn-ea"/>
+                <a:cs typeface="+mn-cs"/>
+              </a:defRPr>
+            </a:lvl7pPr>
+            <a:lvl8pPr marL="3200400" algn="l" defTabSz="914400" rtl="0" eaLnBrk="1" latinLnBrk="0" hangingPunct="1">
+              <a:defRPr sz="1800" kern="1200">
+                <a:solidFill>
+                  <a:schemeClr val="tx1"/>
+                </a:solidFill>
+                <a:latin typeface="+mn-lt"/>
+                <a:ea typeface="+mn-ea"/>
+                <a:cs typeface="+mn-cs"/>
+              </a:defRPr>
+            </a:lvl8pPr>
+            <a:lvl9pPr marL="3657600" algn="l" defTabSz="914400" rtl="0" eaLnBrk="1" latinLnBrk="0" hangingPunct="1">
+              <a:defRPr sz="1800" kern="1200">
+                <a:solidFill>
+                  <a:schemeClr val="tx1"/>
+                </a:solidFill>
+                <a:latin typeface="+mn-lt"/>
+                <a:ea typeface="+mn-ea"/>
+                <a:cs typeface="+mn-cs"/>
+              </a:defRPr>
+            </a:lvl9pPr>
+          </a:lstStyle>
+          <a:p>
+            <a:pPr algn="l">
+              <a:spcAft>
+                <a:spcPts val="600"/>
+              </a:spcAft>
+            </a:pPr>
+            <a:r>
+              <a:rPr lang="en-US" dirty="0"/>
+              <a:t>Fig. 12, </a:t>
+            </a:r>
+            <a:r>
+              <a:rPr lang="en-US" dirty="0" err="1"/>
+              <a:t>Commsignia</a:t>
+            </a:r>
+            <a:r>
+              <a:rPr lang="en-US" dirty="0"/>
+              <a:t> RSU</a:t>
+            </a:r>
+          </a:p>
+        </p:txBody>
+      </p:sp>
+      <p:pic>
+        <p:nvPicPr>
+          <p:cNvPr id="6" name="Picture 5" descr="A white electronic device with four tubes&#10;&#10;Description automatically generated">
+            <a:extLst>
+              <a:ext uri="{FF2B5EF4-FFF2-40B4-BE49-F238E27FC236}">
+                <a16:creationId xmlns:a16="http://schemas.microsoft.com/office/drawing/2014/main" id="{C26C6E1F-FB60-8F29-E0D5-DA746CEB0A88}"/>
+              </a:ext>
+            </a:extLst>
+          </p:cNvPr>
+          <p:cNvPicPr>
+            <a:picLocks noChangeAspect="1"/>
+          </p:cNvPicPr>
+          <p:nvPr/>
+        </p:nvPicPr>
+        <p:blipFill>
+          <a:blip r:embed="rId2">
+            <a:extLst>
+              <a:ext uri="{28A0092B-C50C-407E-A947-70E740481C1C}">
+                <a14:useLocalDpi xmlns:a14="http://schemas.microsoft.com/office/drawing/2010/main" val="0"/>
+              </a:ext>
+            </a:extLst>
+          </a:blip>
+          <a:stretch>
+            <a:fillRect/>
+          </a:stretch>
+        </p:blipFill>
+        <p:spPr>
+          <a:xfrm>
+            <a:off x="9123030" y="1651375"/>
+            <a:ext cx="2317150" cy="4806950"/>
+          </a:xfrm>
+          <a:prstGeom prst="rect">
+            <a:avLst/>
+          </a:prstGeom>
+        </p:spPr>
+      </p:pic>
     </p:spTree>
     <p:extLst>
       <p:ext uri="{BB962C8B-B14F-4D97-AF65-F5344CB8AC3E}">
-        <p14:creationId xmlns:p14="http://schemas.microsoft.com/office/powerpoint/2010/main" val="2327144799"/>
+        <p14:creationId xmlns:p14="http://schemas.microsoft.com/office/powerpoint/2010/main" val="835954570"/>
       </p:ext>
     </p:extLst>
   </p:cSld>
@@ -7205,9 +10285,17 @@
 </p:sld>
 </file>
 
-<file path=ppt/slides/slide16.xml><?xml version="1.0" encoding="utf-8"?>
+<file path=ppt/slides/slide17.xml><?xml version="1.0" encoding="utf-8"?>
 <p:sld xmlns:a="http://schemas.openxmlformats.org/drawingml/2006/main" xmlns:r="http://schemas.openxmlformats.org/officeDocument/2006/relationships" xmlns:p="http://schemas.openxmlformats.org/presentationml/2006/main">
   <p:cSld>
+    <p:bg>
+      <p:bgPr>
+        <a:solidFill>
+          <a:schemeClr val="bg1"/>
+        </a:solidFill>
+        <a:effectLst/>
+      </p:bgPr>
+    </p:bg>
     <p:spTree>
       <p:nvGrpSpPr>
         <p:cNvPr id="1" name=""/>
@@ -7222,12 +10310,315 @@
           <a:chExt cx="0" cy="0"/>
         </a:xfrm>
       </p:grpSpPr>
+      <p:sp useBgFill="1">
+        <p:nvSpPr>
+          <p:cNvPr id="11" name="Rectangle 10">
+            <a:extLst>
+              <a:ext uri="{FF2B5EF4-FFF2-40B4-BE49-F238E27FC236}">
+                <a16:creationId xmlns:a16="http://schemas.microsoft.com/office/drawing/2014/main" id="{A8384FB5-9ADC-4DDC-881B-597D56F5B15D}"/>
+              </a:ext>
+              <a:ext uri="{C183D7F6-B498-43B3-948B-1728B52AA6E4}">
+                <adec:decorative xmlns:adec="http://schemas.microsoft.com/office/drawing/2017/decorative" val="1"/>
+              </a:ext>
+            </a:extLst>
+          </p:cNvPr>
+          <p:cNvSpPr>
+            <a:spLocks noGrp="1" noRot="1" noChangeAspect="1" noMove="1" noResize="1" noEditPoints="1" noAdjustHandles="1" noChangeArrowheads="1" noChangeShapeType="1" noTextEdit="1"/>
+          </p:cNvSpPr>
+          <p:nvPr>
+            <p:extLst>
+              <p:ext uri="{386F3935-93C4-4BCD-93E2-E3B085C9AB24}">
+                <p16:designElem xmlns:p16="http://schemas.microsoft.com/office/powerpoint/2015/main" val="1"/>
+              </p:ext>
+            </p:extLst>
+          </p:nvPr>
+        </p:nvSpPr>
+        <p:spPr>
+          <a:xfrm>
+            <a:off x="0" y="0"/>
+            <a:ext cx="12192000" cy="6858000"/>
+          </a:xfrm>
+          <a:prstGeom prst="rect">
+            <a:avLst/>
+          </a:prstGeom>
+          <a:ln w="12700" cap="flat" cmpd="sng" algn="ctr">
+            <a:noFill/>
+            <a:prstDash val="solid"/>
+            <a:miter lim="800000"/>
+          </a:ln>
+          <a:effectLst/>
+          <a:extLst>
+            <a:ext uri="{91240B29-F687-4F45-9708-019B960494DF}">
+              <a14:hiddenLine xmlns:a14="http://schemas.microsoft.com/office/drawing/2010/main" w="12700" cap="flat" cmpd="sng" algn="ctr">
+                <a:solidFill>
+                  <a:schemeClr val="accent1">
+                    <a:shade val="50000"/>
+                  </a:schemeClr>
+                </a:solidFill>
+                <a:prstDash val="solid"/>
+                <a:miter lim="800000"/>
+              </a14:hiddenLine>
+            </a:ext>
+          </a:extLst>
+        </p:spPr>
+        <p:style>
+          <a:lnRef idx="2">
+            <a:schemeClr val="accent1">
+              <a:shade val="50000"/>
+            </a:schemeClr>
+          </a:lnRef>
+          <a:fillRef idx="1">
+            <a:schemeClr val="accent1"/>
+          </a:fillRef>
+          <a:effectRef idx="0">
+            <a:schemeClr val="accent1"/>
+          </a:effectRef>
+          <a:fontRef idx="minor">
+            <a:schemeClr val="lt1"/>
+          </a:fontRef>
+        </p:style>
+        <p:txBody>
+          <a:bodyPr rtlCol="0" anchor="ctr"/>
+          <a:lstStyle/>
+          <a:p>
+            <a:pPr algn="ctr"/>
+            <a:endParaRPr lang="en-US"/>
+          </a:p>
+        </p:txBody>
+      </p:sp>
       <p:sp>
         <p:nvSpPr>
+          <p:cNvPr id="13" name="Rectangle 12">
+            <a:extLst>
+              <a:ext uri="{FF2B5EF4-FFF2-40B4-BE49-F238E27FC236}">
+                <a16:creationId xmlns:a16="http://schemas.microsoft.com/office/drawing/2014/main" id="{1199E1B1-A8C0-4FE8-A5A8-1CB41D69F857}"/>
+              </a:ext>
+              <a:ext uri="{C183D7F6-B498-43B3-948B-1728B52AA6E4}">
+                <adec:decorative xmlns:adec="http://schemas.microsoft.com/office/drawing/2017/decorative" val="1"/>
+              </a:ext>
+            </a:extLst>
+          </p:cNvPr>
+          <p:cNvSpPr>
+            <a:spLocks noGrp="1" noRot="1" noChangeAspect="1" noMove="1" noResize="1" noEditPoints="1" noAdjustHandles="1" noChangeArrowheads="1" noChangeShapeType="1" noTextEdit="1"/>
+          </p:cNvSpPr>
+          <p:nvPr>
+            <p:extLst>
+              <p:ext uri="{386F3935-93C4-4BCD-93E2-E3B085C9AB24}">
+                <p16:designElem xmlns:p16="http://schemas.microsoft.com/office/powerpoint/2015/main" val="1"/>
+              </p:ext>
+            </p:extLst>
+          </p:nvPr>
+        </p:nvSpPr>
+        <p:spPr>
+          <a:xfrm rot="10800000" flipH="1">
+            <a:off x="2" y="0"/>
+            <a:ext cx="12191998" cy="1575955"/>
+          </a:xfrm>
+          <a:prstGeom prst="rect">
+            <a:avLst/>
+          </a:prstGeom>
+          <a:gradFill>
+            <a:gsLst>
+              <a:gs pos="0">
+                <a:srgbClr val="000000">
+                  <a:alpha val="96000"/>
+                </a:srgbClr>
+              </a:gs>
+              <a:gs pos="100000">
+                <a:schemeClr val="accent1">
+                  <a:lumMod val="75000"/>
+                </a:schemeClr>
+              </a:gs>
+            </a:gsLst>
+            <a:lin ang="6000000" scaled="0"/>
+          </a:gradFill>
+          <a:ln>
+            <a:noFill/>
+          </a:ln>
+        </p:spPr>
+        <p:style>
+          <a:lnRef idx="2">
+            <a:schemeClr val="accent1">
+              <a:shade val="50000"/>
+            </a:schemeClr>
+          </a:lnRef>
+          <a:fillRef idx="1">
+            <a:schemeClr val="accent1"/>
+          </a:fillRef>
+          <a:effectRef idx="0">
+            <a:schemeClr val="accent1"/>
+          </a:effectRef>
+          <a:fontRef idx="minor">
+            <a:schemeClr val="lt1"/>
+          </a:fontRef>
+        </p:style>
+        <p:txBody>
+          <a:bodyPr rtlCol="0" anchor="ctr"/>
+          <a:lstStyle/>
+          <a:p>
+            <a:pPr algn="ctr"/>
+            <a:endParaRPr lang="en-US"/>
+          </a:p>
+        </p:txBody>
+      </p:sp>
+      <p:sp>
+        <p:nvSpPr>
+          <p:cNvPr id="15" name="Rectangle 14">
+            <a:extLst>
+              <a:ext uri="{FF2B5EF4-FFF2-40B4-BE49-F238E27FC236}">
+                <a16:creationId xmlns:a16="http://schemas.microsoft.com/office/drawing/2014/main" id="{84A8DE83-DE75-4B41-9DB4-A7EC0B0DEC0B}"/>
+              </a:ext>
+              <a:ext uri="{C183D7F6-B498-43B3-948B-1728B52AA6E4}">
+                <adec:decorative xmlns:adec="http://schemas.microsoft.com/office/drawing/2017/decorative" val="1"/>
+              </a:ext>
+            </a:extLst>
+          </p:cNvPr>
+          <p:cNvSpPr>
+            <a:spLocks noGrp="1" noRot="1" noChangeAspect="1" noMove="1" noResize="1" noEditPoints="1" noAdjustHandles="1" noChangeArrowheads="1" noChangeShapeType="1" noTextEdit="1"/>
+          </p:cNvSpPr>
+          <p:nvPr>
+            <p:extLst>
+              <p:ext uri="{386F3935-93C4-4BCD-93E2-E3B085C9AB24}">
+                <p16:designElem xmlns:p16="http://schemas.microsoft.com/office/powerpoint/2015/main" val="1"/>
+              </p:ext>
+            </p:extLst>
+          </p:nvPr>
+        </p:nvSpPr>
+        <p:spPr>
+          <a:xfrm>
+            <a:off x="0" y="0"/>
+            <a:ext cx="8128856" cy="1575461"/>
+          </a:xfrm>
+          <a:prstGeom prst="rect">
+            <a:avLst/>
+          </a:prstGeom>
+          <a:gradFill>
+            <a:gsLst>
+              <a:gs pos="0">
+                <a:schemeClr val="accent1">
+                  <a:alpha val="41000"/>
+                </a:schemeClr>
+              </a:gs>
+              <a:gs pos="74000">
+                <a:schemeClr val="accent1">
+                  <a:lumMod val="60000"/>
+                  <a:lumOff val="40000"/>
+                  <a:alpha val="0"/>
+                </a:schemeClr>
+              </a:gs>
+            </a:gsLst>
+            <a:lin ang="8400000" scaled="0"/>
+          </a:gradFill>
+          <a:ln>
+            <a:noFill/>
+          </a:ln>
+        </p:spPr>
+        <p:style>
+          <a:lnRef idx="2">
+            <a:schemeClr val="accent1">
+              <a:shade val="50000"/>
+            </a:schemeClr>
+          </a:lnRef>
+          <a:fillRef idx="1">
+            <a:schemeClr val="accent1"/>
+          </a:fillRef>
+          <a:effectRef idx="0">
+            <a:schemeClr val="accent1"/>
+          </a:effectRef>
+          <a:fontRef idx="minor">
+            <a:schemeClr val="lt1"/>
+          </a:fontRef>
+        </p:style>
+        <p:txBody>
+          <a:bodyPr rtlCol="0" anchor="ctr"/>
+          <a:lstStyle/>
+          <a:p>
+            <a:pPr algn="ctr"/>
+            <a:endParaRPr lang="en-US"/>
+          </a:p>
+        </p:txBody>
+      </p:sp>
+      <p:sp>
+        <p:nvSpPr>
+          <p:cNvPr id="17" name="Rectangle 16">
+            <a:extLst>
+              <a:ext uri="{FF2B5EF4-FFF2-40B4-BE49-F238E27FC236}">
+                <a16:creationId xmlns:a16="http://schemas.microsoft.com/office/drawing/2014/main" id="{A7009A0A-BEF5-4EAC-AF15-E4F9F002E239}"/>
+              </a:ext>
+              <a:ext uri="{C183D7F6-B498-43B3-948B-1728B52AA6E4}">
+                <adec:decorative xmlns:adec="http://schemas.microsoft.com/office/drawing/2017/decorative" val="1"/>
+              </a:ext>
+            </a:extLst>
+          </p:cNvPr>
+          <p:cNvSpPr>
+            <a:spLocks noGrp="1" noRot="1" noChangeAspect="1" noMove="1" noResize="1" noEditPoints="1" noAdjustHandles="1" noChangeArrowheads="1" noChangeShapeType="1" noTextEdit="1"/>
+          </p:cNvSpPr>
+          <p:nvPr>
+            <p:extLst>
+              <p:ext uri="{386F3935-93C4-4BCD-93E2-E3B085C9AB24}">
+                <p16:designElem xmlns:p16="http://schemas.microsoft.com/office/powerpoint/2015/main" val="1"/>
+              </p:ext>
+            </p:extLst>
+          </p:nvPr>
+        </p:nvSpPr>
+        <p:spPr>
+          <a:xfrm flipH="1">
+            <a:off x="-3" y="-1"/>
+            <a:ext cx="12192002" cy="1574311"/>
+          </a:xfrm>
+          <a:prstGeom prst="rect">
+            <a:avLst/>
+          </a:prstGeom>
+          <a:gradFill>
+            <a:gsLst>
+              <a:gs pos="0">
+                <a:srgbClr val="000000">
+                  <a:alpha val="63000"/>
+                </a:srgbClr>
+              </a:gs>
+              <a:gs pos="78000">
+                <a:schemeClr val="accent1">
+                  <a:alpha val="15000"/>
+                </a:schemeClr>
+              </a:gs>
+            </a:gsLst>
+            <a:lin ang="15600000" scaled="0"/>
+          </a:gradFill>
+          <a:ln>
+            <a:noFill/>
+          </a:ln>
+        </p:spPr>
+        <p:style>
+          <a:lnRef idx="2">
+            <a:schemeClr val="accent1">
+              <a:shade val="50000"/>
+            </a:schemeClr>
+          </a:lnRef>
+          <a:fillRef idx="1">
+            <a:schemeClr val="accent1"/>
+          </a:fillRef>
+          <a:effectRef idx="0">
+            <a:schemeClr val="accent1"/>
+          </a:effectRef>
+          <a:fontRef idx="minor">
+            <a:schemeClr val="lt1"/>
+          </a:fontRef>
+        </p:style>
+        <p:txBody>
+          <a:bodyPr rtlCol="0" anchor="ctr"/>
+          <a:lstStyle/>
+          <a:p>
+            <a:pPr algn="ctr"/>
+            <a:endParaRPr lang="en-US"/>
+          </a:p>
+        </p:txBody>
+      </p:sp>
+      <p:sp>
+        <p:nvSpPr>
           <p:cNvPr id="2" name="Title 1">
             <a:extLst>
               <a:ext uri="{FF2B5EF4-FFF2-40B4-BE49-F238E27FC236}">
-                <a16:creationId xmlns:a16="http://schemas.microsoft.com/office/drawing/2014/main" id="{2548C96E-6781-8024-51C6-29F61867A5AE}"/>
+                <a16:creationId xmlns:a16="http://schemas.microsoft.com/office/drawing/2014/main" id="{94B328AE-E53D-89D4-CE8C-E82025EE8E1F}"/>
               </a:ext>
             </a:extLst>
           </p:cNvPr>
@@ -7238,127 +10629,252 @@
             <p:ph type="title"/>
           </p:nvPr>
         </p:nvSpPr>
-        <p:spPr/>
-        <p:txBody>
-          <a:bodyPr/>
+        <p:spPr>
+          <a:xfrm>
+            <a:off x="699713" y="248038"/>
+            <a:ext cx="7063721" cy="1159200"/>
+          </a:xfrm>
+        </p:spPr>
+        <p:txBody>
+          <a:bodyPr vert="horz" lIns="91440" tIns="45720" rIns="91440" bIns="45720" rtlCol="0" anchor="ctr">
+            <a:normAutofit/>
+          </a:bodyPr>
           <a:lstStyle/>
           <a:p>
-            <a:endParaRPr lang="en-US"/>
-          </a:p>
-        </p:txBody>
-      </p:sp>
-      <p:sp>
-        <p:nvSpPr>
-          <p:cNvPr id="3" name="Content Placeholder 2">
-            <a:extLst>
-              <a:ext uri="{FF2B5EF4-FFF2-40B4-BE49-F238E27FC236}">
-                <a16:creationId xmlns:a16="http://schemas.microsoft.com/office/drawing/2014/main" id="{A90225F5-DB26-1453-055E-287891987DC6}"/>
-              </a:ext>
-            </a:extLst>
-          </p:cNvPr>
-          <p:cNvSpPr>
-            <a:spLocks noGrp="1"/>
-          </p:cNvSpPr>
+            <a:r>
+              <a:rPr lang="en-US" sz="4000" kern="1200" dirty="0">
+                <a:solidFill>
+                  <a:srgbClr val="FFFFFF"/>
+                </a:solidFill>
+                <a:latin typeface="+mj-lt"/>
+                <a:ea typeface="+mj-ea"/>
+                <a:cs typeface="+mj-cs"/>
+              </a:rPr>
+              <a:t>RSU - Hardware</a:t>
+            </a:r>
+          </a:p>
+        </p:txBody>
+      </p:sp>
+      <p:pic>
+        <p:nvPicPr>
+          <p:cNvPr id="12" name="Content Placeholder 11">
+            <a:extLst>
+              <a:ext uri="{FF2B5EF4-FFF2-40B4-BE49-F238E27FC236}">
+                <a16:creationId xmlns:a16="http://schemas.microsoft.com/office/drawing/2014/main" id="{C81D638B-0E20-6AED-3DFF-F43351A47980}"/>
+              </a:ext>
+            </a:extLst>
+          </p:cNvPr>
+          <p:cNvPicPr>
+            <a:picLocks noGrp="1" noChangeAspect="1"/>
+          </p:cNvPicPr>
           <p:nvPr>
             <p:ph idx="1"/>
           </p:nvPr>
-        </p:nvSpPr>
-        <p:spPr/>
-        <p:txBody>
-          <a:bodyPr>
-            <a:normAutofit fontScale="92500" lnSpcReduction="10000"/>
+        </p:nvPicPr>
+        <p:blipFill>
+          <a:blip r:embed="rId2">
+            <a:extLst>
+              <a:ext uri="{28A0092B-C50C-407E-A947-70E740481C1C}">
+                <a14:useLocalDpi xmlns:a14="http://schemas.microsoft.com/office/drawing/2010/main" val="0"/>
+              </a:ext>
+            </a:extLst>
+          </a:blip>
+          <a:srcRect/>
+          <a:stretch/>
+        </p:blipFill>
+        <p:spPr>
+          <a:xfrm>
+            <a:off x="5145259" y="2456858"/>
+            <a:ext cx="6972900" cy="3851774"/>
+          </a:xfrm>
+        </p:spPr>
+      </p:pic>
+      <p:pic>
+        <p:nvPicPr>
+          <p:cNvPr id="16" name="Graphic 15">
+            <a:extLst>
+              <a:ext uri="{FF2B5EF4-FFF2-40B4-BE49-F238E27FC236}">
+                <a16:creationId xmlns:a16="http://schemas.microsoft.com/office/drawing/2014/main" id="{E02314A7-6591-A1B9-E982-110F7E286CE2}"/>
+              </a:ext>
+            </a:extLst>
+          </p:cNvPr>
+          <p:cNvPicPr>
+            <a:picLocks noChangeAspect="1"/>
+          </p:cNvPicPr>
+          <p:nvPr/>
+        </p:nvPicPr>
+        <p:blipFill>
+          <a:blip r:embed="rId3">
+            <a:extLst>
+              <a:ext uri="{28A0092B-C50C-407E-A947-70E740481C1C}">
+                <a14:useLocalDpi xmlns:a14="http://schemas.microsoft.com/office/drawing/2010/main" val="0"/>
+              </a:ext>
+              <a:ext uri="{96DAC541-7B7A-43D3-8B79-37D633B846F1}">
+                <asvg:svgBlip xmlns:asvg="http://schemas.microsoft.com/office/drawing/2016/SVG/main" r:embed="rId4"/>
+              </a:ext>
+            </a:extLst>
+          </a:blip>
+          <a:srcRect/>
+          <a:stretch/>
+        </p:blipFill>
+        <p:spPr>
+          <a:xfrm>
+            <a:off x="187904" y="2085821"/>
+            <a:ext cx="5033453" cy="4259516"/>
+          </a:xfrm>
+          <a:prstGeom prst="rect">
+            <a:avLst/>
+          </a:prstGeom>
+          <a:effectLst>
+            <a:innerShdw blurRad="63500" dist="50800" dir="16200000">
+              <a:prstClr val="black">
+                <a:alpha val="50000"/>
+              </a:prstClr>
+            </a:innerShdw>
+          </a:effectLst>
+        </p:spPr>
+      </p:pic>
+      <p:sp>
+        <p:nvSpPr>
+          <p:cNvPr id="3" name="Footer Placeholder 5">
+            <a:extLst>
+              <a:ext uri="{FF2B5EF4-FFF2-40B4-BE49-F238E27FC236}">
+                <a16:creationId xmlns:a16="http://schemas.microsoft.com/office/drawing/2014/main" id="{4A8A5AFA-497F-CEC7-7A62-1F4058D2E27A}"/>
+              </a:ext>
+            </a:extLst>
+          </p:cNvPr>
+          <p:cNvSpPr txBox="1">
+            <a:spLocks/>
+          </p:cNvSpPr>
+          <p:nvPr/>
+        </p:nvSpPr>
+        <p:spPr>
+          <a:xfrm>
+            <a:off x="270696" y="6126069"/>
+            <a:ext cx="3960877" cy="365125"/>
+          </a:xfrm>
+          <a:prstGeom prst="rect">
+            <a:avLst/>
+          </a:prstGeom>
+        </p:spPr>
+        <p:txBody>
+          <a:bodyPr vert="horz" lIns="91440" tIns="45720" rIns="91440" bIns="45720" rtlCol="0" anchor="ctr">
+            <a:normAutofit/>
           </a:bodyPr>
-          <a:lstStyle/>
-          <a:p>
+          <a:lstStyle>
+            <a:defPPr>
+              <a:defRPr lang="en-US"/>
+            </a:defPPr>
+            <a:lvl1pPr marL="0" algn="ctr" defTabSz="914400" rtl="0" eaLnBrk="1" latinLnBrk="0" hangingPunct="1">
+              <a:defRPr sz="1200" kern="1200">
+                <a:solidFill>
+                  <a:schemeClr val="tx1">
+                    <a:tint val="82000"/>
+                  </a:schemeClr>
+                </a:solidFill>
+                <a:latin typeface="+mn-lt"/>
+                <a:ea typeface="+mn-ea"/>
+                <a:cs typeface="+mn-cs"/>
+              </a:defRPr>
+            </a:lvl1pPr>
+            <a:lvl2pPr marL="457200" algn="l" defTabSz="914400" rtl="0" eaLnBrk="1" latinLnBrk="0" hangingPunct="1">
+              <a:defRPr sz="1800" kern="1200">
+                <a:solidFill>
+                  <a:schemeClr val="tx1"/>
+                </a:solidFill>
+                <a:latin typeface="+mn-lt"/>
+                <a:ea typeface="+mn-ea"/>
+                <a:cs typeface="+mn-cs"/>
+              </a:defRPr>
+            </a:lvl2pPr>
+            <a:lvl3pPr marL="914400" algn="l" defTabSz="914400" rtl="0" eaLnBrk="1" latinLnBrk="0" hangingPunct="1">
+              <a:defRPr sz="1800" kern="1200">
+                <a:solidFill>
+                  <a:schemeClr val="tx1"/>
+                </a:solidFill>
+                <a:latin typeface="+mn-lt"/>
+                <a:ea typeface="+mn-ea"/>
+                <a:cs typeface="+mn-cs"/>
+              </a:defRPr>
+            </a:lvl3pPr>
+            <a:lvl4pPr marL="1371600" algn="l" defTabSz="914400" rtl="0" eaLnBrk="1" latinLnBrk="0" hangingPunct="1">
+              <a:defRPr sz="1800" kern="1200">
+                <a:solidFill>
+                  <a:schemeClr val="tx1"/>
+                </a:solidFill>
+                <a:latin typeface="+mn-lt"/>
+                <a:ea typeface="+mn-ea"/>
+                <a:cs typeface="+mn-cs"/>
+              </a:defRPr>
+            </a:lvl4pPr>
+            <a:lvl5pPr marL="1828800" algn="l" defTabSz="914400" rtl="0" eaLnBrk="1" latinLnBrk="0" hangingPunct="1">
+              <a:defRPr sz="1800" kern="1200">
+                <a:solidFill>
+                  <a:schemeClr val="tx1"/>
+                </a:solidFill>
+                <a:latin typeface="+mn-lt"/>
+                <a:ea typeface="+mn-ea"/>
+                <a:cs typeface="+mn-cs"/>
+              </a:defRPr>
+            </a:lvl5pPr>
+            <a:lvl6pPr marL="2286000" algn="l" defTabSz="914400" rtl="0" eaLnBrk="1" latinLnBrk="0" hangingPunct="1">
+              <a:defRPr sz="1800" kern="1200">
+                <a:solidFill>
+                  <a:schemeClr val="tx1"/>
+                </a:solidFill>
+                <a:latin typeface="+mn-lt"/>
+                <a:ea typeface="+mn-ea"/>
+                <a:cs typeface="+mn-cs"/>
+              </a:defRPr>
+            </a:lvl6pPr>
+            <a:lvl7pPr marL="2743200" algn="l" defTabSz="914400" rtl="0" eaLnBrk="1" latinLnBrk="0" hangingPunct="1">
+              <a:defRPr sz="1800" kern="1200">
+                <a:solidFill>
+                  <a:schemeClr val="tx1"/>
+                </a:solidFill>
+                <a:latin typeface="+mn-lt"/>
+                <a:ea typeface="+mn-ea"/>
+                <a:cs typeface="+mn-cs"/>
+              </a:defRPr>
+            </a:lvl7pPr>
+            <a:lvl8pPr marL="3200400" algn="l" defTabSz="914400" rtl="0" eaLnBrk="1" latinLnBrk="0" hangingPunct="1">
+              <a:defRPr sz="1800" kern="1200">
+                <a:solidFill>
+                  <a:schemeClr val="tx1"/>
+                </a:solidFill>
+                <a:latin typeface="+mn-lt"/>
+                <a:ea typeface="+mn-ea"/>
+                <a:cs typeface="+mn-cs"/>
+              </a:defRPr>
+            </a:lvl8pPr>
+            <a:lvl9pPr marL="3657600" algn="l" defTabSz="914400" rtl="0" eaLnBrk="1" latinLnBrk="0" hangingPunct="1">
+              <a:defRPr sz="1800" kern="1200">
+                <a:solidFill>
+                  <a:schemeClr val="tx1"/>
+                </a:solidFill>
+                <a:latin typeface="+mn-lt"/>
+                <a:ea typeface="+mn-ea"/>
+                <a:cs typeface="+mn-cs"/>
+              </a:defRPr>
+            </a:lvl9pPr>
+          </a:lstStyle>
+          <a:p>
+            <a:pPr algn="l">
+              <a:spcAft>
+                <a:spcPts val="600"/>
+              </a:spcAft>
+            </a:pPr>
             <a:r>
               <a:rPr lang="en-US" dirty="0"/>
-              <a:t>Fig. 1, </a:t>
-            </a:r>
-            <a:r>
-              <a:rPr lang="en-US" dirty="0">
-                <a:hlinkClick r:id="rId2"/>
-              </a:rPr>
-              <a:t>https://www.car-2-car.org/fileadmin/_processed_/2/9/csm_Dangerous_Situation_Warning_010b9e61f5.jpg</a:t>
-            </a:r>
-            <a:endParaRPr lang="en-US" dirty="0"/>
-          </a:p>
-          <a:p>
+              <a:t>Fig. 13, </a:t>
+            </a:r>
+            <a:r>
+              <a:rPr lang="en-US" dirty="0" err="1"/>
+              <a:t>Commsignia</a:t>
+            </a:r>
             <a:r>
               <a:rPr lang="en-US" dirty="0"/>
-              <a:t>Fig. 2, </a:t>
-            </a:r>
-            <a:r>
-              <a:rPr lang="en-US" dirty="0">
-                <a:hlinkClick r:id="rId3"/>
-              </a:rPr>
-              <a:t>https://www.waze.com/website/assets/packs/media/images/og_rebrand/whatsapp-65b8f38489f59ff7ecf15b3655a320df.png</a:t>
-            </a:r>
-            <a:endParaRPr lang="en-US" dirty="0"/>
-          </a:p>
-          <a:p>
-            <a:r>
-              <a:rPr lang="en-US" dirty="0"/>
-              <a:t>Fig. 3, </a:t>
-            </a:r>
-            <a:r>
-              <a:rPr lang="en-US" dirty="0">
-                <a:hlinkClick r:id="rId4"/>
-              </a:rPr>
-              <a:t>https://www.researchgate.net/figure/C-ITS-System-Components_fig2_333254227</a:t>
-            </a:r>
-            <a:endParaRPr lang="en-US" dirty="0"/>
-          </a:p>
-          <a:p>
-            <a:r>
-              <a:rPr lang="en-US" dirty="0"/>
-              <a:t>Fig. 4-6, </a:t>
-            </a:r>
-            <a:r>
-              <a:rPr lang="en-US" dirty="0">
-                <a:hlinkClick r:id="rId5"/>
-              </a:rPr>
-              <a:t>https://www.bosch-mobility.com/en/solutions/control-units/zone-ecu/</a:t>
-            </a:r>
-            <a:endParaRPr lang="en-US" dirty="0"/>
-          </a:p>
-          <a:p>
-            <a:r>
-              <a:rPr lang="en-US" dirty="0"/>
-              <a:t>Fig. 7, https://www.autopi.io/glossary/diagnostic-trouble-codes/</a:t>
-            </a:r>
-          </a:p>
-          <a:p>
-            <a:endParaRPr lang="en-US" dirty="0"/>
-          </a:p>
-          <a:p>
-            <a:endParaRPr lang="en-US" dirty="0"/>
-          </a:p>
-        </p:txBody>
-      </p:sp>
-      <p:sp>
-        <p:nvSpPr>
-          <p:cNvPr id="4" name="Footer Placeholder 3">
-            <a:extLst>
-              <a:ext uri="{FF2B5EF4-FFF2-40B4-BE49-F238E27FC236}">
-                <a16:creationId xmlns:a16="http://schemas.microsoft.com/office/drawing/2014/main" id="{93B93AA8-5126-5AD0-416A-C59D79F70EB8}"/>
-              </a:ext>
-            </a:extLst>
-          </p:cNvPr>
-          <p:cNvSpPr>
-            <a:spLocks noGrp="1"/>
-          </p:cNvSpPr>
-          <p:nvPr>
-            <p:ph type="ftr" sz="quarter" idx="11"/>
-          </p:nvPr>
-        </p:nvSpPr>
-        <p:spPr/>
-        <p:txBody>
-          <a:bodyPr/>
-          <a:lstStyle/>
-          <a:p>
-            <a:r>
-              <a:rPr lang="en-US"/>
-              <a:t>Fig. 1, Awarenees Driving</a:t>
+              <a:t> RSU Architecture</a:t>
             </a:r>
           </a:p>
         </p:txBody>
@@ -7366,7 +10882,1243 @@
     </p:spTree>
     <p:extLst>
       <p:ext uri="{BB962C8B-B14F-4D97-AF65-F5344CB8AC3E}">
-        <p14:creationId xmlns:p14="http://schemas.microsoft.com/office/powerpoint/2010/main" val="3427541568"/>
+        <p14:creationId xmlns:p14="http://schemas.microsoft.com/office/powerpoint/2010/main" val="1756789373"/>
+      </p:ext>
+    </p:extLst>
+  </p:cSld>
+  <p:clrMapOvr>
+    <a:masterClrMapping/>
+  </p:clrMapOvr>
+</p:sld>
+</file>
+
+<file path=ppt/slides/slide18.xml><?xml version="1.0" encoding="utf-8"?>
+<p:sld xmlns:a="http://schemas.openxmlformats.org/drawingml/2006/main" xmlns:r="http://schemas.openxmlformats.org/officeDocument/2006/relationships" xmlns:p="http://schemas.openxmlformats.org/presentationml/2006/main">
+  <p:cSld>
+    <p:bg>
+      <p:bgPr>
+        <a:solidFill>
+          <a:schemeClr val="bg1"/>
+        </a:solidFill>
+        <a:effectLst/>
+      </p:bgPr>
+    </p:bg>
+    <p:spTree>
+      <p:nvGrpSpPr>
+        <p:cNvPr id="1" name=""/>
+        <p:cNvGrpSpPr/>
+        <p:nvPr/>
+      </p:nvGrpSpPr>
+      <p:grpSpPr>
+        <a:xfrm>
+          <a:off x="0" y="0"/>
+          <a:ext cx="0" cy="0"/>
+          <a:chOff x="0" y="0"/>
+          <a:chExt cx="0" cy="0"/>
+        </a:xfrm>
+      </p:grpSpPr>
+      <p:sp useBgFill="1">
+        <p:nvSpPr>
+          <p:cNvPr id="11" name="Rectangle 10">
+            <a:extLst>
+              <a:ext uri="{FF2B5EF4-FFF2-40B4-BE49-F238E27FC236}">
+                <a16:creationId xmlns:a16="http://schemas.microsoft.com/office/drawing/2014/main" id="{A8384FB5-9ADC-4DDC-881B-597D56F5B15D}"/>
+              </a:ext>
+              <a:ext uri="{C183D7F6-B498-43B3-948B-1728B52AA6E4}">
+                <adec:decorative xmlns:adec="http://schemas.microsoft.com/office/drawing/2017/decorative" val="1"/>
+              </a:ext>
+            </a:extLst>
+          </p:cNvPr>
+          <p:cNvSpPr>
+            <a:spLocks noGrp="1" noRot="1" noChangeAspect="1" noMove="1" noResize="1" noEditPoints="1" noAdjustHandles="1" noChangeArrowheads="1" noChangeShapeType="1" noTextEdit="1"/>
+          </p:cNvSpPr>
+          <p:nvPr>
+            <p:extLst>
+              <p:ext uri="{386F3935-93C4-4BCD-93E2-E3B085C9AB24}">
+                <p16:designElem xmlns:p16="http://schemas.microsoft.com/office/powerpoint/2015/main" val="1"/>
+              </p:ext>
+            </p:extLst>
+          </p:nvPr>
+        </p:nvSpPr>
+        <p:spPr>
+          <a:xfrm>
+            <a:off x="0" y="0"/>
+            <a:ext cx="12192000" cy="6858000"/>
+          </a:xfrm>
+          <a:prstGeom prst="rect">
+            <a:avLst/>
+          </a:prstGeom>
+          <a:ln w="12700" cap="flat" cmpd="sng" algn="ctr">
+            <a:noFill/>
+            <a:prstDash val="solid"/>
+            <a:miter lim="800000"/>
+          </a:ln>
+          <a:effectLst/>
+          <a:extLst>
+            <a:ext uri="{91240B29-F687-4F45-9708-019B960494DF}">
+              <a14:hiddenLine xmlns:a14="http://schemas.microsoft.com/office/drawing/2010/main" w="12700" cap="flat" cmpd="sng" algn="ctr">
+                <a:solidFill>
+                  <a:schemeClr val="accent1">
+                    <a:shade val="50000"/>
+                  </a:schemeClr>
+                </a:solidFill>
+                <a:prstDash val="solid"/>
+                <a:miter lim="800000"/>
+              </a14:hiddenLine>
+            </a:ext>
+          </a:extLst>
+        </p:spPr>
+        <p:style>
+          <a:lnRef idx="2">
+            <a:schemeClr val="accent1">
+              <a:shade val="50000"/>
+            </a:schemeClr>
+          </a:lnRef>
+          <a:fillRef idx="1">
+            <a:schemeClr val="accent1"/>
+          </a:fillRef>
+          <a:effectRef idx="0">
+            <a:schemeClr val="accent1"/>
+          </a:effectRef>
+          <a:fontRef idx="minor">
+            <a:schemeClr val="lt1"/>
+          </a:fontRef>
+        </p:style>
+        <p:txBody>
+          <a:bodyPr rtlCol="0" anchor="ctr"/>
+          <a:lstStyle/>
+          <a:p>
+            <a:pPr algn="ctr"/>
+            <a:endParaRPr lang="en-US"/>
+          </a:p>
+        </p:txBody>
+      </p:sp>
+      <p:sp>
+        <p:nvSpPr>
+          <p:cNvPr id="13" name="Rectangle 12">
+            <a:extLst>
+              <a:ext uri="{FF2B5EF4-FFF2-40B4-BE49-F238E27FC236}">
+                <a16:creationId xmlns:a16="http://schemas.microsoft.com/office/drawing/2014/main" id="{1199E1B1-A8C0-4FE8-A5A8-1CB41D69F857}"/>
+              </a:ext>
+              <a:ext uri="{C183D7F6-B498-43B3-948B-1728B52AA6E4}">
+                <adec:decorative xmlns:adec="http://schemas.microsoft.com/office/drawing/2017/decorative" val="1"/>
+              </a:ext>
+            </a:extLst>
+          </p:cNvPr>
+          <p:cNvSpPr>
+            <a:spLocks noGrp="1" noRot="1" noChangeAspect="1" noMove="1" noResize="1" noEditPoints="1" noAdjustHandles="1" noChangeArrowheads="1" noChangeShapeType="1" noTextEdit="1"/>
+          </p:cNvSpPr>
+          <p:nvPr>
+            <p:extLst>
+              <p:ext uri="{386F3935-93C4-4BCD-93E2-E3B085C9AB24}">
+                <p16:designElem xmlns:p16="http://schemas.microsoft.com/office/powerpoint/2015/main" val="1"/>
+              </p:ext>
+            </p:extLst>
+          </p:nvPr>
+        </p:nvSpPr>
+        <p:spPr>
+          <a:xfrm rot="10800000" flipH="1">
+            <a:off x="2" y="0"/>
+            <a:ext cx="12191998" cy="1575955"/>
+          </a:xfrm>
+          <a:prstGeom prst="rect">
+            <a:avLst/>
+          </a:prstGeom>
+          <a:gradFill>
+            <a:gsLst>
+              <a:gs pos="0">
+                <a:srgbClr val="000000">
+                  <a:alpha val="96000"/>
+                </a:srgbClr>
+              </a:gs>
+              <a:gs pos="100000">
+                <a:schemeClr val="accent1">
+                  <a:lumMod val="75000"/>
+                </a:schemeClr>
+              </a:gs>
+            </a:gsLst>
+            <a:lin ang="6000000" scaled="0"/>
+          </a:gradFill>
+          <a:ln>
+            <a:noFill/>
+          </a:ln>
+        </p:spPr>
+        <p:style>
+          <a:lnRef idx="2">
+            <a:schemeClr val="accent1">
+              <a:shade val="50000"/>
+            </a:schemeClr>
+          </a:lnRef>
+          <a:fillRef idx="1">
+            <a:schemeClr val="accent1"/>
+          </a:fillRef>
+          <a:effectRef idx="0">
+            <a:schemeClr val="accent1"/>
+          </a:effectRef>
+          <a:fontRef idx="minor">
+            <a:schemeClr val="lt1"/>
+          </a:fontRef>
+        </p:style>
+        <p:txBody>
+          <a:bodyPr rtlCol="0" anchor="ctr"/>
+          <a:lstStyle/>
+          <a:p>
+            <a:pPr algn="ctr"/>
+            <a:endParaRPr lang="en-US"/>
+          </a:p>
+        </p:txBody>
+      </p:sp>
+      <p:sp>
+        <p:nvSpPr>
+          <p:cNvPr id="15" name="Rectangle 14">
+            <a:extLst>
+              <a:ext uri="{FF2B5EF4-FFF2-40B4-BE49-F238E27FC236}">
+                <a16:creationId xmlns:a16="http://schemas.microsoft.com/office/drawing/2014/main" id="{84A8DE83-DE75-4B41-9DB4-A7EC0B0DEC0B}"/>
+              </a:ext>
+              <a:ext uri="{C183D7F6-B498-43B3-948B-1728B52AA6E4}">
+                <adec:decorative xmlns:adec="http://schemas.microsoft.com/office/drawing/2017/decorative" val="1"/>
+              </a:ext>
+            </a:extLst>
+          </p:cNvPr>
+          <p:cNvSpPr>
+            <a:spLocks noGrp="1" noRot="1" noChangeAspect="1" noMove="1" noResize="1" noEditPoints="1" noAdjustHandles="1" noChangeArrowheads="1" noChangeShapeType="1" noTextEdit="1"/>
+          </p:cNvSpPr>
+          <p:nvPr>
+            <p:extLst>
+              <p:ext uri="{386F3935-93C4-4BCD-93E2-E3B085C9AB24}">
+                <p16:designElem xmlns:p16="http://schemas.microsoft.com/office/powerpoint/2015/main" val="1"/>
+              </p:ext>
+            </p:extLst>
+          </p:nvPr>
+        </p:nvSpPr>
+        <p:spPr>
+          <a:xfrm>
+            <a:off x="0" y="0"/>
+            <a:ext cx="8128856" cy="1575461"/>
+          </a:xfrm>
+          <a:prstGeom prst="rect">
+            <a:avLst/>
+          </a:prstGeom>
+          <a:gradFill>
+            <a:gsLst>
+              <a:gs pos="0">
+                <a:schemeClr val="accent1">
+                  <a:alpha val="41000"/>
+                </a:schemeClr>
+              </a:gs>
+              <a:gs pos="74000">
+                <a:schemeClr val="accent1">
+                  <a:lumMod val="60000"/>
+                  <a:lumOff val="40000"/>
+                  <a:alpha val="0"/>
+                </a:schemeClr>
+              </a:gs>
+            </a:gsLst>
+            <a:lin ang="8400000" scaled="0"/>
+          </a:gradFill>
+          <a:ln>
+            <a:noFill/>
+          </a:ln>
+        </p:spPr>
+        <p:style>
+          <a:lnRef idx="2">
+            <a:schemeClr val="accent1">
+              <a:shade val="50000"/>
+            </a:schemeClr>
+          </a:lnRef>
+          <a:fillRef idx="1">
+            <a:schemeClr val="accent1"/>
+          </a:fillRef>
+          <a:effectRef idx="0">
+            <a:schemeClr val="accent1"/>
+          </a:effectRef>
+          <a:fontRef idx="minor">
+            <a:schemeClr val="lt1"/>
+          </a:fontRef>
+        </p:style>
+        <p:txBody>
+          <a:bodyPr rtlCol="0" anchor="ctr"/>
+          <a:lstStyle/>
+          <a:p>
+            <a:pPr algn="ctr"/>
+            <a:endParaRPr lang="en-US"/>
+          </a:p>
+        </p:txBody>
+      </p:sp>
+      <p:sp>
+        <p:nvSpPr>
+          <p:cNvPr id="17" name="Rectangle 16">
+            <a:extLst>
+              <a:ext uri="{FF2B5EF4-FFF2-40B4-BE49-F238E27FC236}">
+                <a16:creationId xmlns:a16="http://schemas.microsoft.com/office/drawing/2014/main" id="{A7009A0A-BEF5-4EAC-AF15-E4F9F002E239}"/>
+              </a:ext>
+              <a:ext uri="{C183D7F6-B498-43B3-948B-1728B52AA6E4}">
+                <adec:decorative xmlns:adec="http://schemas.microsoft.com/office/drawing/2017/decorative" val="1"/>
+              </a:ext>
+            </a:extLst>
+          </p:cNvPr>
+          <p:cNvSpPr>
+            <a:spLocks noGrp="1" noRot="1" noChangeAspect="1" noMove="1" noResize="1" noEditPoints="1" noAdjustHandles="1" noChangeArrowheads="1" noChangeShapeType="1" noTextEdit="1"/>
+          </p:cNvSpPr>
+          <p:nvPr>
+            <p:extLst>
+              <p:ext uri="{386F3935-93C4-4BCD-93E2-E3B085C9AB24}">
+                <p16:designElem xmlns:p16="http://schemas.microsoft.com/office/powerpoint/2015/main" val="1"/>
+              </p:ext>
+            </p:extLst>
+          </p:nvPr>
+        </p:nvSpPr>
+        <p:spPr>
+          <a:xfrm flipH="1">
+            <a:off x="-3" y="-1"/>
+            <a:ext cx="12192002" cy="1574311"/>
+          </a:xfrm>
+          <a:prstGeom prst="rect">
+            <a:avLst/>
+          </a:prstGeom>
+          <a:gradFill>
+            <a:gsLst>
+              <a:gs pos="0">
+                <a:srgbClr val="000000">
+                  <a:alpha val="63000"/>
+                </a:srgbClr>
+              </a:gs>
+              <a:gs pos="78000">
+                <a:schemeClr val="accent1">
+                  <a:alpha val="15000"/>
+                </a:schemeClr>
+              </a:gs>
+            </a:gsLst>
+            <a:lin ang="15600000" scaled="0"/>
+          </a:gradFill>
+          <a:ln>
+            <a:noFill/>
+          </a:ln>
+        </p:spPr>
+        <p:style>
+          <a:lnRef idx="2">
+            <a:schemeClr val="accent1">
+              <a:shade val="50000"/>
+            </a:schemeClr>
+          </a:lnRef>
+          <a:fillRef idx="1">
+            <a:schemeClr val="accent1"/>
+          </a:fillRef>
+          <a:effectRef idx="0">
+            <a:schemeClr val="accent1"/>
+          </a:effectRef>
+          <a:fontRef idx="minor">
+            <a:schemeClr val="lt1"/>
+          </a:fontRef>
+        </p:style>
+        <p:txBody>
+          <a:bodyPr rtlCol="0" anchor="ctr"/>
+          <a:lstStyle/>
+          <a:p>
+            <a:pPr algn="ctr"/>
+            <a:endParaRPr lang="en-US"/>
+          </a:p>
+        </p:txBody>
+      </p:sp>
+      <p:sp>
+        <p:nvSpPr>
+          <p:cNvPr id="2" name="Title 1">
+            <a:extLst>
+              <a:ext uri="{FF2B5EF4-FFF2-40B4-BE49-F238E27FC236}">
+                <a16:creationId xmlns:a16="http://schemas.microsoft.com/office/drawing/2014/main" id="{94B328AE-E53D-89D4-CE8C-E82025EE8E1F}"/>
+              </a:ext>
+            </a:extLst>
+          </p:cNvPr>
+          <p:cNvSpPr>
+            <a:spLocks noGrp="1"/>
+          </p:cNvSpPr>
+          <p:nvPr>
+            <p:ph type="title"/>
+          </p:nvPr>
+        </p:nvSpPr>
+        <p:spPr>
+          <a:xfrm>
+            <a:off x="699713" y="248038"/>
+            <a:ext cx="7063721" cy="1159200"/>
+          </a:xfrm>
+        </p:spPr>
+        <p:txBody>
+          <a:bodyPr vert="horz" lIns="91440" tIns="45720" rIns="91440" bIns="45720" rtlCol="0" anchor="ctr">
+            <a:normAutofit/>
+          </a:bodyPr>
+          <a:lstStyle/>
+          <a:p>
+            <a:r>
+              <a:rPr lang="en-US" sz="4000" kern="1200" dirty="0">
+                <a:solidFill>
+                  <a:srgbClr val="FFFFFF"/>
+                </a:solidFill>
+                <a:latin typeface="+mj-lt"/>
+                <a:ea typeface="+mj-ea"/>
+                <a:cs typeface="+mj-cs"/>
+              </a:rPr>
+              <a:t>RSU - Software</a:t>
+            </a:r>
+          </a:p>
+        </p:txBody>
+      </p:sp>
+      <p:sp>
+        <p:nvSpPr>
+          <p:cNvPr id="7" name="Content Placeholder 2">
+            <a:extLst>
+              <a:ext uri="{FF2B5EF4-FFF2-40B4-BE49-F238E27FC236}">
+                <a16:creationId xmlns:a16="http://schemas.microsoft.com/office/drawing/2014/main" id="{64D80EC7-3EC5-C86D-E55F-3073D03EA18A}"/>
+              </a:ext>
+            </a:extLst>
+          </p:cNvPr>
+          <p:cNvSpPr txBox="1">
+            <a:spLocks/>
+          </p:cNvSpPr>
+          <p:nvPr/>
+        </p:nvSpPr>
+        <p:spPr>
+          <a:xfrm>
+            <a:off x="425061" y="2279650"/>
+            <a:ext cx="5378840" cy="2235200"/>
+          </a:xfrm>
+          <a:prstGeom prst="rect">
+            <a:avLst/>
+          </a:prstGeom>
+        </p:spPr>
+        <p:txBody>
+          <a:bodyPr vert="horz" lIns="91440" tIns="45720" rIns="91440" bIns="45720" rtlCol="0" anchor="ctr">
+            <a:normAutofit/>
+          </a:bodyPr>
+          <a:lstStyle>
+            <a:lvl1pPr marL="228600" indent="-228600" algn="l" defTabSz="914400" rtl="0" eaLnBrk="1" latinLnBrk="0" hangingPunct="1">
+              <a:lnSpc>
+                <a:spcPct val="90000"/>
+              </a:lnSpc>
+              <a:spcBef>
+                <a:spcPts val="1000"/>
+              </a:spcBef>
+              <a:buFont typeface="Arial" panose="020B0604020202020204" pitchFamily="34" charset="0"/>
+              <a:buChar char="•"/>
+              <a:defRPr sz="2800" kern="1200">
+                <a:solidFill>
+                  <a:schemeClr val="tx1"/>
+                </a:solidFill>
+                <a:latin typeface="+mn-lt"/>
+                <a:ea typeface="+mn-ea"/>
+                <a:cs typeface="+mn-cs"/>
+              </a:defRPr>
+            </a:lvl1pPr>
+            <a:lvl2pPr marL="685800" indent="-228600" algn="l" defTabSz="914400" rtl="0" eaLnBrk="1" latinLnBrk="0" hangingPunct="1">
+              <a:lnSpc>
+                <a:spcPct val="90000"/>
+              </a:lnSpc>
+              <a:spcBef>
+                <a:spcPts val="500"/>
+              </a:spcBef>
+              <a:buFont typeface="Arial" panose="020B0604020202020204" pitchFamily="34" charset="0"/>
+              <a:buChar char="•"/>
+              <a:defRPr sz="2400" kern="1200">
+                <a:solidFill>
+                  <a:schemeClr val="tx1"/>
+                </a:solidFill>
+                <a:latin typeface="+mn-lt"/>
+                <a:ea typeface="+mn-ea"/>
+                <a:cs typeface="+mn-cs"/>
+              </a:defRPr>
+            </a:lvl2pPr>
+            <a:lvl3pPr marL="1143000" indent="-228600" algn="l" defTabSz="914400" rtl="0" eaLnBrk="1" latinLnBrk="0" hangingPunct="1">
+              <a:lnSpc>
+                <a:spcPct val="90000"/>
+              </a:lnSpc>
+              <a:spcBef>
+                <a:spcPts val="500"/>
+              </a:spcBef>
+              <a:buFont typeface="Arial" panose="020B0604020202020204" pitchFamily="34" charset="0"/>
+              <a:buChar char="•"/>
+              <a:defRPr sz="2000" kern="1200">
+                <a:solidFill>
+                  <a:schemeClr val="tx1"/>
+                </a:solidFill>
+                <a:latin typeface="+mn-lt"/>
+                <a:ea typeface="+mn-ea"/>
+                <a:cs typeface="+mn-cs"/>
+              </a:defRPr>
+            </a:lvl3pPr>
+            <a:lvl4pPr marL="1600200" indent="-228600" algn="l" defTabSz="914400" rtl="0" eaLnBrk="1" latinLnBrk="0" hangingPunct="1">
+              <a:lnSpc>
+                <a:spcPct val="90000"/>
+              </a:lnSpc>
+              <a:spcBef>
+                <a:spcPts val="500"/>
+              </a:spcBef>
+              <a:buFont typeface="Arial" panose="020B0604020202020204" pitchFamily="34" charset="0"/>
+              <a:buChar char="•"/>
+              <a:defRPr sz="1800" kern="1200">
+                <a:solidFill>
+                  <a:schemeClr val="tx1"/>
+                </a:solidFill>
+                <a:latin typeface="+mn-lt"/>
+                <a:ea typeface="+mn-ea"/>
+                <a:cs typeface="+mn-cs"/>
+              </a:defRPr>
+            </a:lvl4pPr>
+            <a:lvl5pPr marL="2057400" indent="-228600" algn="l" defTabSz="914400" rtl="0" eaLnBrk="1" latinLnBrk="0" hangingPunct="1">
+              <a:lnSpc>
+                <a:spcPct val="90000"/>
+              </a:lnSpc>
+              <a:spcBef>
+                <a:spcPts val="500"/>
+              </a:spcBef>
+              <a:buFont typeface="Arial" panose="020B0604020202020204" pitchFamily="34" charset="0"/>
+              <a:buChar char="•"/>
+              <a:defRPr sz="1800" kern="1200">
+                <a:solidFill>
+                  <a:schemeClr val="tx1"/>
+                </a:solidFill>
+                <a:latin typeface="+mn-lt"/>
+                <a:ea typeface="+mn-ea"/>
+                <a:cs typeface="+mn-cs"/>
+              </a:defRPr>
+            </a:lvl5pPr>
+            <a:lvl6pPr marL="2514600" indent="-228600" algn="l" defTabSz="914400" rtl="0" eaLnBrk="1" latinLnBrk="0" hangingPunct="1">
+              <a:lnSpc>
+                <a:spcPct val="90000"/>
+              </a:lnSpc>
+              <a:spcBef>
+                <a:spcPts val="500"/>
+              </a:spcBef>
+              <a:buFont typeface="Arial" panose="020B0604020202020204" pitchFamily="34" charset="0"/>
+              <a:buChar char="•"/>
+              <a:defRPr sz="1800" kern="1200">
+                <a:solidFill>
+                  <a:schemeClr val="tx1"/>
+                </a:solidFill>
+                <a:latin typeface="+mn-lt"/>
+                <a:ea typeface="+mn-ea"/>
+                <a:cs typeface="+mn-cs"/>
+              </a:defRPr>
+            </a:lvl6pPr>
+            <a:lvl7pPr marL="2971800" indent="-228600" algn="l" defTabSz="914400" rtl="0" eaLnBrk="1" latinLnBrk="0" hangingPunct="1">
+              <a:lnSpc>
+                <a:spcPct val="90000"/>
+              </a:lnSpc>
+              <a:spcBef>
+                <a:spcPts val="500"/>
+              </a:spcBef>
+              <a:buFont typeface="Arial" panose="020B0604020202020204" pitchFamily="34" charset="0"/>
+              <a:buChar char="•"/>
+              <a:defRPr sz="1800" kern="1200">
+                <a:solidFill>
+                  <a:schemeClr val="tx1"/>
+                </a:solidFill>
+                <a:latin typeface="+mn-lt"/>
+                <a:ea typeface="+mn-ea"/>
+                <a:cs typeface="+mn-cs"/>
+              </a:defRPr>
+            </a:lvl7pPr>
+            <a:lvl8pPr marL="3429000" indent="-228600" algn="l" defTabSz="914400" rtl="0" eaLnBrk="1" latinLnBrk="0" hangingPunct="1">
+              <a:lnSpc>
+                <a:spcPct val="90000"/>
+              </a:lnSpc>
+              <a:spcBef>
+                <a:spcPts val="500"/>
+              </a:spcBef>
+              <a:buFont typeface="Arial" panose="020B0604020202020204" pitchFamily="34" charset="0"/>
+              <a:buChar char="•"/>
+              <a:defRPr sz="1800" kern="1200">
+                <a:solidFill>
+                  <a:schemeClr val="tx1"/>
+                </a:solidFill>
+                <a:latin typeface="+mn-lt"/>
+                <a:ea typeface="+mn-ea"/>
+                <a:cs typeface="+mn-cs"/>
+              </a:defRPr>
+            </a:lvl8pPr>
+            <a:lvl9pPr marL="3886200" indent="-228600" algn="l" defTabSz="914400" rtl="0" eaLnBrk="1" latinLnBrk="0" hangingPunct="1">
+              <a:lnSpc>
+                <a:spcPct val="90000"/>
+              </a:lnSpc>
+              <a:spcBef>
+                <a:spcPts val="500"/>
+              </a:spcBef>
+              <a:buFont typeface="Arial" panose="020B0604020202020204" pitchFamily="34" charset="0"/>
+              <a:buChar char="•"/>
+              <a:defRPr sz="1800" kern="1200">
+                <a:solidFill>
+                  <a:schemeClr val="tx1"/>
+                </a:solidFill>
+                <a:latin typeface="+mn-lt"/>
+                <a:ea typeface="+mn-ea"/>
+                <a:cs typeface="+mn-cs"/>
+              </a:defRPr>
+            </a:lvl9pPr>
+          </a:lstStyle>
+          <a:p>
+            <a:r>
+              <a:rPr lang="en-US" sz="2000" dirty="0">
+                <a:solidFill>
+                  <a:schemeClr val="tx1">
+                    <a:lumMod val="95000"/>
+                    <a:lumOff val="5000"/>
+                  </a:schemeClr>
+                </a:solidFill>
+              </a:rPr>
+              <a:t>RSU mainly handles propagation of messages between environment and infrastructure in this scenario</a:t>
+            </a:r>
+            <a:endParaRPr lang="en-US" sz="2000" dirty="0">
+              <a:solidFill>
+                <a:srgbClr val="FFFFFF"/>
+              </a:solidFill>
+            </a:endParaRPr>
+          </a:p>
+        </p:txBody>
+      </p:sp>
+      <p:pic>
+        <p:nvPicPr>
+          <p:cNvPr id="8" name="Content Placeholder 7" descr="A diagram of a chat&#10;&#10;Description automatically generated">
+            <a:extLst>
+              <a:ext uri="{FF2B5EF4-FFF2-40B4-BE49-F238E27FC236}">
+                <a16:creationId xmlns:a16="http://schemas.microsoft.com/office/drawing/2014/main" id="{91210D51-E9A6-C748-B2A5-1F77DF8AEB6F}"/>
+              </a:ext>
+            </a:extLst>
+          </p:cNvPr>
+          <p:cNvPicPr>
+            <a:picLocks noGrp="1" noChangeAspect="1"/>
+          </p:cNvPicPr>
+          <p:nvPr>
+            <p:ph idx="1"/>
+          </p:nvPr>
+        </p:nvPicPr>
+        <p:blipFill>
+          <a:blip r:embed="rId2">
+            <a:extLst>
+              <a:ext uri="{28A0092B-C50C-407E-A947-70E740481C1C}">
+                <a14:useLocalDpi xmlns:a14="http://schemas.microsoft.com/office/drawing/2010/main" val="0"/>
+              </a:ext>
+            </a:extLst>
+          </a:blip>
+          <a:stretch>
+            <a:fillRect/>
+          </a:stretch>
+        </p:blipFill>
+        <p:spPr>
+          <a:xfrm>
+            <a:off x="8420604" y="1990725"/>
+            <a:ext cx="2399292" cy="4351338"/>
+          </a:xfrm>
+        </p:spPr>
+      </p:pic>
+    </p:spTree>
+    <p:extLst>
+      <p:ext uri="{BB962C8B-B14F-4D97-AF65-F5344CB8AC3E}">
+        <p14:creationId xmlns:p14="http://schemas.microsoft.com/office/powerpoint/2010/main" val="1565837292"/>
+      </p:ext>
+    </p:extLst>
+  </p:cSld>
+  <p:clrMapOvr>
+    <a:masterClrMapping/>
+  </p:clrMapOvr>
+</p:sld>
+</file>
+
+<file path=ppt/slides/slide19.xml><?xml version="1.0" encoding="utf-8"?>
+<p:sld xmlns:a="http://schemas.openxmlformats.org/drawingml/2006/main" xmlns:r="http://schemas.openxmlformats.org/officeDocument/2006/relationships" xmlns:p="http://schemas.openxmlformats.org/presentationml/2006/main">
+  <p:cSld>
+    <p:bg>
+      <p:bgPr>
+        <a:solidFill>
+          <a:schemeClr val="bg1"/>
+        </a:solidFill>
+        <a:effectLst/>
+      </p:bgPr>
+    </p:bg>
+    <p:spTree>
+      <p:nvGrpSpPr>
+        <p:cNvPr id="1" name=""/>
+        <p:cNvGrpSpPr/>
+        <p:nvPr/>
+      </p:nvGrpSpPr>
+      <p:grpSpPr>
+        <a:xfrm>
+          <a:off x="0" y="0"/>
+          <a:ext cx="0" cy="0"/>
+          <a:chOff x="0" y="0"/>
+          <a:chExt cx="0" cy="0"/>
+        </a:xfrm>
+      </p:grpSpPr>
+      <p:sp useBgFill="1">
+        <p:nvSpPr>
+          <p:cNvPr id="11" name="Rectangle 10">
+            <a:extLst>
+              <a:ext uri="{FF2B5EF4-FFF2-40B4-BE49-F238E27FC236}">
+                <a16:creationId xmlns:a16="http://schemas.microsoft.com/office/drawing/2014/main" id="{A8384FB5-9ADC-4DDC-881B-597D56F5B15D}"/>
+              </a:ext>
+              <a:ext uri="{C183D7F6-B498-43B3-948B-1728B52AA6E4}">
+                <adec:decorative xmlns:adec="http://schemas.microsoft.com/office/drawing/2017/decorative" val="1"/>
+              </a:ext>
+            </a:extLst>
+          </p:cNvPr>
+          <p:cNvSpPr>
+            <a:spLocks noGrp="1" noRot="1" noChangeAspect="1" noMove="1" noResize="1" noEditPoints="1" noAdjustHandles="1" noChangeArrowheads="1" noChangeShapeType="1" noTextEdit="1"/>
+          </p:cNvSpPr>
+          <p:nvPr>
+            <p:extLst>
+              <p:ext uri="{386F3935-93C4-4BCD-93E2-E3B085C9AB24}">
+                <p16:designElem xmlns:p16="http://schemas.microsoft.com/office/powerpoint/2015/main" val="1"/>
+              </p:ext>
+            </p:extLst>
+          </p:nvPr>
+        </p:nvSpPr>
+        <p:spPr>
+          <a:xfrm>
+            <a:off x="0" y="0"/>
+            <a:ext cx="12192000" cy="6858000"/>
+          </a:xfrm>
+          <a:prstGeom prst="rect">
+            <a:avLst/>
+          </a:prstGeom>
+          <a:ln w="12700" cap="flat" cmpd="sng" algn="ctr">
+            <a:noFill/>
+            <a:prstDash val="solid"/>
+            <a:miter lim="800000"/>
+          </a:ln>
+          <a:effectLst/>
+          <a:extLst>
+            <a:ext uri="{91240B29-F687-4F45-9708-019B960494DF}">
+              <a14:hiddenLine xmlns:a14="http://schemas.microsoft.com/office/drawing/2010/main" w="12700" cap="flat" cmpd="sng" algn="ctr">
+                <a:solidFill>
+                  <a:schemeClr val="accent1">
+                    <a:shade val="50000"/>
+                  </a:schemeClr>
+                </a:solidFill>
+                <a:prstDash val="solid"/>
+                <a:miter lim="800000"/>
+              </a14:hiddenLine>
+            </a:ext>
+          </a:extLst>
+        </p:spPr>
+        <p:style>
+          <a:lnRef idx="2">
+            <a:schemeClr val="accent1">
+              <a:shade val="50000"/>
+            </a:schemeClr>
+          </a:lnRef>
+          <a:fillRef idx="1">
+            <a:schemeClr val="accent1"/>
+          </a:fillRef>
+          <a:effectRef idx="0">
+            <a:schemeClr val="accent1"/>
+          </a:effectRef>
+          <a:fontRef idx="minor">
+            <a:schemeClr val="lt1"/>
+          </a:fontRef>
+        </p:style>
+        <p:txBody>
+          <a:bodyPr rtlCol="0" anchor="ctr"/>
+          <a:lstStyle/>
+          <a:p>
+            <a:pPr algn="ctr"/>
+            <a:endParaRPr lang="en-US"/>
+          </a:p>
+        </p:txBody>
+      </p:sp>
+      <p:sp>
+        <p:nvSpPr>
+          <p:cNvPr id="13" name="Rectangle 12">
+            <a:extLst>
+              <a:ext uri="{FF2B5EF4-FFF2-40B4-BE49-F238E27FC236}">
+                <a16:creationId xmlns:a16="http://schemas.microsoft.com/office/drawing/2014/main" id="{1199E1B1-A8C0-4FE8-A5A8-1CB41D69F857}"/>
+              </a:ext>
+              <a:ext uri="{C183D7F6-B498-43B3-948B-1728B52AA6E4}">
+                <adec:decorative xmlns:adec="http://schemas.microsoft.com/office/drawing/2017/decorative" val="1"/>
+              </a:ext>
+            </a:extLst>
+          </p:cNvPr>
+          <p:cNvSpPr>
+            <a:spLocks noGrp="1" noRot="1" noChangeAspect="1" noMove="1" noResize="1" noEditPoints="1" noAdjustHandles="1" noChangeArrowheads="1" noChangeShapeType="1" noTextEdit="1"/>
+          </p:cNvSpPr>
+          <p:nvPr>
+            <p:extLst>
+              <p:ext uri="{386F3935-93C4-4BCD-93E2-E3B085C9AB24}">
+                <p16:designElem xmlns:p16="http://schemas.microsoft.com/office/powerpoint/2015/main" val="1"/>
+              </p:ext>
+            </p:extLst>
+          </p:nvPr>
+        </p:nvSpPr>
+        <p:spPr>
+          <a:xfrm rot="10800000" flipH="1">
+            <a:off x="2" y="0"/>
+            <a:ext cx="12191998" cy="1575955"/>
+          </a:xfrm>
+          <a:prstGeom prst="rect">
+            <a:avLst/>
+          </a:prstGeom>
+          <a:gradFill>
+            <a:gsLst>
+              <a:gs pos="0">
+                <a:srgbClr val="000000">
+                  <a:alpha val="96000"/>
+                </a:srgbClr>
+              </a:gs>
+              <a:gs pos="100000">
+                <a:schemeClr val="accent1">
+                  <a:lumMod val="75000"/>
+                </a:schemeClr>
+              </a:gs>
+            </a:gsLst>
+            <a:lin ang="6000000" scaled="0"/>
+          </a:gradFill>
+          <a:ln>
+            <a:noFill/>
+          </a:ln>
+        </p:spPr>
+        <p:style>
+          <a:lnRef idx="2">
+            <a:schemeClr val="accent1">
+              <a:shade val="50000"/>
+            </a:schemeClr>
+          </a:lnRef>
+          <a:fillRef idx="1">
+            <a:schemeClr val="accent1"/>
+          </a:fillRef>
+          <a:effectRef idx="0">
+            <a:schemeClr val="accent1"/>
+          </a:effectRef>
+          <a:fontRef idx="minor">
+            <a:schemeClr val="lt1"/>
+          </a:fontRef>
+        </p:style>
+        <p:txBody>
+          <a:bodyPr rtlCol="0" anchor="ctr"/>
+          <a:lstStyle/>
+          <a:p>
+            <a:pPr algn="ctr"/>
+            <a:endParaRPr lang="en-US"/>
+          </a:p>
+        </p:txBody>
+      </p:sp>
+      <p:sp>
+        <p:nvSpPr>
+          <p:cNvPr id="15" name="Rectangle 14">
+            <a:extLst>
+              <a:ext uri="{FF2B5EF4-FFF2-40B4-BE49-F238E27FC236}">
+                <a16:creationId xmlns:a16="http://schemas.microsoft.com/office/drawing/2014/main" id="{84A8DE83-DE75-4B41-9DB4-A7EC0B0DEC0B}"/>
+              </a:ext>
+              <a:ext uri="{C183D7F6-B498-43B3-948B-1728B52AA6E4}">
+                <adec:decorative xmlns:adec="http://schemas.microsoft.com/office/drawing/2017/decorative" val="1"/>
+              </a:ext>
+            </a:extLst>
+          </p:cNvPr>
+          <p:cNvSpPr>
+            <a:spLocks noGrp="1" noRot="1" noChangeAspect="1" noMove="1" noResize="1" noEditPoints="1" noAdjustHandles="1" noChangeArrowheads="1" noChangeShapeType="1" noTextEdit="1"/>
+          </p:cNvSpPr>
+          <p:nvPr>
+            <p:extLst>
+              <p:ext uri="{386F3935-93C4-4BCD-93E2-E3B085C9AB24}">
+                <p16:designElem xmlns:p16="http://schemas.microsoft.com/office/powerpoint/2015/main" val="1"/>
+              </p:ext>
+            </p:extLst>
+          </p:nvPr>
+        </p:nvSpPr>
+        <p:spPr>
+          <a:xfrm>
+            <a:off x="0" y="0"/>
+            <a:ext cx="8128856" cy="1575461"/>
+          </a:xfrm>
+          <a:prstGeom prst="rect">
+            <a:avLst/>
+          </a:prstGeom>
+          <a:gradFill>
+            <a:gsLst>
+              <a:gs pos="0">
+                <a:schemeClr val="accent1">
+                  <a:alpha val="41000"/>
+                </a:schemeClr>
+              </a:gs>
+              <a:gs pos="74000">
+                <a:schemeClr val="accent1">
+                  <a:lumMod val="60000"/>
+                  <a:lumOff val="40000"/>
+                  <a:alpha val="0"/>
+                </a:schemeClr>
+              </a:gs>
+            </a:gsLst>
+            <a:lin ang="8400000" scaled="0"/>
+          </a:gradFill>
+          <a:ln>
+            <a:noFill/>
+          </a:ln>
+        </p:spPr>
+        <p:style>
+          <a:lnRef idx="2">
+            <a:schemeClr val="accent1">
+              <a:shade val="50000"/>
+            </a:schemeClr>
+          </a:lnRef>
+          <a:fillRef idx="1">
+            <a:schemeClr val="accent1"/>
+          </a:fillRef>
+          <a:effectRef idx="0">
+            <a:schemeClr val="accent1"/>
+          </a:effectRef>
+          <a:fontRef idx="minor">
+            <a:schemeClr val="lt1"/>
+          </a:fontRef>
+        </p:style>
+        <p:txBody>
+          <a:bodyPr rtlCol="0" anchor="ctr"/>
+          <a:lstStyle/>
+          <a:p>
+            <a:pPr algn="ctr"/>
+            <a:endParaRPr lang="en-US"/>
+          </a:p>
+        </p:txBody>
+      </p:sp>
+      <p:sp>
+        <p:nvSpPr>
+          <p:cNvPr id="17" name="Rectangle 16">
+            <a:extLst>
+              <a:ext uri="{FF2B5EF4-FFF2-40B4-BE49-F238E27FC236}">
+                <a16:creationId xmlns:a16="http://schemas.microsoft.com/office/drawing/2014/main" id="{A7009A0A-BEF5-4EAC-AF15-E4F9F002E239}"/>
+              </a:ext>
+              <a:ext uri="{C183D7F6-B498-43B3-948B-1728B52AA6E4}">
+                <adec:decorative xmlns:adec="http://schemas.microsoft.com/office/drawing/2017/decorative" val="1"/>
+              </a:ext>
+            </a:extLst>
+          </p:cNvPr>
+          <p:cNvSpPr>
+            <a:spLocks noGrp="1" noRot="1" noChangeAspect="1" noMove="1" noResize="1" noEditPoints="1" noAdjustHandles="1" noChangeArrowheads="1" noChangeShapeType="1" noTextEdit="1"/>
+          </p:cNvSpPr>
+          <p:nvPr>
+            <p:extLst>
+              <p:ext uri="{386F3935-93C4-4BCD-93E2-E3B085C9AB24}">
+                <p16:designElem xmlns:p16="http://schemas.microsoft.com/office/powerpoint/2015/main" val="1"/>
+              </p:ext>
+            </p:extLst>
+          </p:nvPr>
+        </p:nvSpPr>
+        <p:spPr>
+          <a:xfrm flipH="1">
+            <a:off x="-3" y="-1"/>
+            <a:ext cx="12192002" cy="1574311"/>
+          </a:xfrm>
+          <a:prstGeom prst="rect">
+            <a:avLst/>
+          </a:prstGeom>
+          <a:gradFill>
+            <a:gsLst>
+              <a:gs pos="0">
+                <a:srgbClr val="000000">
+                  <a:alpha val="63000"/>
+                </a:srgbClr>
+              </a:gs>
+              <a:gs pos="78000">
+                <a:schemeClr val="accent1">
+                  <a:alpha val="15000"/>
+                </a:schemeClr>
+              </a:gs>
+            </a:gsLst>
+            <a:lin ang="15600000" scaled="0"/>
+          </a:gradFill>
+          <a:ln>
+            <a:noFill/>
+          </a:ln>
+        </p:spPr>
+        <p:style>
+          <a:lnRef idx="2">
+            <a:schemeClr val="accent1">
+              <a:shade val="50000"/>
+            </a:schemeClr>
+          </a:lnRef>
+          <a:fillRef idx="1">
+            <a:schemeClr val="accent1"/>
+          </a:fillRef>
+          <a:effectRef idx="0">
+            <a:schemeClr val="accent1"/>
+          </a:effectRef>
+          <a:fontRef idx="minor">
+            <a:schemeClr val="lt1"/>
+          </a:fontRef>
+        </p:style>
+        <p:txBody>
+          <a:bodyPr rtlCol="0" anchor="ctr"/>
+          <a:lstStyle/>
+          <a:p>
+            <a:pPr algn="ctr"/>
+            <a:endParaRPr lang="en-US"/>
+          </a:p>
+        </p:txBody>
+      </p:sp>
+      <p:sp>
+        <p:nvSpPr>
+          <p:cNvPr id="2" name="Title 1">
+            <a:extLst>
+              <a:ext uri="{FF2B5EF4-FFF2-40B4-BE49-F238E27FC236}">
+                <a16:creationId xmlns:a16="http://schemas.microsoft.com/office/drawing/2014/main" id="{94B328AE-E53D-89D4-CE8C-E82025EE8E1F}"/>
+              </a:ext>
+            </a:extLst>
+          </p:cNvPr>
+          <p:cNvSpPr>
+            <a:spLocks noGrp="1"/>
+          </p:cNvSpPr>
+          <p:nvPr>
+            <p:ph type="title"/>
+          </p:nvPr>
+        </p:nvSpPr>
+        <p:spPr>
+          <a:xfrm>
+            <a:off x="699713" y="248038"/>
+            <a:ext cx="7063721" cy="1159200"/>
+          </a:xfrm>
+        </p:spPr>
+        <p:txBody>
+          <a:bodyPr vert="horz" lIns="91440" tIns="45720" rIns="91440" bIns="45720" rtlCol="0" anchor="ctr">
+            <a:normAutofit/>
+          </a:bodyPr>
+          <a:lstStyle/>
+          <a:p>
+            <a:r>
+              <a:rPr lang="en-US" sz="4000" kern="1200" dirty="0">
+                <a:solidFill>
+                  <a:srgbClr val="FFFFFF"/>
+                </a:solidFill>
+                <a:latin typeface="+mj-lt"/>
+                <a:ea typeface="+mj-ea"/>
+                <a:cs typeface="+mj-cs"/>
+              </a:rPr>
+              <a:t>Further Work</a:t>
+            </a:r>
+          </a:p>
+        </p:txBody>
+      </p:sp>
+      <p:sp>
+        <p:nvSpPr>
+          <p:cNvPr id="7" name="Content Placeholder 2">
+            <a:extLst>
+              <a:ext uri="{FF2B5EF4-FFF2-40B4-BE49-F238E27FC236}">
+                <a16:creationId xmlns:a16="http://schemas.microsoft.com/office/drawing/2014/main" id="{64D80EC7-3EC5-C86D-E55F-3073D03EA18A}"/>
+              </a:ext>
+            </a:extLst>
+          </p:cNvPr>
+          <p:cNvSpPr txBox="1">
+            <a:spLocks/>
+          </p:cNvSpPr>
+          <p:nvPr/>
+        </p:nvSpPr>
+        <p:spPr>
+          <a:xfrm>
+            <a:off x="425061" y="2279650"/>
+            <a:ext cx="5378840" cy="2235200"/>
+          </a:xfrm>
+          <a:prstGeom prst="rect">
+            <a:avLst/>
+          </a:prstGeom>
+        </p:spPr>
+        <p:txBody>
+          <a:bodyPr vert="horz" lIns="91440" tIns="45720" rIns="91440" bIns="45720" rtlCol="0" anchor="ctr">
+            <a:normAutofit/>
+          </a:bodyPr>
+          <a:lstStyle>
+            <a:lvl1pPr marL="228600" indent="-228600" algn="l" defTabSz="914400" rtl="0" eaLnBrk="1" latinLnBrk="0" hangingPunct="1">
+              <a:lnSpc>
+                <a:spcPct val="90000"/>
+              </a:lnSpc>
+              <a:spcBef>
+                <a:spcPts val="1000"/>
+              </a:spcBef>
+              <a:buFont typeface="Arial" panose="020B0604020202020204" pitchFamily="34" charset="0"/>
+              <a:buChar char="•"/>
+              <a:defRPr sz="2800" kern="1200">
+                <a:solidFill>
+                  <a:schemeClr val="tx1"/>
+                </a:solidFill>
+                <a:latin typeface="+mn-lt"/>
+                <a:ea typeface="+mn-ea"/>
+                <a:cs typeface="+mn-cs"/>
+              </a:defRPr>
+            </a:lvl1pPr>
+            <a:lvl2pPr marL="685800" indent="-228600" algn="l" defTabSz="914400" rtl="0" eaLnBrk="1" latinLnBrk="0" hangingPunct="1">
+              <a:lnSpc>
+                <a:spcPct val="90000"/>
+              </a:lnSpc>
+              <a:spcBef>
+                <a:spcPts val="500"/>
+              </a:spcBef>
+              <a:buFont typeface="Arial" panose="020B0604020202020204" pitchFamily="34" charset="0"/>
+              <a:buChar char="•"/>
+              <a:defRPr sz="2400" kern="1200">
+                <a:solidFill>
+                  <a:schemeClr val="tx1"/>
+                </a:solidFill>
+                <a:latin typeface="+mn-lt"/>
+                <a:ea typeface="+mn-ea"/>
+                <a:cs typeface="+mn-cs"/>
+              </a:defRPr>
+            </a:lvl2pPr>
+            <a:lvl3pPr marL="1143000" indent="-228600" algn="l" defTabSz="914400" rtl="0" eaLnBrk="1" latinLnBrk="0" hangingPunct="1">
+              <a:lnSpc>
+                <a:spcPct val="90000"/>
+              </a:lnSpc>
+              <a:spcBef>
+                <a:spcPts val="500"/>
+              </a:spcBef>
+              <a:buFont typeface="Arial" panose="020B0604020202020204" pitchFamily="34" charset="0"/>
+              <a:buChar char="•"/>
+              <a:defRPr sz="2000" kern="1200">
+                <a:solidFill>
+                  <a:schemeClr val="tx1"/>
+                </a:solidFill>
+                <a:latin typeface="+mn-lt"/>
+                <a:ea typeface="+mn-ea"/>
+                <a:cs typeface="+mn-cs"/>
+              </a:defRPr>
+            </a:lvl3pPr>
+            <a:lvl4pPr marL="1600200" indent="-228600" algn="l" defTabSz="914400" rtl="0" eaLnBrk="1" latinLnBrk="0" hangingPunct="1">
+              <a:lnSpc>
+                <a:spcPct val="90000"/>
+              </a:lnSpc>
+              <a:spcBef>
+                <a:spcPts val="500"/>
+              </a:spcBef>
+              <a:buFont typeface="Arial" panose="020B0604020202020204" pitchFamily="34" charset="0"/>
+              <a:buChar char="•"/>
+              <a:defRPr sz="1800" kern="1200">
+                <a:solidFill>
+                  <a:schemeClr val="tx1"/>
+                </a:solidFill>
+                <a:latin typeface="+mn-lt"/>
+                <a:ea typeface="+mn-ea"/>
+                <a:cs typeface="+mn-cs"/>
+              </a:defRPr>
+            </a:lvl4pPr>
+            <a:lvl5pPr marL="2057400" indent="-228600" algn="l" defTabSz="914400" rtl="0" eaLnBrk="1" latinLnBrk="0" hangingPunct="1">
+              <a:lnSpc>
+                <a:spcPct val="90000"/>
+              </a:lnSpc>
+              <a:spcBef>
+                <a:spcPts val="500"/>
+              </a:spcBef>
+              <a:buFont typeface="Arial" panose="020B0604020202020204" pitchFamily="34" charset="0"/>
+              <a:buChar char="•"/>
+              <a:defRPr sz="1800" kern="1200">
+                <a:solidFill>
+                  <a:schemeClr val="tx1"/>
+                </a:solidFill>
+                <a:latin typeface="+mn-lt"/>
+                <a:ea typeface="+mn-ea"/>
+                <a:cs typeface="+mn-cs"/>
+              </a:defRPr>
+            </a:lvl5pPr>
+            <a:lvl6pPr marL="2514600" indent="-228600" algn="l" defTabSz="914400" rtl="0" eaLnBrk="1" latinLnBrk="0" hangingPunct="1">
+              <a:lnSpc>
+                <a:spcPct val="90000"/>
+              </a:lnSpc>
+              <a:spcBef>
+                <a:spcPts val="500"/>
+              </a:spcBef>
+              <a:buFont typeface="Arial" panose="020B0604020202020204" pitchFamily="34" charset="0"/>
+              <a:buChar char="•"/>
+              <a:defRPr sz="1800" kern="1200">
+                <a:solidFill>
+                  <a:schemeClr val="tx1"/>
+                </a:solidFill>
+                <a:latin typeface="+mn-lt"/>
+                <a:ea typeface="+mn-ea"/>
+                <a:cs typeface="+mn-cs"/>
+              </a:defRPr>
+            </a:lvl6pPr>
+            <a:lvl7pPr marL="2971800" indent="-228600" algn="l" defTabSz="914400" rtl="0" eaLnBrk="1" latinLnBrk="0" hangingPunct="1">
+              <a:lnSpc>
+                <a:spcPct val="90000"/>
+              </a:lnSpc>
+              <a:spcBef>
+                <a:spcPts val="500"/>
+              </a:spcBef>
+              <a:buFont typeface="Arial" panose="020B0604020202020204" pitchFamily="34" charset="0"/>
+              <a:buChar char="•"/>
+              <a:defRPr sz="1800" kern="1200">
+                <a:solidFill>
+                  <a:schemeClr val="tx1"/>
+                </a:solidFill>
+                <a:latin typeface="+mn-lt"/>
+                <a:ea typeface="+mn-ea"/>
+                <a:cs typeface="+mn-cs"/>
+              </a:defRPr>
+            </a:lvl7pPr>
+            <a:lvl8pPr marL="3429000" indent="-228600" algn="l" defTabSz="914400" rtl="0" eaLnBrk="1" latinLnBrk="0" hangingPunct="1">
+              <a:lnSpc>
+                <a:spcPct val="90000"/>
+              </a:lnSpc>
+              <a:spcBef>
+                <a:spcPts val="500"/>
+              </a:spcBef>
+              <a:buFont typeface="Arial" panose="020B0604020202020204" pitchFamily="34" charset="0"/>
+              <a:buChar char="•"/>
+              <a:defRPr sz="1800" kern="1200">
+                <a:solidFill>
+                  <a:schemeClr val="tx1"/>
+                </a:solidFill>
+                <a:latin typeface="+mn-lt"/>
+                <a:ea typeface="+mn-ea"/>
+                <a:cs typeface="+mn-cs"/>
+              </a:defRPr>
+            </a:lvl8pPr>
+            <a:lvl9pPr marL="3886200" indent="-228600" algn="l" defTabSz="914400" rtl="0" eaLnBrk="1" latinLnBrk="0" hangingPunct="1">
+              <a:lnSpc>
+                <a:spcPct val="90000"/>
+              </a:lnSpc>
+              <a:spcBef>
+                <a:spcPts val="500"/>
+              </a:spcBef>
+              <a:buFont typeface="Arial" panose="020B0604020202020204" pitchFamily="34" charset="0"/>
+              <a:buChar char="•"/>
+              <a:defRPr sz="1800" kern="1200">
+                <a:solidFill>
+                  <a:schemeClr val="tx1"/>
+                </a:solidFill>
+                <a:latin typeface="+mn-lt"/>
+                <a:ea typeface="+mn-ea"/>
+                <a:cs typeface="+mn-cs"/>
+              </a:defRPr>
+            </a:lvl9pPr>
+          </a:lstStyle>
+          <a:p>
+            <a:r>
+              <a:rPr lang="en-US" sz="2000" dirty="0">
+                <a:solidFill>
+                  <a:schemeClr val="tx1">
+                    <a:lumMod val="95000"/>
+                    <a:lumOff val="5000"/>
+                  </a:schemeClr>
+                </a:solidFill>
+              </a:rPr>
+              <a:t>DENM messages can also specify lane position information</a:t>
+            </a:r>
+          </a:p>
+          <a:p>
+            <a:r>
+              <a:rPr lang="en-US" sz="2000" dirty="0">
+                <a:solidFill>
+                  <a:schemeClr val="tx1">
+                    <a:lumMod val="95000"/>
+                    <a:lumOff val="5000"/>
+                  </a:schemeClr>
+                </a:solidFill>
+              </a:rPr>
+              <a:t>This information could be used by ADAS systems and autonomous vehicles to adapt the vehicle’s driving lane.</a:t>
+            </a:r>
+            <a:endParaRPr lang="en-US" sz="2000" dirty="0">
+              <a:solidFill>
+                <a:srgbClr val="FFFFFF"/>
+              </a:solidFill>
+            </a:endParaRPr>
+          </a:p>
+        </p:txBody>
+      </p:sp>
+    </p:spTree>
+    <p:extLst>
+      <p:ext uri="{BB962C8B-B14F-4D97-AF65-F5344CB8AC3E}">
+        <p14:creationId xmlns:p14="http://schemas.microsoft.com/office/powerpoint/2010/main" val="3155109923"/>
       </p:ext>
     </p:extLst>
   </p:cSld>
@@ -8326,6 +13078,1344 @@
 </p:sld>
 </file>
 
+<file path=ppt/slides/slide20.xml><?xml version="1.0" encoding="utf-8"?>
+<p:sld xmlns:a="http://schemas.openxmlformats.org/drawingml/2006/main" xmlns:r="http://schemas.openxmlformats.org/officeDocument/2006/relationships" xmlns:p="http://schemas.openxmlformats.org/presentationml/2006/main">
+  <p:cSld>
+    <p:bg>
+      <p:bgPr>
+        <a:solidFill>
+          <a:schemeClr val="bg1"/>
+        </a:solidFill>
+        <a:effectLst/>
+      </p:bgPr>
+    </p:bg>
+    <p:spTree>
+      <p:nvGrpSpPr>
+        <p:cNvPr id="1" name=""/>
+        <p:cNvGrpSpPr/>
+        <p:nvPr/>
+      </p:nvGrpSpPr>
+      <p:grpSpPr>
+        <a:xfrm>
+          <a:off x="0" y="0"/>
+          <a:ext cx="0" cy="0"/>
+          <a:chOff x="0" y="0"/>
+          <a:chExt cx="0" cy="0"/>
+        </a:xfrm>
+      </p:grpSpPr>
+      <p:sp useBgFill="1">
+        <p:nvSpPr>
+          <p:cNvPr id="11" name="Rectangle 10">
+            <a:extLst>
+              <a:ext uri="{FF2B5EF4-FFF2-40B4-BE49-F238E27FC236}">
+                <a16:creationId xmlns:a16="http://schemas.microsoft.com/office/drawing/2014/main" id="{A8384FB5-9ADC-4DDC-881B-597D56F5B15D}"/>
+              </a:ext>
+              <a:ext uri="{C183D7F6-B498-43B3-948B-1728B52AA6E4}">
+                <adec:decorative xmlns:adec="http://schemas.microsoft.com/office/drawing/2017/decorative" val="1"/>
+              </a:ext>
+            </a:extLst>
+          </p:cNvPr>
+          <p:cNvSpPr>
+            <a:spLocks noGrp="1" noRot="1" noChangeAspect="1" noMove="1" noResize="1" noEditPoints="1" noAdjustHandles="1" noChangeArrowheads="1" noChangeShapeType="1" noTextEdit="1"/>
+          </p:cNvSpPr>
+          <p:nvPr>
+            <p:extLst>
+              <p:ext uri="{386F3935-93C4-4BCD-93E2-E3B085C9AB24}">
+                <p16:designElem xmlns:p16="http://schemas.microsoft.com/office/powerpoint/2015/main" val="1"/>
+              </p:ext>
+            </p:extLst>
+          </p:nvPr>
+        </p:nvSpPr>
+        <p:spPr>
+          <a:xfrm>
+            <a:off x="0" y="0"/>
+            <a:ext cx="12192000" cy="6858000"/>
+          </a:xfrm>
+          <a:prstGeom prst="rect">
+            <a:avLst/>
+          </a:prstGeom>
+          <a:ln w="12700" cap="flat" cmpd="sng" algn="ctr">
+            <a:noFill/>
+            <a:prstDash val="solid"/>
+            <a:miter lim="800000"/>
+          </a:ln>
+          <a:effectLst/>
+          <a:extLst>
+            <a:ext uri="{91240B29-F687-4F45-9708-019B960494DF}">
+              <a14:hiddenLine xmlns:a14="http://schemas.microsoft.com/office/drawing/2010/main" w="12700" cap="flat" cmpd="sng" algn="ctr">
+                <a:solidFill>
+                  <a:schemeClr val="accent1">
+                    <a:shade val="50000"/>
+                  </a:schemeClr>
+                </a:solidFill>
+                <a:prstDash val="solid"/>
+                <a:miter lim="800000"/>
+              </a14:hiddenLine>
+            </a:ext>
+          </a:extLst>
+        </p:spPr>
+        <p:style>
+          <a:lnRef idx="2">
+            <a:schemeClr val="accent1">
+              <a:shade val="50000"/>
+            </a:schemeClr>
+          </a:lnRef>
+          <a:fillRef idx="1">
+            <a:schemeClr val="accent1"/>
+          </a:fillRef>
+          <a:effectRef idx="0">
+            <a:schemeClr val="accent1"/>
+          </a:effectRef>
+          <a:fontRef idx="minor">
+            <a:schemeClr val="lt1"/>
+          </a:fontRef>
+        </p:style>
+        <p:txBody>
+          <a:bodyPr rtlCol="0" anchor="ctr"/>
+          <a:lstStyle/>
+          <a:p>
+            <a:pPr algn="ctr"/>
+            <a:endParaRPr lang="en-US"/>
+          </a:p>
+        </p:txBody>
+      </p:sp>
+      <p:sp>
+        <p:nvSpPr>
+          <p:cNvPr id="13" name="Rectangle 12">
+            <a:extLst>
+              <a:ext uri="{FF2B5EF4-FFF2-40B4-BE49-F238E27FC236}">
+                <a16:creationId xmlns:a16="http://schemas.microsoft.com/office/drawing/2014/main" id="{1199E1B1-A8C0-4FE8-A5A8-1CB41D69F857}"/>
+              </a:ext>
+              <a:ext uri="{C183D7F6-B498-43B3-948B-1728B52AA6E4}">
+                <adec:decorative xmlns:adec="http://schemas.microsoft.com/office/drawing/2017/decorative" val="1"/>
+              </a:ext>
+            </a:extLst>
+          </p:cNvPr>
+          <p:cNvSpPr>
+            <a:spLocks noGrp="1" noRot="1" noChangeAspect="1" noMove="1" noResize="1" noEditPoints="1" noAdjustHandles="1" noChangeArrowheads="1" noChangeShapeType="1" noTextEdit="1"/>
+          </p:cNvSpPr>
+          <p:nvPr>
+            <p:extLst>
+              <p:ext uri="{386F3935-93C4-4BCD-93E2-E3B085C9AB24}">
+                <p16:designElem xmlns:p16="http://schemas.microsoft.com/office/powerpoint/2015/main" val="1"/>
+              </p:ext>
+            </p:extLst>
+          </p:nvPr>
+        </p:nvSpPr>
+        <p:spPr>
+          <a:xfrm rot="10800000" flipH="1">
+            <a:off x="2" y="0"/>
+            <a:ext cx="12191998" cy="1575955"/>
+          </a:xfrm>
+          <a:prstGeom prst="rect">
+            <a:avLst/>
+          </a:prstGeom>
+          <a:gradFill>
+            <a:gsLst>
+              <a:gs pos="0">
+                <a:srgbClr val="000000">
+                  <a:alpha val="96000"/>
+                </a:srgbClr>
+              </a:gs>
+              <a:gs pos="100000">
+                <a:schemeClr val="accent1">
+                  <a:lumMod val="75000"/>
+                </a:schemeClr>
+              </a:gs>
+            </a:gsLst>
+            <a:lin ang="6000000" scaled="0"/>
+          </a:gradFill>
+          <a:ln>
+            <a:noFill/>
+          </a:ln>
+        </p:spPr>
+        <p:style>
+          <a:lnRef idx="2">
+            <a:schemeClr val="accent1">
+              <a:shade val="50000"/>
+            </a:schemeClr>
+          </a:lnRef>
+          <a:fillRef idx="1">
+            <a:schemeClr val="accent1"/>
+          </a:fillRef>
+          <a:effectRef idx="0">
+            <a:schemeClr val="accent1"/>
+          </a:effectRef>
+          <a:fontRef idx="minor">
+            <a:schemeClr val="lt1"/>
+          </a:fontRef>
+        </p:style>
+        <p:txBody>
+          <a:bodyPr rtlCol="0" anchor="ctr"/>
+          <a:lstStyle/>
+          <a:p>
+            <a:pPr algn="ctr"/>
+            <a:endParaRPr lang="en-US"/>
+          </a:p>
+        </p:txBody>
+      </p:sp>
+      <p:sp>
+        <p:nvSpPr>
+          <p:cNvPr id="15" name="Rectangle 14">
+            <a:extLst>
+              <a:ext uri="{FF2B5EF4-FFF2-40B4-BE49-F238E27FC236}">
+                <a16:creationId xmlns:a16="http://schemas.microsoft.com/office/drawing/2014/main" id="{84A8DE83-DE75-4B41-9DB4-A7EC0B0DEC0B}"/>
+              </a:ext>
+              <a:ext uri="{C183D7F6-B498-43B3-948B-1728B52AA6E4}">
+                <adec:decorative xmlns:adec="http://schemas.microsoft.com/office/drawing/2017/decorative" val="1"/>
+              </a:ext>
+            </a:extLst>
+          </p:cNvPr>
+          <p:cNvSpPr>
+            <a:spLocks noGrp="1" noRot="1" noChangeAspect="1" noMove="1" noResize="1" noEditPoints="1" noAdjustHandles="1" noChangeArrowheads="1" noChangeShapeType="1" noTextEdit="1"/>
+          </p:cNvSpPr>
+          <p:nvPr>
+            <p:extLst>
+              <p:ext uri="{386F3935-93C4-4BCD-93E2-E3B085C9AB24}">
+                <p16:designElem xmlns:p16="http://schemas.microsoft.com/office/powerpoint/2015/main" val="1"/>
+              </p:ext>
+            </p:extLst>
+          </p:nvPr>
+        </p:nvSpPr>
+        <p:spPr>
+          <a:xfrm>
+            <a:off x="0" y="0"/>
+            <a:ext cx="8128856" cy="1575461"/>
+          </a:xfrm>
+          <a:prstGeom prst="rect">
+            <a:avLst/>
+          </a:prstGeom>
+          <a:gradFill>
+            <a:gsLst>
+              <a:gs pos="0">
+                <a:schemeClr val="accent1">
+                  <a:alpha val="41000"/>
+                </a:schemeClr>
+              </a:gs>
+              <a:gs pos="74000">
+                <a:schemeClr val="accent1">
+                  <a:lumMod val="60000"/>
+                  <a:lumOff val="40000"/>
+                  <a:alpha val="0"/>
+                </a:schemeClr>
+              </a:gs>
+            </a:gsLst>
+            <a:lin ang="8400000" scaled="0"/>
+          </a:gradFill>
+          <a:ln>
+            <a:noFill/>
+          </a:ln>
+        </p:spPr>
+        <p:style>
+          <a:lnRef idx="2">
+            <a:schemeClr val="accent1">
+              <a:shade val="50000"/>
+            </a:schemeClr>
+          </a:lnRef>
+          <a:fillRef idx="1">
+            <a:schemeClr val="accent1"/>
+          </a:fillRef>
+          <a:effectRef idx="0">
+            <a:schemeClr val="accent1"/>
+          </a:effectRef>
+          <a:fontRef idx="minor">
+            <a:schemeClr val="lt1"/>
+          </a:fontRef>
+        </p:style>
+        <p:txBody>
+          <a:bodyPr rtlCol="0" anchor="ctr"/>
+          <a:lstStyle/>
+          <a:p>
+            <a:pPr algn="ctr"/>
+            <a:endParaRPr lang="en-US"/>
+          </a:p>
+        </p:txBody>
+      </p:sp>
+      <p:sp>
+        <p:nvSpPr>
+          <p:cNvPr id="17" name="Rectangle 16">
+            <a:extLst>
+              <a:ext uri="{FF2B5EF4-FFF2-40B4-BE49-F238E27FC236}">
+                <a16:creationId xmlns:a16="http://schemas.microsoft.com/office/drawing/2014/main" id="{A7009A0A-BEF5-4EAC-AF15-E4F9F002E239}"/>
+              </a:ext>
+              <a:ext uri="{C183D7F6-B498-43B3-948B-1728B52AA6E4}">
+                <adec:decorative xmlns:adec="http://schemas.microsoft.com/office/drawing/2017/decorative" val="1"/>
+              </a:ext>
+            </a:extLst>
+          </p:cNvPr>
+          <p:cNvSpPr>
+            <a:spLocks noGrp="1" noRot="1" noChangeAspect="1" noMove="1" noResize="1" noEditPoints="1" noAdjustHandles="1" noChangeArrowheads="1" noChangeShapeType="1" noTextEdit="1"/>
+          </p:cNvSpPr>
+          <p:nvPr>
+            <p:extLst>
+              <p:ext uri="{386F3935-93C4-4BCD-93E2-E3B085C9AB24}">
+                <p16:designElem xmlns:p16="http://schemas.microsoft.com/office/powerpoint/2015/main" val="1"/>
+              </p:ext>
+            </p:extLst>
+          </p:nvPr>
+        </p:nvSpPr>
+        <p:spPr>
+          <a:xfrm flipH="1">
+            <a:off x="-3" y="-1"/>
+            <a:ext cx="12192002" cy="1574311"/>
+          </a:xfrm>
+          <a:prstGeom prst="rect">
+            <a:avLst/>
+          </a:prstGeom>
+          <a:gradFill>
+            <a:gsLst>
+              <a:gs pos="0">
+                <a:srgbClr val="000000">
+                  <a:alpha val="63000"/>
+                </a:srgbClr>
+              </a:gs>
+              <a:gs pos="78000">
+                <a:schemeClr val="accent1">
+                  <a:alpha val="15000"/>
+                </a:schemeClr>
+              </a:gs>
+            </a:gsLst>
+            <a:lin ang="15600000" scaled="0"/>
+          </a:gradFill>
+          <a:ln>
+            <a:noFill/>
+          </a:ln>
+        </p:spPr>
+        <p:style>
+          <a:lnRef idx="2">
+            <a:schemeClr val="accent1">
+              <a:shade val="50000"/>
+            </a:schemeClr>
+          </a:lnRef>
+          <a:fillRef idx="1">
+            <a:schemeClr val="accent1"/>
+          </a:fillRef>
+          <a:effectRef idx="0">
+            <a:schemeClr val="accent1"/>
+          </a:effectRef>
+          <a:fontRef idx="minor">
+            <a:schemeClr val="lt1"/>
+          </a:fontRef>
+        </p:style>
+        <p:txBody>
+          <a:bodyPr rtlCol="0" anchor="ctr"/>
+          <a:lstStyle/>
+          <a:p>
+            <a:pPr algn="ctr"/>
+            <a:endParaRPr lang="en-US"/>
+          </a:p>
+        </p:txBody>
+      </p:sp>
+      <p:sp>
+        <p:nvSpPr>
+          <p:cNvPr id="2" name="Title 1">
+            <a:extLst>
+              <a:ext uri="{FF2B5EF4-FFF2-40B4-BE49-F238E27FC236}">
+                <a16:creationId xmlns:a16="http://schemas.microsoft.com/office/drawing/2014/main" id="{94B328AE-E53D-89D4-CE8C-E82025EE8E1F}"/>
+              </a:ext>
+            </a:extLst>
+          </p:cNvPr>
+          <p:cNvSpPr>
+            <a:spLocks noGrp="1"/>
+          </p:cNvSpPr>
+          <p:nvPr>
+            <p:ph type="title"/>
+          </p:nvPr>
+        </p:nvSpPr>
+        <p:spPr>
+          <a:xfrm>
+            <a:off x="699713" y="248038"/>
+            <a:ext cx="7063721" cy="1159200"/>
+          </a:xfrm>
+        </p:spPr>
+        <p:txBody>
+          <a:bodyPr vert="horz" lIns="91440" tIns="45720" rIns="91440" bIns="45720" rtlCol="0" anchor="ctr">
+            <a:normAutofit/>
+          </a:bodyPr>
+          <a:lstStyle/>
+          <a:p>
+            <a:r>
+              <a:rPr lang="en-US" sz="4000" kern="1200" dirty="0">
+                <a:solidFill>
+                  <a:srgbClr val="FFFFFF"/>
+                </a:solidFill>
+                <a:latin typeface="+mj-lt"/>
+                <a:ea typeface="+mj-ea"/>
+                <a:cs typeface="+mj-cs"/>
+              </a:rPr>
+              <a:t>Conclusion</a:t>
+            </a:r>
+          </a:p>
+        </p:txBody>
+      </p:sp>
+      <p:sp>
+        <p:nvSpPr>
+          <p:cNvPr id="7" name="Content Placeholder 2">
+            <a:extLst>
+              <a:ext uri="{FF2B5EF4-FFF2-40B4-BE49-F238E27FC236}">
+                <a16:creationId xmlns:a16="http://schemas.microsoft.com/office/drawing/2014/main" id="{64D80EC7-3EC5-C86D-E55F-3073D03EA18A}"/>
+              </a:ext>
+            </a:extLst>
+          </p:cNvPr>
+          <p:cNvSpPr txBox="1">
+            <a:spLocks/>
+          </p:cNvSpPr>
+          <p:nvPr/>
+        </p:nvSpPr>
+        <p:spPr>
+          <a:xfrm>
+            <a:off x="425060" y="2279650"/>
+            <a:ext cx="8547489" cy="3511550"/>
+          </a:xfrm>
+          <a:prstGeom prst="rect">
+            <a:avLst/>
+          </a:prstGeom>
+        </p:spPr>
+        <p:txBody>
+          <a:bodyPr vert="horz" lIns="91440" tIns="45720" rIns="91440" bIns="45720" rtlCol="0" anchor="ctr">
+            <a:normAutofit/>
+          </a:bodyPr>
+          <a:lstStyle>
+            <a:lvl1pPr marL="228600" indent="-228600" algn="l" defTabSz="914400" rtl="0" eaLnBrk="1" latinLnBrk="0" hangingPunct="1">
+              <a:lnSpc>
+                <a:spcPct val="90000"/>
+              </a:lnSpc>
+              <a:spcBef>
+                <a:spcPts val="1000"/>
+              </a:spcBef>
+              <a:buFont typeface="Arial" panose="020B0604020202020204" pitchFamily="34" charset="0"/>
+              <a:buChar char="•"/>
+              <a:defRPr sz="2800" kern="1200">
+                <a:solidFill>
+                  <a:schemeClr val="tx1"/>
+                </a:solidFill>
+                <a:latin typeface="+mn-lt"/>
+                <a:ea typeface="+mn-ea"/>
+                <a:cs typeface="+mn-cs"/>
+              </a:defRPr>
+            </a:lvl1pPr>
+            <a:lvl2pPr marL="685800" indent="-228600" algn="l" defTabSz="914400" rtl="0" eaLnBrk="1" latinLnBrk="0" hangingPunct="1">
+              <a:lnSpc>
+                <a:spcPct val="90000"/>
+              </a:lnSpc>
+              <a:spcBef>
+                <a:spcPts val="500"/>
+              </a:spcBef>
+              <a:buFont typeface="Arial" panose="020B0604020202020204" pitchFamily="34" charset="0"/>
+              <a:buChar char="•"/>
+              <a:defRPr sz="2400" kern="1200">
+                <a:solidFill>
+                  <a:schemeClr val="tx1"/>
+                </a:solidFill>
+                <a:latin typeface="+mn-lt"/>
+                <a:ea typeface="+mn-ea"/>
+                <a:cs typeface="+mn-cs"/>
+              </a:defRPr>
+            </a:lvl2pPr>
+            <a:lvl3pPr marL="1143000" indent="-228600" algn="l" defTabSz="914400" rtl="0" eaLnBrk="1" latinLnBrk="0" hangingPunct="1">
+              <a:lnSpc>
+                <a:spcPct val="90000"/>
+              </a:lnSpc>
+              <a:spcBef>
+                <a:spcPts val="500"/>
+              </a:spcBef>
+              <a:buFont typeface="Arial" panose="020B0604020202020204" pitchFamily="34" charset="0"/>
+              <a:buChar char="•"/>
+              <a:defRPr sz="2000" kern="1200">
+                <a:solidFill>
+                  <a:schemeClr val="tx1"/>
+                </a:solidFill>
+                <a:latin typeface="+mn-lt"/>
+                <a:ea typeface="+mn-ea"/>
+                <a:cs typeface="+mn-cs"/>
+              </a:defRPr>
+            </a:lvl3pPr>
+            <a:lvl4pPr marL="1600200" indent="-228600" algn="l" defTabSz="914400" rtl="0" eaLnBrk="1" latinLnBrk="0" hangingPunct="1">
+              <a:lnSpc>
+                <a:spcPct val="90000"/>
+              </a:lnSpc>
+              <a:spcBef>
+                <a:spcPts val="500"/>
+              </a:spcBef>
+              <a:buFont typeface="Arial" panose="020B0604020202020204" pitchFamily="34" charset="0"/>
+              <a:buChar char="•"/>
+              <a:defRPr sz="1800" kern="1200">
+                <a:solidFill>
+                  <a:schemeClr val="tx1"/>
+                </a:solidFill>
+                <a:latin typeface="+mn-lt"/>
+                <a:ea typeface="+mn-ea"/>
+                <a:cs typeface="+mn-cs"/>
+              </a:defRPr>
+            </a:lvl4pPr>
+            <a:lvl5pPr marL="2057400" indent="-228600" algn="l" defTabSz="914400" rtl="0" eaLnBrk="1" latinLnBrk="0" hangingPunct="1">
+              <a:lnSpc>
+                <a:spcPct val="90000"/>
+              </a:lnSpc>
+              <a:spcBef>
+                <a:spcPts val="500"/>
+              </a:spcBef>
+              <a:buFont typeface="Arial" panose="020B0604020202020204" pitchFamily="34" charset="0"/>
+              <a:buChar char="•"/>
+              <a:defRPr sz="1800" kern="1200">
+                <a:solidFill>
+                  <a:schemeClr val="tx1"/>
+                </a:solidFill>
+                <a:latin typeface="+mn-lt"/>
+                <a:ea typeface="+mn-ea"/>
+                <a:cs typeface="+mn-cs"/>
+              </a:defRPr>
+            </a:lvl5pPr>
+            <a:lvl6pPr marL="2514600" indent="-228600" algn="l" defTabSz="914400" rtl="0" eaLnBrk="1" latinLnBrk="0" hangingPunct="1">
+              <a:lnSpc>
+                <a:spcPct val="90000"/>
+              </a:lnSpc>
+              <a:spcBef>
+                <a:spcPts val="500"/>
+              </a:spcBef>
+              <a:buFont typeface="Arial" panose="020B0604020202020204" pitchFamily="34" charset="0"/>
+              <a:buChar char="•"/>
+              <a:defRPr sz="1800" kern="1200">
+                <a:solidFill>
+                  <a:schemeClr val="tx1"/>
+                </a:solidFill>
+                <a:latin typeface="+mn-lt"/>
+                <a:ea typeface="+mn-ea"/>
+                <a:cs typeface="+mn-cs"/>
+              </a:defRPr>
+            </a:lvl6pPr>
+            <a:lvl7pPr marL="2971800" indent="-228600" algn="l" defTabSz="914400" rtl="0" eaLnBrk="1" latinLnBrk="0" hangingPunct="1">
+              <a:lnSpc>
+                <a:spcPct val="90000"/>
+              </a:lnSpc>
+              <a:spcBef>
+                <a:spcPts val="500"/>
+              </a:spcBef>
+              <a:buFont typeface="Arial" panose="020B0604020202020204" pitchFamily="34" charset="0"/>
+              <a:buChar char="•"/>
+              <a:defRPr sz="1800" kern="1200">
+                <a:solidFill>
+                  <a:schemeClr val="tx1"/>
+                </a:solidFill>
+                <a:latin typeface="+mn-lt"/>
+                <a:ea typeface="+mn-ea"/>
+                <a:cs typeface="+mn-cs"/>
+              </a:defRPr>
+            </a:lvl7pPr>
+            <a:lvl8pPr marL="3429000" indent="-228600" algn="l" defTabSz="914400" rtl="0" eaLnBrk="1" latinLnBrk="0" hangingPunct="1">
+              <a:lnSpc>
+                <a:spcPct val="90000"/>
+              </a:lnSpc>
+              <a:spcBef>
+                <a:spcPts val="500"/>
+              </a:spcBef>
+              <a:buFont typeface="Arial" panose="020B0604020202020204" pitchFamily="34" charset="0"/>
+              <a:buChar char="•"/>
+              <a:defRPr sz="1800" kern="1200">
+                <a:solidFill>
+                  <a:schemeClr val="tx1"/>
+                </a:solidFill>
+                <a:latin typeface="+mn-lt"/>
+                <a:ea typeface="+mn-ea"/>
+                <a:cs typeface="+mn-cs"/>
+              </a:defRPr>
+            </a:lvl8pPr>
+            <a:lvl9pPr marL="3886200" indent="-228600" algn="l" defTabSz="914400" rtl="0" eaLnBrk="1" latinLnBrk="0" hangingPunct="1">
+              <a:lnSpc>
+                <a:spcPct val="90000"/>
+              </a:lnSpc>
+              <a:spcBef>
+                <a:spcPts val="500"/>
+              </a:spcBef>
+              <a:buFont typeface="Arial" panose="020B0604020202020204" pitchFamily="34" charset="0"/>
+              <a:buChar char="•"/>
+              <a:defRPr sz="1800" kern="1200">
+                <a:solidFill>
+                  <a:schemeClr val="tx1"/>
+                </a:solidFill>
+                <a:latin typeface="+mn-lt"/>
+                <a:ea typeface="+mn-ea"/>
+                <a:cs typeface="+mn-cs"/>
+              </a:defRPr>
+            </a:lvl9pPr>
+          </a:lstStyle>
+          <a:p>
+            <a:endParaRPr lang="en-US" sz="2000" dirty="0">
+              <a:solidFill>
+                <a:srgbClr val="FFFFFF"/>
+              </a:solidFill>
+            </a:endParaRPr>
+          </a:p>
+        </p:txBody>
+      </p:sp>
+      <p:sp>
+        <p:nvSpPr>
+          <p:cNvPr id="12" name="TextBox 11">
+            <a:extLst>
+              <a:ext uri="{FF2B5EF4-FFF2-40B4-BE49-F238E27FC236}">
+                <a16:creationId xmlns:a16="http://schemas.microsoft.com/office/drawing/2014/main" id="{56ED05D4-9E50-EE15-548E-5281CAC98CEF}"/>
+              </a:ext>
+            </a:extLst>
+          </p:cNvPr>
+          <p:cNvSpPr txBox="1"/>
+          <p:nvPr/>
+        </p:nvSpPr>
+        <p:spPr>
+          <a:xfrm>
+            <a:off x="654050" y="2416935"/>
+            <a:ext cx="8197850" cy="2545377"/>
+          </a:xfrm>
+          <a:prstGeom prst="rect">
+            <a:avLst/>
+          </a:prstGeom>
+          <a:noFill/>
+        </p:spPr>
+        <p:txBody>
+          <a:bodyPr wrap="square">
+            <a:spAutoFit/>
+          </a:bodyPr>
+          <a:lstStyle/>
+          <a:p>
+            <a:pPr marL="285750" indent="-285750">
+              <a:lnSpc>
+                <a:spcPct val="150000"/>
+              </a:lnSpc>
+              <a:buFont typeface="Arial" panose="020B0604020202020204" pitchFamily="34" charset="0"/>
+              <a:buChar char="•"/>
+            </a:pPr>
+            <a:r>
+              <a:rPr lang="en-US" sz="1800" dirty="0"/>
+              <a:t>C-ITS improves traffic safety and takes the user out of the notification process.</a:t>
+            </a:r>
+          </a:p>
+          <a:p>
+            <a:pPr marL="285750" indent="-285750">
+              <a:lnSpc>
+                <a:spcPct val="150000"/>
+              </a:lnSpc>
+              <a:buFont typeface="Arial" panose="020B0604020202020204" pitchFamily="34" charset="0"/>
+              <a:buChar char="•"/>
+            </a:pPr>
+            <a:r>
+              <a:rPr lang="en-US" sz="1800" dirty="0"/>
+              <a:t>The Hazardous Locations Notification – Stationary Vehicle alerts drivers of a broken-down vehicle in  the road.</a:t>
+            </a:r>
+          </a:p>
+          <a:p>
+            <a:pPr marL="285750" indent="-285750">
+              <a:lnSpc>
+                <a:spcPct val="150000"/>
+              </a:lnSpc>
+              <a:buFont typeface="Arial" panose="020B0604020202020204" pitchFamily="34" charset="0"/>
+              <a:buChar char="•"/>
+            </a:pPr>
+            <a:r>
+              <a:rPr lang="en-US" dirty="0"/>
+              <a:t>For the model, a vehicle with three control unit zones was considered.</a:t>
+            </a:r>
+          </a:p>
+          <a:p>
+            <a:pPr marL="285750" indent="-285750">
+              <a:lnSpc>
+                <a:spcPct val="150000"/>
+              </a:lnSpc>
+              <a:buFont typeface="Arial" panose="020B0604020202020204" pitchFamily="34" charset="0"/>
+              <a:buChar char="•"/>
+            </a:pPr>
+            <a:r>
+              <a:rPr lang="en-US" sz="1800" dirty="0"/>
+              <a:t>OBU and RSU units were modeled after </a:t>
+            </a:r>
+            <a:r>
+              <a:rPr lang="en-US" sz="1800" dirty="0" err="1"/>
+              <a:t>Commsignia’s</a:t>
+            </a:r>
+            <a:r>
+              <a:rPr lang="en-US" sz="1800" dirty="0"/>
+              <a:t> products.</a:t>
+            </a:r>
+          </a:p>
+          <a:p>
+            <a:pPr marL="285750" indent="-285750">
+              <a:lnSpc>
+                <a:spcPct val="150000"/>
+              </a:lnSpc>
+              <a:buFont typeface="Arial" panose="020B0604020202020204" pitchFamily="34" charset="0"/>
+              <a:buChar char="•"/>
+            </a:pPr>
+            <a:r>
+              <a:rPr lang="en-US" dirty="0"/>
+              <a:t>Integration of lane position builds towards fully autonomous vehicles.</a:t>
+            </a:r>
+            <a:endParaRPr lang="en-US" sz="1800" dirty="0"/>
+          </a:p>
+        </p:txBody>
+      </p:sp>
+    </p:spTree>
+    <p:extLst>
+      <p:ext uri="{BB962C8B-B14F-4D97-AF65-F5344CB8AC3E}">
+        <p14:creationId xmlns:p14="http://schemas.microsoft.com/office/powerpoint/2010/main" val="194399307"/>
+      </p:ext>
+    </p:extLst>
+  </p:cSld>
+  <p:clrMapOvr>
+    <a:masterClrMapping/>
+  </p:clrMapOvr>
+</p:sld>
+</file>
+
+<file path=ppt/slides/slide21.xml><?xml version="1.0" encoding="utf-8"?>
+<p:sld xmlns:a="http://schemas.openxmlformats.org/drawingml/2006/main" xmlns:r="http://schemas.openxmlformats.org/officeDocument/2006/relationships" xmlns:p="http://schemas.openxmlformats.org/presentationml/2006/main">
+  <p:cSld>
+    <p:bg>
+      <p:bgPr>
+        <a:solidFill>
+          <a:schemeClr val="bg1"/>
+        </a:solidFill>
+        <a:effectLst/>
+      </p:bgPr>
+    </p:bg>
+    <p:spTree>
+      <p:nvGrpSpPr>
+        <p:cNvPr id="1" name=""/>
+        <p:cNvGrpSpPr/>
+        <p:nvPr/>
+      </p:nvGrpSpPr>
+      <p:grpSpPr>
+        <a:xfrm>
+          <a:off x="0" y="0"/>
+          <a:ext cx="0" cy="0"/>
+          <a:chOff x="0" y="0"/>
+          <a:chExt cx="0" cy="0"/>
+        </a:xfrm>
+      </p:grpSpPr>
+      <p:sp useBgFill="1">
+        <p:nvSpPr>
+          <p:cNvPr id="11" name="Rectangle 10">
+            <a:extLst>
+              <a:ext uri="{FF2B5EF4-FFF2-40B4-BE49-F238E27FC236}">
+                <a16:creationId xmlns:a16="http://schemas.microsoft.com/office/drawing/2014/main" id="{A8384FB5-9ADC-4DDC-881B-597D56F5B15D}"/>
+              </a:ext>
+              <a:ext uri="{C183D7F6-B498-43B3-948B-1728B52AA6E4}">
+                <adec:decorative xmlns:adec="http://schemas.microsoft.com/office/drawing/2017/decorative" val="1"/>
+              </a:ext>
+            </a:extLst>
+          </p:cNvPr>
+          <p:cNvSpPr>
+            <a:spLocks noGrp="1" noRot="1" noChangeAspect="1" noMove="1" noResize="1" noEditPoints="1" noAdjustHandles="1" noChangeArrowheads="1" noChangeShapeType="1" noTextEdit="1"/>
+          </p:cNvSpPr>
+          <p:nvPr>
+            <p:extLst>
+              <p:ext uri="{386F3935-93C4-4BCD-93E2-E3B085C9AB24}">
+                <p16:designElem xmlns:p16="http://schemas.microsoft.com/office/powerpoint/2015/main" val="1"/>
+              </p:ext>
+            </p:extLst>
+          </p:nvPr>
+        </p:nvSpPr>
+        <p:spPr>
+          <a:xfrm>
+            <a:off x="0" y="0"/>
+            <a:ext cx="12192000" cy="6858000"/>
+          </a:xfrm>
+          <a:prstGeom prst="rect">
+            <a:avLst/>
+          </a:prstGeom>
+          <a:ln w="12700" cap="flat" cmpd="sng" algn="ctr">
+            <a:noFill/>
+            <a:prstDash val="solid"/>
+            <a:miter lim="800000"/>
+          </a:ln>
+          <a:effectLst/>
+          <a:extLst>
+            <a:ext uri="{91240B29-F687-4F45-9708-019B960494DF}">
+              <a14:hiddenLine xmlns:a14="http://schemas.microsoft.com/office/drawing/2010/main" w="12700" cap="flat" cmpd="sng" algn="ctr">
+                <a:solidFill>
+                  <a:schemeClr val="accent1">
+                    <a:shade val="50000"/>
+                  </a:schemeClr>
+                </a:solidFill>
+                <a:prstDash val="solid"/>
+                <a:miter lim="800000"/>
+              </a14:hiddenLine>
+            </a:ext>
+          </a:extLst>
+        </p:spPr>
+        <p:style>
+          <a:lnRef idx="2">
+            <a:schemeClr val="accent1">
+              <a:shade val="50000"/>
+            </a:schemeClr>
+          </a:lnRef>
+          <a:fillRef idx="1">
+            <a:schemeClr val="accent1"/>
+          </a:fillRef>
+          <a:effectRef idx="0">
+            <a:schemeClr val="accent1"/>
+          </a:effectRef>
+          <a:fontRef idx="minor">
+            <a:schemeClr val="lt1"/>
+          </a:fontRef>
+        </p:style>
+        <p:txBody>
+          <a:bodyPr rtlCol="0" anchor="ctr"/>
+          <a:lstStyle/>
+          <a:p>
+            <a:pPr algn="ctr"/>
+            <a:endParaRPr lang="en-US"/>
+          </a:p>
+        </p:txBody>
+      </p:sp>
+      <p:sp>
+        <p:nvSpPr>
+          <p:cNvPr id="13" name="Rectangle 12">
+            <a:extLst>
+              <a:ext uri="{FF2B5EF4-FFF2-40B4-BE49-F238E27FC236}">
+                <a16:creationId xmlns:a16="http://schemas.microsoft.com/office/drawing/2014/main" id="{1199E1B1-A8C0-4FE8-A5A8-1CB41D69F857}"/>
+              </a:ext>
+              <a:ext uri="{C183D7F6-B498-43B3-948B-1728B52AA6E4}">
+                <adec:decorative xmlns:adec="http://schemas.microsoft.com/office/drawing/2017/decorative" val="1"/>
+              </a:ext>
+            </a:extLst>
+          </p:cNvPr>
+          <p:cNvSpPr>
+            <a:spLocks noGrp="1" noRot="1" noChangeAspect="1" noMove="1" noResize="1" noEditPoints="1" noAdjustHandles="1" noChangeArrowheads="1" noChangeShapeType="1" noTextEdit="1"/>
+          </p:cNvSpPr>
+          <p:nvPr>
+            <p:extLst>
+              <p:ext uri="{386F3935-93C4-4BCD-93E2-E3B085C9AB24}">
+                <p16:designElem xmlns:p16="http://schemas.microsoft.com/office/powerpoint/2015/main" val="1"/>
+              </p:ext>
+            </p:extLst>
+          </p:nvPr>
+        </p:nvSpPr>
+        <p:spPr>
+          <a:xfrm rot="10800000" flipH="1">
+            <a:off x="2" y="0"/>
+            <a:ext cx="12191998" cy="1575955"/>
+          </a:xfrm>
+          <a:prstGeom prst="rect">
+            <a:avLst/>
+          </a:prstGeom>
+          <a:gradFill>
+            <a:gsLst>
+              <a:gs pos="0">
+                <a:srgbClr val="000000">
+                  <a:alpha val="96000"/>
+                </a:srgbClr>
+              </a:gs>
+              <a:gs pos="100000">
+                <a:schemeClr val="accent1">
+                  <a:lumMod val="75000"/>
+                </a:schemeClr>
+              </a:gs>
+            </a:gsLst>
+            <a:lin ang="6000000" scaled="0"/>
+          </a:gradFill>
+          <a:ln>
+            <a:noFill/>
+          </a:ln>
+        </p:spPr>
+        <p:style>
+          <a:lnRef idx="2">
+            <a:schemeClr val="accent1">
+              <a:shade val="50000"/>
+            </a:schemeClr>
+          </a:lnRef>
+          <a:fillRef idx="1">
+            <a:schemeClr val="accent1"/>
+          </a:fillRef>
+          <a:effectRef idx="0">
+            <a:schemeClr val="accent1"/>
+          </a:effectRef>
+          <a:fontRef idx="minor">
+            <a:schemeClr val="lt1"/>
+          </a:fontRef>
+        </p:style>
+        <p:txBody>
+          <a:bodyPr rtlCol="0" anchor="ctr"/>
+          <a:lstStyle/>
+          <a:p>
+            <a:pPr algn="ctr"/>
+            <a:endParaRPr lang="en-US"/>
+          </a:p>
+        </p:txBody>
+      </p:sp>
+      <p:sp>
+        <p:nvSpPr>
+          <p:cNvPr id="15" name="Rectangle 14">
+            <a:extLst>
+              <a:ext uri="{FF2B5EF4-FFF2-40B4-BE49-F238E27FC236}">
+                <a16:creationId xmlns:a16="http://schemas.microsoft.com/office/drawing/2014/main" id="{84A8DE83-DE75-4B41-9DB4-A7EC0B0DEC0B}"/>
+              </a:ext>
+              <a:ext uri="{C183D7F6-B498-43B3-948B-1728B52AA6E4}">
+                <adec:decorative xmlns:adec="http://schemas.microsoft.com/office/drawing/2017/decorative" val="1"/>
+              </a:ext>
+            </a:extLst>
+          </p:cNvPr>
+          <p:cNvSpPr>
+            <a:spLocks noGrp="1" noRot="1" noChangeAspect="1" noMove="1" noResize="1" noEditPoints="1" noAdjustHandles="1" noChangeArrowheads="1" noChangeShapeType="1" noTextEdit="1"/>
+          </p:cNvSpPr>
+          <p:nvPr>
+            <p:extLst>
+              <p:ext uri="{386F3935-93C4-4BCD-93E2-E3B085C9AB24}">
+                <p16:designElem xmlns:p16="http://schemas.microsoft.com/office/powerpoint/2015/main" val="1"/>
+              </p:ext>
+            </p:extLst>
+          </p:nvPr>
+        </p:nvSpPr>
+        <p:spPr>
+          <a:xfrm>
+            <a:off x="0" y="0"/>
+            <a:ext cx="8128856" cy="1575461"/>
+          </a:xfrm>
+          <a:prstGeom prst="rect">
+            <a:avLst/>
+          </a:prstGeom>
+          <a:gradFill>
+            <a:gsLst>
+              <a:gs pos="0">
+                <a:schemeClr val="accent1">
+                  <a:alpha val="41000"/>
+                </a:schemeClr>
+              </a:gs>
+              <a:gs pos="74000">
+                <a:schemeClr val="accent1">
+                  <a:lumMod val="60000"/>
+                  <a:lumOff val="40000"/>
+                  <a:alpha val="0"/>
+                </a:schemeClr>
+              </a:gs>
+            </a:gsLst>
+            <a:lin ang="8400000" scaled="0"/>
+          </a:gradFill>
+          <a:ln>
+            <a:noFill/>
+          </a:ln>
+        </p:spPr>
+        <p:style>
+          <a:lnRef idx="2">
+            <a:schemeClr val="accent1">
+              <a:shade val="50000"/>
+            </a:schemeClr>
+          </a:lnRef>
+          <a:fillRef idx="1">
+            <a:schemeClr val="accent1"/>
+          </a:fillRef>
+          <a:effectRef idx="0">
+            <a:schemeClr val="accent1"/>
+          </a:effectRef>
+          <a:fontRef idx="minor">
+            <a:schemeClr val="lt1"/>
+          </a:fontRef>
+        </p:style>
+        <p:txBody>
+          <a:bodyPr rtlCol="0" anchor="ctr"/>
+          <a:lstStyle/>
+          <a:p>
+            <a:pPr algn="ctr"/>
+            <a:endParaRPr lang="en-US"/>
+          </a:p>
+        </p:txBody>
+      </p:sp>
+      <p:sp>
+        <p:nvSpPr>
+          <p:cNvPr id="17" name="Rectangle 16">
+            <a:extLst>
+              <a:ext uri="{FF2B5EF4-FFF2-40B4-BE49-F238E27FC236}">
+                <a16:creationId xmlns:a16="http://schemas.microsoft.com/office/drawing/2014/main" id="{A7009A0A-BEF5-4EAC-AF15-E4F9F002E239}"/>
+              </a:ext>
+              <a:ext uri="{C183D7F6-B498-43B3-948B-1728B52AA6E4}">
+                <adec:decorative xmlns:adec="http://schemas.microsoft.com/office/drawing/2017/decorative" val="1"/>
+              </a:ext>
+            </a:extLst>
+          </p:cNvPr>
+          <p:cNvSpPr>
+            <a:spLocks noGrp="1" noRot="1" noChangeAspect="1" noMove="1" noResize="1" noEditPoints="1" noAdjustHandles="1" noChangeArrowheads="1" noChangeShapeType="1" noTextEdit="1"/>
+          </p:cNvSpPr>
+          <p:nvPr>
+            <p:extLst>
+              <p:ext uri="{386F3935-93C4-4BCD-93E2-E3B085C9AB24}">
+                <p16:designElem xmlns:p16="http://schemas.microsoft.com/office/powerpoint/2015/main" val="1"/>
+              </p:ext>
+            </p:extLst>
+          </p:nvPr>
+        </p:nvSpPr>
+        <p:spPr>
+          <a:xfrm flipH="1">
+            <a:off x="-3" y="-1"/>
+            <a:ext cx="12192002" cy="1574311"/>
+          </a:xfrm>
+          <a:prstGeom prst="rect">
+            <a:avLst/>
+          </a:prstGeom>
+          <a:gradFill>
+            <a:gsLst>
+              <a:gs pos="0">
+                <a:srgbClr val="000000">
+                  <a:alpha val="63000"/>
+                </a:srgbClr>
+              </a:gs>
+              <a:gs pos="78000">
+                <a:schemeClr val="accent1">
+                  <a:alpha val="15000"/>
+                </a:schemeClr>
+              </a:gs>
+            </a:gsLst>
+            <a:lin ang="15600000" scaled="0"/>
+          </a:gradFill>
+          <a:ln>
+            <a:noFill/>
+          </a:ln>
+        </p:spPr>
+        <p:style>
+          <a:lnRef idx="2">
+            <a:schemeClr val="accent1">
+              <a:shade val="50000"/>
+            </a:schemeClr>
+          </a:lnRef>
+          <a:fillRef idx="1">
+            <a:schemeClr val="accent1"/>
+          </a:fillRef>
+          <a:effectRef idx="0">
+            <a:schemeClr val="accent1"/>
+          </a:effectRef>
+          <a:fontRef idx="minor">
+            <a:schemeClr val="lt1"/>
+          </a:fontRef>
+        </p:style>
+        <p:txBody>
+          <a:bodyPr rtlCol="0" anchor="ctr"/>
+          <a:lstStyle/>
+          <a:p>
+            <a:pPr algn="ctr"/>
+            <a:endParaRPr lang="en-US"/>
+          </a:p>
+        </p:txBody>
+      </p:sp>
+      <p:sp>
+        <p:nvSpPr>
+          <p:cNvPr id="2" name="Title 1">
+            <a:extLst>
+              <a:ext uri="{FF2B5EF4-FFF2-40B4-BE49-F238E27FC236}">
+                <a16:creationId xmlns:a16="http://schemas.microsoft.com/office/drawing/2014/main" id="{94B328AE-E53D-89D4-CE8C-E82025EE8E1F}"/>
+              </a:ext>
+            </a:extLst>
+          </p:cNvPr>
+          <p:cNvSpPr>
+            <a:spLocks noGrp="1"/>
+          </p:cNvSpPr>
+          <p:nvPr>
+            <p:ph type="title"/>
+          </p:nvPr>
+        </p:nvSpPr>
+        <p:spPr>
+          <a:xfrm>
+            <a:off x="699713" y="248038"/>
+            <a:ext cx="7063721" cy="1159200"/>
+          </a:xfrm>
+        </p:spPr>
+        <p:txBody>
+          <a:bodyPr vert="horz" lIns="91440" tIns="45720" rIns="91440" bIns="45720" rtlCol="0" anchor="ctr">
+            <a:normAutofit/>
+          </a:bodyPr>
+          <a:lstStyle/>
+          <a:p>
+            <a:r>
+              <a:rPr lang="en-US" sz="4000" kern="1200" dirty="0">
+                <a:solidFill>
+                  <a:srgbClr val="FFFFFF"/>
+                </a:solidFill>
+                <a:latin typeface="+mj-lt"/>
+                <a:ea typeface="+mj-ea"/>
+                <a:cs typeface="+mj-cs"/>
+              </a:rPr>
+              <a:t>Thank You!</a:t>
+            </a:r>
+          </a:p>
+        </p:txBody>
+      </p:sp>
+      <p:sp>
+        <p:nvSpPr>
+          <p:cNvPr id="4" name="Content Placeholder 3">
+            <a:extLst>
+              <a:ext uri="{FF2B5EF4-FFF2-40B4-BE49-F238E27FC236}">
+                <a16:creationId xmlns:a16="http://schemas.microsoft.com/office/drawing/2014/main" id="{37C904FE-3A0D-B0C9-5A3B-020806E70551}"/>
+              </a:ext>
+            </a:extLst>
+          </p:cNvPr>
+          <p:cNvSpPr>
+            <a:spLocks noGrp="1"/>
+          </p:cNvSpPr>
+          <p:nvPr>
+            <p:ph idx="1"/>
+          </p:nvPr>
+        </p:nvSpPr>
+        <p:spPr/>
+        <p:txBody>
+          <a:bodyPr/>
+          <a:lstStyle/>
+          <a:p>
+            <a:r>
+              <a:rPr lang="en-US" dirty="0"/>
+              <a:t>Questions?</a:t>
+            </a:r>
+          </a:p>
+        </p:txBody>
+      </p:sp>
+    </p:spTree>
+    <p:extLst>
+      <p:ext uri="{BB962C8B-B14F-4D97-AF65-F5344CB8AC3E}">
+        <p14:creationId xmlns:p14="http://schemas.microsoft.com/office/powerpoint/2010/main" val="1437957569"/>
+      </p:ext>
+    </p:extLst>
+  </p:cSld>
+  <p:clrMapOvr>
+    <a:masterClrMapping/>
+  </p:clrMapOvr>
+</p:sld>
+</file>
+
+<file path=ppt/slides/slide22.xml><?xml version="1.0" encoding="utf-8"?>
+<p:sld xmlns:a="http://schemas.openxmlformats.org/drawingml/2006/main" xmlns:r="http://schemas.openxmlformats.org/officeDocument/2006/relationships" xmlns:p="http://schemas.openxmlformats.org/presentationml/2006/main">
+  <p:cSld>
+    <p:spTree>
+      <p:nvGrpSpPr>
+        <p:cNvPr id="1" name=""/>
+        <p:cNvGrpSpPr/>
+        <p:nvPr/>
+      </p:nvGrpSpPr>
+      <p:grpSpPr>
+        <a:xfrm>
+          <a:off x="0" y="0"/>
+          <a:ext cx="0" cy="0"/>
+          <a:chOff x="0" y="0"/>
+          <a:chExt cx="0" cy="0"/>
+        </a:xfrm>
+      </p:grpSpPr>
+      <p:sp>
+        <p:nvSpPr>
+          <p:cNvPr id="2" name="Title 1">
+            <a:extLst>
+              <a:ext uri="{FF2B5EF4-FFF2-40B4-BE49-F238E27FC236}">
+                <a16:creationId xmlns:a16="http://schemas.microsoft.com/office/drawing/2014/main" id="{2548C96E-6781-8024-51C6-29F61867A5AE}"/>
+              </a:ext>
+            </a:extLst>
+          </p:cNvPr>
+          <p:cNvSpPr>
+            <a:spLocks noGrp="1"/>
+          </p:cNvSpPr>
+          <p:nvPr>
+            <p:ph type="title"/>
+          </p:nvPr>
+        </p:nvSpPr>
+        <p:spPr/>
+        <p:txBody>
+          <a:bodyPr/>
+          <a:lstStyle/>
+          <a:p>
+            <a:endParaRPr lang="en-US"/>
+          </a:p>
+        </p:txBody>
+      </p:sp>
+      <p:sp>
+        <p:nvSpPr>
+          <p:cNvPr id="3" name="Content Placeholder 2">
+            <a:extLst>
+              <a:ext uri="{FF2B5EF4-FFF2-40B4-BE49-F238E27FC236}">
+                <a16:creationId xmlns:a16="http://schemas.microsoft.com/office/drawing/2014/main" id="{A90225F5-DB26-1453-055E-287891987DC6}"/>
+              </a:ext>
+            </a:extLst>
+          </p:cNvPr>
+          <p:cNvSpPr>
+            <a:spLocks noGrp="1"/>
+          </p:cNvSpPr>
+          <p:nvPr>
+            <p:ph idx="1"/>
+          </p:nvPr>
+        </p:nvSpPr>
+        <p:spPr/>
+        <p:txBody>
+          <a:bodyPr>
+            <a:normAutofit fontScale="62500" lnSpcReduction="20000"/>
+          </a:bodyPr>
+          <a:lstStyle/>
+          <a:p>
+            <a:r>
+              <a:rPr lang="en-US" dirty="0"/>
+              <a:t>Fig. 1, </a:t>
+            </a:r>
+            <a:r>
+              <a:rPr lang="en-US" dirty="0">
+                <a:hlinkClick r:id="rId2"/>
+              </a:rPr>
+              <a:t>https://www.car-2-car.org/fileadmin/_processed_/2/9/csm_Dangerous_Situation_Warning_010b9e61f5.jpg</a:t>
+            </a:r>
+            <a:endParaRPr lang="en-US" dirty="0"/>
+          </a:p>
+          <a:p>
+            <a:r>
+              <a:rPr lang="en-US" dirty="0"/>
+              <a:t>Fig. 2, </a:t>
+            </a:r>
+            <a:r>
+              <a:rPr lang="en-US" dirty="0">
+                <a:hlinkClick r:id="rId3"/>
+              </a:rPr>
+              <a:t>https://www.waze.com/website/assets/packs/media/images/og_rebrand/whatsapp-65b8f38489f59ff7ecf15b3655a320df.png</a:t>
+            </a:r>
+            <a:endParaRPr lang="en-US" dirty="0"/>
+          </a:p>
+          <a:p>
+            <a:r>
+              <a:rPr lang="en-US" dirty="0"/>
+              <a:t>Fig. 3, </a:t>
+            </a:r>
+            <a:r>
+              <a:rPr lang="en-US" dirty="0">
+                <a:hlinkClick r:id="rId4"/>
+              </a:rPr>
+              <a:t>https://www.researchgate.net/figure/C-ITS-System-Components_fig2_333254227</a:t>
+            </a:r>
+            <a:endParaRPr lang="en-US" dirty="0"/>
+          </a:p>
+          <a:p>
+            <a:r>
+              <a:rPr lang="en-US" dirty="0"/>
+              <a:t>Fig. 4, https://www.smfmotor.com/wp-content/uploads/2021/03/What-to-do-in-a-car-breakdown.jpg</a:t>
+            </a:r>
+          </a:p>
+          <a:p>
+            <a:r>
+              <a:rPr lang="en-US" dirty="0"/>
+              <a:t>Fig. 5-6, </a:t>
+            </a:r>
+            <a:r>
+              <a:rPr lang="en-US" dirty="0">
+                <a:hlinkClick r:id="rId5"/>
+              </a:rPr>
+              <a:t>https://www.bosch-mobility.com/en/solutions/control-units/zone-ecu/</a:t>
+            </a:r>
+            <a:endParaRPr lang="en-US" dirty="0"/>
+          </a:p>
+          <a:p>
+            <a:r>
+              <a:rPr lang="en-US" dirty="0"/>
+              <a:t>Fig. 7,</a:t>
+            </a:r>
+          </a:p>
+          <a:p>
+            <a:r>
+              <a:rPr lang="en-US" dirty="0"/>
+              <a:t>Fig. 8, </a:t>
+            </a:r>
+            <a:r>
+              <a:rPr lang="en-US" dirty="0">
+                <a:hlinkClick r:id="rId6"/>
+              </a:rPr>
+              <a:t>https://www.autopi.io/glossary/diagnostic-trouble-codes/</a:t>
+            </a:r>
+            <a:endParaRPr lang="en-US" dirty="0"/>
+          </a:p>
+          <a:p>
+            <a:r>
+              <a:rPr lang="en-US" dirty="0"/>
+              <a:t>Fig. 9, https://www.commsignia.com/wp-content/uploads/2020/11/hardware_002_transparent.png</a:t>
+            </a:r>
+          </a:p>
+          <a:p>
+            <a:r>
+              <a:rPr lang="en-US" dirty="0"/>
+              <a:t>Fig. 10, </a:t>
+            </a:r>
+            <a:r>
+              <a:rPr lang="en-US" dirty="0">
+                <a:hlinkClick r:id="rId7"/>
+              </a:rPr>
+              <a:t>https://www.commsignia.com/wp-content/uploads/2020/11/green_bg_obu_2021.jpg</a:t>
+            </a:r>
+            <a:endParaRPr lang="en-US" dirty="0"/>
+          </a:p>
+          <a:p>
+            <a:r>
+              <a:rPr lang="en-US" dirty="0"/>
+              <a:t>Fig. 11, </a:t>
+            </a:r>
+            <a:r>
+              <a:rPr lang="en-US" dirty="0">
+                <a:hlinkClick r:id="rId8"/>
+              </a:rPr>
+              <a:t>https://www.commsignia.com/wp-content/uploads/2020/11/obu_architecture_outlined.svg</a:t>
+            </a:r>
+            <a:endParaRPr lang="en-US" dirty="0"/>
+          </a:p>
+          <a:p>
+            <a:r>
+              <a:rPr lang="en-US" dirty="0"/>
+              <a:t>Fig. 12, </a:t>
+            </a:r>
+            <a:r>
+              <a:rPr lang="en-US" dirty="0">
+                <a:hlinkClick r:id="rId9"/>
+              </a:rPr>
+              <a:t>https://www.commsignia.com/wp-content/uploads/2020/11/green_bg_rsu.jpg</a:t>
+            </a:r>
+            <a:endParaRPr lang="en-US" dirty="0"/>
+          </a:p>
+          <a:p>
+            <a:r>
+              <a:rPr lang="en-US" dirty="0"/>
+              <a:t>Fig. 13, https://www.commsignia.com/wp-content/uploads/2020/11/rsu_architecture_outlined.svg</a:t>
+            </a:r>
+          </a:p>
+          <a:p>
+            <a:endParaRPr lang="en-US" dirty="0"/>
+          </a:p>
+          <a:p>
+            <a:endParaRPr lang="en-US" dirty="0"/>
+          </a:p>
+        </p:txBody>
+      </p:sp>
+      <p:sp>
+        <p:nvSpPr>
+          <p:cNvPr id="4" name="Footer Placeholder 3">
+            <a:extLst>
+              <a:ext uri="{FF2B5EF4-FFF2-40B4-BE49-F238E27FC236}">
+                <a16:creationId xmlns:a16="http://schemas.microsoft.com/office/drawing/2014/main" id="{93B93AA8-5126-5AD0-416A-C59D79F70EB8}"/>
+              </a:ext>
+            </a:extLst>
+          </p:cNvPr>
+          <p:cNvSpPr>
+            <a:spLocks noGrp="1"/>
+          </p:cNvSpPr>
+          <p:nvPr>
+            <p:ph type="ftr" sz="quarter" idx="11"/>
+          </p:nvPr>
+        </p:nvSpPr>
+        <p:spPr/>
+        <p:txBody>
+          <a:bodyPr/>
+          <a:lstStyle/>
+          <a:p>
+            <a:r>
+              <a:rPr lang="en-US"/>
+              <a:t>Fig. 1, Awarenees Driving</a:t>
+            </a:r>
+          </a:p>
+        </p:txBody>
+      </p:sp>
+    </p:spTree>
+    <p:extLst>
+      <p:ext uri="{BB962C8B-B14F-4D97-AF65-F5344CB8AC3E}">
+        <p14:creationId xmlns:p14="http://schemas.microsoft.com/office/powerpoint/2010/main" val="3427541568"/>
+      </p:ext>
+    </p:extLst>
+  </p:cSld>
+  <p:clrMapOvr>
+    <a:masterClrMapping/>
+  </p:clrMapOvr>
+</p:sld>
+</file>
+
 <file path=ppt/slides/slide3.xml><?xml version="1.0" encoding="utf-8"?>
 <p:sld xmlns:a="http://schemas.openxmlformats.org/drawingml/2006/main" xmlns:r="http://schemas.openxmlformats.org/officeDocument/2006/relationships" xmlns:p="http://schemas.openxmlformats.org/presentationml/2006/main">
   <p:cSld>
@@ -9099,6 +15189,807 @@
 </file>
 
 <file path=ppt/slides/slide4.xml><?xml version="1.0" encoding="utf-8"?>
+<p:sld xmlns:a="http://schemas.openxmlformats.org/drawingml/2006/main" xmlns:r="http://schemas.openxmlformats.org/officeDocument/2006/relationships" xmlns:p="http://schemas.openxmlformats.org/presentationml/2006/main">
+  <p:cSld>
+    <p:bg>
+      <p:bgPr>
+        <a:solidFill>
+          <a:schemeClr val="bg1"/>
+        </a:solidFill>
+        <a:effectLst/>
+      </p:bgPr>
+    </p:bg>
+    <p:spTree>
+      <p:nvGrpSpPr>
+        <p:cNvPr id="1" name="">
+          <a:extLst>
+            <a:ext uri="{FF2B5EF4-FFF2-40B4-BE49-F238E27FC236}">
+              <a16:creationId xmlns:a16="http://schemas.microsoft.com/office/drawing/2014/main" id="{D6DFCA29-DFCE-67E6-A2AE-62F2589A3CFA}"/>
+            </a:ext>
+          </a:extLst>
+        </p:cNvPr>
+        <p:cNvGrpSpPr/>
+        <p:nvPr/>
+      </p:nvGrpSpPr>
+      <p:grpSpPr>
+        <a:xfrm>
+          <a:off x="0" y="0"/>
+          <a:ext cx="0" cy="0"/>
+          <a:chOff x="0" y="0"/>
+          <a:chExt cx="0" cy="0"/>
+        </a:xfrm>
+      </p:grpSpPr>
+      <p:sp useBgFill="1">
+        <p:nvSpPr>
+          <p:cNvPr id="2066" name="Rectangle 2065">
+            <a:extLst>
+              <a:ext uri="{FF2B5EF4-FFF2-40B4-BE49-F238E27FC236}">
+                <a16:creationId xmlns:a16="http://schemas.microsoft.com/office/drawing/2014/main" id="{23E547B5-89CF-4EC0-96DE-25771AED0799}"/>
+              </a:ext>
+              <a:ext uri="{C183D7F6-B498-43B3-948B-1728B52AA6E4}">
+                <adec:decorative xmlns:adec="http://schemas.microsoft.com/office/drawing/2017/decorative" val="1"/>
+              </a:ext>
+            </a:extLst>
+          </p:cNvPr>
+          <p:cNvSpPr>
+            <a:spLocks noGrp="1" noRot="1" noChangeAspect="1" noMove="1" noResize="1" noEditPoints="1" noAdjustHandles="1" noChangeArrowheads="1" noChangeShapeType="1" noTextEdit="1"/>
+          </p:cNvSpPr>
+          <p:nvPr>
+            <p:extLst>
+              <p:ext uri="{386F3935-93C4-4BCD-93E2-E3B085C9AB24}">
+                <p16:designElem xmlns:p16="http://schemas.microsoft.com/office/powerpoint/2015/main" val="1"/>
+              </p:ext>
+            </p:extLst>
+          </p:nvPr>
+        </p:nvSpPr>
+        <p:spPr>
+          <a:xfrm>
+            <a:off x="0" y="0"/>
+            <a:ext cx="12192000" cy="6858000"/>
+          </a:xfrm>
+          <a:prstGeom prst="rect">
+            <a:avLst/>
+          </a:prstGeom>
+          <a:ln w="12700" cap="flat" cmpd="sng" algn="ctr">
+            <a:noFill/>
+            <a:prstDash val="solid"/>
+            <a:miter lim="800000"/>
+          </a:ln>
+          <a:effectLst/>
+          <a:extLst>
+            <a:ext uri="{91240B29-F687-4F45-9708-019B960494DF}">
+              <a14:hiddenLine xmlns:a14="http://schemas.microsoft.com/office/drawing/2010/main" w="12700" cap="flat" cmpd="sng" algn="ctr">
+                <a:solidFill>
+                  <a:schemeClr val="accent1">
+                    <a:shade val="50000"/>
+                  </a:schemeClr>
+                </a:solidFill>
+                <a:prstDash val="solid"/>
+                <a:miter lim="800000"/>
+              </a14:hiddenLine>
+            </a:ext>
+          </a:extLst>
+        </p:spPr>
+        <p:style>
+          <a:lnRef idx="2">
+            <a:schemeClr val="accent1">
+              <a:shade val="50000"/>
+            </a:schemeClr>
+          </a:lnRef>
+          <a:fillRef idx="1">
+            <a:schemeClr val="accent1"/>
+          </a:fillRef>
+          <a:effectRef idx="0">
+            <a:schemeClr val="accent1"/>
+          </a:effectRef>
+          <a:fontRef idx="minor">
+            <a:schemeClr val="lt1"/>
+          </a:fontRef>
+        </p:style>
+        <p:txBody>
+          <a:bodyPr rtlCol="0" anchor="ctr"/>
+          <a:lstStyle/>
+          <a:p>
+            <a:pPr algn="ctr"/>
+            <a:endParaRPr lang="en-US"/>
+          </a:p>
+        </p:txBody>
+      </p:sp>
+      <p:sp>
+        <p:nvSpPr>
+          <p:cNvPr id="2068" name="Rectangle 2067">
+            <a:extLst>
+              <a:ext uri="{FF2B5EF4-FFF2-40B4-BE49-F238E27FC236}">
+                <a16:creationId xmlns:a16="http://schemas.microsoft.com/office/drawing/2014/main" id="{3F0B8CEB-8279-4E5E-A0CE-1FC9F71736F2}"/>
+              </a:ext>
+              <a:ext uri="{C183D7F6-B498-43B3-948B-1728B52AA6E4}">
+                <adec:decorative xmlns:adec="http://schemas.microsoft.com/office/drawing/2017/decorative" val="1"/>
+              </a:ext>
+            </a:extLst>
+          </p:cNvPr>
+          <p:cNvSpPr>
+            <a:spLocks noGrp="1" noRot="1" noChangeAspect="1" noMove="1" noResize="1" noEditPoints="1" noAdjustHandles="1" noChangeArrowheads="1" noChangeShapeType="1" noTextEdit="1"/>
+          </p:cNvSpPr>
+          <p:nvPr>
+            <p:extLst>
+              <p:ext uri="{386F3935-93C4-4BCD-93E2-E3B085C9AB24}">
+                <p16:designElem xmlns:p16="http://schemas.microsoft.com/office/powerpoint/2015/main" val="1"/>
+              </p:ext>
+            </p:extLst>
+          </p:nvPr>
+        </p:nvSpPr>
+        <p:spPr>
+          <a:xfrm>
+            <a:off x="4770782" y="0"/>
+            <a:ext cx="7421217" cy="6857999"/>
+          </a:xfrm>
+          <a:prstGeom prst="rect">
+            <a:avLst/>
+          </a:prstGeom>
+          <a:solidFill>
+            <a:srgbClr val="82766A">
+              <a:alpha val="15000"/>
+            </a:srgbClr>
+          </a:solidFill>
+          <a:ln>
+            <a:noFill/>
+          </a:ln>
+        </p:spPr>
+        <p:style>
+          <a:lnRef idx="2">
+            <a:schemeClr val="accent1">
+              <a:shade val="50000"/>
+            </a:schemeClr>
+          </a:lnRef>
+          <a:fillRef idx="1">
+            <a:schemeClr val="accent1"/>
+          </a:fillRef>
+          <a:effectRef idx="0">
+            <a:schemeClr val="accent1"/>
+          </a:effectRef>
+          <a:fontRef idx="minor">
+            <a:schemeClr val="lt1"/>
+          </a:fontRef>
+        </p:style>
+        <p:txBody>
+          <a:bodyPr rtlCol="0" anchor="ctr"/>
+          <a:lstStyle/>
+          <a:p>
+            <a:pPr algn="ctr"/>
+            <a:endParaRPr lang="en-US"/>
+          </a:p>
+        </p:txBody>
+      </p:sp>
+      <p:sp>
+        <p:nvSpPr>
+          <p:cNvPr id="4" name="Title 1">
+            <a:extLst>
+              <a:ext uri="{FF2B5EF4-FFF2-40B4-BE49-F238E27FC236}">
+                <a16:creationId xmlns:a16="http://schemas.microsoft.com/office/drawing/2014/main" id="{5C9B9588-543A-1EC3-0F9D-E6B14B28734C}"/>
+              </a:ext>
+            </a:extLst>
+          </p:cNvPr>
+          <p:cNvSpPr txBox="1">
+            <a:spLocks/>
+          </p:cNvSpPr>
+          <p:nvPr/>
+        </p:nvSpPr>
+        <p:spPr>
+          <a:xfrm>
+            <a:off x="7320466" y="609600"/>
+            <a:ext cx="4140014" cy="1330839"/>
+          </a:xfrm>
+          <a:prstGeom prst="rect">
+            <a:avLst/>
+          </a:prstGeom>
+        </p:spPr>
+        <p:txBody>
+          <a:bodyPr vert="horz" lIns="91440" tIns="45720" rIns="91440" bIns="45720" rtlCol="0" anchor="ctr">
+            <a:normAutofit/>
+          </a:bodyPr>
+          <a:lstStyle>
+            <a:lvl1pPr algn="l" defTabSz="914400" rtl="0" eaLnBrk="1" latinLnBrk="0" hangingPunct="1">
+              <a:lnSpc>
+                <a:spcPct val="90000"/>
+              </a:lnSpc>
+              <a:spcBef>
+                <a:spcPct val="0"/>
+              </a:spcBef>
+              <a:buNone/>
+              <a:defRPr sz="4400" kern="1200">
+                <a:solidFill>
+                  <a:schemeClr val="tx1"/>
+                </a:solidFill>
+                <a:latin typeface="+mj-lt"/>
+                <a:ea typeface="+mj-ea"/>
+                <a:cs typeface="+mj-cs"/>
+              </a:defRPr>
+            </a:lvl1pPr>
+          </a:lstStyle>
+          <a:p>
+            <a:pPr>
+              <a:spcAft>
+                <a:spcPts val="750"/>
+              </a:spcAft>
+            </a:pPr>
+            <a:r>
+              <a:rPr lang="en-US" b="1" i="0" u="none" strike="noStrike">
+                <a:effectLst/>
+              </a:rPr>
+              <a:t>HLN – SV Scenario</a:t>
+            </a:r>
+          </a:p>
+        </p:txBody>
+      </p:sp>
+      <p:pic>
+        <p:nvPicPr>
+          <p:cNvPr id="2" name="Picture 2" descr="Five Things You Need To Do If Your Car Breaks Down | SMF Motor">
+            <a:extLst>
+              <a:ext uri="{FF2B5EF4-FFF2-40B4-BE49-F238E27FC236}">
+                <a16:creationId xmlns:a16="http://schemas.microsoft.com/office/drawing/2014/main" id="{34EEC0EE-FE13-BAFB-32B6-A43B8D70E052}"/>
+              </a:ext>
+            </a:extLst>
+          </p:cNvPr>
+          <p:cNvPicPr>
+            <a:picLocks noChangeAspect="1" noChangeArrowheads="1"/>
+          </p:cNvPicPr>
+          <p:nvPr/>
+        </p:nvPicPr>
+        <p:blipFill>
+          <a:blip r:embed="rId2">
+            <a:extLst>
+              <a:ext uri="{28A0092B-C50C-407E-A947-70E740481C1C}">
+                <a14:useLocalDpi xmlns:a14="http://schemas.microsoft.com/office/drawing/2010/main" val="0"/>
+              </a:ext>
+            </a:extLst>
+          </a:blip>
+          <a:srcRect l="25049" r="7775" b="-1"/>
+          <a:stretch/>
+        </p:blipFill>
+        <p:spPr bwMode="auto">
+          <a:xfrm>
+            <a:off x="20" y="10"/>
+            <a:ext cx="6901711" cy="6857990"/>
+          </a:xfrm>
+          <a:custGeom>
+            <a:avLst/>
+            <a:gdLst/>
+            <a:ahLst/>
+            <a:cxnLst/>
+            <a:rect l="l" t="t" r="r" b="b"/>
+            <a:pathLst>
+              <a:path w="6901731" h="6858000">
+                <a:moveTo>
+                  <a:pt x="0" y="0"/>
+                </a:moveTo>
+                <a:lnTo>
+                  <a:pt x="6897896" y="5958"/>
+                </a:lnTo>
+                <a:lnTo>
+                  <a:pt x="6866823" y="62592"/>
+                </a:lnTo>
+                <a:lnTo>
+                  <a:pt x="6901731" y="89476"/>
+                </a:lnTo>
+                <a:lnTo>
+                  <a:pt x="6901731" y="103833"/>
+                </a:lnTo>
+                <a:lnTo>
+                  <a:pt x="6900034" y="110092"/>
+                </a:lnTo>
+                <a:lnTo>
+                  <a:pt x="6901731" y="113679"/>
+                </a:lnTo>
+                <a:lnTo>
+                  <a:pt x="6901731" y="405560"/>
+                </a:lnTo>
+                <a:lnTo>
+                  <a:pt x="6900456" y="429509"/>
+                </a:lnTo>
+                <a:cubicBezTo>
+                  <a:pt x="6892773" y="535647"/>
+                  <a:pt x="6878314" y="537918"/>
+                  <a:pt x="6886342" y="636808"/>
+                </a:cubicBezTo>
+                <a:cubicBezTo>
+                  <a:pt x="6892506" y="756883"/>
+                  <a:pt x="6864504" y="771443"/>
+                  <a:pt x="6851784" y="839073"/>
+                </a:cubicBezTo>
+                <a:cubicBezTo>
+                  <a:pt x="6838675" y="892655"/>
+                  <a:pt x="6864124" y="961738"/>
+                  <a:pt x="6845760" y="994930"/>
+                </a:cubicBezTo>
+                <a:cubicBezTo>
+                  <a:pt x="6833572" y="1024166"/>
+                  <a:pt x="6859282" y="1058905"/>
+                  <a:pt x="6845601" y="1112932"/>
+                </a:cubicBezTo>
+                <a:cubicBezTo>
+                  <a:pt x="6838700" y="1149910"/>
+                  <a:pt x="6829138" y="1151035"/>
+                  <a:pt x="6820235" y="1187433"/>
+                </a:cubicBezTo>
+                <a:cubicBezTo>
+                  <a:pt x="6815504" y="1196464"/>
+                  <a:pt x="6777707" y="1338549"/>
+                  <a:pt x="6759643" y="1337010"/>
+                </a:cubicBezTo>
+                <a:cubicBezTo>
+                  <a:pt x="6737660" y="1337296"/>
+                  <a:pt x="6760650" y="1396341"/>
+                  <a:pt x="6736375" y="1382272"/>
+                </a:cubicBezTo>
+                <a:cubicBezTo>
+                  <a:pt x="6755741" y="1415836"/>
+                  <a:pt x="6714675" y="1414567"/>
+                  <a:pt x="6701292" y="1432111"/>
+                </a:cubicBezTo>
+                <a:cubicBezTo>
+                  <a:pt x="6721110" y="1460185"/>
+                  <a:pt x="6692106" y="1490815"/>
+                  <a:pt x="6686578" y="1518624"/>
+                </a:cubicBezTo>
+                <a:cubicBezTo>
+                  <a:pt x="6682512" y="1567002"/>
+                  <a:pt x="6679579" y="1571443"/>
+                  <a:pt x="6670824" y="1607743"/>
+                </a:cubicBezTo>
+                <a:cubicBezTo>
+                  <a:pt x="6671133" y="1629590"/>
+                  <a:pt x="6663161" y="1656870"/>
+                  <a:pt x="6664392" y="1696405"/>
+                </a:cubicBezTo>
+                <a:cubicBezTo>
+                  <a:pt x="6655686" y="1770486"/>
+                  <a:pt x="6641938" y="1757082"/>
+                  <a:pt x="6642880" y="1812372"/>
+                </a:cubicBezTo>
+                <a:cubicBezTo>
+                  <a:pt x="6638579" y="1872475"/>
+                  <a:pt x="6619231" y="1825476"/>
+                  <a:pt x="6612547" y="1876437"/>
+                </a:cubicBezTo>
+                <a:cubicBezTo>
+                  <a:pt x="6600695" y="1913834"/>
+                  <a:pt x="6591061" y="1923231"/>
+                  <a:pt x="6571760" y="1953331"/>
+                </a:cubicBezTo>
+                <a:cubicBezTo>
+                  <a:pt x="6561039" y="1989021"/>
+                  <a:pt x="6544090" y="2087896"/>
+                  <a:pt x="6520213" y="2096455"/>
+                </a:cubicBezTo>
+                <a:lnTo>
+                  <a:pt x="6492461" y="2188148"/>
+                </a:lnTo>
+                <a:cubicBezTo>
+                  <a:pt x="6504372" y="2211333"/>
+                  <a:pt x="6489131" y="2253220"/>
+                  <a:pt x="6471854" y="2259117"/>
+                </a:cubicBezTo>
+                <a:cubicBezTo>
+                  <a:pt x="6466151" y="2287829"/>
+                  <a:pt x="6440452" y="2301346"/>
+                  <a:pt x="6439832" y="2328334"/>
+                </a:cubicBezTo>
+                <a:cubicBezTo>
+                  <a:pt x="6431013" y="2351201"/>
+                  <a:pt x="6444250" y="2396409"/>
+                  <a:pt x="6425162" y="2408211"/>
+                </a:cubicBezTo>
+                <a:lnTo>
+                  <a:pt x="6417221" y="2427382"/>
+                </a:lnTo>
+                <a:lnTo>
+                  <a:pt x="6425030" y="2464387"/>
+                </a:lnTo>
+                <a:lnTo>
+                  <a:pt x="6406293" y="2472223"/>
+                </a:lnTo>
+                <a:cubicBezTo>
+                  <a:pt x="6406862" y="2477277"/>
+                  <a:pt x="6406486" y="2491723"/>
+                  <a:pt x="6405400" y="2493547"/>
+                </a:cubicBezTo>
+                <a:lnTo>
+                  <a:pt x="6374829" y="2532070"/>
+                </a:lnTo>
+                <a:cubicBezTo>
+                  <a:pt x="6374597" y="2545374"/>
+                  <a:pt x="6360976" y="2563797"/>
+                  <a:pt x="6350864" y="2577422"/>
+                </a:cubicBezTo>
+                <a:cubicBezTo>
+                  <a:pt x="6327056" y="2632768"/>
+                  <a:pt x="6341262" y="2616275"/>
+                  <a:pt x="6329174" y="2663854"/>
+                </a:cubicBezTo>
+                <a:cubicBezTo>
+                  <a:pt x="6326303" y="2703642"/>
+                  <a:pt x="6332854" y="2709643"/>
+                  <a:pt x="6315095" y="2741507"/>
+                </a:cubicBezTo>
+                <a:cubicBezTo>
+                  <a:pt x="6319921" y="2740191"/>
+                  <a:pt x="6321925" y="2742004"/>
+                  <a:pt x="6322463" y="2745641"/>
+                </a:cubicBezTo>
+                <a:cubicBezTo>
+                  <a:pt x="6322245" y="2747982"/>
+                  <a:pt x="6322027" y="2750323"/>
+                  <a:pt x="6321808" y="2752663"/>
+                </a:cubicBezTo>
+                <a:lnTo>
+                  <a:pt x="6314569" y="2756718"/>
+                </a:lnTo>
+                <a:cubicBezTo>
+                  <a:pt x="6289324" y="2773686"/>
+                  <a:pt x="6317551" y="2780051"/>
+                  <a:pt x="6315211" y="2811618"/>
+                </a:cubicBezTo>
+                <a:cubicBezTo>
+                  <a:pt x="6315620" y="2826627"/>
+                  <a:pt x="6296047" y="2885298"/>
+                  <a:pt x="6302211" y="2882314"/>
+                </a:cubicBezTo>
+                <a:lnTo>
+                  <a:pt x="6286167" y="2949597"/>
+                </a:lnTo>
+                <a:cubicBezTo>
+                  <a:pt x="6286401" y="2994618"/>
+                  <a:pt x="6286615" y="2971464"/>
+                  <a:pt x="6287037" y="3008578"/>
+                </a:cubicBezTo>
+                <a:cubicBezTo>
+                  <a:pt x="6293795" y="3029535"/>
+                  <a:pt x="6274405" y="3114154"/>
+                  <a:pt x="6259150" y="3123139"/>
+                </a:cubicBezTo>
+                <a:cubicBezTo>
+                  <a:pt x="6250085" y="3189063"/>
+                  <a:pt x="6269067" y="3151280"/>
+                  <a:pt x="6272249" y="3227854"/>
+                </a:cubicBezTo>
+                <a:cubicBezTo>
+                  <a:pt x="6278775" y="3295842"/>
+                  <a:pt x="6289216" y="3303765"/>
+                  <a:pt x="6292288" y="3378383"/>
+                </a:cubicBezTo>
+                <a:cubicBezTo>
+                  <a:pt x="6303894" y="3395995"/>
+                  <a:pt x="6287498" y="3432581"/>
+                  <a:pt x="6288328" y="3459618"/>
+                </a:cubicBezTo>
+                <a:cubicBezTo>
+                  <a:pt x="6289158" y="3486653"/>
+                  <a:pt x="6299937" y="3538735"/>
+                  <a:pt x="6297272" y="3540603"/>
+                </a:cubicBezTo>
+                <a:cubicBezTo>
+                  <a:pt x="6296849" y="3577379"/>
+                  <a:pt x="6294184" y="3587943"/>
+                  <a:pt x="6291001" y="3638374"/>
+                </a:cubicBezTo>
+                <a:cubicBezTo>
+                  <a:pt x="6283026" y="3666794"/>
+                  <a:pt x="6265833" y="3731744"/>
+                  <a:pt x="6283592" y="3763609"/>
+                </a:cubicBezTo>
+                <a:cubicBezTo>
+                  <a:pt x="6264286" y="3758340"/>
+                  <a:pt x="6290177" y="3803150"/>
+                  <a:pt x="6274068" y="3814506"/>
+                </a:cubicBezTo>
+                <a:cubicBezTo>
+                  <a:pt x="6260645" y="3821643"/>
+                  <a:pt x="6265372" y="3836902"/>
+                  <a:pt x="6262850" y="3850454"/>
+                </a:cubicBezTo>
+                <a:cubicBezTo>
+                  <a:pt x="6250418" y="3863479"/>
+                  <a:pt x="6250660" y="3955243"/>
+                  <a:pt x="6257357" y="3975474"/>
+                </a:cubicBezTo>
+                <a:cubicBezTo>
+                  <a:pt x="6245091" y="4036737"/>
+                  <a:pt x="6237535" y="4029237"/>
+                  <a:pt x="6257889" y="4073155"/>
+                </a:cubicBezTo>
+                <a:cubicBezTo>
+                  <a:pt x="6259272" y="4085906"/>
+                  <a:pt x="6239882" y="4116397"/>
+                  <a:pt x="6237441" y="4126638"/>
+                </a:cubicBezTo>
+                <a:lnTo>
+                  <a:pt x="6245587" y="4172738"/>
+                </a:lnTo>
+                <a:lnTo>
+                  <a:pt x="6235772" y="4176721"/>
+                </a:lnTo>
+                <a:lnTo>
+                  <a:pt x="6233287" y="4195136"/>
+                </a:lnTo>
+                <a:lnTo>
+                  <a:pt x="6234619" y="4280850"/>
+                </a:lnTo>
+                <a:cubicBezTo>
+                  <a:pt x="6239453" y="4320763"/>
+                  <a:pt x="6223309" y="4337596"/>
+                  <a:pt x="6219318" y="4402526"/>
+                </a:cubicBezTo>
+                <a:cubicBezTo>
+                  <a:pt x="6205466" y="4516209"/>
+                  <a:pt x="6216183" y="4588729"/>
+                  <a:pt x="6216810" y="4651172"/>
+                </a:cubicBezTo>
+                <a:cubicBezTo>
+                  <a:pt x="6217673" y="4756959"/>
+                  <a:pt x="6228654" y="4824005"/>
+                  <a:pt x="6225945" y="4916779"/>
+                </a:cubicBezTo>
+                <a:cubicBezTo>
+                  <a:pt x="6217032" y="4993010"/>
+                  <a:pt x="6264271" y="4984591"/>
+                  <a:pt x="6230174" y="5051379"/>
+                </a:cubicBezTo>
+                <a:cubicBezTo>
+                  <a:pt x="6235713" y="5056951"/>
+                  <a:pt x="6239420" y="5163714"/>
+                  <a:pt x="6242600" y="5170879"/>
+                </a:cubicBezTo>
+                <a:lnTo>
+                  <a:pt x="6235996" y="5216428"/>
+                </a:lnTo>
+                <a:lnTo>
+                  <a:pt x="6214638" y="5285298"/>
+                </a:lnTo>
+                <a:cubicBezTo>
+                  <a:pt x="6211392" y="5297492"/>
+                  <a:pt x="6225576" y="5312063"/>
+                  <a:pt x="6228432" y="5317696"/>
+                </a:cubicBezTo>
+                <a:lnTo>
+                  <a:pt x="6246496" y="5398787"/>
+                </a:lnTo>
+                <a:lnTo>
+                  <a:pt x="6244793" y="5399530"/>
+                </a:lnTo>
+                <a:lnTo>
+                  <a:pt x="6241695" y="5406948"/>
+                </a:lnTo>
+                <a:lnTo>
+                  <a:pt x="6267461" y="5499413"/>
+                </a:lnTo>
+                <a:cubicBezTo>
+                  <a:pt x="6285387" y="5533848"/>
+                  <a:pt x="6284888" y="5550029"/>
+                  <a:pt x="6295987" y="5582659"/>
+                </a:cubicBezTo>
+                <a:cubicBezTo>
+                  <a:pt x="6311253" y="5681724"/>
+                  <a:pt x="6295439" y="5695558"/>
+                  <a:pt x="6364803" y="5784263"/>
+                </a:cubicBezTo>
+                <a:cubicBezTo>
+                  <a:pt x="6379348" y="5818651"/>
+                  <a:pt x="6412475" y="5906802"/>
+                  <a:pt x="6423050" y="5922637"/>
+                </a:cubicBezTo>
+                <a:cubicBezTo>
+                  <a:pt x="6445210" y="5973612"/>
+                  <a:pt x="6468179" y="6023873"/>
+                  <a:pt x="6497767" y="6090108"/>
+                </a:cubicBezTo>
+                <a:cubicBezTo>
+                  <a:pt x="6571895" y="6150548"/>
+                  <a:pt x="6572491" y="6236583"/>
+                  <a:pt x="6606710" y="6281543"/>
+                </a:cubicBezTo>
+                <a:cubicBezTo>
+                  <a:pt x="6633675" y="6335892"/>
+                  <a:pt x="6654357" y="6388782"/>
+                  <a:pt x="6667540" y="6443715"/>
+                </a:cubicBezTo>
+                <a:cubicBezTo>
+                  <a:pt x="6685192" y="6466826"/>
+                  <a:pt x="6650500" y="6508701"/>
+                  <a:pt x="6659722" y="6550105"/>
+                </a:cubicBezTo>
+                <a:cubicBezTo>
+                  <a:pt x="6665926" y="6645044"/>
+                  <a:pt x="6669126" y="6627536"/>
+                  <a:pt x="6671805" y="6687397"/>
+                </a:cubicBezTo>
+                <a:cubicBezTo>
+                  <a:pt x="6682671" y="6733683"/>
+                  <a:pt x="6665210" y="6772117"/>
+                  <a:pt x="6669658" y="6806602"/>
+                </a:cubicBezTo>
+                <a:cubicBezTo>
+                  <a:pt x="6661174" y="6812658"/>
+                  <a:pt x="6667097" y="6831470"/>
+                  <a:pt x="6675783" y="6850325"/>
+                </a:cubicBezTo>
+                <a:lnTo>
+                  <a:pt x="6679704" y="6858000"/>
+                </a:lnTo>
+                <a:lnTo>
+                  <a:pt x="4532241" y="6858000"/>
+                </a:lnTo>
+                <a:lnTo>
+                  <a:pt x="1208596" y="6858000"/>
+                </a:lnTo>
+                <a:lnTo>
+                  <a:pt x="0" y="6858000"/>
+                </a:lnTo>
+                <a:close/>
+              </a:path>
+            </a:pathLst>
+          </a:custGeom>
+          <a:noFill/>
+          <a:extLst>
+            <a:ext uri="{909E8E84-426E-40DD-AFC4-6F175D3DCCD1}">
+              <a14:hiddenFill xmlns:a14="http://schemas.microsoft.com/office/drawing/2010/main">
+                <a:solidFill>
+                  <a:srgbClr val="FFFFFF"/>
+                </a:solidFill>
+              </a14:hiddenFill>
+            </a:ext>
+          </a:extLst>
+        </p:spPr>
+      </p:pic>
+      <p:sp>
+        <p:nvSpPr>
+          <p:cNvPr id="3" name="Content Placeholder 2">
+            <a:extLst>
+              <a:ext uri="{FF2B5EF4-FFF2-40B4-BE49-F238E27FC236}">
+                <a16:creationId xmlns:a16="http://schemas.microsoft.com/office/drawing/2014/main" id="{51022C6E-0467-5860-6AA8-AC938AC40309}"/>
+              </a:ext>
+            </a:extLst>
+          </p:cNvPr>
+          <p:cNvSpPr>
+            <a:spLocks noGrp="1"/>
+          </p:cNvSpPr>
+          <p:nvPr>
+            <p:ph idx="1"/>
+          </p:nvPr>
+        </p:nvSpPr>
+        <p:spPr>
+          <a:xfrm>
+            <a:off x="7320465" y="2194102"/>
+            <a:ext cx="4140013" cy="3908586"/>
+          </a:xfrm>
+        </p:spPr>
+        <p:txBody>
+          <a:bodyPr vert="horz" lIns="91440" tIns="45720" rIns="91440" bIns="45720" rtlCol="0">
+            <a:normAutofit lnSpcReduction="10000"/>
+          </a:bodyPr>
+          <a:lstStyle/>
+          <a:p>
+            <a:r>
+              <a:rPr lang="en-US" sz="2000" b="1" i="0" dirty="0">
+                <a:effectLst/>
+              </a:rPr>
+              <a:t>Hazardous Locations Notification – Stationary Vehicle:</a:t>
+            </a:r>
+            <a:r>
+              <a:rPr lang="en-US" sz="2000" b="0" i="0" dirty="0">
+                <a:effectLst/>
+              </a:rPr>
+              <a:t> describes the use case of a broken-down car in the road.</a:t>
+            </a:r>
+          </a:p>
+          <a:p>
+            <a:r>
+              <a:rPr lang="en-US" sz="2000" b="1" dirty="0"/>
+              <a:t>DENM (Decentralized Environmental Notification Message): </a:t>
+            </a:r>
+            <a:r>
+              <a:rPr lang="en-US" sz="2000" dirty="0"/>
+              <a:t>used to inform the infrastructure and alert vehicles.</a:t>
+            </a:r>
+            <a:r>
+              <a:rPr lang="en-US" sz="2000" b="0" i="0" dirty="0">
+                <a:effectLst/>
+              </a:rPr>
+              <a:t> </a:t>
+            </a:r>
+          </a:p>
+          <a:p>
+            <a:endParaRPr lang="en-US" sz="2000" dirty="0"/>
+          </a:p>
+          <a:p>
+            <a:r>
+              <a:rPr lang="en-US" sz="2000" dirty="0"/>
+              <a:t>Vehicle components in cooperation with a C-ITS OBU (Onboard Unit) notify nearby vehicles and RSUs (Roadside Unit) of the situation</a:t>
+            </a:r>
+          </a:p>
+        </p:txBody>
+      </p:sp>
+      <p:sp>
+        <p:nvSpPr>
+          <p:cNvPr id="8" name="Footer Placeholder 5">
+            <a:extLst>
+              <a:ext uri="{FF2B5EF4-FFF2-40B4-BE49-F238E27FC236}">
+                <a16:creationId xmlns:a16="http://schemas.microsoft.com/office/drawing/2014/main" id="{0552A7F3-458D-4FEA-DDD5-539E5E2B7B1D}"/>
+              </a:ext>
+            </a:extLst>
+          </p:cNvPr>
+          <p:cNvSpPr>
+            <a:spLocks noGrp="1"/>
+          </p:cNvSpPr>
+          <p:nvPr>
+            <p:ph type="ftr" sz="quarter" idx="11"/>
+          </p:nvPr>
+        </p:nvSpPr>
+        <p:spPr>
+          <a:xfrm>
+            <a:off x="3812366" y="6546397"/>
+            <a:ext cx="4114800" cy="365125"/>
+          </a:xfrm>
+        </p:spPr>
+        <p:txBody>
+          <a:bodyPr vert="horz" lIns="91440" tIns="45720" rIns="91440" bIns="45720" rtlCol="0" anchor="ctr">
+            <a:normAutofit/>
+          </a:bodyPr>
+          <a:lstStyle/>
+          <a:p>
+            <a:pPr>
+              <a:spcAft>
+                <a:spcPts val="600"/>
+              </a:spcAft>
+              <a:defRPr/>
+            </a:pPr>
+            <a:r>
+              <a:rPr lang="en-US" sz="1000" kern="1200" dirty="0">
+                <a:solidFill>
+                  <a:srgbClr val="FFFFFF"/>
+                </a:solidFill>
+                <a:latin typeface="Calibri" panose="020F0502020204030204"/>
+                <a:ea typeface="+mn-ea"/>
+                <a:cs typeface="+mn-cs"/>
+              </a:rPr>
+              <a:t>Fig. </a:t>
+            </a:r>
+            <a:r>
+              <a:rPr lang="en-US" sz="1000" dirty="0">
+                <a:solidFill>
+                  <a:srgbClr val="FFFFFF"/>
+                </a:solidFill>
+                <a:latin typeface="Calibri" panose="020F0502020204030204"/>
+              </a:rPr>
+              <a:t>4</a:t>
+            </a:r>
+            <a:r>
+              <a:rPr lang="en-US" sz="1000" kern="1200" dirty="0">
+                <a:solidFill>
+                  <a:srgbClr val="FFFFFF"/>
+                </a:solidFill>
+                <a:latin typeface="Calibri" panose="020F0502020204030204"/>
+                <a:ea typeface="+mn-ea"/>
+                <a:cs typeface="+mn-cs"/>
+              </a:rPr>
+              <a:t>, Broken-down vehicle</a:t>
+            </a:r>
+          </a:p>
+        </p:txBody>
+      </p:sp>
+    </p:spTree>
+    <p:extLst>
+      <p:ext uri="{BB962C8B-B14F-4D97-AF65-F5344CB8AC3E}">
+        <p14:creationId xmlns:p14="http://schemas.microsoft.com/office/powerpoint/2010/main" val="2813092645"/>
+      </p:ext>
+    </p:extLst>
+  </p:cSld>
+  <p:clrMapOvr>
+    <a:masterClrMapping/>
+  </p:clrMapOvr>
+</p:sld>
+</file>
+
+<file path=ppt/slides/slide5.xml><?xml version="1.0" encoding="utf-8"?>
 <p:sld xmlns:a="http://schemas.openxmlformats.org/drawingml/2006/main" xmlns:r="http://schemas.openxmlformats.org/officeDocument/2006/relationships" xmlns:p="http://schemas.openxmlformats.org/presentationml/2006/main">
   <p:cSld>
     <p:bg>
@@ -9904,7 +16795,19 @@
                 <a:ea typeface="+mn-ea"/>
                 <a:cs typeface="+mn-cs"/>
               </a:rPr>
-              <a:t>Fig. 4-5, New Zonal level.</a:t>
+              <a:t>Fig. </a:t>
+            </a:r>
+            <a:r>
+              <a:rPr lang="en-US" dirty="0"/>
+              <a:t>5-6</a:t>
+            </a:r>
+            <a:r>
+              <a:rPr lang="en-US" kern="1200" dirty="0">
+                <a:latin typeface="+mn-lt"/>
+                <a:ea typeface="+mn-ea"/>
+                <a:cs typeface="+mn-cs"/>
+              </a:rPr>
+              <a:t>, New Zonal level.</a:t>
             </a:r>
           </a:p>
         </p:txBody>
@@ -9922,7 +16825,7 @@
 </p:sld>
 </file>
 
-<file path=ppt/slides/slide5.xml><?xml version="1.0" encoding="utf-8"?>
+<file path=ppt/slides/slide6.xml><?xml version="1.0" encoding="utf-8"?>
 <p:sld xmlns:a="http://schemas.openxmlformats.org/drawingml/2006/main" xmlns:r="http://schemas.openxmlformats.org/officeDocument/2006/relationships" xmlns:p="http://schemas.openxmlformats.org/presentationml/2006/main">
   <p:cSld>
     <p:spTree>
@@ -10132,7 +17035,7 @@
                 <a:ea typeface="+mn-ea"/>
                 <a:cs typeface="+mn-cs"/>
               </a:rPr>
-              <a:t>Fig. 6, New Zonal level.</a:t>
+              <a:t>Fig. 7, New Zonal level.</a:t>
             </a:r>
           </a:p>
         </p:txBody>
@@ -10150,7 +17053,7 @@
 </p:sld>
 </file>
 
-<file path=ppt/slides/slide6.xml><?xml version="1.0" encoding="utf-8"?>
+<file path=ppt/slides/slide7.xml><?xml version="1.0" encoding="utf-8"?>
 <p:sld xmlns:a="http://schemas.openxmlformats.org/drawingml/2006/main" xmlns:r="http://schemas.openxmlformats.org/officeDocument/2006/relationships" xmlns:p="http://schemas.openxmlformats.org/presentationml/2006/main">
   <p:cSld>
     <p:bg>
@@ -10725,7 +17628,7 @@
 </p:sld>
 </file>
 
-<file path=ppt/slides/slide7.xml><?xml version="1.0" encoding="utf-8"?>
+<file path=ppt/slides/slide8.xml><?xml version="1.0" encoding="utf-8"?>
 <p:sld xmlns:a="http://schemas.openxmlformats.org/drawingml/2006/main" xmlns:r="http://schemas.openxmlformats.org/officeDocument/2006/relationships" xmlns:p="http://schemas.openxmlformats.org/presentationml/2006/main">
   <p:cSld>
     <p:bg>
@@ -11246,7 +18149,7 @@
 </p:sld>
 </file>
 
-<file path=ppt/slides/slide8.xml><?xml version="1.0" encoding="utf-8"?>
+<file path=ppt/slides/slide9.xml><?xml version="1.0" encoding="utf-8"?>
 <p:sld xmlns:a="http://schemas.openxmlformats.org/drawingml/2006/main" xmlns:r="http://schemas.openxmlformats.org/officeDocument/2006/relationships" xmlns:p="http://schemas.openxmlformats.org/presentationml/2006/main">
   <p:cSld>
     <p:bg>
@@ -11818,602 +18721,6 @@
     <p:extLst>
       <p:ext uri="{BB962C8B-B14F-4D97-AF65-F5344CB8AC3E}">
         <p14:creationId xmlns:p14="http://schemas.microsoft.com/office/powerpoint/2010/main" val="1569925214"/>
-      </p:ext>
-    </p:extLst>
-  </p:cSld>
-  <p:clrMapOvr>
-    <a:masterClrMapping/>
-  </p:clrMapOvr>
-</p:sld>
-</file>
-
-<file path=ppt/slides/slide9.xml><?xml version="1.0" encoding="utf-8"?>
-<p:sld xmlns:a="http://schemas.openxmlformats.org/drawingml/2006/main" xmlns:r="http://schemas.openxmlformats.org/officeDocument/2006/relationships" xmlns:p="http://schemas.openxmlformats.org/presentationml/2006/main">
-  <p:cSld>
-    <p:bg>
-      <p:bgPr>
-        <a:solidFill>
-          <a:schemeClr val="bg1"/>
-        </a:solidFill>
-        <a:effectLst/>
-      </p:bgPr>
-    </p:bg>
-    <p:spTree>
-      <p:nvGrpSpPr>
-        <p:cNvPr id="1" name="">
-          <a:extLst>
-            <a:ext uri="{FF2B5EF4-FFF2-40B4-BE49-F238E27FC236}">
-              <a16:creationId xmlns:a16="http://schemas.microsoft.com/office/drawing/2014/main" id="{D13F421F-1AF5-B220-D3AE-32282CAA8409}"/>
-            </a:ext>
-          </a:extLst>
-        </p:cNvPr>
-        <p:cNvGrpSpPr/>
-        <p:nvPr/>
-      </p:nvGrpSpPr>
-      <p:grpSpPr>
-        <a:xfrm>
-          <a:off x="0" y="0"/>
-          <a:ext cx="0" cy="0"/>
-          <a:chOff x="0" y="0"/>
-          <a:chExt cx="0" cy="0"/>
-        </a:xfrm>
-      </p:grpSpPr>
-      <p:sp useBgFill="1">
-        <p:nvSpPr>
-          <p:cNvPr id="3088" name="Rectangle 3087">
-            <a:extLst>
-              <a:ext uri="{FF2B5EF4-FFF2-40B4-BE49-F238E27FC236}">
-                <a16:creationId xmlns:a16="http://schemas.microsoft.com/office/drawing/2014/main" id="{979E27D9-03C7-44E2-9FF8-15D0C8506AF7}"/>
-              </a:ext>
-              <a:ext uri="{C183D7F6-B498-43B3-948B-1728B52AA6E4}">
-                <adec:decorative xmlns:adec="http://schemas.microsoft.com/office/drawing/2017/decorative" val="1"/>
-              </a:ext>
-            </a:extLst>
-          </p:cNvPr>
-          <p:cNvSpPr>
-            <a:spLocks noGrp="1" noRot="1" noChangeAspect="1" noMove="1" noResize="1" noEditPoints="1" noAdjustHandles="1" noChangeArrowheads="1" noChangeShapeType="1" noTextEdit="1"/>
-          </p:cNvSpPr>
-          <p:nvPr>
-            <p:extLst>
-              <p:ext uri="{386F3935-93C4-4BCD-93E2-E3B085C9AB24}">
-                <p16:designElem xmlns:p16="http://schemas.microsoft.com/office/powerpoint/2015/main" val="1"/>
-              </p:ext>
-            </p:extLst>
-          </p:nvPr>
-        </p:nvSpPr>
-        <p:spPr>
-          <a:xfrm>
-            <a:off x="0" y="0"/>
-            <a:ext cx="12192000" cy="6858000"/>
-          </a:xfrm>
-          <a:prstGeom prst="rect">
-            <a:avLst/>
-          </a:prstGeom>
-          <a:ln w="12700" cap="flat" cmpd="sng" algn="ctr">
-            <a:noFill/>
-            <a:prstDash val="solid"/>
-            <a:miter lim="800000"/>
-          </a:ln>
-          <a:effectLst/>
-          <a:extLst>
-            <a:ext uri="{91240B29-F687-4F45-9708-019B960494DF}">
-              <a14:hiddenLine xmlns:a14="http://schemas.microsoft.com/office/drawing/2010/main" w="12700" cap="flat" cmpd="sng" algn="ctr">
-                <a:solidFill>
-                  <a:schemeClr val="accent1">
-                    <a:shade val="50000"/>
-                  </a:schemeClr>
-                </a:solidFill>
-                <a:prstDash val="solid"/>
-                <a:miter lim="800000"/>
-              </a14:hiddenLine>
-            </a:ext>
-          </a:extLst>
-        </p:spPr>
-        <p:style>
-          <a:lnRef idx="2">
-            <a:schemeClr val="accent1">
-              <a:shade val="50000"/>
-            </a:schemeClr>
-          </a:lnRef>
-          <a:fillRef idx="1">
-            <a:schemeClr val="accent1"/>
-          </a:fillRef>
-          <a:effectRef idx="0">
-            <a:schemeClr val="accent1"/>
-          </a:effectRef>
-          <a:fontRef idx="minor">
-            <a:schemeClr val="lt1"/>
-          </a:fontRef>
-        </p:style>
-        <p:txBody>
-          <a:bodyPr rtlCol="0" anchor="ctr"/>
-          <a:lstStyle/>
-          <a:p>
-            <a:pPr algn="ctr"/>
-            <a:endParaRPr lang="en-US"/>
-          </a:p>
-        </p:txBody>
-      </p:sp>
-      <p:sp>
-        <p:nvSpPr>
-          <p:cNvPr id="2" name="Title 1">
-            <a:extLst>
-              <a:ext uri="{FF2B5EF4-FFF2-40B4-BE49-F238E27FC236}">
-                <a16:creationId xmlns:a16="http://schemas.microsoft.com/office/drawing/2014/main" id="{70F2B506-61CA-53BD-62FE-A31F79445779}"/>
-              </a:ext>
-            </a:extLst>
-          </p:cNvPr>
-          <p:cNvSpPr>
-            <a:spLocks noGrp="1"/>
-          </p:cNvSpPr>
-          <p:nvPr>
-            <p:ph type="title"/>
-          </p:nvPr>
-        </p:nvSpPr>
-        <p:spPr>
-          <a:xfrm>
-            <a:off x="1136397" y="502021"/>
-            <a:ext cx="4959603" cy="1642969"/>
-          </a:xfrm>
-        </p:spPr>
-        <p:txBody>
-          <a:bodyPr anchor="b">
-            <a:normAutofit/>
-          </a:bodyPr>
-          <a:lstStyle/>
-          <a:p>
-            <a:r>
-              <a:rPr lang="en-US" sz="3700"/>
-              <a:t>Software</a:t>
-            </a:r>
-            <a:br>
-              <a:rPr lang="en-US" sz="3700"/>
-            </a:br>
-            <a:r>
-              <a:rPr lang="en-US" sz="3700"/>
-              <a:t>DTC (Diagnostic Trouble Codes)</a:t>
-            </a:r>
-          </a:p>
-        </p:txBody>
-      </p:sp>
-      <p:sp>
-        <p:nvSpPr>
-          <p:cNvPr id="4" name="Footer Placeholder 3">
-            <a:extLst>
-              <a:ext uri="{FF2B5EF4-FFF2-40B4-BE49-F238E27FC236}">
-                <a16:creationId xmlns:a16="http://schemas.microsoft.com/office/drawing/2014/main" id="{CA27A937-7B8D-B213-F7BA-48243F1FA74C}"/>
-              </a:ext>
-            </a:extLst>
-          </p:cNvPr>
-          <p:cNvSpPr>
-            <a:spLocks noGrp="1"/>
-          </p:cNvSpPr>
-          <p:nvPr>
-            <p:ph type="ftr" sz="quarter" idx="11"/>
-          </p:nvPr>
-        </p:nvSpPr>
-        <p:spPr>
-          <a:xfrm rot="5400000">
-            <a:off x="-1827726" y="1983972"/>
-            <a:ext cx="4114800" cy="365125"/>
-          </a:xfrm>
-        </p:spPr>
-        <p:txBody>
-          <a:bodyPr>
-            <a:normAutofit/>
-          </a:bodyPr>
-          <a:lstStyle/>
-          <a:p>
-            <a:pPr algn="l">
-              <a:spcAft>
-                <a:spcPts val="600"/>
-              </a:spcAft>
-            </a:pPr>
-            <a:r>
-              <a:rPr lang="en-US" sz="1100">
-                <a:solidFill>
-                  <a:schemeClr val="tx1">
-                    <a:lumMod val="50000"/>
-                    <a:lumOff val="50000"/>
-                  </a:schemeClr>
-                </a:solidFill>
-              </a:rPr>
-              <a:t>Fig. 6, DTC structure</a:t>
-            </a:r>
-          </a:p>
-        </p:txBody>
-      </p:sp>
-      <p:sp>
-        <p:nvSpPr>
-          <p:cNvPr id="3" name="Content Placeholder 2">
-            <a:extLst>
-              <a:ext uri="{FF2B5EF4-FFF2-40B4-BE49-F238E27FC236}">
-                <a16:creationId xmlns:a16="http://schemas.microsoft.com/office/drawing/2014/main" id="{3FDD14B2-FE31-9D55-C36B-EE48F2BF2BF7}"/>
-              </a:ext>
-            </a:extLst>
-          </p:cNvPr>
-          <p:cNvSpPr>
-            <a:spLocks noGrp="1"/>
-          </p:cNvSpPr>
-          <p:nvPr>
-            <p:ph idx="1"/>
-          </p:nvPr>
-        </p:nvSpPr>
-        <p:spPr>
-          <a:xfrm>
-            <a:off x="1136397" y="2418408"/>
-            <a:ext cx="4959603" cy="3522569"/>
-          </a:xfrm>
-        </p:spPr>
-        <p:txBody>
-          <a:bodyPr anchor="t">
-            <a:normAutofit/>
-          </a:bodyPr>
-          <a:lstStyle/>
-          <a:p>
-            <a:r>
-              <a:rPr lang="en-US" sz="2000" b="0" i="0" dirty="0">
-                <a:effectLst/>
-                <a:latin typeface="MaisonNeue"/>
-              </a:rPr>
-              <a:t>Diagnostic Trouble Codes or OBD-II or J1939.</a:t>
-            </a:r>
-            <a:endParaRPr lang="en-US" sz="2000" dirty="0">
-              <a:latin typeface="MaisonNeue"/>
-            </a:endParaRPr>
-          </a:p>
-          <a:p>
-            <a:r>
-              <a:rPr lang="en-US" sz="2000" dirty="0">
-                <a:latin typeface="MaisonNeue"/>
-              </a:rPr>
-              <a:t>This codes are the way of communication of the vehicle to let the user what is happening inside. Notify you if there is a problem.</a:t>
-            </a:r>
-          </a:p>
-          <a:p>
-            <a:r>
-              <a:rPr lang="en-US" sz="2000" dirty="0">
-                <a:latin typeface="MaisonNeue"/>
-              </a:rPr>
-              <a:t>Using a telematics control unit (TCU), app or a gateway. You can access this codes to monitor the vehicle.</a:t>
-            </a:r>
-            <a:endParaRPr lang="en-US" sz="2000" dirty="0"/>
-          </a:p>
-        </p:txBody>
-      </p:sp>
-      <p:pic>
-        <p:nvPicPr>
-          <p:cNvPr id="3074" name="Picture 2" descr="What is Diagnostic Trouble Codes? - Get the answer here | AutoPi.io">
-            <a:extLst>
-              <a:ext uri="{FF2B5EF4-FFF2-40B4-BE49-F238E27FC236}">
-                <a16:creationId xmlns:a16="http://schemas.microsoft.com/office/drawing/2014/main" id="{78E19C27-87F0-4C5C-0D14-3DAFCF4EE795}"/>
-              </a:ext>
-            </a:extLst>
-          </p:cNvPr>
-          <p:cNvPicPr>
-            <a:picLocks noChangeAspect="1" noChangeArrowheads="1"/>
-          </p:cNvPicPr>
-          <p:nvPr/>
-        </p:nvPicPr>
-        <p:blipFill>
-          <a:blip r:embed="rId2">
-            <a:extLst>
-              <a:ext uri="{28A0092B-C50C-407E-A947-70E740481C1C}">
-                <a14:useLocalDpi xmlns:a14="http://schemas.microsoft.com/office/drawing/2010/main" val="0"/>
-              </a:ext>
-            </a:extLst>
-          </a:blip>
-          <a:stretch>
-            <a:fillRect/>
-          </a:stretch>
-        </p:blipFill>
-        <p:spPr bwMode="auto">
-          <a:xfrm>
-            <a:off x="6512442" y="1284740"/>
-            <a:ext cx="5201023" cy="3874762"/>
-          </a:xfrm>
-          <a:prstGeom prst="rect">
-            <a:avLst/>
-          </a:prstGeom>
-          <a:noFill/>
-          <a:extLst>
-            <a:ext uri="{909E8E84-426E-40DD-AFC4-6F175D3DCCD1}">
-              <a14:hiddenFill xmlns:a14="http://schemas.microsoft.com/office/drawing/2010/main">
-                <a:solidFill>
-                  <a:srgbClr val="FFFFFF"/>
-                </a:solidFill>
-              </a14:hiddenFill>
-            </a:ext>
-          </a:extLst>
-        </p:spPr>
-      </p:pic>
-      <p:sp>
-        <p:nvSpPr>
-          <p:cNvPr id="3090" name="Rectangle 3089">
-            <a:extLst>
-              <a:ext uri="{FF2B5EF4-FFF2-40B4-BE49-F238E27FC236}">
-                <a16:creationId xmlns:a16="http://schemas.microsoft.com/office/drawing/2014/main" id="{EEBF1590-3B36-48EE-A89D-3B6F3CB256AB}"/>
-              </a:ext>
-              <a:ext uri="{C183D7F6-B498-43B3-948B-1728B52AA6E4}">
-                <adec:decorative xmlns:adec="http://schemas.microsoft.com/office/drawing/2017/decorative" val="1"/>
-              </a:ext>
-            </a:extLst>
-          </p:cNvPr>
-          <p:cNvSpPr>
-            <a:spLocks noGrp="1" noRot="1" noChangeAspect="1" noMove="1" noResize="1" noEditPoints="1" noAdjustHandles="1" noChangeArrowheads="1" noChangeShapeType="1" noTextEdit="1"/>
-          </p:cNvSpPr>
-          <p:nvPr>
-            <p:extLst>
-              <p:ext uri="{386F3935-93C4-4BCD-93E2-E3B085C9AB24}">
-                <p16:designElem xmlns:p16="http://schemas.microsoft.com/office/powerpoint/2015/main" val="1"/>
-              </p:ext>
-            </p:extLst>
-          </p:nvPr>
-        </p:nvSpPr>
-        <p:spPr>
-          <a:xfrm rot="10800000" flipH="1">
-            <a:off x="0" y="6400799"/>
-            <a:ext cx="12192000" cy="456773"/>
-          </a:xfrm>
-          <a:prstGeom prst="rect">
-            <a:avLst/>
-          </a:prstGeom>
-          <a:gradFill>
-            <a:gsLst>
-              <a:gs pos="0">
-                <a:schemeClr val="accent1"/>
-              </a:gs>
-              <a:gs pos="78000">
-                <a:srgbClr val="000000"/>
-              </a:gs>
-            </a:gsLst>
-            <a:lin ang="2400000" scaled="0"/>
-          </a:gradFill>
-          <a:ln>
-            <a:noFill/>
-          </a:ln>
-        </p:spPr>
-        <p:style>
-          <a:lnRef idx="2">
-            <a:schemeClr val="accent1">
-              <a:shade val="50000"/>
-            </a:schemeClr>
-          </a:lnRef>
-          <a:fillRef idx="1">
-            <a:schemeClr val="accent1"/>
-          </a:fillRef>
-          <a:effectRef idx="0">
-            <a:schemeClr val="accent1"/>
-          </a:effectRef>
-          <a:fontRef idx="minor">
-            <a:schemeClr val="lt1"/>
-          </a:fontRef>
-        </p:style>
-        <p:txBody>
-          <a:bodyPr rtlCol="0" anchor="ctr"/>
-          <a:lstStyle/>
-          <a:p>
-            <a:pPr algn="ctr"/>
-            <a:endParaRPr lang="en-US"/>
-          </a:p>
-        </p:txBody>
-      </p:sp>
-      <p:sp>
-        <p:nvSpPr>
-          <p:cNvPr id="3092" name="Rectangle 3091">
-            <a:extLst>
-              <a:ext uri="{FF2B5EF4-FFF2-40B4-BE49-F238E27FC236}">
-                <a16:creationId xmlns:a16="http://schemas.microsoft.com/office/drawing/2014/main" id="{AC8F6C8C-AB5A-4548-942D-E3FD40ACBC49}"/>
-              </a:ext>
-              <a:ext uri="{C183D7F6-B498-43B3-948B-1728B52AA6E4}">
-                <adec:decorative xmlns:adec="http://schemas.microsoft.com/office/drawing/2017/decorative" val="1"/>
-              </a:ext>
-            </a:extLst>
-          </p:cNvPr>
-          <p:cNvSpPr>
-            <a:spLocks noGrp="1" noRot="1" noChangeAspect="1" noMove="1" noResize="1" noEditPoints="1" noAdjustHandles="1" noChangeArrowheads="1" noChangeShapeType="1" noTextEdit="1"/>
-          </p:cNvSpPr>
-          <p:nvPr>
-            <p:extLst>
-              <p:ext uri="{386F3935-93C4-4BCD-93E2-E3B085C9AB24}">
-                <p16:designElem xmlns:p16="http://schemas.microsoft.com/office/powerpoint/2015/main" val="1"/>
-              </p:ext>
-            </p:extLst>
-          </p:nvPr>
-        </p:nvSpPr>
-        <p:spPr>
-          <a:xfrm flipH="1">
-            <a:off x="4038600" y="6400799"/>
-            <a:ext cx="8153398" cy="456772"/>
-          </a:xfrm>
-          <a:prstGeom prst="rect">
-            <a:avLst/>
-          </a:prstGeom>
-          <a:gradFill>
-            <a:gsLst>
-              <a:gs pos="0">
-                <a:srgbClr val="000000">
-                  <a:alpha val="63000"/>
-                </a:srgbClr>
-              </a:gs>
-              <a:gs pos="100000">
-                <a:schemeClr val="accent1">
-                  <a:lumMod val="75000"/>
-                </a:schemeClr>
-              </a:gs>
-            </a:gsLst>
-            <a:lin ang="13800000" scaled="0"/>
-          </a:gradFill>
-          <a:ln>
-            <a:noFill/>
-          </a:ln>
-        </p:spPr>
-        <p:style>
-          <a:lnRef idx="2">
-            <a:schemeClr val="accent1">
-              <a:shade val="50000"/>
-            </a:schemeClr>
-          </a:lnRef>
-          <a:fillRef idx="1">
-            <a:schemeClr val="accent1"/>
-          </a:fillRef>
-          <a:effectRef idx="0">
-            <a:schemeClr val="accent1"/>
-          </a:effectRef>
-          <a:fontRef idx="minor">
-            <a:schemeClr val="lt1"/>
-          </a:fontRef>
-        </p:style>
-        <p:txBody>
-          <a:bodyPr rtlCol="0" anchor="ctr"/>
-          <a:lstStyle/>
-          <a:p>
-            <a:pPr algn="ctr"/>
-            <a:endParaRPr lang="en-US"/>
-          </a:p>
-        </p:txBody>
-      </p:sp>
-      <p:sp>
-        <p:nvSpPr>
-          <p:cNvPr id="5" name="Footer Placeholder 5">
-            <a:extLst>
-              <a:ext uri="{FF2B5EF4-FFF2-40B4-BE49-F238E27FC236}">
-                <a16:creationId xmlns:a16="http://schemas.microsoft.com/office/drawing/2014/main" id="{6939809F-DB7E-5BE9-1EA6-75425BDA083E}"/>
-              </a:ext>
-            </a:extLst>
-          </p:cNvPr>
-          <p:cNvSpPr txBox="1">
-            <a:spLocks/>
-          </p:cNvSpPr>
-          <p:nvPr/>
-        </p:nvSpPr>
-        <p:spPr>
-          <a:xfrm>
-            <a:off x="8231123" y="6444242"/>
-            <a:ext cx="3960877" cy="365125"/>
-          </a:xfrm>
-          <a:prstGeom prst="rect">
-            <a:avLst/>
-          </a:prstGeom>
-        </p:spPr>
-        <p:txBody>
-          <a:bodyPr vert="horz" lIns="91440" tIns="45720" rIns="91440" bIns="45720" rtlCol="0" anchor="ctr">
-            <a:normAutofit/>
-          </a:bodyPr>
-          <a:lstStyle>
-            <a:defPPr>
-              <a:defRPr lang="en-US"/>
-            </a:defPPr>
-            <a:lvl1pPr marL="0" algn="ctr" defTabSz="914400" rtl="0" eaLnBrk="1" latinLnBrk="0" hangingPunct="1">
-              <a:defRPr sz="1200" kern="1200">
-                <a:solidFill>
-                  <a:schemeClr val="tx1">
-                    <a:tint val="82000"/>
-                  </a:schemeClr>
-                </a:solidFill>
-                <a:latin typeface="+mn-lt"/>
-                <a:ea typeface="+mn-ea"/>
-                <a:cs typeface="+mn-cs"/>
-              </a:defRPr>
-            </a:lvl1pPr>
-            <a:lvl2pPr marL="457200" algn="l" defTabSz="914400" rtl="0" eaLnBrk="1" latinLnBrk="0" hangingPunct="1">
-              <a:defRPr sz="1800" kern="1200">
-                <a:solidFill>
-                  <a:schemeClr val="tx1"/>
-                </a:solidFill>
-                <a:latin typeface="+mn-lt"/>
-                <a:ea typeface="+mn-ea"/>
-                <a:cs typeface="+mn-cs"/>
-              </a:defRPr>
-            </a:lvl2pPr>
-            <a:lvl3pPr marL="914400" algn="l" defTabSz="914400" rtl="0" eaLnBrk="1" latinLnBrk="0" hangingPunct="1">
-              <a:defRPr sz="1800" kern="1200">
-                <a:solidFill>
-                  <a:schemeClr val="tx1"/>
-                </a:solidFill>
-                <a:latin typeface="+mn-lt"/>
-                <a:ea typeface="+mn-ea"/>
-                <a:cs typeface="+mn-cs"/>
-              </a:defRPr>
-            </a:lvl3pPr>
-            <a:lvl4pPr marL="1371600" algn="l" defTabSz="914400" rtl="0" eaLnBrk="1" latinLnBrk="0" hangingPunct="1">
-              <a:defRPr sz="1800" kern="1200">
-                <a:solidFill>
-                  <a:schemeClr val="tx1"/>
-                </a:solidFill>
-                <a:latin typeface="+mn-lt"/>
-                <a:ea typeface="+mn-ea"/>
-                <a:cs typeface="+mn-cs"/>
-              </a:defRPr>
-            </a:lvl4pPr>
-            <a:lvl5pPr marL="1828800" algn="l" defTabSz="914400" rtl="0" eaLnBrk="1" latinLnBrk="0" hangingPunct="1">
-              <a:defRPr sz="1800" kern="1200">
-                <a:solidFill>
-                  <a:schemeClr val="tx1"/>
-                </a:solidFill>
-                <a:latin typeface="+mn-lt"/>
-                <a:ea typeface="+mn-ea"/>
-                <a:cs typeface="+mn-cs"/>
-              </a:defRPr>
-            </a:lvl5pPr>
-            <a:lvl6pPr marL="2286000" algn="l" defTabSz="914400" rtl="0" eaLnBrk="1" latinLnBrk="0" hangingPunct="1">
-              <a:defRPr sz="1800" kern="1200">
-                <a:solidFill>
-                  <a:schemeClr val="tx1"/>
-                </a:solidFill>
-                <a:latin typeface="+mn-lt"/>
-                <a:ea typeface="+mn-ea"/>
-                <a:cs typeface="+mn-cs"/>
-              </a:defRPr>
-            </a:lvl6pPr>
-            <a:lvl7pPr marL="2743200" algn="l" defTabSz="914400" rtl="0" eaLnBrk="1" latinLnBrk="0" hangingPunct="1">
-              <a:defRPr sz="1800" kern="1200">
-                <a:solidFill>
-                  <a:schemeClr val="tx1"/>
-                </a:solidFill>
-                <a:latin typeface="+mn-lt"/>
-                <a:ea typeface="+mn-ea"/>
-                <a:cs typeface="+mn-cs"/>
-              </a:defRPr>
-            </a:lvl7pPr>
-            <a:lvl8pPr marL="3200400" algn="l" defTabSz="914400" rtl="0" eaLnBrk="1" latinLnBrk="0" hangingPunct="1">
-              <a:defRPr sz="1800" kern="1200">
-                <a:solidFill>
-                  <a:schemeClr val="tx1"/>
-                </a:solidFill>
-                <a:latin typeface="+mn-lt"/>
-                <a:ea typeface="+mn-ea"/>
-                <a:cs typeface="+mn-cs"/>
-              </a:defRPr>
-            </a:lvl8pPr>
-            <a:lvl9pPr marL="3657600" algn="l" defTabSz="914400" rtl="0" eaLnBrk="1" latinLnBrk="0" hangingPunct="1">
-              <a:defRPr sz="1800" kern="1200">
-                <a:solidFill>
-                  <a:schemeClr val="tx1"/>
-                </a:solidFill>
-                <a:latin typeface="+mn-lt"/>
-                <a:ea typeface="+mn-ea"/>
-                <a:cs typeface="+mn-cs"/>
-              </a:defRPr>
-            </a:lvl9pPr>
-          </a:lstStyle>
-          <a:p>
-            <a:pPr algn="l">
-              <a:spcAft>
-                <a:spcPts val="600"/>
-              </a:spcAft>
-            </a:pPr>
-            <a:r>
-              <a:rPr lang="en-US" dirty="0"/>
-              <a:t>Fig. 7, DTC Code.</a:t>
-            </a:r>
-          </a:p>
-        </p:txBody>
-      </p:sp>
-    </p:spTree>
-    <p:extLst>
-      <p:ext uri="{BB962C8B-B14F-4D97-AF65-F5344CB8AC3E}">
-        <p14:creationId xmlns:p14="http://schemas.microsoft.com/office/powerpoint/2010/main" val="100226028"/>
       </p:ext>
     </p:extLst>
   </p:cSld>

--- a/Presentation/C-ITS.pptx
+++ b/Presentation/C-ITS.pptx
@@ -7857,17 +7857,6 @@
           <a:lstStyle/>
           <a:p>
             <a:r>
-              <a:rPr lang="en-US" sz="2000" dirty="0" err="1">
-                <a:solidFill>
-                  <a:schemeClr val="tx1">
-                    <a:lumMod val="95000"/>
-                    <a:lumOff val="5000"/>
-                  </a:schemeClr>
-                </a:solidFill>
-              </a:rPr>
-              <a:t>OnBoard</a:t>
-            </a:r>
-            <a:r>
               <a:rPr lang="en-US" sz="2000" dirty="0">
                 <a:solidFill>
                   <a:schemeClr val="tx1">
@@ -7876,7 +7865,7 @@
                   </a:schemeClr>
                 </a:solidFill>
               </a:rPr>
-              <a:t> Unit providing C-ITS capabilities</a:t>
+              <a:t>Onboard Unit providing C-ITS capabilities</a:t>
             </a:r>
           </a:p>
           <a:p>
@@ -14160,6 +14149,21 @@
               <a:t>Questions?</a:t>
             </a:r>
           </a:p>
+          <a:p>
+            <a:r>
+              <a:rPr lang="en-US" dirty="0"/>
+              <a:t>Project files are also available on GitHub: </a:t>
+            </a:r>
+          </a:p>
+          <a:p>
+            <a:pPr marL="457200" lvl="1" indent="0">
+              <a:buNone/>
+            </a:pPr>
+            <a:r>
+              <a:rPr lang="en-US" dirty="0"/>
+              <a:t>https://github.com/LF-RoGu/Model-Base-Systems</a:t>
+            </a:r>
+          </a:p>
         </p:txBody>
       </p:sp>
     </p:spTree>
@@ -14287,7 +14291,7 @@
           <a:p>
             <a:r>
               <a:rPr lang="en-US" dirty="0"/>
-              <a:t>Fig. 5-6, </a:t>
+              <a:t>Fig. 5-7, </a:t>
             </a:r>
             <a:r>
               <a:rPr lang="en-US" dirty="0">
@@ -14300,12 +14304,6 @@
           <a:p>
             <a:r>
               <a:rPr lang="en-US" dirty="0"/>
-              <a:t>Fig. 7,</a:t>
-            </a:r>
-          </a:p>
-          <a:p>
-            <a:r>
-              <a:rPr lang="en-US" dirty="0"/>
               <a:t>Fig. 8, </a:t>
             </a:r>
             <a:r>
@@ -14372,34 +14370,6 @@
           </a:p>
           <a:p>
             <a:endParaRPr lang="en-US" dirty="0"/>
-          </a:p>
-        </p:txBody>
-      </p:sp>
-      <p:sp>
-        <p:nvSpPr>
-          <p:cNvPr id="4" name="Footer Placeholder 3">
-            <a:extLst>
-              <a:ext uri="{FF2B5EF4-FFF2-40B4-BE49-F238E27FC236}">
-                <a16:creationId xmlns:a16="http://schemas.microsoft.com/office/drawing/2014/main" id="{93B93AA8-5126-5AD0-416A-C59D79F70EB8}"/>
-              </a:ext>
-            </a:extLst>
-          </p:cNvPr>
-          <p:cNvSpPr>
-            <a:spLocks noGrp="1"/>
-          </p:cNvSpPr>
-          <p:nvPr>
-            <p:ph type="ftr" sz="quarter" idx="11"/>
-          </p:nvPr>
-        </p:nvSpPr>
-        <p:spPr/>
-        <p:txBody>
-          <a:bodyPr/>
-          <a:lstStyle/>
-          <a:p>
-            <a:r>
-              <a:rPr lang="en-US"/>
-              <a:t>Fig. 1, Awarenees Driving</a:t>
-            </a:r>
           </a:p>
         </p:txBody>
       </p:sp>

--- a/Presentation/C-ITS.pptx
+++ b/Presentation/C-ITS.pptx
@@ -149,7 +149,7 @@
   <pc:docChgLst>
     <pc:chgData name="Luis Fernando Rodriguez Gutierrez" userId="47d13518-703e-4604-b449-ba54b8feb907" providerId="ADAL" clId="{56418ACE-61C6-4AD3-AD16-975169FAD560}"/>
     <pc:docChg chg="undo custSel addSld delSld modSld">
-      <pc:chgData name="Luis Fernando Rodriguez Gutierrez" userId="47d13518-703e-4604-b449-ba54b8feb907" providerId="ADAL" clId="{56418ACE-61C6-4AD3-AD16-975169FAD560}" dt="2025-01-25T13:35:42.062" v="1886"/>
+      <pc:chgData name="Luis Fernando Rodriguez Gutierrez" userId="47d13518-703e-4604-b449-ba54b8feb907" providerId="ADAL" clId="{56418ACE-61C6-4AD3-AD16-975169FAD560}" dt="2025-02-02T19:18:27.197" v="1898" actId="1076"/>
       <pc:docMkLst>
         <pc:docMk/>
       </pc:docMkLst>
@@ -183,22 +183,6 @@
             <ac:spMk id="6" creationId="{92FBDE1F-7A4A-E896-58F8-31909E874318}"/>
           </ac:spMkLst>
         </pc:spChg>
-        <pc:spChg chg="add del">
-          <ac:chgData name="Luis Fernando Rodriguez Gutierrez" userId="47d13518-703e-4604-b449-ba54b8feb907" providerId="ADAL" clId="{56418ACE-61C6-4AD3-AD16-975169FAD560}" dt="2025-01-25T11:12:06.410" v="7" actId="26606"/>
-          <ac:spMkLst>
-            <pc:docMk/>
-            <pc:sldMk cId="2580789304" sldId="256"/>
-            <ac:spMk id="10" creationId="{ECC07320-C2CA-4E29-8481-9D9E143C7788}"/>
-          </ac:spMkLst>
-        </pc:spChg>
-        <pc:spChg chg="add del">
-          <ac:chgData name="Luis Fernando Rodriguez Gutierrez" userId="47d13518-703e-4604-b449-ba54b8feb907" providerId="ADAL" clId="{56418ACE-61C6-4AD3-AD16-975169FAD560}" dt="2025-01-25T11:12:06.410" v="7" actId="26606"/>
-          <ac:spMkLst>
-            <pc:docMk/>
-            <pc:sldMk cId="2580789304" sldId="256"/>
-            <ac:spMk id="12" creationId="{178FB36B-5BFE-42CA-BC60-1115E0D95EEC}"/>
-          </ac:spMkLst>
-        </pc:spChg>
         <pc:spChg chg="add">
           <ac:chgData name="Luis Fernando Rodriguez Gutierrez" userId="47d13518-703e-4604-b449-ba54b8feb907" providerId="ADAL" clId="{56418ACE-61C6-4AD3-AD16-975169FAD560}" dt="2025-01-25T11:12:06.410" v="7" actId="26606"/>
           <ac:spMkLst>
@@ -230,14 +214,6 @@
           <pc:docMk/>
           <pc:sldMk cId="2801368605" sldId="257"/>
         </pc:sldMkLst>
-        <pc:spChg chg="del">
-          <ac:chgData name="Luis Fernando Rodriguez Gutierrez" userId="47d13518-703e-4604-b449-ba54b8feb907" providerId="ADAL" clId="{56418ACE-61C6-4AD3-AD16-975169FAD560}" dt="2025-01-25T11:14:38.917" v="33" actId="478"/>
-          <ac:spMkLst>
-            <pc:docMk/>
-            <pc:sldMk cId="2801368605" sldId="257"/>
-            <ac:spMk id="2" creationId="{768A049C-21B3-A0B4-0D37-91A39F59DA1D}"/>
-          </ac:spMkLst>
-        </pc:spChg>
         <pc:spChg chg="mod ord">
           <ac:chgData name="Luis Fernando Rodriguez Gutierrez" userId="47d13518-703e-4604-b449-ba54b8feb907" providerId="ADAL" clId="{56418ACE-61C6-4AD3-AD16-975169FAD560}" dt="2025-01-25T11:24:36.034" v="277" actId="20577"/>
           <ac:spMkLst>
@@ -252,22 +228,6 @@
             <pc:docMk/>
             <pc:sldMk cId="2801368605" sldId="257"/>
             <ac:spMk id="4" creationId="{31BE6B59-1158-5BD3-4345-F4AFCCCB38CF}"/>
-          </ac:spMkLst>
-        </pc:spChg>
-        <pc:spChg chg="del mod ord">
-          <ac:chgData name="Luis Fernando Rodriguez Gutierrez" userId="47d13518-703e-4604-b449-ba54b8feb907" providerId="ADAL" clId="{56418ACE-61C6-4AD3-AD16-975169FAD560}" dt="2025-01-25T11:16:02.550" v="138" actId="478"/>
-          <ac:spMkLst>
-            <pc:docMk/>
-            <pc:sldMk cId="2801368605" sldId="257"/>
-            <ac:spMk id="5" creationId="{21DD6191-5CB7-2106-3CFE-CFD30A36CCCA}"/>
-          </ac:spMkLst>
-        </pc:spChg>
-        <pc:spChg chg="add del mod">
-          <ac:chgData name="Luis Fernando Rodriguez Gutierrez" userId="47d13518-703e-4604-b449-ba54b8feb907" providerId="ADAL" clId="{56418ACE-61C6-4AD3-AD16-975169FAD560}" dt="2025-01-25T11:14:41.291" v="34" actId="478"/>
-          <ac:spMkLst>
-            <pc:docMk/>
-            <pc:sldMk cId="2801368605" sldId="257"/>
-            <ac:spMk id="7" creationId="{7F63D419-549A-C04E-7E62-45D3BBE2C5CB}"/>
           </ac:spMkLst>
         </pc:spChg>
         <pc:spChg chg="add mod">
@@ -326,14 +286,6 @@
             <ac:picMk id="1026" creationId="{B0A9F003-218C-159C-095C-3EA066EFFFA3}"/>
           </ac:picMkLst>
         </pc:picChg>
-        <pc:picChg chg="add del mod">
-          <ac:chgData name="Luis Fernando Rodriguez Gutierrez" userId="47d13518-703e-4604-b449-ba54b8feb907" providerId="ADAL" clId="{56418ACE-61C6-4AD3-AD16-975169FAD560}" dt="2025-01-25T11:25:40.350" v="283" actId="478"/>
-          <ac:picMkLst>
-            <pc:docMk/>
-            <pc:sldMk cId="2801368605" sldId="257"/>
-            <ac:picMk id="1028" creationId="{EF1A44D1-32DB-1875-F99F-0F98D12A8C95}"/>
-          </ac:picMkLst>
-        </pc:picChg>
         <pc:cxnChg chg="add">
           <ac:chgData name="Luis Fernando Rodriguez Gutierrez" userId="47d13518-703e-4604-b449-ba54b8feb907" providerId="ADAL" clId="{56418ACE-61C6-4AD3-AD16-975169FAD560}" dt="2025-01-25T11:16:00.180" v="137" actId="26606"/>
           <ac:cxnSpMkLst>
@@ -365,84 +317,12 @@
             <ac:spMk id="3" creationId="{57AACDBA-2A32-E01D-0AE2-0A192EF1CA59}"/>
           </ac:spMkLst>
         </pc:spChg>
-        <pc:spChg chg="del mod">
-          <ac:chgData name="Luis Fernando Rodriguez Gutierrez" userId="47d13518-703e-4604-b449-ba54b8feb907" providerId="ADAL" clId="{56418ACE-61C6-4AD3-AD16-975169FAD560}" dt="2025-01-25T11:30:53.196" v="481" actId="478"/>
-          <ac:spMkLst>
-            <pc:docMk/>
-            <pc:sldMk cId="324375167" sldId="258"/>
-            <ac:spMk id="4" creationId="{3063DC31-878B-2431-E58A-853697C7801F}"/>
-          </ac:spMkLst>
-        </pc:spChg>
         <pc:spChg chg="add mod">
           <ac:chgData name="Luis Fernando Rodriguez Gutierrez" userId="47d13518-703e-4604-b449-ba54b8feb907" providerId="ADAL" clId="{56418ACE-61C6-4AD3-AD16-975169FAD560}" dt="2025-01-25T11:43:20.486" v="798" actId="20577"/>
           <ac:spMkLst>
             <pc:docMk/>
             <pc:sldMk cId="324375167" sldId="258"/>
             <ac:spMk id="9" creationId="{087C42A1-9341-69D4-524F-997F0BDBD514}"/>
-          </ac:spMkLst>
-        </pc:spChg>
-        <pc:spChg chg="add del">
-          <ac:chgData name="Luis Fernando Rodriguez Gutierrez" userId="47d13518-703e-4604-b449-ba54b8feb907" providerId="ADAL" clId="{56418ACE-61C6-4AD3-AD16-975169FAD560}" dt="2025-01-25T11:30:14.094" v="439" actId="26606"/>
-          <ac:spMkLst>
-            <pc:docMk/>
-            <pc:sldMk cId="324375167" sldId="258"/>
-            <ac:spMk id="13" creationId="{53E60C6D-4E85-4E14-BCDF-BF15C241F7CA}"/>
-          </ac:spMkLst>
-        </pc:spChg>
-        <pc:spChg chg="add del">
-          <ac:chgData name="Luis Fernando Rodriguez Gutierrez" userId="47d13518-703e-4604-b449-ba54b8feb907" providerId="ADAL" clId="{56418ACE-61C6-4AD3-AD16-975169FAD560}" dt="2025-01-25T11:30:14.094" v="439" actId="26606"/>
-          <ac:spMkLst>
-            <pc:docMk/>
-            <pc:sldMk cId="324375167" sldId="258"/>
-            <ac:spMk id="15" creationId="{7D42D292-4C48-479B-9E59-E29CD9871C0C}"/>
-          </ac:spMkLst>
-        </pc:spChg>
-        <pc:spChg chg="add del">
-          <ac:chgData name="Luis Fernando Rodriguez Gutierrez" userId="47d13518-703e-4604-b449-ba54b8feb907" providerId="ADAL" clId="{56418ACE-61C6-4AD3-AD16-975169FAD560}" dt="2025-01-25T11:30:14.094" v="439" actId="26606"/>
-          <ac:spMkLst>
-            <pc:docMk/>
-            <pc:sldMk cId="324375167" sldId="258"/>
-            <ac:spMk id="17" creationId="{533DF362-939D-4EEE-8DC4-6B54607E5611}"/>
-          </ac:spMkLst>
-        </pc:spChg>
-        <pc:spChg chg="add del">
-          <ac:chgData name="Luis Fernando Rodriguez Gutierrez" userId="47d13518-703e-4604-b449-ba54b8feb907" providerId="ADAL" clId="{56418ACE-61C6-4AD3-AD16-975169FAD560}" dt="2025-01-25T11:30:48.921" v="480" actId="26606"/>
-          <ac:spMkLst>
-            <pc:docMk/>
-            <pc:sldMk cId="324375167" sldId="258"/>
-            <ac:spMk id="19" creationId="{129F4FEF-3F4E-4042-8E6D-C24E201FB31A}"/>
-          </ac:spMkLst>
-        </pc:spChg>
-        <pc:spChg chg="add del">
-          <ac:chgData name="Luis Fernando Rodriguez Gutierrez" userId="47d13518-703e-4604-b449-ba54b8feb907" providerId="ADAL" clId="{56418ACE-61C6-4AD3-AD16-975169FAD560}" dt="2025-01-25T11:30:56.256" v="482" actId="26606"/>
-          <ac:spMkLst>
-            <pc:docMk/>
-            <pc:sldMk cId="324375167" sldId="258"/>
-            <ac:spMk id="24" creationId="{A2679492-7988-4050-9056-542444452411}"/>
-          </ac:spMkLst>
-        </pc:spChg>
-        <pc:spChg chg="add del">
-          <ac:chgData name="Luis Fernando Rodriguez Gutierrez" userId="47d13518-703e-4604-b449-ba54b8feb907" providerId="ADAL" clId="{56418ACE-61C6-4AD3-AD16-975169FAD560}" dt="2025-01-25T11:30:56.256" v="482" actId="26606"/>
-          <ac:spMkLst>
-            <pc:docMk/>
-            <pc:sldMk cId="324375167" sldId="258"/>
-            <ac:spMk id="26" creationId="{B091B163-7D61-4891-ABCF-5C13D9C418D0}"/>
-          </ac:spMkLst>
-        </pc:spChg>
-        <pc:spChg chg="add del">
-          <ac:chgData name="Luis Fernando Rodriguez Gutierrez" userId="47d13518-703e-4604-b449-ba54b8feb907" providerId="ADAL" clId="{56418ACE-61C6-4AD3-AD16-975169FAD560}" dt="2025-01-25T11:35:02.103" v="735" actId="26606"/>
-          <ac:spMkLst>
-            <pc:docMk/>
-            <pc:sldMk cId="324375167" sldId="258"/>
-            <ac:spMk id="33" creationId="{A2679492-7988-4050-9056-542444452411}"/>
-          </ac:spMkLst>
-        </pc:spChg>
-        <pc:spChg chg="add del">
-          <ac:chgData name="Luis Fernando Rodriguez Gutierrez" userId="47d13518-703e-4604-b449-ba54b8feb907" providerId="ADAL" clId="{56418ACE-61C6-4AD3-AD16-975169FAD560}" dt="2025-01-25T11:35:02.103" v="735" actId="26606"/>
-          <ac:spMkLst>
-            <pc:docMk/>
-            <pc:sldMk cId="324375167" sldId="258"/>
-            <ac:spMk id="35" creationId="{B091B163-7D61-4891-ABCF-5C13D9C418D0}"/>
           </ac:spMkLst>
         </pc:spChg>
         <pc:spChg chg="add del">
@@ -453,46 +333,6 @@
             <ac:spMk id="39" creationId="{129F4FEF-3F4E-4042-8E6D-C24E201FB31A}"/>
           </ac:spMkLst>
         </pc:spChg>
-        <pc:spChg chg="add del">
-          <ac:chgData name="Luis Fernando Rodriguez Gutierrez" userId="47d13518-703e-4604-b449-ba54b8feb907" providerId="ADAL" clId="{56418ACE-61C6-4AD3-AD16-975169FAD560}" dt="2025-01-25T11:35:41.652" v="748" actId="26606"/>
-          <ac:spMkLst>
-            <pc:docMk/>
-            <pc:sldMk cId="324375167" sldId="258"/>
-            <ac:spMk id="41" creationId="{9D9CE3C4-25D7-403C-9312-F3B39099D298}"/>
-          </ac:spMkLst>
-        </pc:spChg>
-        <pc:spChg chg="add del">
-          <ac:chgData name="Luis Fernando Rodriguez Gutierrez" userId="47d13518-703e-4604-b449-ba54b8feb907" providerId="ADAL" clId="{56418ACE-61C6-4AD3-AD16-975169FAD560}" dt="2025-01-25T11:34:48.281" v="733" actId="26606"/>
-          <ac:spMkLst>
-            <pc:docMk/>
-            <pc:sldMk cId="324375167" sldId="258"/>
-            <ac:spMk id="42" creationId="{AD96FDFD-4E42-4A06-B8B5-768A1DB9C2A9}"/>
-          </ac:spMkLst>
-        </pc:spChg>
-        <pc:spChg chg="add del">
-          <ac:chgData name="Luis Fernando Rodriguez Gutierrez" userId="47d13518-703e-4604-b449-ba54b8feb907" providerId="ADAL" clId="{56418ACE-61C6-4AD3-AD16-975169FAD560}" dt="2025-01-25T11:35:36.247" v="746" actId="26606"/>
-          <ac:spMkLst>
-            <pc:docMk/>
-            <pc:sldMk cId="324375167" sldId="258"/>
-            <ac:spMk id="44" creationId="{AD96FDFD-4E42-4A06-B8B5-768A1DB9C2A9}"/>
-          </ac:spMkLst>
-        </pc:spChg>
-        <pc:grpChg chg="add del">
-          <ac:chgData name="Luis Fernando Rodriguez Gutierrez" userId="47d13518-703e-4604-b449-ba54b8feb907" providerId="ADAL" clId="{56418ACE-61C6-4AD3-AD16-975169FAD560}" dt="2025-01-25T11:35:41.652" v="748" actId="26606"/>
-          <ac:grpSpMkLst>
-            <pc:docMk/>
-            <pc:sldMk cId="324375167" sldId="258"/>
-            <ac:grpSpMk id="46" creationId="{2E56C079-9BED-4728-8FAD-2F9E3A179149}"/>
-          </ac:grpSpMkLst>
-        </pc:grpChg>
-        <pc:grpChg chg="add del">
-          <ac:chgData name="Luis Fernando Rodriguez Gutierrez" userId="47d13518-703e-4604-b449-ba54b8feb907" providerId="ADAL" clId="{56418ACE-61C6-4AD3-AD16-975169FAD560}" dt="2025-01-25T11:35:41.652" v="748" actId="26606"/>
-          <ac:grpSpMkLst>
-            <pc:docMk/>
-            <pc:sldMk cId="324375167" sldId="258"/>
-            <ac:grpSpMk id="57" creationId="{51AC3D20-E4ED-49E6-AADF-E32D5427ECD0}"/>
-          </ac:grpSpMkLst>
-        </pc:grpChg>
         <pc:picChg chg="add mod ord">
           <ac:chgData name="Luis Fernando Rodriguez Gutierrez" userId="47d13518-703e-4604-b449-ba54b8feb907" providerId="ADAL" clId="{56418ACE-61C6-4AD3-AD16-975169FAD560}" dt="2025-01-25T11:35:41.652" v="748" actId="26606"/>
           <ac:picMkLst>
@@ -509,38 +349,6 @@
             <ac:picMk id="8" creationId="{73DB612C-3BD1-A984-24C3-F287B3E6E7A1}"/>
           </ac:picMkLst>
         </pc:picChg>
-        <pc:picChg chg="add del mod ord">
-          <ac:chgData name="Luis Fernando Rodriguez Gutierrez" userId="47d13518-703e-4604-b449-ba54b8feb907" providerId="ADAL" clId="{56418ACE-61C6-4AD3-AD16-975169FAD560}" dt="2025-01-25T11:34:50.492" v="734" actId="478"/>
-          <ac:picMkLst>
-            <pc:docMk/>
-            <pc:sldMk cId="324375167" sldId="258"/>
-            <ac:picMk id="11" creationId="{AF68611B-8143-8A75-946A-710F1F68F1BF}"/>
-          </ac:picMkLst>
-        </pc:picChg>
-        <pc:picChg chg="add del mod ord">
-          <ac:chgData name="Luis Fernando Rodriguez Gutierrez" userId="47d13518-703e-4604-b449-ba54b8feb907" providerId="ADAL" clId="{56418ACE-61C6-4AD3-AD16-975169FAD560}" dt="2025-01-25T11:43:16.050" v="796" actId="21"/>
-          <ac:picMkLst>
-            <pc:docMk/>
-            <pc:sldMk cId="324375167" sldId="258"/>
-            <ac:picMk id="14" creationId="{5F400523-7B4B-5265-84EA-EEC455909426}"/>
-          </ac:picMkLst>
-        </pc:picChg>
-        <pc:cxnChg chg="add del">
-          <ac:chgData name="Luis Fernando Rodriguez Gutierrez" userId="47d13518-703e-4604-b449-ba54b8feb907" providerId="ADAL" clId="{56418ACE-61C6-4AD3-AD16-975169FAD560}" dt="2025-01-25T11:30:56.256" v="482" actId="26606"/>
-          <ac:cxnSpMkLst>
-            <pc:docMk/>
-            <pc:sldMk cId="324375167" sldId="258"/>
-            <ac:cxnSpMk id="28" creationId="{C49DA8F6-BCC1-4447-B54C-57856834B94B}"/>
-          </ac:cxnSpMkLst>
-        </pc:cxnChg>
-        <pc:cxnChg chg="add del">
-          <ac:chgData name="Luis Fernando Rodriguez Gutierrez" userId="47d13518-703e-4604-b449-ba54b8feb907" providerId="ADAL" clId="{56418ACE-61C6-4AD3-AD16-975169FAD560}" dt="2025-01-25T11:35:02.103" v="735" actId="26606"/>
-          <ac:cxnSpMkLst>
-            <pc:docMk/>
-            <pc:sldMk cId="324375167" sldId="258"/>
-            <ac:cxnSpMk id="37" creationId="{C49DA8F6-BCC1-4447-B54C-57856834B94B}"/>
-          </ac:cxnSpMkLst>
-        </pc:cxnChg>
       </pc:sldChg>
       <pc:sldChg chg="addSp delSp modSp mod">
         <pc:chgData name="Luis Fernando Rodriguez Gutierrez" userId="47d13518-703e-4604-b449-ba54b8feb907" providerId="ADAL" clId="{56418ACE-61C6-4AD3-AD16-975169FAD560}" dt="2025-01-25T11:43:51.721" v="807" actId="1076"/>
@@ -548,22 +356,6 @@
           <pc:docMk/>
           <pc:sldMk cId="1490319551" sldId="259"/>
         </pc:sldMkLst>
-        <pc:spChg chg="del mod">
-          <ac:chgData name="Luis Fernando Rodriguez Gutierrez" userId="47d13518-703e-4604-b449-ba54b8feb907" providerId="ADAL" clId="{56418ACE-61C6-4AD3-AD16-975169FAD560}" dt="2025-01-25T11:43:33.430" v="803" actId="478"/>
-          <ac:spMkLst>
-            <pc:docMk/>
-            <pc:sldMk cId="1490319551" sldId="259"/>
-            <ac:spMk id="3" creationId="{94B5A8C0-A0C1-0419-9975-A203A734121C}"/>
-          </ac:spMkLst>
-        </pc:spChg>
-        <pc:spChg chg="del">
-          <ac:chgData name="Luis Fernando Rodriguez Gutierrez" userId="47d13518-703e-4604-b449-ba54b8feb907" providerId="ADAL" clId="{56418ACE-61C6-4AD3-AD16-975169FAD560}" dt="2025-01-25T11:42:40.879" v="793" actId="478"/>
-          <ac:spMkLst>
-            <pc:docMk/>
-            <pc:sldMk cId="1490319551" sldId="259"/>
-            <ac:spMk id="4" creationId="{D0DEF27A-31AC-3F9F-9A68-9DA526E61497}"/>
-          </ac:spMkLst>
-        </pc:spChg>
         <pc:spChg chg="add mod">
           <ac:chgData name="Luis Fernando Rodriguez Gutierrez" userId="47d13518-703e-4604-b449-ba54b8feb907" providerId="ADAL" clId="{56418ACE-61C6-4AD3-AD16-975169FAD560}" dt="2025-01-25T11:43:51.721" v="807" actId="1076"/>
           <ac:spMkLst>
@@ -611,14 +403,6 @@
           <pc:docMk/>
           <pc:sldMk cId="2327144799" sldId="260"/>
         </pc:sldMkLst>
-        <pc:spChg chg="mod">
-          <ac:chgData name="Luis Fernando Rodriguez Gutierrez" userId="47d13518-703e-4604-b449-ba54b8feb907" providerId="ADAL" clId="{56418ACE-61C6-4AD3-AD16-975169FAD560}" dt="2025-01-25T11:13:52.444" v="29" actId="20577"/>
-          <ac:spMkLst>
-            <pc:docMk/>
-            <pc:sldMk cId="2327144799" sldId="260"/>
-            <ac:spMk id="3" creationId="{A31721F8-6950-845B-363D-5A8AC4DDE947}"/>
-          </ac:spMkLst>
-        </pc:spChg>
       </pc:sldChg>
       <pc:sldChg chg="addSp delSp modSp mod setBg">
         <pc:chgData name="Luis Fernando Rodriguez Gutierrez" userId="47d13518-703e-4604-b449-ba54b8feb907" providerId="ADAL" clId="{56418ACE-61C6-4AD3-AD16-975169FAD560}" dt="2025-01-25T13:34:26.463" v="1859" actId="20577"/>
@@ -640,14 +424,6 @@
             <pc:docMk/>
             <pc:sldMk cId="570102859" sldId="261"/>
             <ac:spMk id="3" creationId="{ADC23DE7-688F-96A3-C6A2-5683C853A5E8}"/>
-          </ac:spMkLst>
-        </pc:spChg>
-        <pc:spChg chg="del mod">
-          <ac:chgData name="Luis Fernando Rodriguez Gutierrez" userId="47d13518-703e-4604-b449-ba54b8feb907" providerId="ADAL" clId="{56418ACE-61C6-4AD3-AD16-975169FAD560}" dt="2025-01-25T13:27:16.929" v="1636" actId="478"/>
-          <ac:spMkLst>
-            <pc:docMk/>
-            <pc:sldMk cId="570102859" sldId="261"/>
-            <ac:spMk id="4" creationId="{BA4BF87F-5F60-3A65-F0C8-17B7BCDDAD1F}"/>
           </ac:spMkLst>
         </pc:spChg>
         <pc:spChg chg="add">
@@ -712,14 +488,6 @@
           <pc:docMk/>
           <pc:sldMk cId="386249461" sldId="266"/>
         </pc:sldMkLst>
-        <pc:spChg chg="mod">
-          <ac:chgData name="Luis Fernando Rodriguez Gutierrez" userId="47d13518-703e-4604-b449-ba54b8feb907" providerId="ADAL" clId="{56418ACE-61C6-4AD3-AD16-975169FAD560}" dt="2025-01-25T11:26:01.990" v="289"/>
-          <ac:spMkLst>
-            <pc:docMk/>
-            <pc:sldMk cId="386249461" sldId="266"/>
-            <ac:spMk id="2" creationId="{20DE77A8-A463-6C3C-5F33-CA26C9BFA88C}"/>
-          </ac:spMkLst>
-        </pc:spChg>
       </pc:sldChg>
       <pc:sldChg chg="addSp delSp modSp add mod setBg delDesignElem">
         <pc:chgData name="Luis Fernando Rodriguez Gutierrez" userId="47d13518-703e-4604-b449-ba54b8feb907" providerId="ADAL" clId="{56418ACE-61C6-4AD3-AD16-975169FAD560}" dt="2025-01-25T11:28:24.458" v="423" actId="20577"/>
@@ -751,62 +519,6 @@
             <ac:spMk id="8" creationId="{0552A7F3-458D-4FEA-DDD5-539E5E2B7B1D}"/>
           </ac:spMkLst>
         </pc:spChg>
-        <pc:spChg chg="del">
-          <ac:chgData name="Luis Fernando Rodriguez Gutierrez" userId="47d13518-703e-4604-b449-ba54b8feb907" providerId="ADAL" clId="{56418ACE-61C6-4AD3-AD16-975169FAD560}" dt="2025-01-25T11:26:05.611" v="291"/>
-          <ac:spMkLst>
-            <pc:docMk/>
-            <pc:sldMk cId="458714686" sldId="267"/>
-            <ac:spMk id="1031" creationId="{A43F7702-3460-46EA-46D7-E416590467AB}"/>
-          </ac:spMkLst>
-        </pc:spChg>
-        <pc:spChg chg="del">
-          <ac:chgData name="Luis Fernando Rodriguez Gutierrez" userId="47d13518-703e-4604-b449-ba54b8feb907" providerId="ADAL" clId="{56418ACE-61C6-4AD3-AD16-975169FAD560}" dt="2025-01-25T11:26:05.611" v="291"/>
-          <ac:spMkLst>
-            <pc:docMk/>
-            <pc:sldMk cId="458714686" sldId="267"/>
-            <ac:spMk id="1033" creationId="{2DCABAF4-3186-DB09-73AD-853977DE4116}"/>
-          </ac:spMkLst>
-        </pc:spChg>
-        <pc:spChg chg="del">
-          <ac:chgData name="Luis Fernando Rodriguez Gutierrez" userId="47d13518-703e-4604-b449-ba54b8feb907" providerId="ADAL" clId="{56418ACE-61C6-4AD3-AD16-975169FAD560}" dt="2025-01-25T11:26:05.611" v="291"/>
-          <ac:spMkLst>
-            <pc:docMk/>
-            <pc:sldMk cId="458714686" sldId="267"/>
-            <ac:spMk id="1035" creationId="{3AD4B917-6C7F-39DF-F9A4-02F56792F5DF}"/>
-          </ac:spMkLst>
-        </pc:spChg>
-        <pc:spChg chg="del">
-          <ac:chgData name="Luis Fernando Rodriguez Gutierrez" userId="47d13518-703e-4604-b449-ba54b8feb907" providerId="ADAL" clId="{56418ACE-61C6-4AD3-AD16-975169FAD560}" dt="2025-01-25T11:26:05.611" v="291"/>
-          <ac:spMkLst>
-            <pc:docMk/>
-            <pc:sldMk cId="458714686" sldId="267"/>
-            <ac:spMk id="1037" creationId="{C24DCCF7-84F1-F0C1-0879-E1385CF93318}"/>
-          </ac:spMkLst>
-        </pc:spChg>
-        <pc:spChg chg="del">
-          <ac:chgData name="Luis Fernando Rodriguez Gutierrez" userId="47d13518-703e-4604-b449-ba54b8feb907" providerId="ADAL" clId="{56418ACE-61C6-4AD3-AD16-975169FAD560}" dt="2025-01-25T11:26:05.611" v="291"/>
-          <ac:spMkLst>
-            <pc:docMk/>
-            <pc:sldMk cId="458714686" sldId="267"/>
-            <ac:spMk id="1039" creationId="{14E94B1A-8519-2A55-FF58-1D6F16258EDE}"/>
-          </ac:spMkLst>
-        </pc:spChg>
-        <pc:spChg chg="add del">
-          <ac:chgData name="Luis Fernando Rodriguez Gutierrez" userId="47d13518-703e-4604-b449-ba54b8feb907" providerId="ADAL" clId="{56418ACE-61C6-4AD3-AD16-975169FAD560}" dt="2025-01-25T11:26:28.514" v="299" actId="26606"/>
-          <ac:spMkLst>
-            <pc:docMk/>
-            <pc:sldMk cId="458714686" sldId="267"/>
-            <ac:spMk id="2055" creationId="{04812C46-200A-4DEB-A05E-3ED6C68C2387}"/>
-          </ac:spMkLst>
-        </pc:spChg>
-        <pc:spChg chg="add del">
-          <ac:chgData name="Luis Fernando Rodriguez Gutierrez" userId="47d13518-703e-4604-b449-ba54b8feb907" providerId="ADAL" clId="{56418ACE-61C6-4AD3-AD16-975169FAD560}" dt="2025-01-25T11:26:28.514" v="299" actId="26606"/>
-          <ac:spMkLst>
-            <pc:docMk/>
-            <pc:sldMk cId="458714686" sldId="267"/>
-            <ac:spMk id="2057" creationId="{D1EA859B-E555-4109-94F3-6700E046E008}"/>
-          </ac:spMkLst>
-        </pc:spChg>
         <pc:spChg chg="add">
           <ac:chgData name="Luis Fernando Rodriguez Gutierrez" userId="47d13518-703e-4604-b449-ba54b8feb907" providerId="ADAL" clId="{56418ACE-61C6-4AD3-AD16-975169FAD560}" dt="2025-01-25T11:26:28.521" v="300" actId="26606"/>
           <ac:spMkLst>
@@ -831,14 +543,6 @@
             <ac:spMk id="2061" creationId="{59383CF9-23B5-4335-9B21-1791C4CF1C75}"/>
           </ac:spMkLst>
         </pc:spChg>
-        <pc:picChg chg="del">
-          <ac:chgData name="Luis Fernando Rodriguez Gutierrez" userId="47d13518-703e-4604-b449-ba54b8feb907" providerId="ADAL" clId="{56418ACE-61C6-4AD3-AD16-975169FAD560}" dt="2025-01-25T11:26:08.196" v="293" actId="478"/>
-          <ac:picMkLst>
-            <pc:docMk/>
-            <pc:sldMk cId="458714686" sldId="267"/>
-            <ac:picMk id="1026" creationId="{86982A20-DFBC-B323-9E1D-A0175E63709C}"/>
-          </ac:picMkLst>
-        </pc:picChg>
         <pc:picChg chg="add mod ord">
           <ac:chgData name="Luis Fernando Rodriguez Gutierrez" userId="47d13518-703e-4604-b449-ba54b8feb907" providerId="ADAL" clId="{56418ACE-61C6-4AD3-AD16-975169FAD560}" dt="2025-01-25T11:26:28.521" v="300" actId="26606"/>
           <ac:picMkLst>
@@ -847,14 +551,6 @@
             <ac:picMk id="2050" creationId="{7047240B-DEB0-40A3-7B42-BA5664D5D480}"/>
           </ac:picMkLst>
         </pc:picChg>
-        <pc:cxnChg chg="del">
-          <ac:chgData name="Luis Fernando Rodriguez Gutierrez" userId="47d13518-703e-4604-b449-ba54b8feb907" providerId="ADAL" clId="{56418ACE-61C6-4AD3-AD16-975169FAD560}" dt="2025-01-25T11:26:05.611" v="291"/>
-          <ac:cxnSpMkLst>
-            <pc:docMk/>
-            <pc:sldMk cId="458714686" sldId="267"/>
-            <ac:cxnSpMk id="1041" creationId="{6338D5C5-7DC3-C872-C975-6729BA786131}"/>
-          </ac:cxnSpMkLst>
-        </pc:cxnChg>
       </pc:sldChg>
       <pc:sldChg chg="addSp delSp modSp new mod setBg">
         <pc:chgData name="Luis Fernando Rodriguez Gutierrez" userId="47d13518-703e-4604-b449-ba54b8feb907" providerId="ADAL" clId="{56418ACE-61C6-4AD3-AD16-975169FAD560}" dt="2025-01-25T12:00:32.087" v="838" actId="1076"/>
@@ -870,52 +566,12 @@
             <ac:spMk id="2" creationId="{B9A22025-07E4-5931-1B34-C78BA1604FCA}"/>
           </ac:spMkLst>
         </pc:spChg>
-        <pc:spChg chg="del mod">
-          <ac:chgData name="Luis Fernando Rodriguez Gutierrez" userId="47d13518-703e-4604-b449-ba54b8feb907" providerId="ADAL" clId="{56418ACE-61C6-4AD3-AD16-975169FAD560}" dt="2025-01-25T11:58:57.482" v="808" actId="478"/>
-          <ac:spMkLst>
-            <pc:docMk/>
-            <pc:sldMk cId="1016966140" sldId="268"/>
-            <ac:spMk id="3" creationId="{80156D45-3707-71FB-7FCC-3CEE4E8F2F63}"/>
-          </ac:spMkLst>
-        </pc:spChg>
-        <pc:spChg chg="del mod ord">
-          <ac:chgData name="Luis Fernando Rodriguez Gutierrez" userId="47d13518-703e-4604-b449-ba54b8feb907" providerId="ADAL" clId="{56418ACE-61C6-4AD3-AD16-975169FAD560}" dt="2025-01-25T11:42:38.001" v="792" actId="478"/>
-          <ac:spMkLst>
-            <pc:docMk/>
-            <pc:sldMk cId="1016966140" sldId="268"/>
-            <ac:spMk id="4" creationId="{FBACC38A-9032-4889-7887-6CD74551E158}"/>
-          </ac:spMkLst>
-        </pc:spChg>
-        <pc:spChg chg="add del">
-          <ac:chgData name="Luis Fernando Rodriguez Gutierrez" userId="47d13518-703e-4604-b449-ba54b8feb907" providerId="ADAL" clId="{56418ACE-61C6-4AD3-AD16-975169FAD560}" dt="2025-01-25T11:42:06.158" v="785" actId="26606"/>
-          <ac:spMkLst>
-            <pc:docMk/>
-            <pc:sldMk cId="1016966140" sldId="268"/>
-            <ac:spMk id="15" creationId="{F35DB090-93B5-4581-8D71-BB3839684BFF}"/>
-          </ac:spMkLst>
-        </pc:spChg>
         <pc:spChg chg="add">
           <ac:chgData name="Luis Fernando Rodriguez Gutierrez" userId="47d13518-703e-4604-b449-ba54b8feb907" providerId="ADAL" clId="{56418ACE-61C6-4AD3-AD16-975169FAD560}" dt="2025-01-25T12:00:24.033" v="835" actId="26606"/>
           <ac:spMkLst>
             <pc:docMk/>
             <pc:sldMk cId="1016966140" sldId="268"/>
             <ac:spMk id="16" creationId="{398F3DEE-0E56-499F-AFAE-C2DA7C2C815B}"/>
-          </ac:spMkLst>
-        </pc:spChg>
-        <pc:spChg chg="add del">
-          <ac:chgData name="Luis Fernando Rodriguez Gutierrez" userId="47d13518-703e-4604-b449-ba54b8feb907" providerId="ADAL" clId="{56418ACE-61C6-4AD3-AD16-975169FAD560}" dt="2025-01-25T11:42:06.158" v="785" actId="26606"/>
-          <ac:spMkLst>
-            <pc:docMk/>
-            <pc:sldMk cId="1016966140" sldId="268"/>
-            <ac:spMk id="17" creationId="{A0DE92DF-4769-4DE9-93FD-EE31271850CA}"/>
-          </ac:spMkLst>
-        </pc:spChg>
-        <pc:spChg chg="add del">
-          <ac:chgData name="Luis Fernando Rodriguez Gutierrez" userId="47d13518-703e-4604-b449-ba54b8feb907" providerId="ADAL" clId="{56418ACE-61C6-4AD3-AD16-975169FAD560}" dt="2025-01-25T12:00:20.066" v="834" actId="26606"/>
-          <ac:spMkLst>
-            <pc:docMk/>
-            <pc:sldMk cId="1016966140" sldId="268"/>
-            <ac:spMk id="19" creationId="{398F3DEE-0E56-499F-AFAE-C2DA7C2C815B}"/>
           </ac:spMkLst>
         </pc:spChg>
         <pc:spChg chg="add">
@@ -926,28 +582,12 @@
             <ac:spMk id="20" creationId="{33B9C452-2C6E-4D52-8FC7-669291EE91D4}"/>
           </ac:spMkLst>
         </pc:spChg>
-        <pc:spChg chg="add del">
-          <ac:chgData name="Luis Fernando Rodriguez Gutierrez" userId="47d13518-703e-4604-b449-ba54b8feb907" providerId="ADAL" clId="{56418ACE-61C6-4AD3-AD16-975169FAD560}" dt="2025-01-25T12:00:20.066" v="834" actId="26606"/>
-          <ac:spMkLst>
-            <pc:docMk/>
-            <pc:sldMk cId="1016966140" sldId="268"/>
-            <ac:spMk id="21" creationId="{33B9C452-2C6E-4D52-8FC7-669291EE91D4}"/>
-          </ac:spMkLst>
-        </pc:spChg>
         <pc:spChg chg="add">
           <ac:chgData name="Luis Fernando Rodriguez Gutierrez" userId="47d13518-703e-4604-b449-ba54b8feb907" providerId="ADAL" clId="{56418ACE-61C6-4AD3-AD16-975169FAD560}" dt="2025-01-25T12:00:24.033" v="835" actId="26606"/>
           <ac:spMkLst>
             <pc:docMk/>
             <pc:sldMk cId="1016966140" sldId="268"/>
             <ac:spMk id="22" creationId="{34E1CC44-1B7F-472B-B668-B4F2F4723D7E}"/>
-          </ac:spMkLst>
-        </pc:spChg>
-        <pc:spChg chg="add del">
-          <ac:chgData name="Luis Fernando Rodriguez Gutierrez" userId="47d13518-703e-4604-b449-ba54b8feb907" providerId="ADAL" clId="{56418ACE-61C6-4AD3-AD16-975169FAD560}" dt="2025-01-25T12:00:20.066" v="834" actId="26606"/>
-          <ac:spMkLst>
-            <pc:docMk/>
-            <pc:sldMk cId="1016966140" sldId="268"/>
-            <ac:spMk id="23" creationId="{34E1CC44-1B7F-472B-B668-B4F2F4723D7E}"/>
           </ac:spMkLst>
         </pc:spChg>
         <pc:spChg chg="add">
@@ -958,14 +598,6 @@
             <ac:spMk id="24" creationId="{B5BAD077-4A41-458D-9909-1A108699EA38}"/>
           </ac:spMkLst>
         </pc:spChg>
-        <pc:spChg chg="add del">
-          <ac:chgData name="Luis Fernando Rodriguez Gutierrez" userId="47d13518-703e-4604-b449-ba54b8feb907" providerId="ADAL" clId="{56418ACE-61C6-4AD3-AD16-975169FAD560}" dt="2025-01-25T12:00:20.066" v="834" actId="26606"/>
-          <ac:spMkLst>
-            <pc:docMk/>
-            <pc:sldMk cId="1016966140" sldId="268"/>
-            <ac:spMk id="25" creationId="{B5BAD077-4A41-458D-9909-1A108699EA38}"/>
-          </ac:spMkLst>
-        </pc:spChg>
         <pc:spChg chg="add">
           <ac:chgData name="Luis Fernando Rodriguez Gutierrez" userId="47d13518-703e-4604-b449-ba54b8feb907" providerId="ADAL" clId="{56418ACE-61C6-4AD3-AD16-975169FAD560}" dt="2025-01-25T12:00:24.033" v="835" actId="26606"/>
           <ac:spMkLst>
@@ -974,62 +606,6 @@
             <ac:spMk id="26" creationId="{F1FC21CE-01FD-49CC-BAFC-06F38B34BB81}"/>
           </ac:spMkLst>
         </pc:spChg>
-        <pc:spChg chg="add del">
-          <ac:chgData name="Luis Fernando Rodriguez Gutierrez" userId="47d13518-703e-4604-b449-ba54b8feb907" providerId="ADAL" clId="{56418ACE-61C6-4AD3-AD16-975169FAD560}" dt="2025-01-25T12:00:20.066" v="834" actId="26606"/>
-          <ac:spMkLst>
-            <pc:docMk/>
-            <pc:sldMk cId="1016966140" sldId="268"/>
-            <ac:spMk id="27" creationId="{F1FC21CE-01FD-49CC-BAFC-06F38B34BB81}"/>
-          </ac:spMkLst>
-        </pc:spChg>
-        <pc:picChg chg="add del mod">
-          <ac:chgData name="Luis Fernando Rodriguez Gutierrez" userId="47d13518-703e-4604-b449-ba54b8feb907" providerId="ADAL" clId="{56418ACE-61C6-4AD3-AD16-975169FAD560}" dt="2025-01-25T11:40:41.078" v="764" actId="478"/>
-          <ac:picMkLst>
-            <pc:docMk/>
-            <pc:sldMk cId="1016966140" sldId="268"/>
-            <ac:picMk id="6" creationId="{521FAAE0-F9AC-C667-B214-A58E7DD7989B}"/>
-          </ac:picMkLst>
-        </pc:picChg>
-        <pc:picChg chg="add del mod ord">
-          <ac:chgData name="Luis Fernando Rodriguez Gutierrez" userId="47d13518-703e-4604-b449-ba54b8feb907" providerId="ADAL" clId="{56418ACE-61C6-4AD3-AD16-975169FAD560}" dt="2025-01-25T12:00:29.071" v="836" actId="478"/>
-          <ac:picMkLst>
-            <pc:docMk/>
-            <pc:sldMk cId="1016966140" sldId="268"/>
-            <ac:picMk id="8" creationId="{2B24F1BA-0219-6725-29F0-25E26FBC2A6E}"/>
-          </ac:picMkLst>
-        </pc:picChg>
-        <pc:picChg chg="add del mod ord">
-          <ac:chgData name="Luis Fernando Rodriguez Gutierrez" userId="47d13518-703e-4604-b449-ba54b8feb907" providerId="ADAL" clId="{56418ACE-61C6-4AD3-AD16-975169FAD560}" dt="2025-01-25T12:00:29.071" v="836" actId="478"/>
-          <ac:picMkLst>
-            <pc:docMk/>
-            <pc:sldMk cId="1016966140" sldId="268"/>
-            <ac:picMk id="10" creationId="{45EEC6D6-51F2-887D-6021-10BFDE2E26A7}"/>
-          </ac:picMkLst>
-        </pc:picChg>
-        <pc:picChg chg="add del mod ord">
-          <ac:chgData name="Luis Fernando Rodriguez Gutierrez" userId="47d13518-703e-4604-b449-ba54b8feb907" providerId="ADAL" clId="{56418ACE-61C6-4AD3-AD16-975169FAD560}" dt="2025-01-25T12:00:29.071" v="836" actId="478"/>
-          <ac:picMkLst>
-            <pc:docMk/>
-            <pc:sldMk cId="1016966140" sldId="268"/>
-            <ac:picMk id="12" creationId="{5D25535C-5E40-CE45-A92C-3DCA119F0525}"/>
-          </ac:picMkLst>
-        </pc:picChg>
-        <pc:picChg chg="add del mod">
-          <ac:chgData name="Luis Fernando Rodriguez Gutierrez" userId="47d13518-703e-4604-b449-ba54b8feb907" providerId="ADAL" clId="{56418ACE-61C6-4AD3-AD16-975169FAD560}" dt="2025-01-25T12:00:29.071" v="836" actId="478"/>
-          <ac:picMkLst>
-            <pc:docMk/>
-            <pc:sldMk cId="1016966140" sldId="268"/>
-            <ac:picMk id="14" creationId="{FA834FC4-5053-F290-90FF-8F3B1B02101E}"/>
-          </ac:picMkLst>
-        </pc:picChg>
-        <pc:picChg chg="add del">
-          <ac:chgData name="Luis Fernando Rodriguez Gutierrez" userId="47d13518-703e-4604-b449-ba54b8feb907" providerId="ADAL" clId="{56418ACE-61C6-4AD3-AD16-975169FAD560}" dt="2025-01-25T11:59:19.853" v="814" actId="22"/>
-          <ac:picMkLst>
-            <pc:docMk/>
-            <pc:sldMk cId="1016966140" sldId="268"/>
-            <ac:picMk id="18" creationId="{191876A3-D583-9BDA-40A9-2FC660243B42}"/>
-          </ac:picMkLst>
-        </pc:picChg>
         <pc:picChg chg="add mod">
           <ac:chgData name="Luis Fernando Rodriguez Gutierrez" userId="47d13518-703e-4604-b449-ba54b8feb907" providerId="ADAL" clId="{56418ACE-61C6-4AD3-AD16-975169FAD560}" dt="2025-01-25T12:00:32.087" v="838" actId="1076"/>
           <ac:picMkLst>
@@ -1082,46 +658,6 @@
             <pc:docMk/>
             <pc:sldMk cId="1202540096" sldId="269"/>
             <ac:spMk id="2" creationId="{454F84B2-C464-8BAB-584C-21DBC24195E2}"/>
-          </ac:spMkLst>
-        </pc:spChg>
-        <pc:spChg chg="add del">
-          <ac:chgData name="Luis Fernando Rodriguez Gutierrez" userId="47d13518-703e-4604-b449-ba54b8feb907" providerId="ADAL" clId="{56418ACE-61C6-4AD3-AD16-975169FAD560}" dt="2025-01-25T12:01:23.937" v="869" actId="26606"/>
-          <ac:spMkLst>
-            <pc:docMk/>
-            <pc:sldMk cId="1202540096" sldId="269"/>
-            <ac:spMk id="11" creationId="{2151139A-886F-4B97-8815-729AD3831BBD}"/>
-          </ac:spMkLst>
-        </pc:spChg>
-        <pc:spChg chg="add del">
-          <ac:chgData name="Luis Fernando Rodriguez Gutierrez" userId="47d13518-703e-4604-b449-ba54b8feb907" providerId="ADAL" clId="{56418ACE-61C6-4AD3-AD16-975169FAD560}" dt="2025-01-25T12:01:23.937" v="869" actId="26606"/>
-          <ac:spMkLst>
-            <pc:docMk/>
-            <pc:sldMk cId="1202540096" sldId="269"/>
-            <ac:spMk id="13" creationId="{AB5E08C4-8CDD-4623-A5B8-E998C6DEE3B7}"/>
-          </ac:spMkLst>
-        </pc:spChg>
-        <pc:spChg chg="add del">
-          <ac:chgData name="Luis Fernando Rodriguez Gutierrez" userId="47d13518-703e-4604-b449-ba54b8feb907" providerId="ADAL" clId="{56418ACE-61C6-4AD3-AD16-975169FAD560}" dt="2025-01-25T12:01:23.937" v="869" actId="26606"/>
-          <ac:spMkLst>
-            <pc:docMk/>
-            <pc:sldMk cId="1202540096" sldId="269"/>
-            <ac:spMk id="15" creationId="{15F33878-D502-4FFA-8ACE-F2AECDB2A23F}"/>
-          </ac:spMkLst>
-        </pc:spChg>
-        <pc:spChg chg="add del">
-          <ac:chgData name="Luis Fernando Rodriguez Gutierrez" userId="47d13518-703e-4604-b449-ba54b8feb907" providerId="ADAL" clId="{56418ACE-61C6-4AD3-AD16-975169FAD560}" dt="2025-01-25T12:01:23.937" v="869" actId="26606"/>
-          <ac:spMkLst>
-            <pc:docMk/>
-            <pc:sldMk cId="1202540096" sldId="269"/>
-            <ac:spMk id="17" creationId="{D3539FEE-81D3-4406-802E-60B20B16F4F6}"/>
-          </ac:spMkLst>
-        </pc:spChg>
-        <pc:spChg chg="add del">
-          <ac:chgData name="Luis Fernando Rodriguez Gutierrez" userId="47d13518-703e-4604-b449-ba54b8feb907" providerId="ADAL" clId="{56418ACE-61C6-4AD3-AD16-975169FAD560}" dt="2025-01-25T12:01:23.937" v="869" actId="26606"/>
-          <ac:spMkLst>
-            <pc:docMk/>
-            <pc:sldMk cId="1202540096" sldId="269"/>
-            <ac:spMk id="19" creationId="{DC701763-729E-462F-A5A8-E0DEFEB1E2E4}"/>
           </ac:spMkLst>
         </pc:spChg>
         <pc:spChg chg="add">
@@ -1180,38 +716,6 @@
             <ac:picMk id="6" creationId="{1D2AB662-E551-9D91-F65F-20617992E6B8}"/>
           </ac:picMkLst>
         </pc:picChg>
-        <pc:picChg chg="del">
-          <ac:chgData name="Luis Fernando Rodriguez Gutierrez" userId="47d13518-703e-4604-b449-ba54b8feb907" providerId="ADAL" clId="{56418ACE-61C6-4AD3-AD16-975169FAD560}" dt="2025-01-25T11:59:31.355" v="823" actId="478"/>
-          <ac:picMkLst>
-            <pc:docMk/>
-            <pc:sldMk cId="1202540096" sldId="269"/>
-            <ac:picMk id="8" creationId="{A00D8A00-EE80-570B-583C-5EBF58942E6E}"/>
-          </ac:picMkLst>
-        </pc:picChg>
-        <pc:picChg chg="del">
-          <ac:chgData name="Luis Fernando Rodriguez Gutierrez" userId="47d13518-703e-4604-b449-ba54b8feb907" providerId="ADAL" clId="{56418ACE-61C6-4AD3-AD16-975169FAD560}" dt="2025-01-25T11:59:31.355" v="823" actId="478"/>
-          <ac:picMkLst>
-            <pc:docMk/>
-            <pc:sldMk cId="1202540096" sldId="269"/>
-            <ac:picMk id="10" creationId="{25195CBB-C5FD-D40A-A457-3B94FF9BE125}"/>
-          </ac:picMkLst>
-        </pc:picChg>
-        <pc:picChg chg="del">
-          <ac:chgData name="Luis Fernando Rodriguez Gutierrez" userId="47d13518-703e-4604-b449-ba54b8feb907" providerId="ADAL" clId="{56418ACE-61C6-4AD3-AD16-975169FAD560}" dt="2025-01-25T11:59:31.355" v="823" actId="478"/>
-          <ac:picMkLst>
-            <pc:docMk/>
-            <pc:sldMk cId="1202540096" sldId="269"/>
-            <ac:picMk id="12" creationId="{117D7850-E888-F2E7-00F6-1BBD411027E1}"/>
-          </ac:picMkLst>
-        </pc:picChg>
-        <pc:picChg chg="del">
-          <ac:chgData name="Luis Fernando Rodriguez Gutierrez" userId="47d13518-703e-4604-b449-ba54b8feb907" providerId="ADAL" clId="{56418ACE-61C6-4AD3-AD16-975169FAD560}" dt="2025-01-25T11:59:31.355" v="823" actId="478"/>
-          <ac:picMkLst>
-            <pc:docMk/>
-            <pc:sldMk cId="1202540096" sldId="269"/>
-            <ac:picMk id="14" creationId="{702C0916-81A0-D072-E839-05D14E310E0F}"/>
-          </ac:picMkLst>
-        </pc:picChg>
       </pc:sldChg>
       <pc:sldChg chg="addSp delSp modSp add mod setBg delDesignElem">
         <pc:chgData name="Luis Fernando Rodriguez Gutierrez" userId="47d13518-703e-4604-b449-ba54b8feb907" providerId="ADAL" clId="{56418ACE-61C6-4AD3-AD16-975169FAD560}" dt="2025-01-25T12:02:47.965" v="882" actId="1076"/>
@@ -1225,86 +729,6 @@
             <pc:docMk/>
             <pc:sldMk cId="1569925214" sldId="270"/>
             <ac:spMk id="2" creationId="{B2319F48-CD7F-E15D-5CCD-AE65C3B714F2}"/>
-          </ac:spMkLst>
-        </pc:spChg>
-        <pc:spChg chg="add del">
-          <ac:chgData name="Luis Fernando Rodriguez Gutierrez" userId="47d13518-703e-4604-b449-ba54b8feb907" providerId="ADAL" clId="{56418ACE-61C6-4AD3-AD16-975169FAD560}" dt="2025-01-25T12:01:20.354" v="868" actId="26606"/>
-          <ac:spMkLst>
-            <pc:docMk/>
-            <pc:sldMk cId="1569925214" sldId="270"/>
-            <ac:spMk id="8" creationId="{2151139A-886F-4B97-8815-729AD3831BBD}"/>
-          </ac:spMkLst>
-        </pc:spChg>
-        <pc:spChg chg="add del">
-          <ac:chgData name="Luis Fernando Rodriguez Gutierrez" userId="47d13518-703e-4604-b449-ba54b8feb907" providerId="ADAL" clId="{56418ACE-61C6-4AD3-AD16-975169FAD560}" dt="2025-01-25T12:01:20.354" v="868" actId="26606"/>
-          <ac:spMkLst>
-            <pc:docMk/>
-            <pc:sldMk cId="1569925214" sldId="270"/>
-            <ac:spMk id="9" creationId="{AB5E08C4-8CDD-4623-A5B8-E998C6DEE3B7}"/>
-          </ac:spMkLst>
-        </pc:spChg>
-        <pc:spChg chg="add del">
-          <ac:chgData name="Luis Fernando Rodriguez Gutierrez" userId="47d13518-703e-4604-b449-ba54b8feb907" providerId="ADAL" clId="{56418ACE-61C6-4AD3-AD16-975169FAD560}" dt="2025-01-25T12:01:20.354" v="868" actId="26606"/>
-          <ac:spMkLst>
-            <pc:docMk/>
-            <pc:sldMk cId="1569925214" sldId="270"/>
-            <ac:spMk id="10" creationId="{15F33878-D502-4FFA-8ACE-F2AECDB2A23F}"/>
-          </ac:spMkLst>
-        </pc:spChg>
-        <pc:spChg chg="del">
-          <ac:chgData name="Luis Fernando Rodriguez Gutierrez" userId="47d13518-703e-4604-b449-ba54b8feb907" providerId="ADAL" clId="{56418ACE-61C6-4AD3-AD16-975169FAD560}" dt="2025-01-25T12:00:39.945" v="843"/>
-          <ac:spMkLst>
-            <pc:docMk/>
-            <pc:sldMk cId="1569925214" sldId="270"/>
-            <ac:spMk id="11" creationId="{E1DA976A-5A8B-AD84-028F-766DD53F1955}"/>
-          </ac:spMkLst>
-        </pc:spChg>
-        <pc:spChg chg="add del">
-          <ac:chgData name="Luis Fernando Rodriguez Gutierrez" userId="47d13518-703e-4604-b449-ba54b8feb907" providerId="ADAL" clId="{56418ACE-61C6-4AD3-AD16-975169FAD560}" dt="2025-01-25T12:01:20.354" v="868" actId="26606"/>
-          <ac:spMkLst>
-            <pc:docMk/>
-            <pc:sldMk cId="1569925214" sldId="270"/>
-            <ac:spMk id="12" creationId="{D3539FEE-81D3-4406-802E-60B20B16F4F6}"/>
-          </ac:spMkLst>
-        </pc:spChg>
-        <pc:spChg chg="del">
-          <ac:chgData name="Luis Fernando Rodriguez Gutierrez" userId="47d13518-703e-4604-b449-ba54b8feb907" providerId="ADAL" clId="{56418ACE-61C6-4AD3-AD16-975169FAD560}" dt="2025-01-25T12:00:39.945" v="843"/>
-          <ac:spMkLst>
-            <pc:docMk/>
-            <pc:sldMk cId="1569925214" sldId="270"/>
-            <ac:spMk id="13" creationId="{5B0927DB-F867-E9CA-4741-F6445A69F213}"/>
-          </ac:spMkLst>
-        </pc:spChg>
-        <pc:spChg chg="add del">
-          <ac:chgData name="Luis Fernando Rodriguez Gutierrez" userId="47d13518-703e-4604-b449-ba54b8feb907" providerId="ADAL" clId="{56418ACE-61C6-4AD3-AD16-975169FAD560}" dt="2025-01-25T12:01:20.354" v="868" actId="26606"/>
-          <ac:spMkLst>
-            <pc:docMk/>
-            <pc:sldMk cId="1569925214" sldId="270"/>
-            <ac:spMk id="14" creationId="{DC701763-729E-462F-A5A8-E0DEFEB1E2E4}"/>
-          </ac:spMkLst>
-        </pc:spChg>
-        <pc:spChg chg="del">
-          <ac:chgData name="Luis Fernando Rodriguez Gutierrez" userId="47d13518-703e-4604-b449-ba54b8feb907" providerId="ADAL" clId="{56418ACE-61C6-4AD3-AD16-975169FAD560}" dt="2025-01-25T12:00:39.945" v="843"/>
-          <ac:spMkLst>
-            <pc:docMk/>
-            <pc:sldMk cId="1569925214" sldId="270"/>
-            <ac:spMk id="15" creationId="{7F3BB344-C713-EC86-3E34-6EB4C904BBB9}"/>
-          </ac:spMkLst>
-        </pc:spChg>
-        <pc:spChg chg="del">
-          <ac:chgData name="Luis Fernando Rodriguez Gutierrez" userId="47d13518-703e-4604-b449-ba54b8feb907" providerId="ADAL" clId="{56418ACE-61C6-4AD3-AD16-975169FAD560}" dt="2025-01-25T12:00:39.945" v="843"/>
-          <ac:spMkLst>
-            <pc:docMk/>
-            <pc:sldMk cId="1569925214" sldId="270"/>
-            <ac:spMk id="17" creationId="{4FD207A6-715E-C61D-47B7-16056DD01EA8}"/>
-          </ac:spMkLst>
-        </pc:spChg>
-        <pc:spChg chg="del">
-          <ac:chgData name="Luis Fernando Rodriguez Gutierrez" userId="47d13518-703e-4604-b449-ba54b8feb907" providerId="ADAL" clId="{56418ACE-61C6-4AD3-AD16-975169FAD560}" dt="2025-01-25T12:00:39.945" v="843"/>
-          <ac:spMkLst>
-            <pc:docMk/>
-            <pc:sldMk cId="1569925214" sldId="270"/>
-            <ac:spMk id="19" creationId="{A5C9FF2D-FDAC-5891-E1C4-68C0CD7A73DD}"/>
           </ac:spMkLst>
         </pc:spChg>
         <pc:spChg chg="add">
@@ -1347,28 +771,12 @@
             <ac:spMk id="29" creationId="{DC701763-729E-462F-A5A8-E0DEFEB1E2E4}"/>
           </ac:spMkLst>
         </pc:spChg>
-        <pc:picChg chg="del">
-          <ac:chgData name="Luis Fernando Rodriguez Gutierrez" userId="47d13518-703e-4604-b449-ba54b8feb907" providerId="ADAL" clId="{56418ACE-61C6-4AD3-AD16-975169FAD560}" dt="2025-01-25T12:00:54.369" v="863" actId="478"/>
-          <ac:picMkLst>
-            <pc:docMk/>
-            <pc:sldMk cId="1569925214" sldId="270"/>
-            <ac:picMk id="4" creationId="{F1C5BFA2-BD68-7817-79C3-6B06CDDB550C}"/>
-          </ac:picMkLst>
-        </pc:picChg>
         <pc:picChg chg="add mod">
           <ac:chgData name="Luis Fernando Rodriguez Gutierrez" userId="47d13518-703e-4604-b449-ba54b8feb907" providerId="ADAL" clId="{56418ACE-61C6-4AD3-AD16-975169FAD560}" dt="2025-01-25T12:02:42.893" v="879" actId="1076"/>
           <ac:picMkLst>
             <pc:docMk/>
             <pc:sldMk cId="1569925214" sldId="270"/>
             <ac:picMk id="5" creationId="{DDF25917-5FCF-3F00-A67D-E31B1F54F358}"/>
-          </ac:picMkLst>
-        </pc:picChg>
-        <pc:picChg chg="del mod">
-          <ac:chgData name="Luis Fernando Rodriguez Gutierrez" userId="47d13518-703e-4604-b449-ba54b8feb907" providerId="ADAL" clId="{56418ACE-61C6-4AD3-AD16-975169FAD560}" dt="2025-01-25T12:00:54.369" v="863" actId="478"/>
-          <ac:picMkLst>
-            <pc:docMk/>
-            <pc:sldMk cId="1569925214" sldId="270"/>
-            <ac:picMk id="6" creationId="{6AB721A6-CEE8-6EF5-81D9-1037CBE2341E}"/>
           </ac:picMkLst>
         </pc:picChg>
         <pc:picChg chg="add mod">
@@ -1402,46 +810,6 @@
           <pc:docMk/>
           <pc:sldMk cId="2321941515" sldId="270"/>
         </pc:sldMkLst>
-        <pc:spChg chg="del">
-          <ac:chgData name="Luis Fernando Rodriguez Gutierrez" userId="47d13518-703e-4604-b449-ba54b8feb907" providerId="ADAL" clId="{56418ACE-61C6-4AD3-AD16-975169FAD560}" dt="2025-01-25T12:00:34.888" v="840"/>
-          <ac:spMkLst>
-            <pc:docMk/>
-            <pc:sldMk cId="2321941515" sldId="270"/>
-            <ac:spMk id="11" creationId="{D4A4587D-8D5F-C2BE-0D8F-D8D1F133689B}"/>
-          </ac:spMkLst>
-        </pc:spChg>
-        <pc:spChg chg="del">
-          <ac:chgData name="Luis Fernando Rodriguez Gutierrez" userId="47d13518-703e-4604-b449-ba54b8feb907" providerId="ADAL" clId="{56418ACE-61C6-4AD3-AD16-975169FAD560}" dt="2025-01-25T12:00:34.888" v="840"/>
-          <ac:spMkLst>
-            <pc:docMk/>
-            <pc:sldMk cId="2321941515" sldId="270"/>
-            <ac:spMk id="13" creationId="{FF2CECA7-A6A4-BF6E-C3CC-E02CE37C6271}"/>
-          </ac:spMkLst>
-        </pc:spChg>
-        <pc:spChg chg="del">
-          <ac:chgData name="Luis Fernando Rodriguez Gutierrez" userId="47d13518-703e-4604-b449-ba54b8feb907" providerId="ADAL" clId="{56418ACE-61C6-4AD3-AD16-975169FAD560}" dt="2025-01-25T12:00:34.888" v="840"/>
-          <ac:spMkLst>
-            <pc:docMk/>
-            <pc:sldMk cId="2321941515" sldId="270"/>
-            <ac:spMk id="15" creationId="{E90A4DA7-90E5-11C6-57F1-BB4A704526AA}"/>
-          </ac:spMkLst>
-        </pc:spChg>
-        <pc:spChg chg="del">
-          <ac:chgData name="Luis Fernando Rodriguez Gutierrez" userId="47d13518-703e-4604-b449-ba54b8feb907" providerId="ADAL" clId="{56418ACE-61C6-4AD3-AD16-975169FAD560}" dt="2025-01-25T12:00:34.888" v="840"/>
-          <ac:spMkLst>
-            <pc:docMk/>
-            <pc:sldMk cId="2321941515" sldId="270"/>
-            <ac:spMk id="17" creationId="{D56B1024-7F30-B700-D450-441916BEDE38}"/>
-          </ac:spMkLst>
-        </pc:spChg>
-        <pc:spChg chg="del">
-          <ac:chgData name="Luis Fernando Rodriguez Gutierrez" userId="47d13518-703e-4604-b449-ba54b8feb907" providerId="ADAL" clId="{56418ACE-61C6-4AD3-AD16-975169FAD560}" dt="2025-01-25T12:00:34.888" v="840"/>
-          <ac:spMkLst>
-            <pc:docMk/>
-            <pc:sldMk cId="2321941515" sldId="270"/>
-            <ac:spMk id="19" creationId="{66323F8F-2C97-55D7-0E86-7B52A6B8DE78}"/>
-          </ac:spMkLst>
-        </pc:spChg>
       </pc:sldChg>
       <pc:sldChg chg="addSp delSp modSp add mod setBg">
         <pc:chgData name="Luis Fernando Rodriguez Gutierrez" userId="47d13518-703e-4604-b449-ba54b8feb907" providerId="ADAL" clId="{56418ACE-61C6-4AD3-AD16-975169FAD560}" dt="2025-01-25T13:34:44.554" v="1874" actId="27636"/>
@@ -1481,30 +849,6 @@
             <ac:spMk id="5" creationId="{6939809F-DB7E-5BE9-1EA6-75425BDA083E}"/>
           </ac:spMkLst>
         </pc:spChg>
-        <pc:spChg chg="add del">
-          <ac:chgData name="Luis Fernando Rodriguez Gutierrez" userId="47d13518-703e-4604-b449-ba54b8feb907" providerId="ADAL" clId="{56418ACE-61C6-4AD3-AD16-975169FAD560}" dt="2025-01-25T12:14:46.348" v="1234" actId="26606"/>
-          <ac:spMkLst>
-            <pc:docMk/>
-            <pc:sldMk cId="100226028" sldId="271"/>
-            <ac:spMk id="3079" creationId="{979E27D9-03C7-44E2-9FF8-15D0C8506AF7}"/>
-          </ac:spMkLst>
-        </pc:spChg>
-        <pc:spChg chg="add del">
-          <ac:chgData name="Luis Fernando Rodriguez Gutierrez" userId="47d13518-703e-4604-b449-ba54b8feb907" providerId="ADAL" clId="{56418ACE-61C6-4AD3-AD16-975169FAD560}" dt="2025-01-25T12:14:46.348" v="1234" actId="26606"/>
-          <ac:spMkLst>
-            <pc:docMk/>
-            <pc:sldMk cId="100226028" sldId="271"/>
-            <ac:spMk id="3081" creationId="{EEBF1590-3B36-48EE-A89D-3B6F3CB256AB}"/>
-          </ac:spMkLst>
-        </pc:spChg>
-        <pc:spChg chg="add del">
-          <ac:chgData name="Luis Fernando Rodriguez Gutierrez" userId="47d13518-703e-4604-b449-ba54b8feb907" providerId="ADAL" clId="{56418ACE-61C6-4AD3-AD16-975169FAD560}" dt="2025-01-25T12:14:46.348" v="1234" actId="26606"/>
-          <ac:spMkLst>
-            <pc:docMk/>
-            <pc:sldMk cId="100226028" sldId="271"/>
-            <ac:spMk id="3083" creationId="{AC8F6C8C-AB5A-4548-942D-E3FD40ACBC49}"/>
-          </ac:spMkLst>
-        </pc:spChg>
         <pc:spChg chg="add">
           <ac:chgData name="Luis Fernando Rodriguez Gutierrez" userId="47d13518-703e-4604-b449-ba54b8feb907" providerId="ADAL" clId="{56418ACE-61C6-4AD3-AD16-975169FAD560}" dt="2025-01-25T12:14:46.348" v="1234" actId="26606"/>
           <ac:spMkLst>
@@ -1529,14 +873,6 @@
             <ac:spMk id="3092" creationId="{AC8F6C8C-AB5A-4548-942D-E3FD40ACBC49}"/>
           </ac:spMkLst>
         </pc:spChg>
-        <pc:picChg chg="del">
-          <ac:chgData name="Luis Fernando Rodriguez Gutierrez" userId="47d13518-703e-4604-b449-ba54b8feb907" providerId="ADAL" clId="{56418ACE-61C6-4AD3-AD16-975169FAD560}" dt="2025-01-25T12:05:11.131" v="936" actId="478"/>
-          <ac:picMkLst>
-            <pc:docMk/>
-            <pc:sldMk cId="100226028" sldId="271"/>
-            <ac:picMk id="6" creationId="{FBCC5732-80F6-9953-A617-17FE154D1BB4}"/>
-          </ac:picMkLst>
-        </pc:picChg>
         <pc:picChg chg="add mod">
           <ac:chgData name="Luis Fernando Rodriguez Gutierrez" userId="47d13518-703e-4604-b449-ba54b8feb907" providerId="ADAL" clId="{56418ACE-61C6-4AD3-AD16-975169FAD560}" dt="2025-01-25T12:14:36.893" v="1231" actId="26606"/>
           <ac:picMkLst>
@@ -1600,30 +936,109 @@
             <ac:spMk id="3083" creationId="{AC8F6C8C-AB5A-4548-942D-E3FD40ACBC49}"/>
           </ac:spMkLst>
         </pc:spChg>
-        <pc:spChg chg="del">
-          <ac:chgData name="Luis Fernando Rodriguez Gutierrez" userId="47d13518-703e-4604-b449-ba54b8feb907" providerId="ADAL" clId="{56418ACE-61C6-4AD3-AD16-975169FAD560}" dt="2025-01-25T12:14:59.895" v="1236"/>
+      </pc:sldChg>
+      <pc:sldChg chg="addSp delSp modSp mod">
+        <pc:chgData name="Luis Fernando Rodriguez Gutierrez" userId="47d13518-703e-4604-b449-ba54b8feb907" providerId="ADAL" clId="{56418ACE-61C6-4AD3-AD16-975169FAD560}" dt="2025-02-02T19:18:27.197" v="1898" actId="1076"/>
+        <pc:sldMkLst>
+          <pc:docMk/>
+          <pc:sldMk cId="4015210397" sldId="276"/>
+        </pc:sldMkLst>
+        <pc:spChg chg="mod">
+          <ac:chgData name="Luis Fernando Rodriguez Gutierrez" userId="47d13518-703e-4604-b449-ba54b8feb907" providerId="ADAL" clId="{56418ACE-61C6-4AD3-AD16-975169FAD560}" dt="2025-02-02T19:18:03.071" v="1891" actId="26606"/>
           <ac:spMkLst>
             <pc:docMk/>
-            <pc:sldMk cId="3504012682" sldId="272"/>
-            <ac:spMk id="3088" creationId="{8BEF5D70-8B7D-FCBE-A7B0-043F0D0BF322}"/>
+            <pc:sldMk cId="4015210397" sldId="276"/>
+            <ac:spMk id="2" creationId="{94B328AE-E53D-89D4-CE8C-E82025EE8E1F}"/>
           </ac:spMkLst>
         </pc:spChg>
-        <pc:spChg chg="del">
-          <ac:chgData name="Luis Fernando Rodriguez Gutierrez" userId="47d13518-703e-4604-b449-ba54b8feb907" providerId="ADAL" clId="{56418ACE-61C6-4AD3-AD16-975169FAD560}" dt="2025-01-25T12:14:59.895" v="1236"/>
+        <pc:spChg chg="add del mod">
+          <ac:chgData name="Luis Fernando Rodriguez Gutierrez" userId="47d13518-703e-4604-b449-ba54b8feb907" providerId="ADAL" clId="{56418ACE-61C6-4AD3-AD16-975169FAD560}" dt="2025-02-02T19:18:06.746" v="1893" actId="478"/>
           <ac:spMkLst>
             <pc:docMk/>
-            <pc:sldMk cId="3504012682" sldId="272"/>
-            <ac:spMk id="3090" creationId="{0574E166-482C-CC7A-D368-32804F847FEF}"/>
+            <pc:sldMk cId="4015210397" sldId="276"/>
+            <ac:spMk id="4" creationId="{00C8D31D-094B-1938-EFBC-3D867A1DD55A}"/>
           </ac:spMkLst>
         </pc:spChg>
-        <pc:spChg chg="del">
-          <ac:chgData name="Luis Fernando Rodriguez Gutierrez" userId="47d13518-703e-4604-b449-ba54b8feb907" providerId="ADAL" clId="{56418ACE-61C6-4AD3-AD16-975169FAD560}" dt="2025-01-25T12:14:59.895" v="1236"/>
+        <pc:spChg chg="add del">
+          <ac:chgData name="Luis Fernando Rodriguez Gutierrez" userId="47d13518-703e-4604-b449-ba54b8feb907" providerId="ADAL" clId="{56418ACE-61C6-4AD3-AD16-975169FAD560}" dt="2025-02-02T19:18:03.071" v="1891" actId="26606"/>
           <ac:spMkLst>
             <pc:docMk/>
-            <pc:sldMk cId="3504012682" sldId="272"/>
-            <ac:spMk id="3092" creationId="{1FF2E63D-BFAA-4BB9-7501-BDC3089F6A77}"/>
+            <pc:sldMk cId="4015210397" sldId="276"/>
+            <ac:spMk id="7" creationId="{64D80EC7-3EC5-C86D-E55F-3073D03EA18A}"/>
           </ac:spMkLst>
         </pc:spChg>
+        <pc:spChg chg="add del mod">
+          <ac:chgData name="Luis Fernando Rodriguez Gutierrez" userId="47d13518-703e-4604-b449-ba54b8feb907" providerId="ADAL" clId="{56418ACE-61C6-4AD3-AD16-975169FAD560}" dt="2025-02-02T19:18:10.430" v="1895" actId="22"/>
+          <ac:spMkLst>
+            <pc:docMk/>
+            <pc:sldMk cId="4015210397" sldId="276"/>
+            <ac:spMk id="10" creationId="{CBAAE50D-35B5-AB3D-624A-9C78C2F2680E}"/>
+          </ac:spMkLst>
+        </pc:spChg>
+        <pc:spChg chg="add del">
+          <ac:chgData name="Luis Fernando Rodriguez Gutierrez" userId="47d13518-703e-4604-b449-ba54b8feb907" providerId="ADAL" clId="{56418ACE-61C6-4AD3-AD16-975169FAD560}" dt="2025-02-02T19:18:03.071" v="1891" actId="26606"/>
+          <ac:spMkLst>
+            <pc:docMk/>
+            <pc:sldMk cId="4015210397" sldId="276"/>
+            <ac:spMk id="11" creationId="{A8384FB5-9ADC-4DDC-881B-597D56F5B15D}"/>
+          </ac:spMkLst>
+        </pc:spChg>
+        <pc:spChg chg="add del">
+          <ac:chgData name="Luis Fernando Rodriguez Gutierrez" userId="47d13518-703e-4604-b449-ba54b8feb907" providerId="ADAL" clId="{56418ACE-61C6-4AD3-AD16-975169FAD560}" dt="2025-02-02T19:18:03.071" v="1891" actId="26606"/>
+          <ac:spMkLst>
+            <pc:docMk/>
+            <pc:sldMk cId="4015210397" sldId="276"/>
+            <ac:spMk id="13" creationId="{1199E1B1-A8C0-4FE8-A5A8-1CB41D69F857}"/>
+          </ac:spMkLst>
+        </pc:spChg>
+        <pc:spChg chg="add del">
+          <ac:chgData name="Luis Fernando Rodriguez Gutierrez" userId="47d13518-703e-4604-b449-ba54b8feb907" providerId="ADAL" clId="{56418ACE-61C6-4AD3-AD16-975169FAD560}" dt="2025-02-02T19:18:03.071" v="1891" actId="26606"/>
+          <ac:spMkLst>
+            <pc:docMk/>
+            <pc:sldMk cId="4015210397" sldId="276"/>
+            <ac:spMk id="15" creationId="{84A8DE83-DE75-4B41-9DB4-A7EC0B0DEC0B}"/>
+          </ac:spMkLst>
+        </pc:spChg>
+        <pc:spChg chg="add del">
+          <ac:chgData name="Luis Fernando Rodriguez Gutierrez" userId="47d13518-703e-4604-b449-ba54b8feb907" providerId="ADAL" clId="{56418ACE-61C6-4AD3-AD16-975169FAD560}" dt="2025-02-02T19:18:03.071" v="1891" actId="26606"/>
+          <ac:spMkLst>
+            <pc:docMk/>
+            <pc:sldMk cId="4015210397" sldId="276"/>
+            <ac:spMk id="17" creationId="{A7009A0A-BEF5-4EAC-AF15-E4F9F002E239}"/>
+          </ac:spMkLst>
+        </pc:spChg>
+        <pc:grpChg chg="add del">
+          <ac:chgData name="Luis Fernando Rodriguez Gutierrez" userId="47d13518-703e-4604-b449-ba54b8feb907" providerId="ADAL" clId="{56418ACE-61C6-4AD3-AD16-975169FAD560}" dt="2025-02-02T19:18:03.071" v="1891" actId="26606"/>
+          <ac:grpSpMkLst>
+            <pc:docMk/>
+            <pc:sldMk cId="4015210397" sldId="276"/>
+            <ac:grpSpMk id="22" creationId="{6258F736-B256-8039-9DC6-F4E49A5C5AD5}"/>
+          </ac:grpSpMkLst>
+        </pc:grpChg>
+        <pc:picChg chg="add del">
+          <ac:chgData name="Luis Fernando Rodriguez Gutierrez" userId="47d13518-703e-4604-b449-ba54b8feb907" providerId="ADAL" clId="{56418ACE-61C6-4AD3-AD16-975169FAD560}" dt="2025-02-02T19:18:08.917" v="1894" actId="478"/>
+          <ac:picMkLst>
+            <pc:docMk/>
+            <pc:sldMk cId="4015210397" sldId="276"/>
+            <ac:picMk id="6" creationId="{972D9D15-B938-1168-CAFD-A871883B1EF9}"/>
+          </ac:picMkLst>
+        </pc:picChg>
+        <pc:picChg chg="add del mod">
+          <ac:chgData name="Luis Fernando Rodriguez Gutierrez" userId="47d13518-703e-4604-b449-ba54b8feb907" providerId="ADAL" clId="{56418ACE-61C6-4AD3-AD16-975169FAD560}" dt="2025-02-02T19:18:06.049" v="1892" actId="22"/>
+          <ac:picMkLst>
+            <pc:docMk/>
+            <pc:sldMk cId="4015210397" sldId="276"/>
+            <ac:picMk id="8" creationId="{641FA4CA-71C2-DA87-8CDD-532759DADD75}"/>
+          </ac:picMkLst>
+        </pc:picChg>
+        <pc:picChg chg="add mod ord">
+          <ac:chgData name="Luis Fernando Rodriguez Gutierrez" userId="47d13518-703e-4604-b449-ba54b8feb907" providerId="ADAL" clId="{56418ACE-61C6-4AD3-AD16-975169FAD560}" dt="2025-02-02T19:18:27.197" v="1898" actId="1076"/>
+          <ac:picMkLst>
+            <pc:docMk/>
+            <pc:sldMk cId="4015210397" sldId="276"/>
+            <ac:picMk id="14" creationId="{A9860273-CF92-338A-2A25-1D63B7228EA1}"/>
+          </ac:picMkLst>
+        </pc:picChg>
       </pc:sldChg>
     </pc:docChg>
   </pc:docChgLst>
@@ -9282,7 +8697,7 @@
           <a:lstStyle/>
           <a:p>
             <a:r>
-              <a:rPr lang="en-US" sz="4000" kern="1200" dirty="0">
+              <a:rPr lang="en-US" sz="4000" kern="1200">
                 <a:solidFill>
                   <a:srgbClr val="FFFFFF"/>
                 </a:solidFill>
@@ -9292,44 +8707,17 @@
               </a:rPr>
               <a:t>OBU - Software</a:t>
             </a:r>
-          </a:p>
-        </p:txBody>
-      </p:sp>
-      <p:pic>
-        <p:nvPicPr>
-          <p:cNvPr id="6" name="Content Placeholder 5" descr="A diagram of a software company&#10;&#10;Description automatically generated with medium confidence">
-            <a:extLst>
-              <a:ext uri="{FF2B5EF4-FFF2-40B4-BE49-F238E27FC236}">
-                <a16:creationId xmlns:a16="http://schemas.microsoft.com/office/drawing/2014/main" id="{972D9D15-B938-1168-CAFD-A871883B1EF9}"/>
-              </a:ext>
-            </a:extLst>
-          </p:cNvPr>
-          <p:cNvPicPr>
-            <a:picLocks noGrp="1" noChangeAspect="1"/>
-          </p:cNvPicPr>
-          <p:nvPr>
-            <p:ph idx="1"/>
-          </p:nvPr>
-        </p:nvPicPr>
-        <p:blipFill>
-          <a:blip r:embed="rId2">
-            <a:extLst>
-              <a:ext uri="{28A0092B-C50C-407E-A947-70E740481C1C}">
-                <a14:useLocalDpi xmlns:a14="http://schemas.microsoft.com/office/drawing/2010/main" val="0"/>
-              </a:ext>
-            </a:extLst>
-          </a:blip>
-          <a:stretch>
-            <a:fillRect/>
-          </a:stretch>
-        </p:blipFill>
-        <p:spPr>
-          <a:xfrm>
-            <a:off x="6328882" y="2039910"/>
-            <a:ext cx="5113527" cy="4351338"/>
-          </a:xfrm>
-        </p:spPr>
-      </p:pic>
+            <a:endParaRPr lang="en-US" sz="4000" kern="1200" dirty="0">
+              <a:solidFill>
+                <a:srgbClr val="FFFFFF"/>
+              </a:solidFill>
+              <a:latin typeface="+mj-lt"/>
+              <a:ea typeface="+mj-ea"/>
+              <a:cs typeface="+mj-cs"/>
+            </a:endParaRPr>
+          </a:p>
+        </p:txBody>
+      </p:sp>
       <p:sp>
         <p:nvSpPr>
           <p:cNvPr id="7" name="Content Placeholder 2">
@@ -9554,6 +8942,35 @@
           </a:p>
         </p:txBody>
       </p:sp>
+      <p:pic>
+        <p:nvPicPr>
+          <p:cNvPr id="14" name="Content Placeholder 13">
+            <a:extLst>
+              <a:ext uri="{FF2B5EF4-FFF2-40B4-BE49-F238E27FC236}">
+                <a16:creationId xmlns:a16="http://schemas.microsoft.com/office/drawing/2014/main" id="{A9860273-CF92-338A-2A25-1D63B7228EA1}"/>
+              </a:ext>
+            </a:extLst>
+          </p:cNvPr>
+          <p:cNvPicPr>
+            <a:picLocks noGrp="1" noChangeAspect="1"/>
+          </p:cNvPicPr>
+          <p:nvPr>
+            <p:ph idx="1"/>
+          </p:nvPr>
+        </p:nvPicPr>
+        <p:blipFill>
+          <a:blip r:embed="rId2"/>
+          <a:stretch>
+            <a:fillRect/>
+          </a:stretch>
+        </p:blipFill>
+        <p:spPr>
+          <a:xfrm>
+            <a:off x="6283661" y="1574310"/>
+            <a:ext cx="4894350" cy="4351338"/>
+          </a:xfrm>
+        </p:spPr>
+      </p:pic>
     </p:spTree>
     <p:extLst>
       <p:ext uri="{BB962C8B-B14F-4D97-AF65-F5344CB8AC3E}">

--- a/Presentation/C-ITS.pptx
+++ b/Presentation/C-ITS.pptx
@@ -5,7 +5,7 @@
     <p:sldMasterId id="2147483648" r:id="rId1"/>
   </p:sldMasterIdLst>
   <p:notesMasterIdLst>
-    <p:notesMasterId r:id="rId24"/>
+    <p:notesMasterId r:id="rId27"/>
   </p:notesMasterIdLst>
   <p:sldIdLst>
     <p:sldId id="256" r:id="rId2"/>
@@ -30,6 +30,9 @@
     <p:sldId id="280" r:id="rId21"/>
     <p:sldId id="281" r:id="rId22"/>
     <p:sldId id="265" r:id="rId23"/>
+    <p:sldId id="285" r:id="rId24"/>
+    <p:sldId id="286" r:id="rId25"/>
+    <p:sldId id="287" r:id="rId26"/>
   </p:sldIdLst>
   <p:sldSz cx="12192000" cy="6858000"/>
   <p:notesSz cx="6858000" cy="9144000"/>
@@ -139,7 +142,7 @@
 <file path=ppt/revisionInfo.xml><?xml version="1.0" encoding="utf-8"?>
 <p1510:revInfo xmlns:a="http://schemas.openxmlformats.org/drawingml/2006/main" xmlns:r="http://schemas.openxmlformats.org/officeDocument/2006/relationships" xmlns:p1510="http://schemas.microsoft.com/office/powerpoint/2015/10/main">
   <p1510:revLst>
-    <p1510:client id="{56418ACE-61C6-4AD3-AD16-975169FAD560}" v="35" dt="2025-01-25T13:34:54.645"/>
+    <p1510:client id="{56418ACE-61C6-4AD3-AD16-975169FAD560}" v="133" dt="2025-02-05T20:15:58.734"/>
   </p1510:revLst>
 </p1510:revInfo>
 </file>
@@ -149,18 +152,18 @@
   <pc:docChgLst>
     <pc:chgData name="Luis Fernando Rodriguez Gutierrez" userId="47d13518-703e-4604-b449-ba54b8feb907" providerId="ADAL" clId="{56418ACE-61C6-4AD3-AD16-975169FAD560}"/>
     <pc:docChg chg="undo custSel addSld delSld modSld">
-      <pc:chgData name="Luis Fernando Rodriguez Gutierrez" userId="47d13518-703e-4604-b449-ba54b8feb907" providerId="ADAL" clId="{56418ACE-61C6-4AD3-AD16-975169FAD560}" dt="2025-02-02T19:18:27.197" v="1898" actId="1076"/>
+      <pc:chgData name="Luis Fernando Rodriguez Gutierrez" userId="47d13518-703e-4604-b449-ba54b8feb907" providerId="ADAL" clId="{56418ACE-61C6-4AD3-AD16-975169FAD560}" dt="2025-02-05T20:19:26.514" v="2154" actId="20577"/>
       <pc:docMkLst>
         <pc:docMk/>
       </pc:docMkLst>
-      <pc:sldChg chg="addSp delSp modSp mod setBg addAnim">
-        <pc:chgData name="Luis Fernando Rodriguez Gutierrez" userId="47d13518-703e-4604-b449-ba54b8feb907" providerId="ADAL" clId="{56418ACE-61C6-4AD3-AD16-975169FAD560}" dt="2025-01-25T11:14:23.679" v="32" actId="20577"/>
+      <pc:sldChg chg="addSp delSp modSp mod setBg addAnim modAnim">
+        <pc:chgData name="Luis Fernando Rodriguez Gutierrez" userId="47d13518-703e-4604-b449-ba54b8feb907" providerId="ADAL" clId="{56418ACE-61C6-4AD3-AD16-975169FAD560}" dt="2025-02-05T20:10:57.926" v="2017" actId="255"/>
         <pc:sldMkLst>
           <pc:docMk/>
           <pc:sldMk cId="2580789304" sldId="256"/>
         </pc:sldMkLst>
         <pc:spChg chg="mod">
-          <ac:chgData name="Luis Fernando Rodriguez Gutierrez" userId="47d13518-703e-4604-b449-ba54b8feb907" providerId="ADAL" clId="{56418ACE-61C6-4AD3-AD16-975169FAD560}" dt="2025-01-25T11:12:06.410" v="7" actId="26606"/>
+          <ac:chgData name="Luis Fernando Rodriguez Gutierrez" userId="47d13518-703e-4604-b449-ba54b8feb907" providerId="ADAL" clId="{56418ACE-61C6-4AD3-AD16-975169FAD560}" dt="2025-02-05T20:10:35.532" v="1958" actId="20577"/>
           <ac:spMkLst>
             <pc:docMk/>
             <pc:sldMk cId="2580789304" sldId="256"/>
@@ -175,12 +178,28 @@
             <ac:spMk id="3" creationId="{CAD67B64-6189-8530-783B-F923F8242380}"/>
           </ac:spMkLst>
         </pc:spChg>
-        <pc:spChg chg="mod">
-          <ac:chgData name="Luis Fernando Rodriguez Gutierrez" userId="47d13518-703e-4604-b449-ba54b8feb907" providerId="ADAL" clId="{56418ACE-61C6-4AD3-AD16-975169FAD560}" dt="2025-01-25T11:14:23.679" v="32" actId="20577"/>
+        <pc:spChg chg="add del mod">
+          <ac:chgData name="Luis Fernando Rodriguez Gutierrez" userId="47d13518-703e-4604-b449-ba54b8feb907" providerId="ADAL" clId="{56418ACE-61C6-4AD3-AD16-975169FAD560}" dt="2025-02-05T20:08:10.261" v="1903" actId="478"/>
           <ac:spMkLst>
             <pc:docMk/>
             <pc:sldMk cId="2580789304" sldId="256"/>
             <ac:spMk id="6" creationId="{92FBDE1F-7A4A-E896-58F8-31909E874318}"/>
+          </ac:spMkLst>
+        </pc:spChg>
+        <pc:spChg chg="add mod">
+          <ac:chgData name="Luis Fernando Rodriguez Gutierrez" userId="47d13518-703e-4604-b449-ba54b8feb907" providerId="ADAL" clId="{56418ACE-61C6-4AD3-AD16-975169FAD560}" dt="2025-02-05T20:09:16.139" v="1921" actId="1076"/>
+          <ac:spMkLst>
+            <pc:docMk/>
+            <pc:sldMk cId="2580789304" sldId="256"/>
+            <ac:spMk id="7" creationId="{C6405F33-2444-DF3C-C86D-D9C917577529}"/>
+          </ac:spMkLst>
+        </pc:spChg>
+        <pc:spChg chg="add mod">
+          <ac:chgData name="Luis Fernando Rodriguez Gutierrez" userId="47d13518-703e-4604-b449-ba54b8feb907" providerId="ADAL" clId="{56418ACE-61C6-4AD3-AD16-975169FAD560}" dt="2025-02-05T20:10:57.926" v="2017" actId="255"/>
+          <ac:spMkLst>
+            <pc:docMk/>
+            <pc:sldMk cId="2580789304" sldId="256"/>
+            <ac:spMk id="10" creationId="{BEB3F9B3-7393-300B-EB65-A0CA563D21B4}"/>
           </ac:spMkLst>
         </pc:spChg>
         <pc:spChg chg="add">
@@ -209,7 +228,7 @@
         </pc:picChg>
       </pc:sldChg>
       <pc:sldChg chg="addSp delSp modSp mod setBg">
-        <pc:chgData name="Luis Fernando Rodriguez Gutierrez" userId="47d13518-703e-4604-b449-ba54b8feb907" providerId="ADAL" clId="{56418ACE-61C6-4AD3-AD16-975169FAD560}" dt="2025-01-25T11:25:49.332" v="287" actId="14100"/>
+        <pc:chgData name="Luis Fernando Rodriguez Gutierrez" userId="47d13518-703e-4604-b449-ba54b8feb907" providerId="ADAL" clId="{56418ACE-61C6-4AD3-AD16-975169FAD560}" dt="2025-02-05T20:09:19.800" v="1922" actId="1076"/>
         <pc:sldMkLst>
           <pc:docMk/>
           <pc:sldMk cId="2801368605" sldId="257"/>
@@ -231,7 +250,15 @@
           </ac:spMkLst>
         </pc:spChg>
         <pc:spChg chg="add mod">
-          <ac:chgData name="Luis Fernando Rodriguez Gutierrez" userId="47d13518-703e-4604-b449-ba54b8feb907" providerId="ADAL" clId="{56418ACE-61C6-4AD3-AD16-975169FAD560}" dt="2025-01-25T11:16:23.975" v="172" actId="20577"/>
+          <ac:chgData name="Luis Fernando Rodriguez Gutierrez" userId="47d13518-703e-4604-b449-ba54b8feb907" providerId="ADAL" clId="{56418ACE-61C6-4AD3-AD16-975169FAD560}" dt="2025-02-05T20:09:19.800" v="1922" actId="1076"/>
+          <ac:spMkLst>
+            <pc:docMk/>
+            <pc:sldMk cId="2801368605" sldId="257"/>
+            <ac:spMk id="5" creationId="{82C67201-7A4E-8F8C-D63C-2DD2430E0857}"/>
+          </ac:spMkLst>
+        </pc:spChg>
+        <pc:spChg chg="add del mod">
+          <ac:chgData name="Luis Fernando Rodriguez Gutierrez" userId="47d13518-703e-4604-b449-ba54b8feb907" providerId="ADAL" clId="{56418ACE-61C6-4AD3-AD16-975169FAD560}" dt="2025-02-05T20:08:16.459" v="1907" actId="478"/>
           <ac:spMkLst>
             <pc:docMk/>
             <pc:sldMk cId="2801368605" sldId="257"/>
@@ -296,7 +323,7 @@
         </pc:cxnChg>
       </pc:sldChg>
       <pc:sldChg chg="addSp delSp modSp mod setBg">
-        <pc:chgData name="Luis Fernando Rodriguez Gutierrez" userId="47d13518-703e-4604-b449-ba54b8feb907" providerId="ADAL" clId="{56418ACE-61C6-4AD3-AD16-975169FAD560}" dt="2025-01-25T12:04:23.167" v="893" actId="27636"/>
+        <pc:chgData name="Luis Fernando Rodriguez Gutierrez" userId="47d13518-703e-4604-b449-ba54b8feb907" providerId="ADAL" clId="{56418ACE-61C6-4AD3-AD16-975169FAD560}" dt="2025-02-05T20:09:33.053" v="1925" actId="1076"/>
         <pc:sldMkLst>
           <pc:docMk/>
           <pc:sldMk cId="324375167" sldId="258"/>
@@ -318,7 +345,15 @@
           </ac:spMkLst>
         </pc:spChg>
         <pc:spChg chg="add mod">
-          <ac:chgData name="Luis Fernando Rodriguez Gutierrez" userId="47d13518-703e-4604-b449-ba54b8feb907" providerId="ADAL" clId="{56418ACE-61C6-4AD3-AD16-975169FAD560}" dt="2025-01-25T11:43:20.486" v="798" actId="20577"/>
+          <ac:chgData name="Luis Fernando Rodriguez Gutierrez" userId="47d13518-703e-4604-b449-ba54b8feb907" providerId="ADAL" clId="{56418ACE-61C6-4AD3-AD16-975169FAD560}" dt="2025-02-05T20:09:33.053" v="1925" actId="1076"/>
+          <ac:spMkLst>
+            <pc:docMk/>
+            <pc:sldMk cId="324375167" sldId="258"/>
+            <ac:spMk id="7" creationId="{0DCDDF30-4075-4BFA-7A71-D89074056714}"/>
+          </ac:spMkLst>
+        </pc:spChg>
+        <pc:spChg chg="add">
+          <ac:chgData name="Luis Fernando Rodriguez Gutierrez" userId="47d13518-703e-4604-b449-ba54b8feb907" providerId="ADAL" clId="{56418ACE-61C6-4AD3-AD16-975169FAD560}" dt="2025-02-05T20:08:27.815" v="1908"/>
           <ac:spMkLst>
             <pc:docMk/>
             <pc:sldMk cId="324375167" sldId="258"/>
@@ -351,13 +386,29 @@
         </pc:picChg>
       </pc:sldChg>
       <pc:sldChg chg="addSp delSp modSp mod">
-        <pc:chgData name="Luis Fernando Rodriguez Gutierrez" userId="47d13518-703e-4604-b449-ba54b8feb907" providerId="ADAL" clId="{56418ACE-61C6-4AD3-AD16-975169FAD560}" dt="2025-01-25T11:43:51.721" v="807" actId="1076"/>
+        <pc:chgData name="Luis Fernando Rodriguez Gutierrez" userId="47d13518-703e-4604-b449-ba54b8feb907" providerId="ADAL" clId="{56418ACE-61C6-4AD3-AD16-975169FAD560}" dt="2025-02-05T20:12:28.064" v="2037" actId="20577"/>
         <pc:sldMkLst>
           <pc:docMk/>
           <pc:sldMk cId="1490319551" sldId="259"/>
         </pc:sldMkLst>
+        <pc:spChg chg="mod">
+          <ac:chgData name="Luis Fernando Rodriguez Gutierrez" userId="47d13518-703e-4604-b449-ba54b8feb907" providerId="ADAL" clId="{56418ACE-61C6-4AD3-AD16-975169FAD560}" dt="2025-02-05T20:12:28.064" v="2037" actId="20577"/>
+          <ac:spMkLst>
+            <pc:docMk/>
+            <pc:sldMk cId="1490319551" sldId="259"/>
+            <ac:spMk id="2" creationId="{12FCCC09-50EE-D716-37DC-3CE26E8CADD6}"/>
+          </ac:spMkLst>
+        </pc:spChg>
         <pc:spChg chg="add mod">
-          <ac:chgData name="Luis Fernando Rodriguez Gutierrez" userId="47d13518-703e-4604-b449-ba54b8feb907" providerId="ADAL" clId="{56418ACE-61C6-4AD3-AD16-975169FAD560}" dt="2025-01-25T11:43:51.721" v="807" actId="1076"/>
+          <ac:chgData name="Luis Fernando Rodriguez Gutierrez" userId="47d13518-703e-4604-b449-ba54b8feb907" providerId="ADAL" clId="{56418ACE-61C6-4AD3-AD16-975169FAD560}" dt="2025-02-05T20:09:40.282" v="1926" actId="1076"/>
+          <ac:spMkLst>
+            <pc:docMk/>
+            <pc:sldMk cId="1490319551" sldId="259"/>
+            <ac:spMk id="5" creationId="{E24BBAE7-EB80-16E8-DFD0-56FCA1ACCAE2}"/>
+          </ac:spMkLst>
+        </pc:spChg>
+        <pc:spChg chg="add">
+          <ac:chgData name="Luis Fernando Rodriguez Gutierrez" userId="47d13518-703e-4604-b449-ba54b8feb907" providerId="ADAL" clId="{56418ACE-61C6-4AD3-AD16-975169FAD560}" dt="2025-02-05T20:08:27.815" v="1908"/>
           <ac:spMkLst>
             <pc:docMk/>
             <pc:sldMk cId="1490319551" sldId="259"/>
@@ -405,13 +456,13 @@
         </pc:sldMkLst>
       </pc:sldChg>
       <pc:sldChg chg="addSp delSp modSp mod setBg">
-        <pc:chgData name="Luis Fernando Rodriguez Gutierrez" userId="47d13518-703e-4604-b449-ba54b8feb907" providerId="ADAL" clId="{56418ACE-61C6-4AD3-AD16-975169FAD560}" dt="2025-01-25T13:34:26.463" v="1859" actId="20577"/>
+        <pc:chgData name="Luis Fernando Rodriguez Gutierrez" userId="47d13518-703e-4604-b449-ba54b8feb907" providerId="ADAL" clId="{56418ACE-61C6-4AD3-AD16-975169FAD560}" dt="2025-02-05T20:12:55.931" v="2051" actId="207"/>
         <pc:sldMkLst>
           <pc:docMk/>
           <pc:sldMk cId="570102859" sldId="261"/>
         </pc:sldMkLst>
         <pc:spChg chg="mod">
-          <ac:chgData name="Luis Fernando Rodriguez Gutierrez" userId="47d13518-703e-4604-b449-ba54b8feb907" providerId="ADAL" clId="{56418ACE-61C6-4AD3-AD16-975169FAD560}" dt="2025-01-25T13:27:10.274" v="1634" actId="26606"/>
+          <ac:chgData name="Luis Fernando Rodriguez Gutierrez" userId="47d13518-703e-4604-b449-ba54b8feb907" providerId="ADAL" clId="{56418ACE-61C6-4AD3-AD16-975169FAD560}" dt="2025-02-05T20:12:55.931" v="2051" actId="207"/>
           <ac:spMkLst>
             <pc:docMk/>
             <pc:sldMk cId="570102859" sldId="261"/>
@@ -468,11 +519,19 @@
         </pc:picChg>
       </pc:sldChg>
       <pc:sldChg chg="modSp new mod">
-        <pc:chgData name="Luis Fernando Rodriguez Gutierrez" userId="47d13518-703e-4604-b449-ba54b8feb907" providerId="ADAL" clId="{56418ACE-61C6-4AD3-AD16-975169FAD560}" dt="2025-01-25T13:35:42.062" v="1886"/>
+        <pc:chgData name="Luis Fernando Rodriguez Gutierrez" userId="47d13518-703e-4604-b449-ba54b8feb907" providerId="ADAL" clId="{56418ACE-61C6-4AD3-AD16-975169FAD560}" dt="2025-02-05T20:19:26.514" v="2154" actId="20577"/>
         <pc:sldMkLst>
           <pc:docMk/>
           <pc:sldMk cId="3427541568" sldId="265"/>
         </pc:sldMkLst>
+        <pc:spChg chg="mod">
+          <ac:chgData name="Luis Fernando Rodriguez Gutierrez" userId="47d13518-703e-4604-b449-ba54b8feb907" providerId="ADAL" clId="{56418ACE-61C6-4AD3-AD16-975169FAD560}" dt="2025-02-05T20:19:26.514" v="2154" actId="20577"/>
+          <ac:spMkLst>
+            <pc:docMk/>
+            <pc:sldMk cId="3427541568" sldId="265"/>
+            <ac:spMk id="2" creationId="{2548C96E-6781-8024-51C6-29F61867A5AE}"/>
+          </ac:spMkLst>
+        </pc:spChg>
         <pc:spChg chg="mod">
           <ac:chgData name="Luis Fernando Rodriguez Gutierrez" userId="47d13518-703e-4604-b449-ba54b8feb907" providerId="ADAL" clId="{56418ACE-61C6-4AD3-AD16-975169FAD560}" dt="2025-01-25T13:35:42.062" v="1886"/>
           <ac:spMkLst>
@@ -490,7 +549,7 @@
         </pc:sldMkLst>
       </pc:sldChg>
       <pc:sldChg chg="addSp delSp modSp add mod setBg delDesignElem">
-        <pc:chgData name="Luis Fernando Rodriguez Gutierrez" userId="47d13518-703e-4604-b449-ba54b8feb907" providerId="ADAL" clId="{56418ACE-61C6-4AD3-AD16-975169FAD560}" dt="2025-01-25T11:28:24.458" v="423" actId="20577"/>
+        <pc:chgData name="Luis Fernando Rodriguez Gutierrez" userId="47d13518-703e-4604-b449-ba54b8feb907" providerId="ADAL" clId="{56418ACE-61C6-4AD3-AD16-975169FAD560}" dt="2025-02-05T20:09:23.999" v="1923" actId="1076"/>
         <pc:sldMkLst>
           <pc:docMk/>
           <pc:sldMk cId="458714686" sldId="267"/>
@@ -511,8 +570,16 @@
             <ac:spMk id="4" creationId="{5C9B9588-543A-1EC3-0F9D-E6B14B28734C}"/>
           </ac:spMkLst>
         </pc:spChg>
-        <pc:spChg chg="mod">
-          <ac:chgData name="Luis Fernando Rodriguez Gutierrez" userId="47d13518-703e-4604-b449-ba54b8feb907" providerId="ADAL" clId="{56418ACE-61C6-4AD3-AD16-975169FAD560}" dt="2025-01-25T11:28:24.458" v="423" actId="20577"/>
+        <pc:spChg chg="add mod">
+          <ac:chgData name="Luis Fernando Rodriguez Gutierrez" userId="47d13518-703e-4604-b449-ba54b8feb907" providerId="ADAL" clId="{56418ACE-61C6-4AD3-AD16-975169FAD560}" dt="2025-02-05T20:09:23.999" v="1923" actId="1076"/>
+          <ac:spMkLst>
+            <pc:docMk/>
+            <pc:sldMk cId="458714686" sldId="267"/>
+            <ac:spMk id="6" creationId="{6CF9B099-9C12-B7CD-5977-B04977E4AFD6}"/>
+          </ac:spMkLst>
+        </pc:spChg>
+        <pc:spChg chg="add">
+          <ac:chgData name="Luis Fernando Rodriguez Gutierrez" userId="47d13518-703e-4604-b449-ba54b8feb907" providerId="ADAL" clId="{56418ACE-61C6-4AD3-AD16-975169FAD560}" dt="2025-02-05T20:08:27.815" v="1908"/>
           <ac:spMkLst>
             <pc:docMk/>
             <pc:sldMk cId="458714686" sldId="267"/>
@@ -553,13 +620,13 @@
         </pc:picChg>
       </pc:sldChg>
       <pc:sldChg chg="addSp delSp modSp new mod setBg">
-        <pc:chgData name="Luis Fernando Rodriguez Gutierrez" userId="47d13518-703e-4604-b449-ba54b8feb907" providerId="ADAL" clId="{56418ACE-61C6-4AD3-AD16-975169FAD560}" dt="2025-01-25T12:00:32.087" v="838" actId="1076"/>
+        <pc:chgData name="Luis Fernando Rodriguez Gutierrez" userId="47d13518-703e-4604-b449-ba54b8feb907" providerId="ADAL" clId="{56418ACE-61C6-4AD3-AD16-975169FAD560}" dt="2025-02-05T20:12:24.523" v="2035" actId="20577"/>
         <pc:sldMkLst>
           <pc:docMk/>
           <pc:sldMk cId="1016966140" sldId="268"/>
         </pc:sldMkLst>
         <pc:spChg chg="mod">
-          <ac:chgData name="Luis Fernando Rodriguez Gutierrez" userId="47d13518-703e-4604-b449-ba54b8feb907" providerId="ADAL" clId="{56418ACE-61C6-4AD3-AD16-975169FAD560}" dt="2025-01-25T12:00:24.033" v="835" actId="26606"/>
+          <ac:chgData name="Luis Fernando Rodriguez Gutierrez" userId="47d13518-703e-4604-b449-ba54b8feb907" providerId="ADAL" clId="{56418ACE-61C6-4AD3-AD16-975169FAD560}" dt="2025-02-05T20:12:24.523" v="2035" actId="20577"/>
           <ac:spMkLst>
             <pc:docMk/>
             <pc:sldMk cId="1016966140" sldId="268"/>
@@ -647,13 +714,13 @@
         </pc:sldMkLst>
       </pc:sldChg>
       <pc:sldChg chg="addSp delSp modSp add mod setBg">
-        <pc:chgData name="Luis Fernando Rodriguez Gutierrez" userId="47d13518-703e-4604-b449-ba54b8feb907" providerId="ADAL" clId="{56418ACE-61C6-4AD3-AD16-975169FAD560}" dt="2025-01-25T12:01:23.937" v="869" actId="26606"/>
+        <pc:chgData name="Luis Fernando Rodriguez Gutierrez" userId="47d13518-703e-4604-b449-ba54b8feb907" providerId="ADAL" clId="{56418ACE-61C6-4AD3-AD16-975169FAD560}" dt="2025-02-05T20:12:21.266" v="2033" actId="20577"/>
         <pc:sldMkLst>
           <pc:docMk/>
           <pc:sldMk cId="1202540096" sldId="269"/>
         </pc:sldMkLst>
         <pc:spChg chg="mod">
-          <ac:chgData name="Luis Fernando Rodriguez Gutierrez" userId="47d13518-703e-4604-b449-ba54b8feb907" providerId="ADAL" clId="{56418ACE-61C6-4AD3-AD16-975169FAD560}" dt="2025-01-25T12:00:15.354" v="832" actId="26606"/>
+          <ac:chgData name="Luis Fernando Rodriguez Gutierrez" userId="47d13518-703e-4604-b449-ba54b8feb907" providerId="ADAL" clId="{56418ACE-61C6-4AD3-AD16-975169FAD560}" dt="2025-02-05T20:12:21.266" v="2033" actId="20577"/>
           <ac:spMkLst>
             <pc:docMk/>
             <pc:sldMk cId="1202540096" sldId="269"/>
@@ -718,13 +785,13 @@
         </pc:picChg>
       </pc:sldChg>
       <pc:sldChg chg="addSp delSp modSp add mod setBg delDesignElem">
-        <pc:chgData name="Luis Fernando Rodriguez Gutierrez" userId="47d13518-703e-4604-b449-ba54b8feb907" providerId="ADAL" clId="{56418ACE-61C6-4AD3-AD16-975169FAD560}" dt="2025-01-25T12:02:47.965" v="882" actId="1076"/>
+        <pc:chgData name="Luis Fernando Rodriguez Gutierrez" userId="47d13518-703e-4604-b449-ba54b8feb907" providerId="ADAL" clId="{56418ACE-61C6-4AD3-AD16-975169FAD560}" dt="2025-02-05T20:12:37.031" v="2041" actId="20577"/>
         <pc:sldMkLst>
           <pc:docMk/>
           <pc:sldMk cId="1569925214" sldId="270"/>
         </pc:sldMkLst>
         <pc:spChg chg="mod">
-          <ac:chgData name="Luis Fernando Rodriguez Gutierrez" userId="47d13518-703e-4604-b449-ba54b8feb907" providerId="ADAL" clId="{56418ACE-61C6-4AD3-AD16-975169FAD560}" dt="2025-01-25T12:00:52.472" v="861" actId="27636"/>
+          <ac:chgData name="Luis Fernando Rodriguez Gutierrez" userId="47d13518-703e-4604-b449-ba54b8feb907" providerId="ADAL" clId="{56418ACE-61C6-4AD3-AD16-975169FAD560}" dt="2025-02-05T20:12:37.031" v="2041" actId="20577"/>
           <ac:spMkLst>
             <pc:docMk/>
             <pc:sldMk cId="1569925214" sldId="270"/>
@@ -812,13 +879,13 @@
         </pc:sldMkLst>
       </pc:sldChg>
       <pc:sldChg chg="addSp delSp modSp add mod setBg">
-        <pc:chgData name="Luis Fernando Rodriguez Gutierrez" userId="47d13518-703e-4604-b449-ba54b8feb907" providerId="ADAL" clId="{56418ACE-61C6-4AD3-AD16-975169FAD560}" dt="2025-01-25T13:34:44.554" v="1874" actId="27636"/>
+        <pc:chgData name="Luis Fernando Rodriguez Gutierrez" userId="47d13518-703e-4604-b449-ba54b8feb907" providerId="ADAL" clId="{56418ACE-61C6-4AD3-AD16-975169FAD560}" dt="2025-02-05T20:12:43.972" v="2045" actId="20577"/>
         <pc:sldMkLst>
           <pc:docMk/>
           <pc:sldMk cId="100226028" sldId="271"/>
         </pc:sldMkLst>
         <pc:spChg chg="mod">
-          <ac:chgData name="Luis Fernando Rodriguez Gutierrez" userId="47d13518-703e-4604-b449-ba54b8feb907" providerId="ADAL" clId="{56418ACE-61C6-4AD3-AD16-975169FAD560}" dt="2025-01-25T12:14:36.893" v="1231" actId="26606"/>
+          <ac:chgData name="Luis Fernando Rodriguez Gutierrez" userId="47d13518-703e-4604-b449-ba54b8feb907" providerId="ADAL" clId="{56418ACE-61C6-4AD3-AD16-975169FAD560}" dt="2025-02-05T20:12:43.972" v="2045" actId="20577"/>
           <ac:spMkLst>
             <pc:docMk/>
             <pc:sldMk cId="100226028" sldId="271"/>
@@ -833,8 +900,8 @@
             <ac:spMk id="3" creationId="{3FDD14B2-FE31-9D55-C36B-EE48F2BF2BF7}"/>
           </ac:spMkLst>
         </pc:spChg>
-        <pc:spChg chg="mod">
-          <ac:chgData name="Luis Fernando Rodriguez Gutierrez" userId="47d13518-703e-4604-b449-ba54b8feb907" providerId="ADAL" clId="{56418ACE-61C6-4AD3-AD16-975169FAD560}" dt="2025-01-25T12:14:36.893" v="1231" actId="26606"/>
+        <pc:spChg chg="add">
+          <ac:chgData name="Luis Fernando Rodriguez Gutierrez" userId="47d13518-703e-4604-b449-ba54b8feb907" providerId="ADAL" clId="{56418ACE-61C6-4AD3-AD16-975169FAD560}" dt="2025-02-05T20:08:27.815" v="1908"/>
           <ac:spMkLst>
             <pc:docMk/>
             <pc:sldMk cId="100226028" sldId="271"/>
@@ -847,6 +914,14 @@
             <pc:docMk/>
             <pc:sldMk cId="100226028" sldId="271"/>
             <ac:spMk id="5" creationId="{6939809F-DB7E-5BE9-1EA6-75425BDA083E}"/>
+          </ac:spMkLst>
+        </pc:spChg>
+        <pc:spChg chg="add del mod">
+          <ac:chgData name="Luis Fernando Rodriguez Gutierrez" userId="47d13518-703e-4604-b449-ba54b8feb907" providerId="ADAL" clId="{56418ACE-61C6-4AD3-AD16-975169FAD560}" dt="2025-02-05T20:09:55.289" v="1928" actId="478"/>
+          <ac:spMkLst>
+            <pc:docMk/>
+            <pc:sldMk cId="100226028" sldId="271"/>
+            <ac:spMk id="8" creationId="{0110FB86-1801-41C4-E3DD-D8A699CB843B}"/>
           </ac:spMkLst>
         </pc:spChg>
         <pc:spChg chg="add">
@@ -883,7 +958,7 @@
         </pc:picChg>
       </pc:sldChg>
       <pc:sldChg chg="addSp delSp modSp add mod setBg delDesignElem">
-        <pc:chgData name="Luis Fernando Rodriguez Gutierrez" userId="47d13518-703e-4604-b449-ba54b8feb907" providerId="ADAL" clId="{56418ACE-61C6-4AD3-AD16-975169FAD560}" dt="2025-01-25T13:34:51.064" v="1875"/>
+        <pc:chgData name="Luis Fernando Rodriguez Gutierrez" userId="47d13518-703e-4604-b449-ba54b8feb907" providerId="ADAL" clId="{56418ACE-61C6-4AD3-AD16-975169FAD560}" dt="2025-02-05T20:09:57.812" v="1929" actId="478"/>
         <pc:sldMkLst>
           <pc:docMk/>
           <pc:sldMk cId="3504012682" sldId="272"/>
@@ -904,12 +979,28 @@
             <ac:spMk id="3" creationId="{91CAA917-23DE-7B23-D59E-374A9611B9AB}"/>
           </ac:spMkLst>
         </pc:spChg>
+        <pc:spChg chg="add">
+          <ac:chgData name="Luis Fernando Rodriguez Gutierrez" userId="47d13518-703e-4604-b449-ba54b8feb907" providerId="ADAL" clId="{56418ACE-61C6-4AD3-AD16-975169FAD560}" dt="2025-02-05T20:08:27.815" v="1908"/>
+          <ac:spMkLst>
+            <pc:docMk/>
+            <pc:sldMk cId="3504012682" sldId="272"/>
+            <ac:spMk id="4" creationId="{6E956C50-A43B-3686-B86A-E4D998891834}"/>
+          </ac:spMkLst>
+        </pc:spChg>
         <pc:spChg chg="add mod">
           <ac:chgData name="Luis Fernando Rodriguez Gutierrez" userId="47d13518-703e-4604-b449-ba54b8feb907" providerId="ADAL" clId="{56418ACE-61C6-4AD3-AD16-975169FAD560}" dt="2025-01-25T13:34:51.064" v="1875"/>
           <ac:spMkLst>
             <pc:docMk/>
             <pc:sldMk cId="3504012682" sldId="272"/>
             <ac:spMk id="5" creationId="{C413BA19-6241-E990-BD8D-61FEE102B9E5}"/>
+          </ac:spMkLst>
+        </pc:spChg>
+        <pc:spChg chg="add del mod">
+          <ac:chgData name="Luis Fernando Rodriguez Gutierrez" userId="47d13518-703e-4604-b449-ba54b8feb907" providerId="ADAL" clId="{56418ACE-61C6-4AD3-AD16-975169FAD560}" dt="2025-02-05T20:09:57.812" v="1929" actId="478"/>
+          <ac:spMkLst>
+            <pc:docMk/>
+            <pc:sldMk cId="3504012682" sldId="272"/>
+            <ac:spMk id="8" creationId="{7071B35C-2453-DD01-FBBA-402DB79E0D10}"/>
           </ac:spMkLst>
         </pc:spChg>
         <pc:spChg chg="add">
@@ -951,28 +1042,12 @@
             <ac:spMk id="2" creationId="{94B328AE-E53D-89D4-CE8C-E82025EE8E1F}"/>
           </ac:spMkLst>
         </pc:spChg>
-        <pc:spChg chg="add del mod">
-          <ac:chgData name="Luis Fernando Rodriguez Gutierrez" userId="47d13518-703e-4604-b449-ba54b8feb907" providerId="ADAL" clId="{56418ACE-61C6-4AD3-AD16-975169FAD560}" dt="2025-02-02T19:18:06.746" v="1893" actId="478"/>
-          <ac:spMkLst>
-            <pc:docMk/>
-            <pc:sldMk cId="4015210397" sldId="276"/>
-            <ac:spMk id="4" creationId="{00C8D31D-094B-1938-EFBC-3D867A1DD55A}"/>
-          </ac:spMkLst>
-        </pc:spChg>
         <pc:spChg chg="add del">
           <ac:chgData name="Luis Fernando Rodriguez Gutierrez" userId="47d13518-703e-4604-b449-ba54b8feb907" providerId="ADAL" clId="{56418ACE-61C6-4AD3-AD16-975169FAD560}" dt="2025-02-02T19:18:03.071" v="1891" actId="26606"/>
           <ac:spMkLst>
             <pc:docMk/>
             <pc:sldMk cId="4015210397" sldId="276"/>
             <ac:spMk id="7" creationId="{64D80EC7-3EC5-C86D-E55F-3073D03EA18A}"/>
-          </ac:spMkLst>
-        </pc:spChg>
-        <pc:spChg chg="add del mod">
-          <ac:chgData name="Luis Fernando Rodriguez Gutierrez" userId="47d13518-703e-4604-b449-ba54b8feb907" providerId="ADAL" clId="{56418ACE-61C6-4AD3-AD16-975169FAD560}" dt="2025-02-02T19:18:10.430" v="1895" actId="22"/>
-          <ac:spMkLst>
-            <pc:docMk/>
-            <pc:sldMk cId="4015210397" sldId="276"/>
-            <ac:spMk id="10" creationId="{CBAAE50D-35B5-AB3D-624A-9C78C2F2680E}"/>
           </ac:spMkLst>
         </pc:spChg>
         <pc:spChg chg="add del">
@@ -1007,30 +1082,6 @@
             <ac:spMk id="17" creationId="{A7009A0A-BEF5-4EAC-AF15-E4F9F002E239}"/>
           </ac:spMkLst>
         </pc:spChg>
-        <pc:grpChg chg="add del">
-          <ac:chgData name="Luis Fernando Rodriguez Gutierrez" userId="47d13518-703e-4604-b449-ba54b8feb907" providerId="ADAL" clId="{56418ACE-61C6-4AD3-AD16-975169FAD560}" dt="2025-02-02T19:18:03.071" v="1891" actId="26606"/>
-          <ac:grpSpMkLst>
-            <pc:docMk/>
-            <pc:sldMk cId="4015210397" sldId="276"/>
-            <ac:grpSpMk id="22" creationId="{6258F736-B256-8039-9DC6-F4E49A5C5AD5}"/>
-          </ac:grpSpMkLst>
-        </pc:grpChg>
-        <pc:picChg chg="add del">
-          <ac:chgData name="Luis Fernando Rodriguez Gutierrez" userId="47d13518-703e-4604-b449-ba54b8feb907" providerId="ADAL" clId="{56418ACE-61C6-4AD3-AD16-975169FAD560}" dt="2025-02-02T19:18:08.917" v="1894" actId="478"/>
-          <ac:picMkLst>
-            <pc:docMk/>
-            <pc:sldMk cId="4015210397" sldId="276"/>
-            <ac:picMk id="6" creationId="{972D9D15-B938-1168-CAFD-A871883B1EF9}"/>
-          </ac:picMkLst>
-        </pc:picChg>
-        <pc:picChg chg="add del mod">
-          <ac:chgData name="Luis Fernando Rodriguez Gutierrez" userId="47d13518-703e-4604-b449-ba54b8feb907" providerId="ADAL" clId="{56418ACE-61C6-4AD3-AD16-975169FAD560}" dt="2025-02-02T19:18:06.049" v="1892" actId="22"/>
-          <ac:picMkLst>
-            <pc:docMk/>
-            <pc:sldMk cId="4015210397" sldId="276"/>
-            <ac:picMk id="8" creationId="{641FA4CA-71C2-DA87-8CDD-532759DADD75}"/>
-          </ac:picMkLst>
-        </pc:picChg>
         <pc:picChg chg="add mod ord">
           <ac:chgData name="Luis Fernando Rodriguez Gutierrez" userId="47d13518-703e-4604-b449-ba54b8feb907" providerId="ADAL" clId="{56418ACE-61C6-4AD3-AD16-975169FAD560}" dt="2025-02-02T19:18:27.197" v="1898" actId="1076"/>
           <ac:picMkLst>
@@ -1039,6 +1090,98 @@
             <ac:picMk id="14" creationId="{A9860273-CF92-338A-2A25-1D63B7228EA1}"/>
           </ac:picMkLst>
         </pc:picChg>
+      </pc:sldChg>
+      <pc:sldChg chg="addSp modSp mod">
+        <pc:chgData name="Luis Fernando Rodriguez Gutierrez" userId="47d13518-703e-4604-b449-ba54b8feb907" providerId="ADAL" clId="{56418ACE-61C6-4AD3-AD16-975169FAD560}" dt="2025-02-05T20:09:28.895" v="1924" actId="1076"/>
+        <pc:sldMkLst>
+          <pc:docMk/>
+          <pc:sldMk cId="2813092645" sldId="284"/>
+        </pc:sldMkLst>
+        <pc:spChg chg="add mod">
+          <ac:chgData name="Luis Fernando Rodriguez Gutierrez" userId="47d13518-703e-4604-b449-ba54b8feb907" providerId="ADAL" clId="{56418ACE-61C6-4AD3-AD16-975169FAD560}" dt="2025-02-05T20:09:28.895" v="1924" actId="1076"/>
+          <ac:spMkLst>
+            <pc:docMk/>
+            <pc:sldMk cId="2813092645" sldId="284"/>
+            <ac:spMk id="7" creationId="{F66F4E72-B4F4-88FC-8188-C5E51CCE12C4}"/>
+          </ac:spMkLst>
+        </pc:spChg>
+        <pc:spChg chg="add">
+          <ac:chgData name="Luis Fernando Rodriguez Gutierrez" userId="47d13518-703e-4604-b449-ba54b8feb907" providerId="ADAL" clId="{56418ACE-61C6-4AD3-AD16-975169FAD560}" dt="2025-02-05T20:08:27.815" v="1908"/>
+          <ac:spMkLst>
+            <pc:docMk/>
+            <pc:sldMk cId="2813092645" sldId="284"/>
+            <ac:spMk id="8" creationId="{0552A7F3-458D-4FEA-DDD5-539E5E2B7B1D}"/>
+          </ac:spMkLst>
+        </pc:spChg>
+      </pc:sldChg>
+      <pc:sldChg chg="modSp new mod">
+        <pc:chgData name="Luis Fernando Rodriguez Gutierrez" userId="47d13518-703e-4604-b449-ba54b8feb907" providerId="ADAL" clId="{56418ACE-61C6-4AD3-AD16-975169FAD560}" dt="2025-02-05T20:17:29.191" v="2088" actId="27636"/>
+        <pc:sldMkLst>
+          <pc:docMk/>
+          <pc:sldMk cId="1008132512" sldId="285"/>
+        </pc:sldMkLst>
+        <pc:spChg chg="mod">
+          <ac:chgData name="Luis Fernando Rodriguez Gutierrez" userId="47d13518-703e-4604-b449-ba54b8feb907" providerId="ADAL" clId="{56418ACE-61C6-4AD3-AD16-975169FAD560}" dt="2025-02-05T20:14:15.002" v="2071" actId="20577"/>
+          <ac:spMkLst>
+            <pc:docMk/>
+            <pc:sldMk cId="1008132512" sldId="285"/>
+            <ac:spMk id="2" creationId="{C9042DFC-66FA-48EA-FFF2-329E474463BB}"/>
+          </ac:spMkLst>
+        </pc:spChg>
+        <pc:spChg chg="mod">
+          <ac:chgData name="Luis Fernando Rodriguez Gutierrez" userId="47d13518-703e-4604-b449-ba54b8feb907" providerId="ADAL" clId="{56418ACE-61C6-4AD3-AD16-975169FAD560}" dt="2025-02-05T20:17:29.191" v="2088" actId="27636"/>
+          <ac:spMkLst>
+            <pc:docMk/>
+            <pc:sldMk cId="1008132512" sldId="285"/>
+            <ac:spMk id="3" creationId="{8B915F97-6C82-0F7E-ED7E-FE3E1873A75A}"/>
+          </ac:spMkLst>
+        </pc:spChg>
+      </pc:sldChg>
+      <pc:sldChg chg="modSp new mod">
+        <pc:chgData name="Luis Fernando Rodriguez Gutierrez" userId="47d13518-703e-4604-b449-ba54b8feb907" providerId="ADAL" clId="{56418ACE-61C6-4AD3-AD16-975169FAD560}" dt="2025-02-05T20:18:00.388" v="2105" actId="20577"/>
+        <pc:sldMkLst>
+          <pc:docMk/>
+          <pc:sldMk cId="353931730" sldId="286"/>
+        </pc:sldMkLst>
+        <pc:spChg chg="mod">
+          <ac:chgData name="Luis Fernando Rodriguez Gutierrez" userId="47d13518-703e-4604-b449-ba54b8feb907" providerId="ADAL" clId="{56418ACE-61C6-4AD3-AD16-975169FAD560}" dt="2025-02-05T20:18:00.388" v="2105" actId="20577"/>
+          <ac:spMkLst>
+            <pc:docMk/>
+            <pc:sldMk cId="353931730" sldId="286"/>
+            <ac:spMk id="2" creationId="{7A38250A-D6AC-8A1B-5FB9-1A22647D0474}"/>
+          </ac:spMkLst>
+        </pc:spChg>
+        <pc:spChg chg="mod">
+          <ac:chgData name="Luis Fernando Rodriguez Gutierrez" userId="47d13518-703e-4604-b449-ba54b8feb907" providerId="ADAL" clId="{56418ACE-61C6-4AD3-AD16-975169FAD560}" dt="2025-02-05T20:14:49.353" v="2082" actId="20577"/>
+          <ac:spMkLst>
+            <pc:docMk/>
+            <pc:sldMk cId="353931730" sldId="286"/>
+            <ac:spMk id="3" creationId="{7DE9D012-3448-23FF-A01F-0D9BA262CD08}"/>
+          </ac:spMkLst>
+        </pc:spChg>
+      </pc:sldChg>
+      <pc:sldChg chg="modSp new mod">
+        <pc:chgData name="Luis Fernando Rodriguez Gutierrez" userId="47d13518-703e-4604-b449-ba54b8feb907" providerId="ADAL" clId="{56418ACE-61C6-4AD3-AD16-975169FAD560}" dt="2025-02-05T20:18:04.092" v="2106"/>
+        <pc:sldMkLst>
+          <pc:docMk/>
+          <pc:sldMk cId="3456530857" sldId="287"/>
+        </pc:sldMkLst>
+        <pc:spChg chg="mod">
+          <ac:chgData name="Luis Fernando Rodriguez Gutierrez" userId="47d13518-703e-4604-b449-ba54b8feb907" providerId="ADAL" clId="{56418ACE-61C6-4AD3-AD16-975169FAD560}" dt="2025-02-05T20:18:04.092" v="2106"/>
+          <ac:spMkLst>
+            <pc:docMk/>
+            <pc:sldMk cId="3456530857" sldId="287"/>
+            <ac:spMk id="2" creationId="{EF7B725F-D7B1-59B1-8C6D-1A346846056B}"/>
+          </ac:spMkLst>
+        </pc:spChg>
+        <pc:spChg chg="mod">
+          <ac:chgData name="Luis Fernando Rodriguez Gutierrez" userId="47d13518-703e-4604-b449-ba54b8feb907" providerId="ADAL" clId="{56418ACE-61C6-4AD3-AD16-975169FAD560}" dt="2025-02-05T20:15:59.048" v="2086"/>
+          <ac:spMkLst>
+            <pc:docMk/>
+            <pc:sldMk cId="3456530857" sldId="287"/>
+            <ac:spMk id="3" creationId="{935D49A1-1B47-9D19-1528-75C4B280A2F4}"/>
+          </ac:spMkLst>
+        </pc:spChg>
       </pc:sldChg>
     </pc:docChg>
   </pc:docChgLst>
@@ -1127,7 +1270,7 @@
           <a:p>
             <a:fld id="{F8D372CF-70C8-4756-8EEA-216D48386233}" type="datetimeFigureOut">
               <a:rPr lang="en-US" smtClean="0"/>
-              <a:t>2/2/2025</a:t>
+              <a:t>2/5/2025</a:t>
             </a:fld>
             <a:endParaRPr lang="en-US"/>
           </a:p>
@@ -1623,9 +1766,9 @@
           <a:bodyPr/>
           <a:lstStyle/>
           <a:p>
-            <a:fld id="{B73644A4-7126-4ABB-8146-94F291BED3D2}" type="datetime1">
+            <a:fld id="{36EB16DF-0ACA-48CE-946C-1F1F648BD8AD}" type="datetime1">
               <a:rPr lang="en-US" smtClean="0"/>
-              <a:t>2/2/2025</a:t>
+              <a:t>2/5/2025</a:t>
             </a:fld>
             <a:endParaRPr lang="en-US"/>
           </a:p>
@@ -1824,9 +1967,9 @@
           <a:bodyPr/>
           <a:lstStyle/>
           <a:p>
-            <a:fld id="{00D74320-5045-4ED7-8920-8ADAC095C01F}" type="datetime1">
+            <a:fld id="{D49875A6-F379-4DD6-9B6B-A02AECDD8176}" type="datetime1">
               <a:rPr lang="en-US" smtClean="0"/>
-              <a:t>2/2/2025</a:t>
+              <a:t>2/5/2025</a:t>
             </a:fld>
             <a:endParaRPr lang="en-US"/>
           </a:p>
@@ -2035,9 +2178,9 @@
           <a:bodyPr/>
           <a:lstStyle/>
           <a:p>
-            <a:fld id="{F2FFABB2-524D-4849-9E26-33C35E0C858B}" type="datetime1">
+            <a:fld id="{849C20AA-EF78-465A-93C3-B2902A2B03B4}" type="datetime1">
               <a:rPr lang="en-US" smtClean="0"/>
-              <a:t>2/2/2025</a:t>
+              <a:t>2/5/2025</a:t>
             </a:fld>
             <a:endParaRPr lang="en-US"/>
           </a:p>
@@ -2236,9 +2379,9 @@
           <a:bodyPr/>
           <a:lstStyle/>
           <a:p>
-            <a:fld id="{025A5627-FABB-457E-8F66-79AC15F319AB}" type="datetime1">
+            <a:fld id="{D6D5B4D0-F6BF-42C9-B723-0E735610251C}" type="datetime1">
               <a:rPr lang="en-US" smtClean="0"/>
-              <a:t>2/2/2025</a:t>
+              <a:t>2/5/2025</a:t>
             </a:fld>
             <a:endParaRPr lang="en-US"/>
           </a:p>
@@ -2514,9 +2657,9 @@
           <a:bodyPr/>
           <a:lstStyle/>
           <a:p>
-            <a:fld id="{B137BE0E-DCD5-4161-8998-62FF15282FC6}" type="datetime1">
+            <a:fld id="{58334CDB-F2DB-40CB-A30A-9A0B73F652BB}" type="datetime1">
               <a:rPr lang="en-US" smtClean="0"/>
-              <a:t>2/2/2025</a:t>
+              <a:t>2/5/2025</a:t>
             </a:fld>
             <a:endParaRPr lang="en-US"/>
           </a:p>
@@ -2782,9 +2925,9 @@
           <a:bodyPr/>
           <a:lstStyle/>
           <a:p>
-            <a:fld id="{B7C17C6D-4275-4CF5-85D9-AB0289A161EC}" type="datetime1">
+            <a:fld id="{C53253D2-35D4-4E3E-A558-90DAA2A44133}" type="datetime1">
               <a:rPr lang="en-US" smtClean="0"/>
-              <a:t>2/2/2025</a:t>
+              <a:t>2/5/2025</a:t>
             </a:fld>
             <a:endParaRPr lang="en-US"/>
           </a:p>
@@ -3197,9 +3340,9 @@
           <a:bodyPr/>
           <a:lstStyle/>
           <a:p>
-            <a:fld id="{31BD056B-CBD3-48E2-A074-4D03248E0534}" type="datetime1">
+            <a:fld id="{0AF532BF-13CE-4C51-A9A5-85C2C70DFF03}" type="datetime1">
               <a:rPr lang="en-US" smtClean="0"/>
-              <a:t>2/2/2025</a:t>
+              <a:t>2/5/2025</a:t>
             </a:fld>
             <a:endParaRPr lang="en-US"/>
           </a:p>
@@ -3341,9 +3484,9 @@
           <a:bodyPr/>
           <a:lstStyle/>
           <a:p>
-            <a:fld id="{8B751AE4-1BFC-46CA-B09E-C5BA2803DE6C}" type="datetime1">
+            <a:fld id="{3F814912-7FB5-4EEA-B750-65FDEA390F5A}" type="datetime1">
               <a:rPr lang="en-US" smtClean="0"/>
-              <a:t>2/2/2025</a:t>
+              <a:t>2/5/2025</a:t>
             </a:fld>
             <a:endParaRPr lang="en-US"/>
           </a:p>
@@ -3457,9 +3600,9 @@
           <a:bodyPr/>
           <a:lstStyle/>
           <a:p>
-            <a:fld id="{05AEF7F6-75E8-43AE-9476-FD51A78BF610}" type="datetime1">
+            <a:fld id="{CC35B2EB-08D1-4AE9-B787-E21D5A53243A}" type="datetime1">
               <a:rPr lang="en-US" smtClean="0"/>
-              <a:t>2/2/2025</a:t>
+              <a:t>2/5/2025</a:t>
             </a:fld>
             <a:endParaRPr lang="en-US"/>
           </a:p>
@@ -3771,9 +3914,9 @@
           <a:bodyPr/>
           <a:lstStyle/>
           <a:p>
-            <a:fld id="{5149BAAA-C66B-4834-9FC0-A8C299128EEE}" type="datetime1">
+            <a:fld id="{8ECC66DB-0115-4F51-9664-9587E3209E4F}" type="datetime1">
               <a:rPr lang="en-US" smtClean="0"/>
-              <a:t>2/2/2025</a:t>
+              <a:t>2/5/2025</a:t>
             </a:fld>
             <a:endParaRPr lang="en-US"/>
           </a:p>
@@ -4062,9 +4205,9 @@
           <a:bodyPr/>
           <a:lstStyle/>
           <a:p>
-            <a:fld id="{EABAEC79-B6ED-4A88-871D-586FAF85315F}" type="datetime1">
+            <a:fld id="{3DD9D61E-1DED-4B2C-88D2-5FD19062878F}" type="datetime1">
               <a:rPr lang="en-US" smtClean="0"/>
-              <a:t>2/2/2025</a:t>
+              <a:t>2/5/2025</a:t>
             </a:fld>
             <a:endParaRPr lang="en-US"/>
           </a:p>
@@ -4306,9 +4449,9 @@
             </a:lvl1pPr>
           </a:lstStyle>
           <a:p>
-            <a:fld id="{A3A5D426-F544-4617-B7E7-26F9CC460ED2}" type="datetime1">
+            <a:fld id="{BC496AC7-115B-4C77-8EDF-D78EA21B7B89}" type="datetime1">
               <a:rPr lang="en-US" smtClean="0"/>
-              <a:t>2/2/2025</a:t>
+              <a:t>2/5/2025</a:t>
             </a:fld>
             <a:endParaRPr lang="en-US"/>
           </a:p>
@@ -4428,7 +4571,7 @@
     <p:sldLayoutId id="2147483658" r:id="rId10"/>
     <p:sldLayoutId id="2147483659" r:id="rId11"/>
   </p:sldLayoutIdLst>
-  <p:hf sldNum="0" hdr="0" dt="0"/>
+  <p:hf hdr="0" ftr="0" dt="0"/>
   <p:txStyles>
     <p:titleStyle>
       <a:lvl1pPr algn="l" defTabSz="914400" rtl="0" eaLnBrk="1" latinLnBrk="0" hangingPunct="1">
@@ -4949,7 +5092,14 @@
           <a:p>
             <a:pPr algn="l"/>
             <a:r>
-              <a:rPr lang="en-US" sz="5200"/>
+              <a:rPr lang="en-US" sz="5200" dirty="0"/>
+              <a:t>Model Based Systems Project:</a:t>
+            </a:r>
+            <a:br>
+              <a:rPr lang="en-US" sz="5200" dirty="0"/>
+            </a:br>
+            <a:r>
+              <a:rPr lang="en-US" sz="5200" dirty="0"/>
               <a:t>C-ITS</a:t>
             </a:r>
           </a:p>
@@ -4986,7 +5136,7 @@
           <a:p>
             <a:pPr algn="l"/>
             <a:r>
-              <a:rPr lang="en-US" b="1" i="0" u="none" strike="noStrike">
+              <a:rPr lang="en-US" b="1" i="0" u="none" strike="noStrike" dirty="0">
                 <a:effectLst/>
                 <a:latin typeface="OpenSansBT"/>
               </a:rPr>
@@ -4997,10 +5147,140 @@
       </p:sp>
       <p:sp>
         <p:nvSpPr>
-          <p:cNvPr id="6" name="Footer Placeholder 5">
-            <a:extLst>
-              <a:ext uri="{FF2B5EF4-FFF2-40B4-BE49-F238E27FC236}">
-                <a16:creationId xmlns:a16="http://schemas.microsoft.com/office/drawing/2014/main" id="{92FBDE1F-7A4A-E896-58F8-31909E874318}"/>
+          <p:cNvPr id="7" name="Footer Placeholder 5">
+            <a:extLst>
+              <a:ext uri="{FF2B5EF4-FFF2-40B4-BE49-F238E27FC236}">
+                <a16:creationId xmlns:a16="http://schemas.microsoft.com/office/drawing/2014/main" id="{C6405F33-2444-DF3C-C86D-D9C917577529}"/>
+              </a:ext>
+            </a:extLst>
+          </p:cNvPr>
+          <p:cNvSpPr txBox="1">
+            <a:spLocks/>
+          </p:cNvSpPr>
+          <p:nvPr/>
+        </p:nvSpPr>
+        <p:spPr>
+          <a:xfrm>
+            <a:off x="7673248" y="6356349"/>
+            <a:ext cx="2838473" cy="365125"/>
+          </a:xfrm>
+          <a:prstGeom prst="rect">
+            <a:avLst/>
+          </a:prstGeom>
+        </p:spPr>
+        <p:txBody>
+          <a:bodyPr vert="horz" lIns="91440" tIns="45720" rIns="91440" bIns="45720" rtlCol="0" anchor="ctr"/>
+          <a:lstStyle>
+            <a:defPPr>
+              <a:defRPr lang="en-US"/>
+            </a:defPPr>
+            <a:lvl1pPr marL="0" algn="ctr" defTabSz="914400" rtl="0" eaLnBrk="1" latinLnBrk="0" hangingPunct="1">
+              <a:defRPr sz="1200" kern="1200">
+                <a:solidFill>
+                  <a:schemeClr val="tx1">
+                    <a:tint val="82000"/>
+                  </a:schemeClr>
+                </a:solidFill>
+                <a:latin typeface="+mn-lt"/>
+                <a:ea typeface="+mn-ea"/>
+                <a:cs typeface="+mn-cs"/>
+              </a:defRPr>
+            </a:lvl1pPr>
+            <a:lvl2pPr marL="457200" algn="l" defTabSz="914400" rtl="0" eaLnBrk="1" latinLnBrk="0" hangingPunct="1">
+              <a:defRPr sz="1800" kern="1200">
+                <a:solidFill>
+                  <a:schemeClr val="tx1"/>
+                </a:solidFill>
+                <a:latin typeface="+mn-lt"/>
+                <a:ea typeface="+mn-ea"/>
+                <a:cs typeface="+mn-cs"/>
+              </a:defRPr>
+            </a:lvl2pPr>
+            <a:lvl3pPr marL="914400" algn="l" defTabSz="914400" rtl="0" eaLnBrk="1" latinLnBrk="0" hangingPunct="1">
+              <a:defRPr sz="1800" kern="1200">
+                <a:solidFill>
+                  <a:schemeClr val="tx1"/>
+                </a:solidFill>
+                <a:latin typeface="+mn-lt"/>
+                <a:ea typeface="+mn-ea"/>
+                <a:cs typeface="+mn-cs"/>
+              </a:defRPr>
+            </a:lvl3pPr>
+            <a:lvl4pPr marL="1371600" algn="l" defTabSz="914400" rtl="0" eaLnBrk="1" latinLnBrk="0" hangingPunct="1">
+              <a:defRPr sz="1800" kern="1200">
+                <a:solidFill>
+                  <a:schemeClr val="tx1"/>
+                </a:solidFill>
+                <a:latin typeface="+mn-lt"/>
+                <a:ea typeface="+mn-ea"/>
+                <a:cs typeface="+mn-cs"/>
+              </a:defRPr>
+            </a:lvl4pPr>
+            <a:lvl5pPr marL="1828800" algn="l" defTabSz="914400" rtl="0" eaLnBrk="1" latinLnBrk="0" hangingPunct="1">
+              <a:defRPr sz="1800" kern="1200">
+                <a:solidFill>
+                  <a:schemeClr val="tx1"/>
+                </a:solidFill>
+                <a:latin typeface="+mn-lt"/>
+                <a:ea typeface="+mn-ea"/>
+                <a:cs typeface="+mn-cs"/>
+              </a:defRPr>
+            </a:lvl5pPr>
+            <a:lvl6pPr marL="2286000" algn="l" defTabSz="914400" rtl="0" eaLnBrk="1" latinLnBrk="0" hangingPunct="1">
+              <a:defRPr sz="1800" kern="1200">
+                <a:solidFill>
+                  <a:schemeClr val="tx1"/>
+                </a:solidFill>
+                <a:latin typeface="+mn-lt"/>
+                <a:ea typeface="+mn-ea"/>
+                <a:cs typeface="+mn-cs"/>
+              </a:defRPr>
+            </a:lvl6pPr>
+            <a:lvl7pPr marL="2743200" algn="l" defTabSz="914400" rtl="0" eaLnBrk="1" latinLnBrk="0" hangingPunct="1">
+              <a:defRPr sz="1800" kern="1200">
+                <a:solidFill>
+                  <a:schemeClr val="tx1"/>
+                </a:solidFill>
+                <a:latin typeface="+mn-lt"/>
+                <a:ea typeface="+mn-ea"/>
+                <a:cs typeface="+mn-cs"/>
+              </a:defRPr>
+            </a:lvl7pPr>
+            <a:lvl8pPr marL="3200400" algn="l" defTabSz="914400" rtl="0" eaLnBrk="1" latinLnBrk="0" hangingPunct="1">
+              <a:defRPr sz="1800" kern="1200">
+                <a:solidFill>
+                  <a:schemeClr val="tx1"/>
+                </a:solidFill>
+                <a:latin typeface="+mn-lt"/>
+                <a:ea typeface="+mn-ea"/>
+                <a:cs typeface="+mn-cs"/>
+              </a:defRPr>
+            </a:lvl8pPr>
+            <a:lvl9pPr marL="3657600" algn="l" defTabSz="914400" rtl="0" eaLnBrk="1" latinLnBrk="0" hangingPunct="1">
+              <a:defRPr sz="1800" kern="1200">
+                <a:solidFill>
+                  <a:schemeClr val="tx1"/>
+                </a:solidFill>
+                <a:latin typeface="+mn-lt"/>
+                <a:ea typeface="+mn-ea"/>
+                <a:cs typeface="+mn-cs"/>
+              </a:defRPr>
+            </a:lvl9pPr>
+          </a:lstStyle>
+          <a:p>
+            <a:r>
+              <a:rPr lang="en-US" dirty="0"/>
+              <a:t>Fig. 1, Awareness Driving</a:t>
+            </a:r>
+          </a:p>
+        </p:txBody>
+      </p:sp>
+      <p:sp>
+        <p:nvSpPr>
+          <p:cNvPr id="9" name="Slide Number Placeholder 8">
+            <a:extLst>
+              <a:ext uri="{FF2B5EF4-FFF2-40B4-BE49-F238E27FC236}">
+                <a16:creationId xmlns:a16="http://schemas.microsoft.com/office/drawing/2014/main" id="{695A92BD-9203-D236-AC62-D2EE94575DBB}"/>
               </a:ext>
             </a:extLst>
           </p:cNvPr>
@@ -5008,22 +5288,236 @@
             <a:spLocks noGrp="1"/>
           </p:cNvSpPr>
           <p:nvPr>
-            <p:ph type="ftr" sz="quarter" idx="11"/>
-          </p:nvPr>
+            <p:ph type="sldNum" sz="quarter" idx="12"/>
+          </p:nvPr>
+        </p:nvSpPr>
+        <p:spPr/>
+        <p:txBody>
+          <a:bodyPr/>
+          <a:lstStyle/>
+          <a:p>
+            <a:fld id="{9DCED871-2989-4B32-8014-48EE2C4221D7}" type="slidenum">
+              <a:rPr lang="en-US" smtClean="0"/>
+              <a:t>1</a:t>
+            </a:fld>
+            <a:endParaRPr lang="en-US"/>
+          </a:p>
+        </p:txBody>
+      </p:sp>
+      <p:sp>
+        <p:nvSpPr>
+          <p:cNvPr id="10" name="Subtitle 2">
+            <a:extLst>
+              <a:ext uri="{FF2B5EF4-FFF2-40B4-BE49-F238E27FC236}">
+                <a16:creationId xmlns:a16="http://schemas.microsoft.com/office/drawing/2014/main" id="{BEB3F9B3-7393-300B-EB65-A0CA563D21B4}"/>
+              </a:ext>
+            </a:extLst>
+          </p:cNvPr>
+          <p:cNvSpPr txBox="1">
+            <a:spLocks/>
+          </p:cNvSpPr>
+          <p:nvPr/>
         </p:nvSpPr>
         <p:spPr>
           <a:xfrm>
-            <a:off x="9350477" y="6356350"/>
-            <a:ext cx="2838473" cy="365125"/>
+            <a:off x="7948283" y="5178912"/>
+            <a:ext cx="3445766" cy="626054"/>
           </a:xfrm>
+          <a:prstGeom prst="rect">
+            <a:avLst/>
+          </a:prstGeom>
+          <a:noFill/>
         </p:spPr>
         <p:txBody>
-          <a:bodyPr/>
-          <a:lstStyle/>
-          <a:p>
-            <a:r>
-              <a:rPr lang="en-US" dirty="0"/>
-              <a:t>Fig. 1, Awareness Driving</a:t>
+          <a:bodyPr vert="horz" lIns="91440" tIns="45720" rIns="91440" bIns="45720" rtlCol="0">
+            <a:noAutofit/>
+          </a:bodyPr>
+          <a:lstStyle>
+            <a:lvl1pPr marL="0" indent="0" algn="ctr" defTabSz="914400" rtl="0" eaLnBrk="1" latinLnBrk="0" hangingPunct="1">
+              <a:lnSpc>
+                <a:spcPct val="90000"/>
+              </a:lnSpc>
+              <a:spcBef>
+                <a:spcPts val="1000"/>
+              </a:spcBef>
+              <a:buFont typeface="Arial" panose="020B0604020202020204" pitchFamily="34" charset="0"/>
+              <a:buNone/>
+              <a:defRPr sz="2400" kern="1200">
+                <a:solidFill>
+                  <a:schemeClr val="tx1"/>
+                </a:solidFill>
+                <a:latin typeface="+mn-lt"/>
+                <a:ea typeface="+mn-ea"/>
+                <a:cs typeface="+mn-cs"/>
+              </a:defRPr>
+            </a:lvl1pPr>
+            <a:lvl2pPr marL="457200" indent="0" algn="ctr" defTabSz="914400" rtl="0" eaLnBrk="1" latinLnBrk="0" hangingPunct="1">
+              <a:lnSpc>
+                <a:spcPct val="90000"/>
+              </a:lnSpc>
+              <a:spcBef>
+                <a:spcPts val="500"/>
+              </a:spcBef>
+              <a:buFont typeface="Arial" panose="020B0604020202020204" pitchFamily="34" charset="0"/>
+              <a:buNone/>
+              <a:defRPr sz="2000" kern="1200">
+                <a:solidFill>
+                  <a:schemeClr val="tx1"/>
+                </a:solidFill>
+                <a:latin typeface="+mn-lt"/>
+                <a:ea typeface="+mn-ea"/>
+                <a:cs typeface="+mn-cs"/>
+              </a:defRPr>
+            </a:lvl2pPr>
+            <a:lvl3pPr marL="914400" indent="0" algn="ctr" defTabSz="914400" rtl="0" eaLnBrk="1" latinLnBrk="0" hangingPunct="1">
+              <a:lnSpc>
+                <a:spcPct val="90000"/>
+              </a:lnSpc>
+              <a:spcBef>
+                <a:spcPts val="500"/>
+              </a:spcBef>
+              <a:buFont typeface="Arial" panose="020B0604020202020204" pitchFamily="34" charset="0"/>
+              <a:buNone/>
+              <a:defRPr sz="1800" kern="1200">
+                <a:solidFill>
+                  <a:schemeClr val="tx1"/>
+                </a:solidFill>
+                <a:latin typeface="+mn-lt"/>
+                <a:ea typeface="+mn-ea"/>
+                <a:cs typeface="+mn-cs"/>
+              </a:defRPr>
+            </a:lvl3pPr>
+            <a:lvl4pPr marL="1371600" indent="0" algn="ctr" defTabSz="914400" rtl="0" eaLnBrk="1" latinLnBrk="0" hangingPunct="1">
+              <a:lnSpc>
+                <a:spcPct val="90000"/>
+              </a:lnSpc>
+              <a:spcBef>
+                <a:spcPts val="500"/>
+              </a:spcBef>
+              <a:buFont typeface="Arial" panose="020B0604020202020204" pitchFamily="34" charset="0"/>
+              <a:buNone/>
+              <a:defRPr sz="1600" kern="1200">
+                <a:solidFill>
+                  <a:schemeClr val="tx1"/>
+                </a:solidFill>
+                <a:latin typeface="+mn-lt"/>
+                <a:ea typeface="+mn-ea"/>
+                <a:cs typeface="+mn-cs"/>
+              </a:defRPr>
+            </a:lvl4pPr>
+            <a:lvl5pPr marL="1828800" indent="0" algn="ctr" defTabSz="914400" rtl="0" eaLnBrk="1" latinLnBrk="0" hangingPunct="1">
+              <a:lnSpc>
+                <a:spcPct val="90000"/>
+              </a:lnSpc>
+              <a:spcBef>
+                <a:spcPts val="500"/>
+              </a:spcBef>
+              <a:buFont typeface="Arial" panose="020B0604020202020204" pitchFamily="34" charset="0"/>
+              <a:buNone/>
+              <a:defRPr sz="1600" kern="1200">
+                <a:solidFill>
+                  <a:schemeClr val="tx1"/>
+                </a:solidFill>
+                <a:latin typeface="+mn-lt"/>
+                <a:ea typeface="+mn-ea"/>
+                <a:cs typeface="+mn-cs"/>
+              </a:defRPr>
+            </a:lvl5pPr>
+            <a:lvl6pPr marL="2286000" indent="0" algn="ctr" defTabSz="914400" rtl="0" eaLnBrk="1" latinLnBrk="0" hangingPunct="1">
+              <a:lnSpc>
+                <a:spcPct val="90000"/>
+              </a:lnSpc>
+              <a:spcBef>
+                <a:spcPts val="500"/>
+              </a:spcBef>
+              <a:buFont typeface="Arial" panose="020B0604020202020204" pitchFamily="34" charset="0"/>
+              <a:buNone/>
+              <a:defRPr sz="1600" kern="1200">
+                <a:solidFill>
+                  <a:schemeClr val="tx1"/>
+                </a:solidFill>
+                <a:latin typeface="+mn-lt"/>
+                <a:ea typeface="+mn-ea"/>
+                <a:cs typeface="+mn-cs"/>
+              </a:defRPr>
+            </a:lvl6pPr>
+            <a:lvl7pPr marL="2743200" indent="0" algn="ctr" defTabSz="914400" rtl="0" eaLnBrk="1" latinLnBrk="0" hangingPunct="1">
+              <a:lnSpc>
+                <a:spcPct val="90000"/>
+              </a:lnSpc>
+              <a:spcBef>
+                <a:spcPts val="500"/>
+              </a:spcBef>
+              <a:buFont typeface="Arial" panose="020B0604020202020204" pitchFamily="34" charset="0"/>
+              <a:buNone/>
+              <a:defRPr sz="1600" kern="1200">
+                <a:solidFill>
+                  <a:schemeClr val="tx1"/>
+                </a:solidFill>
+                <a:latin typeface="+mn-lt"/>
+                <a:ea typeface="+mn-ea"/>
+                <a:cs typeface="+mn-cs"/>
+              </a:defRPr>
+            </a:lvl7pPr>
+            <a:lvl8pPr marL="3200400" indent="0" algn="ctr" defTabSz="914400" rtl="0" eaLnBrk="1" latinLnBrk="0" hangingPunct="1">
+              <a:lnSpc>
+                <a:spcPct val="90000"/>
+              </a:lnSpc>
+              <a:spcBef>
+                <a:spcPts val="500"/>
+              </a:spcBef>
+              <a:buFont typeface="Arial" panose="020B0604020202020204" pitchFamily="34" charset="0"/>
+              <a:buNone/>
+              <a:defRPr sz="1600" kern="1200">
+                <a:solidFill>
+                  <a:schemeClr val="tx1"/>
+                </a:solidFill>
+                <a:latin typeface="+mn-lt"/>
+                <a:ea typeface="+mn-ea"/>
+                <a:cs typeface="+mn-cs"/>
+              </a:defRPr>
+            </a:lvl8pPr>
+            <a:lvl9pPr marL="3657600" indent="0" algn="ctr" defTabSz="914400" rtl="0" eaLnBrk="1" latinLnBrk="0" hangingPunct="1">
+              <a:lnSpc>
+                <a:spcPct val="90000"/>
+              </a:lnSpc>
+              <a:spcBef>
+                <a:spcPts val="500"/>
+              </a:spcBef>
+              <a:buFont typeface="Arial" panose="020B0604020202020204" pitchFamily="34" charset="0"/>
+              <a:buNone/>
+              <a:defRPr sz="1600" kern="1200">
+                <a:solidFill>
+                  <a:schemeClr val="tx1"/>
+                </a:solidFill>
+                <a:latin typeface="+mn-lt"/>
+                <a:ea typeface="+mn-ea"/>
+                <a:cs typeface="+mn-cs"/>
+              </a:defRPr>
+            </a:lvl9pPr>
+          </a:lstStyle>
+          <a:p>
+            <a:pPr algn="l"/>
+            <a:r>
+              <a:rPr lang="en-US" sz="1800" dirty="0">
+                <a:latin typeface="OpenSansBT"/>
+              </a:rPr>
+              <a:t>Luis Fernando Rodriguez Gutierrez</a:t>
+            </a:r>
+          </a:p>
+          <a:p>
+            <a:pPr algn="l"/>
+            <a:r>
+              <a:rPr lang="en-US" sz="1800" dirty="0" err="1">
+                <a:latin typeface="OpenSansBT"/>
+              </a:rPr>
+              <a:t>Hazhir</a:t>
+            </a:r>
+            <a:r>
+              <a:rPr lang="en-US" sz="1800" dirty="0">
+                <a:latin typeface="OpenSansBT"/>
+              </a:rPr>
+              <a:t> Amiri</a:t>
             </a:r>
           </a:p>
         </p:txBody>
@@ -5145,6 +5639,116 @@
                                   </p:childTnLst>
                                 </p:cTn>
                               </p:par>
+                              <p:par>
+                                <p:cTn id="11" presetID="10" presetClass="entr" presetSubtype="0" fill="hold" grpId="0" nodeType="withEffect">
+                                  <p:stCondLst>
+                                    <p:cond delay="2000"/>
+                                  </p:stCondLst>
+                                  <p:iterate type="lt">
+                                    <p:tmPct val="10000"/>
+                                  </p:iterate>
+                                  <p:childTnLst>
+                                    <p:set>
+                                      <p:cBhvr>
+                                        <p:cTn id="12" dur="1" fill="hold">
+                                          <p:stCondLst>
+                                            <p:cond delay="0"/>
+                                          </p:stCondLst>
+                                        </p:cTn>
+                                        <p:tgtEl>
+                                          <p:spTgt spid="10">
+                                            <p:txEl>
+                                              <p:pRg st="0" end="0"/>
+                                            </p:txEl>
+                                          </p:spTgt>
+                                        </p:tgtEl>
+                                        <p:attrNameLst>
+                                          <p:attrName>style.visibility</p:attrName>
+                                        </p:attrNameLst>
+                                      </p:cBhvr>
+                                      <p:to>
+                                        <p:strVal val="visible"/>
+                                      </p:to>
+                                    </p:set>
+                                    <p:animEffect transition="in" filter="fade">
+                                      <p:cBhvr>
+                                        <p:cTn id="13" dur="400"/>
+                                        <p:tgtEl>
+                                          <p:spTgt spid="10">
+                                            <p:txEl>
+                                              <p:pRg st="0" end="0"/>
+                                            </p:txEl>
+                                          </p:spTgt>
+                                        </p:tgtEl>
+                                      </p:cBhvr>
+                                    </p:animEffect>
+                                  </p:childTnLst>
+                                </p:cTn>
+                              </p:par>
+                            </p:childTnLst>
+                          </p:cTn>
+                        </p:par>
+                      </p:childTnLst>
+                    </p:cTn>
+                  </p:par>
+                  <p:par>
+                    <p:cTn id="14" fill="hold">
+                      <p:stCondLst>
+                        <p:cond delay="indefinite"/>
+                      </p:stCondLst>
+                      <p:childTnLst>
+                        <p:par>
+                          <p:cTn id="15" fill="hold">
+                            <p:stCondLst>
+                              <p:cond delay="0"/>
+                            </p:stCondLst>
+                            <p:childTnLst>
+                              <p:par>
+                                <p:cTn id="16" presetID="10" presetClass="entr" presetSubtype="0" fill="hold" grpId="0" nodeType="clickEffect">
+                                  <p:stCondLst>
+                                    <p:cond delay="2000"/>
+                                  </p:stCondLst>
+                                  <p:iterate type="lt">
+                                    <p:tmPct val="10000"/>
+                                  </p:iterate>
+                                  <p:childTnLst>
+                                    <p:set>
+                                      <p:cBhvr>
+                                        <p:cTn id="17" dur="1" fill="hold">
+                                          <p:stCondLst>
+                                            <p:cond delay="0"/>
+                                          </p:stCondLst>
+                                        </p:cTn>
+                                        <p:tgtEl>
+                                          <p:spTgt spid="10">
+                                            <p:txEl>
+                                              <p:pRg st="1" end="1"/>
+                                            </p:txEl>
+                                          </p:spTgt>
+                                        </p:tgtEl>
+                                        <p:attrNameLst>
+                                          <p:attrName>style.visibility</p:attrName>
+                                        </p:attrNameLst>
+                                      </p:cBhvr>
+                                      <p:to>
+                                        <p:strVal val="visible"/>
+                                      </p:to>
+                                    </p:set>
+                                    <p:animEffect transition="in" filter="fade">
+                                      <p:cBhvr>
+                                        <p:cTn id="18" dur="400"/>
+                                        <p:tgtEl>
+                                          <p:spTgt spid="10">
+                                            <p:txEl>
+                                              <p:pRg st="1" end="1"/>
+                                            </p:txEl>
+                                          </p:spTgt>
+                                        </p:tgtEl>
+                                      </p:cBhvr>
+                                    </p:animEffect>
+                                  </p:childTnLst>
+                                </p:cTn>
+                              </p:par>
                             </p:childTnLst>
                           </p:cTn>
                         </p:par>
@@ -5175,6 +5779,7 @@
     <p:bldLst>
       <p:bldP spid="2" grpId="0"/>
       <p:bldP spid="3" grpId="0" build="p"/>
+      <p:bldP spid="10" grpId="0" build="p"/>
     </p:bldLst>
   </p:timing>
 </p:sld>
@@ -5311,67 +5916,24 @@
         </p:spPr>
         <p:txBody>
           <a:bodyPr anchor="b">
-            <a:normAutofit/>
+            <a:normAutofit fontScale="90000"/>
           </a:bodyPr>
           <a:lstStyle/>
           <a:p>
             <a:r>
-              <a:rPr lang="en-US" sz="3700"/>
+              <a:rPr lang="en-US" sz="4000" dirty="0"/>
+              <a:t>Vehicle - </a:t>
+            </a:r>
+            <a:r>
+              <a:rPr lang="en-US" sz="3700" dirty="0"/>
               <a:t>Software</a:t>
             </a:r>
             <a:br>
-              <a:rPr lang="en-US" sz="3700"/>
+              <a:rPr lang="en-US" sz="3700" dirty="0"/>
             </a:br>
             <a:r>
-              <a:rPr lang="en-US" sz="3700"/>
+              <a:rPr lang="en-US" sz="3700" dirty="0"/>
               <a:t>DTC (Diagnostic Trouble Codes)</a:t>
-            </a:r>
-          </a:p>
-        </p:txBody>
-      </p:sp>
-      <p:sp>
-        <p:nvSpPr>
-          <p:cNvPr id="4" name="Footer Placeholder 3">
-            <a:extLst>
-              <a:ext uri="{FF2B5EF4-FFF2-40B4-BE49-F238E27FC236}">
-                <a16:creationId xmlns:a16="http://schemas.microsoft.com/office/drawing/2014/main" id="{CA27A937-7B8D-B213-F7BA-48243F1FA74C}"/>
-              </a:ext>
-            </a:extLst>
-          </p:cNvPr>
-          <p:cNvSpPr>
-            <a:spLocks noGrp="1"/>
-          </p:cNvSpPr>
-          <p:nvPr>
-            <p:ph type="ftr" sz="quarter" idx="11"/>
-          </p:nvPr>
-        </p:nvSpPr>
-        <p:spPr>
-          <a:xfrm rot="5400000">
-            <a:off x="-1827726" y="1983972"/>
-            <a:ext cx="4114800" cy="365125"/>
-          </a:xfrm>
-        </p:spPr>
-        <p:txBody>
-          <a:bodyPr>
-            <a:normAutofit/>
-          </a:bodyPr>
-          <a:lstStyle/>
-          <a:p>
-            <a:pPr algn="l">
-              <a:spcAft>
-                <a:spcPts val="600"/>
-              </a:spcAft>
-            </a:pPr>
-            <a:r>
-              <a:rPr lang="en-US" sz="1100">
-                <a:solidFill>
-                  <a:schemeClr val="tx1">
-                    <a:lumMod val="50000"/>
-                    <a:lumOff val="50000"/>
-                  </a:schemeClr>
-                </a:solidFill>
-              </a:rPr>
-              <a:t>Fig. 6, DTC structure</a:t>
             </a:r>
           </a:p>
         </p:txBody>
@@ -5760,6 +6322,35 @@
               <a:rPr lang="en-US" dirty="0"/>
               <a:t>Fig. 8, DTC Code.</a:t>
             </a:r>
+          </a:p>
+        </p:txBody>
+      </p:sp>
+      <p:sp>
+        <p:nvSpPr>
+          <p:cNvPr id="9" name="Slide Number Placeholder 8">
+            <a:extLst>
+              <a:ext uri="{FF2B5EF4-FFF2-40B4-BE49-F238E27FC236}">
+                <a16:creationId xmlns:a16="http://schemas.microsoft.com/office/drawing/2014/main" id="{75A22C9C-AC3C-B0BB-6FDF-6553232E712B}"/>
+              </a:ext>
+            </a:extLst>
+          </p:cNvPr>
+          <p:cNvSpPr>
+            <a:spLocks noGrp="1"/>
+          </p:cNvSpPr>
+          <p:nvPr>
+            <p:ph type="sldNum" sz="quarter" idx="12"/>
+          </p:nvPr>
+        </p:nvSpPr>
+        <p:spPr/>
+        <p:txBody>
+          <a:bodyPr/>
+          <a:lstStyle/>
+          <a:p>
+            <a:fld id="{9DCED871-2989-4B32-8014-48EE2C4221D7}" type="slidenum">
+              <a:rPr lang="en-US" smtClean="0"/>
+              <a:t>10</a:t>
+            </a:fld>
+            <a:endParaRPr lang="en-US"/>
           </a:p>
         </p:txBody>
       </p:sp>
@@ -5920,53 +6511,6 @@
       </p:sp>
       <p:sp>
         <p:nvSpPr>
-          <p:cNvPr id="4" name="Footer Placeholder 3">
-            <a:extLst>
-              <a:ext uri="{FF2B5EF4-FFF2-40B4-BE49-F238E27FC236}">
-                <a16:creationId xmlns:a16="http://schemas.microsoft.com/office/drawing/2014/main" id="{6E956C50-A43B-3686-B86A-E4D998891834}"/>
-              </a:ext>
-            </a:extLst>
-          </p:cNvPr>
-          <p:cNvSpPr>
-            <a:spLocks noGrp="1"/>
-          </p:cNvSpPr>
-          <p:nvPr>
-            <p:ph type="ftr" sz="quarter" idx="11"/>
-          </p:nvPr>
-        </p:nvSpPr>
-        <p:spPr>
-          <a:xfrm rot="5400000">
-            <a:off x="-1827726" y="1983972"/>
-            <a:ext cx="4114800" cy="365125"/>
-          </a:xfrm>
-        </p:spPr>
-        <p:txBody>
-          <a:bodyPr>
-            <a:normAutofit/>
-          </a:bodyPr>
-          <a:lstStyle/>
-          <a:p>
-            <a:pPr algn="l">
-              <a:spcAft>
-                <a:spcPts val="600"/>
-              </a:spcAft>
-            </a:pPr>
-            <a:r>
-              <a:rPr lang="en-US" sz="1100">
-                <a:solidFill>
-                  <a:schemeClr val="tx1">
-                    <a:lumMod val="50000"/>
-                    <a:lumOff val="50000"/>
-                  </a:schemeClr>
-                </a:solidFill>
-              </a:rPr>
-              <a:t>Fig. 6, DTC structure</a:t>
-            </a:r>
-          </a:p>
-        </p:txBody>
-      </p:sp>
-      <p:sp>
-        <p:nvSpPr>
           <p:cNvPr id="3" name="Content Placeholder 2">
             <a:extLst>
               <a:ext uri="{FF2B5EF4-FFF2-40B4-BE49-F238E27FC236}">
@@ -6386,6 +6930,35 @@
               <a:rPr lang="en-US" dirty="0"/>
               <a:t>Fig. 9, DTC Code.</a:t>
             </a:r>
+          </a:p>
+        </p:txBody>
+      </p:sp>
+      <p:sp>
+        <p:nvSpPr>
+          <p:cNvPr id="9" name="Slide Number Placeholder 8">
+            <a:extLst>
+              <a:ext uri="{FF2B5EF4-FFF2-40B4-BE49-F238E27FC236}">
+                <a16:creationId xmlns:a16="http://schemas.microsoft.com/office/drawing/2014/main" id="{82B9B0E8-14F7-3ED3-3293-F7A6E6689D0B}"/>
+              </a:ext>
+            </a:extLst>
+          </p:cNvPr>
+          <p:cNvSpPr>
+            <a:spLocks noGrp="1"/>
+          </p:cNvSpPr>
+          <p:nvPr>
+            <p:ph type="sldNum" sz="quarter" idx="12"/>
+          </p:nvPr>
+        </p:nvSpPr>
+        <p:spPr/>
+        <p:txBody>
+          <a:bodyPr/>
+          <a:lstStyle/>
+          <a:p>
+            <a:fld id="{9DCED871-2989-4B32-8014-48EE2C4221D7}" type="slidenum">
+              <a:rPr lang="en-US" smtClean="0"/>
+              <a:t>11</a:t>
+            </a:fld>
+            <a:endParaRPr lang="en-US"/>
           </a:p>
         </p:txBody>
       </p:sp>
@@ -6759,9 +7332,17 @@
           <a:lstStyle/>
           <a:p>
             <a:r>
+              <a:rPr lang="en-US" sz="4000" dirty="0">
+                <a:solidFill>
+                  <a:schemeClr val="bg1"/>
+                </a:solidFill>
+              </a:rPr>
+              <a:t>Vehicle - </a:t>
+            </a:r>
+            <a:r>
               <a:rPr lang="en-US" sz="4000" kern="1200" dirty="0">
                 <a:solidFill>
-                  <a:srgbClr val="FFFFFF"/>
+                  <a:schemeClr val="bg1"/>
                 </a:solidFill>
                 <a:latin typeface="+mj-lt"/>
                 <a:ea typeface="+mj-ea"/>
@@ -6860,6 +7441,35 @@
           </a:prstGeom>
         </p:spPr>
       </p:pic>
+      <p:sp>
+        <p:nvSpPr>
+          <p:cNvPr id="7" name="Slide Number Placeholder 6">
+            <a:extLst>
+              <a:ext uri="{FF2B5EF4-FFF2-40B4-BE49-F238E27FC236}">
+                <a16:creationId xmlns:a16="http://schemas.microsoft.com/office/drawing/2014/main" id="{D3E0E2C8-727E-E367-4CE8-46E6B91C88BC}"/>
+              </a:ext>
+            </a:extLst>
+          </p:cNvPr>
+          <p:cNvSpPr>
+            <a:spLocks noGrp="1"/>
+          </p:cNvSpPr>
+          <p:nvPr>
+            <p:ph type="sldNum" sz="quarter" idx="12"/>
+          </p:nvPr>
+        </p:nvSpPr>
+        <p:spPr/>
+        <p:txBody>
+          <a:bodyPr/>
+          <a:lstStyle/>
+          <a:p>
+            <a:fld id="{9DCED871-2989-4B32-8014-48EE2C4221D7}" type="slidenum">
+              <a:rPr lang="en-US" smtClean="0"/>
+              <a:t>12</a:t>
+            </a:fld>
+            <a:endParaRPr lang="en-US"/>
+          </a:p>
+        </p:txBody>
+      </p:sp>
     </p:spTree>
     <p:extLst>
       <p:ext uri="{BB962C8B-B14F-4D97-AF65-F5344CB8AC3E}">
@@ -7718,6 +8328,35 @@
           </a:p>
         </p:txBody>
       </p:sp>
+      <p:sp>
+        <p:nvSpPr>
+          <p:cNvPr id="7" name="Slide Number Placeholder 6">
+            <a:extLst>
+              <a:ext uri="{FF2B5EF4-FFF2-40B4-BE49-F238E27FC236}">
+                <a16:creationId xmlns:a16="http://schemas.microsoft.com/office/drawing/2014/main" id="{77A4D615-F217-AD10-77E2-0B782EB3BCC3}"/>
+              </a:ext>
+            </a:extLst>
+          </p:cNvPr>
+          <p:cNvSpPr>
+            <a:spLocks noGrp="1"/>
+          </p:cNvSpPr>
+          <p:nvPr>
+            <p:ph type="sldNum" sz="quarter" idx="12"/>
+          </p:nvPr>
+        </p:nvSpPr>
+        <p:spPr/>
+        <p:txBody>
+          <a:bodyPr/>
+          <a:lstStyle/>
+          <a:p>
+            <a:fld id="{9DCED871-2989-4B32-8014-48EE2C4221D7}" type="slidenum">
+              <a:rPr lang="en-US" smtClean="0"/>
+              <a:t>13</a:t>
+            </a:fld>
+            <a:endParaRPr lang="en-US"/>
+          </a:p>
+        </p:txBody>
+      </p:sp>
     </p:spTree>
     <p:extLst>
       <p:ext uri="{BB962C8B-B14F-4D97-AF65-F5344CB8AC3E}">
@@ -8327,6 +8966,35 @@
           </a:p>
         </p:txBody>
       </p:sp>
+      <p:sp>
+        <p:nvSpPr>
+          <p:cNvPr id="5" name="Slide Number Placeholder 4">
+            <a:extLst>
+              <a:ext uri="{FF2B5EF4-FFF2-40B4-BE49-F238E27FC236}">
+                <a16:creationId xmlns:a16="http://schemas.microsoft.com/office/drawing/2014/main" id="{F43A73E1-BD47-C280-BF9B-792E700D0A0A}"/>
+              </a:ext>
+            </a:extLst>
+          </p:cNvPr>
+          <p:cNvSpPr>
+            <a:spLocks noGrp="1"/>
+          </p:cNvSpPr>
+          <p:nvPr>
+            <p:ph type="sldNum" sz="quarter" idx="12"/>
+          </p:nvPr>
+        </p:nvSpPr>
+        <p:spPr/>
+        <p:txBody>
+          <a:bodyPr/>
+          <a:lstStyle/>
+          <a:p>
+            <a:fld id="{9DCED871-2989-4B32-8014-48EE2C4221D7}" type="slidenum">
+              <a:rPr lang="en-US" smtClean="0"/>
+              <a:t>14</a:t>
+            </a:fld>
+            <a:endParaRPr lang="en-US"/>
+          </a:p>
+        </p:txBody>
+      </p:sp>
     </p:spTree>
     <p:extLst>
       <p:ext uri="{BB962C8B-B14F-4D97-AF65-F5344CB8AC3E}">
@@ -8971,6 +9639,35 @@
           </a:xfrm>
         </p:spPr>
       </p:pic>
+      <p:sp>
+        <p:nvSpPr>
+          <p:cNvPr id="5" name="Slide Number Placeholder 4">
+            <a:extLst>
+              <a:ext uri="{FF2B5EF4-FFF2-40B4-BE49-F238E27FC236}">
+                <a16:creationId xmlns:a16="http://schemas.microsoft.com/office/drawing/2014/main" id="{8B8ECE27-0227-9364-EDB2-0375A488C644}"/>
+              </a:ext>
+            </a:extLst>
+          </p:cNvPr>
+          <p:cNvSpPr>
+            <a:spLocks noGrp="1"/>
+          </p:cNvSpPr>
+          <p:nvPr>
+            <p:ph type="sldNum" sz="quarter" idx="12"/>
+          </p:nvPr>
+        </p:nvSpPr>
+        <p:spPr/>
+        <p:txBody>
+          <a:bodyPr/>
+          <a:lstStyle/>
+          <a:p>
+            <a:fld id="{9DCED871-2989-4B32-8014-48EE2C4221D7}" type="slidenum">
+              <a:rPr lang="en-US" smtClean="0"/>
+              <a:t>15</a:t>
+            </a:fld>
+            <a:endParaRPr lang="en-US"/>
+          </a:p>
+        </p:txBody>
+      </p:sp>
     </p:spTree>
     <p:extLst>
       <p:ext uri="{BB962C8B-B14F-4D97-AF65-F5344CB8AC3E}">
@@ -9678,6 +10375,35 @@
           </a:prstGeom>
         </p:spPr>
       </p:pic>
+      <p:sp>
+        <p:nvSpPr>
+          <p:cNvPr id="7" name="Slide Number Placeholder 6">
+            <a:extLst>
+              <a:ext uri="{FF2B5EF4-FFF2-40B4-BE49-F238E27FC236}">
+                <a16:creationId xmlns:a16="http://schemas.microsoft.com/office/drawing/2014/main" id="{2E60BF37-C591-1AB1-3607-05773FF65E9B}"/>
+              </a:ext>
+            </a:extLst>
+          </p:cNvPr>
+          <p:cNvSpPr>
+            <a:spLocks noGrp="1"/>
+          </p:cNvSpPr>
+          <p:nvPr>
+            <p:ph type="sldNum" sz="quarter" idx="12"/>
+          </p:nvPr>
+        </p:nvSpPr>
+        <p:spPr/>
+        <p:txBody>
+          <a:bodyPr/>
+          <a:lstStyle/>
+          <a:p>
+            <a:fld id="{9DCED871-2989-4B32-8014-48EE2C4221D7}" type="slidenum">
+              <a:rPr lang="en-US" smtClean="0"/>
+              <a:t>16</a:t>
+            </a:fld>
+            <a:endParaRPr lang="en-US"/>
+          </a:p>
+        </p:txBody>
+      </p:sp>
     </p:spTree>
     <p:extLst>
       <p:ext uri="{BB962C8B-B14F-4D97-AF65-F5344CB8AC3E}">
@@ -10285,6 +11011,35 @@
           </a:p>
         </p:txBody>
       </p:sp>
+      <p:sp>
+        <p:nvSpPr>
+          <p:cNvPr id="6" name="Slide Number Placeholder 5">
+            <a:extLst>
+              <a:ext uri="{FF2B5EF4-FFF2-40B4-BE49-F238E27FC236}">
+                <a16:creationId xmlns:a16="http://schemas.microsoft.com/office/drawing/2014/main" id="{E25F2BE2-4FC6-6DEA-6EA3-6F54C3200B9D}"/>
+              </a:ext>
+            </a:extLst>
+          </p:cNvPr>
+          <p:cNvSpPr>
+            <a:spLocks noGrp="1"/>
+          </p:cNvSpPr>
+          <p:nvPr>
+            <p:ph type="sldNum" sz="quarter" idx="12"/>
+          </p:nvPr>
+        </p:nvSpPr>
+        <p:spPr/>
+        <p:txBody>
+          <a:bodyPr/>
+          <a:lstStyle/>
+          <a:p>
+            <a:fld id="{9DCED871-2989-4B32-8014-48EE2C4221D7}" type="slidenum">
+              <a:rPr lang="en-US" smtClean="0"/>
+              <a:t>17</a:t>
+            </a:fld>
+            <a:endParaRPr lang="en-US"/>
+          </a:p>
+        </p:txBody>
+      </p:sp>
     </p:spTree>
     <p:extLst>
       <p:ext uri="{BB962C8B-B14F-4D97-AF65-F5344CB8AC3E}">
@@ -10914,6 +11669,35 @@
           </a:xfrm>
         </p:spPr>
       </p:pic>
+      <p:sp>
+        <p:nvSpPr>
+          <p:cNvPr id="5" name="Slide Number Placeholder 4">
+            <a:extLst>
+              <a:ext uri="{FF2B5EF4-FFF2-40B4-BE49-F238E27FC236}">
+                <a16:creationId xmlns:a16="http://schemas.microsoft.com/office/drawing/2014/main" id="{87DAACE4-58E0-8EA9-DA96-76FBF89CA5EE}"/>
+              </a:ext>
+            </a:extLst>
+          </p:cNvPr>
+          <p:cNvSpPr>
+            <a:spLocks noGrp="1"/>
+          </p:cNvSpPr>
+          <p:nvPr>
+            <p:ph type="sldNum" sz="quarter" idx="12"/>
+          </p:nvPr>
+        </p:nvSpPr>
+        <p:spPr/>
+        <p:txBody>
+          <a:bodyPr/>
+          <a:lstStyle/>
+          <a:p>
+            <a:fld id="{9DCED871-2989-4B32-8014-48EE2C4221D7}" type="slidenum">
+              <a:rPr lang="en-US" smtClean="0"/>
+              <a:t>18</a:t>
+            </a:fld>
+            <a:endParaRPr lang="en-US"/>
+          </a:p>
+        </p:txBody>
+      </p:sp>
     </p:spTree>
     <p:extLst>
       <p:ext uri="{BB962C8B-B14F-4D97-AF65-F5344CB8AC3E}">
@@ -11518,6 +12302,35 @@
                 <a:srgbClr val="FFFFFF"/>
               </a:solidFill>
             </a:endParaRPr>
+          </a:p>
+        </p:txBody>
+      </p:sp>
+      <p:sp>
+        <p:nvSpPr>
+          <p:cNvPr id="5" name="Slide Number Placeholder 4">
+            <a:extLst>
+              <a:ext uri="{FF2B5EF4-FFF2-40B4-BE49-F238E27FC236}">
+                <a16:creationId xmlns:a16="http://schemas.microsoft.com/office/drawing/2014/main" id="{3A01C285-37E0-D3F5-C3DB-343DE3182C59}"/>
+              </a:ext>
+            </a:extLst>
+          </p:cNvPr>
+          <p:cNvSpPr>
+            <a:spLocks noGrp="1"/>
+          </p:cNvSpPr>
+          <p:nvPr>
+            <p:ph type="sldNum" sz="quarter" idx="12"/>
+          </p:nvPr>
+        </p:nvSpPr>
+        <p:spPr/>
+        <p:txBody>
+          <a:bodyPr/>
+          <a:lstStyle/>
+          <a:p>
+            <a:fld id="{9DCED871-2989-4B32-8014-48EE2C4221D7}" type="slidenum">
+              <a:rPr lang="en-US" smtClean="0"/>
+              <a:t>19</a:t>
+            </a:fld>
+            <a:endParaRPr lang="en-US"/>
           </a:p>
         </p:txBody>
       </p:sp>
@@ -12440,10 +13253,140 @@
       </p:cxnSp>
       <p:sp>
         <p:nvSpPr>
-          <p:cNvPr id="8" name="Footer Placeholder 5">
-            <a:extLst>
-              <a:ext uri="{FF2B5EF4-FFF2-40B4-BE49-F238E27FC236}">
-                <a16:creationId xmlns:a16="http://schemas.microsoft.com/office/drawing/2014/main" id="{F77E8E3E-587A-BA65-A2AC-8043C3790018}"/>
+          <p:cNvPr id="5" name="Footer Placeholder 5">
+            <a:extLst>
+              <a:ext uri="{FF2B5EF4-FFF2-40B4-BE49-F238E27FC236}">
+                <a16:creationId xmlns:a16="http://schemas.microsoft.com/office/drawing/2014/main" id="{82C67201-7A4E-8F8C-D63C-2DD2430E0857}"/>
+              </a:ext>
+            </a:extLst>
+          </p:cNvPr>
+          <p:cNvSpPr txBox="1">
+            <a:spLocks/>
+          </p:cNvSpPr>
+          <p:nvPr/>
+        </p:nvSpPr>
+        <p:spPr>
+          <a:xfrm>
+            <a:off x="7768532" y="6356350"/>
+            <a:ext cx="2838473" cy="365125"/>
+          </a:xfrm>
+          <a:prstGeom prst="rect">
+            <a:avLst/>
+          </a:prstGeom>
+        </p:spPr>
+        <p:txBody>
+          <a:bodyPr vert="horz" lIns="91440" tIns="45720" rIns="91440" bIns="45720" rtlCol="0" anchor="ctr"/>
+          <a:lstStyle>
+            <a:defPPr>
+              <a:defRPr lang="en-US"/>
+            </a:defPPr>
+            <a:lvl1pPr marL="0" algn="ctr" defTabSz="914400" rtl="0" eaLnBrk="1" latinLnBrk="0" hangingPunct="1">
+              <a:defRPr sz="1200" kern="1200">
+                <a:solidFill>
+                  <a:schemeClr val="tx1">
+                    <a:tint val="82000"/>
+                  </a:schemeClr>
+                </a:solidFill>
+                <a:latin typeface="+mn-lt"/>
+                <a:ea typeface="+mn-ea"/>
+                <a:cs typeface="+mn-cs"/>
+              </a:defRPr>
+            </a:lvl1pPr>
+            <a:lvl2pPr marL="457200" algn="l" defTabSz="914400" rtl="0" eaLnBrk="1" latinLnBrk="0" hangingPunct="1">
+              <a:defRPr sz="1800" kern="1200">
+                <a:solidFill>
+                  <a:schemeClr val="tx1"/>
+                </a:solidFill>
+                <a:latin typeface="+mn-lt"/>
+                <a:ea typeface="+mn-ea"/>
+                <a:cs typeface="+mn-cs"/>
+              </a:defRPr>
+            </a:lvl2pPr>
+            <a:lvl3pPr marL="914400" algn="l" defTabSz="914400" rtl="0" eaLnBrk="1" latinLnBrk="0" hangingPunct="1">
+              <a:defRPr sz="1800" kern="1200">
+                <a:solidFill>
+                  <a:schemeClr val="tx1"/>
+                </a:solidFill>
+                <a:latin typeface="+mn-lt"/>
+                <a:ea typeface="+mn-ea"/>
+                <a:cs typeface="+mn-cs"/>
+              </a:defRPr>
+            </a:lvl3pPr>
+            <a:lvl4pPr marL="1371600" algn="l" defTabSz="914400" rtl="0" eaLnBrk="1" latinLnBrk="0" hangingPunct="1">
+              <a:defRPr sz="1800" kern="1200">
+                <a:solidFill>
+                  <a:schemeClr val="tx1"/>
+                </a:solidFill>
+                <a:latin typeface="+mn-lt"/>
+                <a:ea typeface="+mn-ea"/>
+                <a:cs typeface="+mn-cs"/>
+              </a:defRPr>
+            </a:lvl4pPr>
+            <a:lvl5pPr marL="1828800" algn="l" defTabSz="914400" rtl="0" eaLnBrk="1" latinLnBrk="0" hangingPunct="1">
+              <a:defRPr sz="1800" kern="1200">
+                <a:solidFill>
+                  <a:schemeClr val="tx1"/>
+                </a:solidFill>
+                <a:latin typeface="+mn-lt"/>
+                <a:ea typeface="+mn-ea"/>
+                <a:cs typeface="+mn-cs"/>
+              </a:defRPr>
+            </a:lvl5pPr>
+            <a:lvl6pPr marL="2286000" algn="l" defTabSz="914400" rtl="0" eaLnBrk="1" latinLnBrk="0" hangingPunct="1">
+              <a:defRPr sz="1800" kern="1200">
+                <a:solidFill>
+                  <a:schemeClr val="tx1"/>
+                </a:solidFill>
+                <a:latin typeface="+mn-lt"/>
+                <a:ea typeface="+mn-ea"/>
+                <a:cs typeface="+mn-cs"/>
+              </a:defRPr>
+            </a:lvl6pPr>
+            <a:lvl7pPr marL="2743200" algn="l" defTabSz="914400" rtl="0" eaLnBrk="1" latinLnBrk="0" hangingPunct="1">
+              <a:defRPr sz="1800" kern="1200">
+                <a:solidFill>
+                  <a:schemeClr val="tx1"/>
+                </a:solidFill>
+                <a:latin typeface="+mn-lt"/>
+                <a:ea typeface="+mn-ea"/>
+                <a:cs typeface="+mn-cs"/>
+              </a:defRPr>
+            </a:lvl7pPr>
+            <a:lvl8pPr marL="3200400" algn="l" defTabSz="914400" rtl="0" eaLnBrk="1" latinLnBrk="0" hangingPunct="1">
+              <a:defRPr sz="1800" kern="1200">
+                <a:solidFill>
+                  <a:schemeClr val="tx1"/>
+                </a:solidFill>
+                <a:latin typeface="+mn-lt"/>
+                <a:ea typeface="+mn-ea"/>
+                <a:cs typeface="+mn-cs"/>
+              </a:defRPr>
+            </a:lvl8pPr>
+            <a:lvl9pPr marL="3657600" algn="l" defTabSz="914400" rtl="0" eaLnBrk="1" latinLnBrk="0" hangingPunct="1">
+              <a:defRPr sz="1800" kern="1200">
+                <a:solidFill>
+                  <a:schemeClr val="tx1"/>
+                </a:solidFill>
+                <a:latin typeface="+mn-lt"/>
+                <a:ea typeface="+mn-ea"/>
+                <a:cs typeface="+mn-cs"/>
+              </a:defRPr>
+            </a:lvl9pPr>
+          </a:lstStyle>
+          <a:p>
+            <a:r>
+              <a:rPr lang="en-US" dirty="0"/>
+              <a:t>Fig. 2, Waze App logo</a:t>
+            </a:r>
+          </a:p>
+        </p:txBody>
+      </p:sp>
+      <p:sp>
+        <p:nvSpPr>
+          <p:cNvPr id="7" name="Slide Number Placeholder 6">
+            <a:extLst>
+              <a:ext uri="{FF2B5EF4-FFF2-40B4-BE49-F238E27FC236}">
+                <a16:creationId xmlns:a16="http://schemas.microsoft.com/office/drawing/2014/main" id="{CA56188B-0F0A-C18A-08A7-86BC762E426E}"/>
               </a:ext>
             </a:extLst>
           </p:cNvPr>
@@ -12451,23 +13394,19 @@
             <a:spLocks noGrp="1"/>
           </p:cNvSpPr>
           <p:nvPr>
-            <p:ph type="ftr" sz="quarter" idx="11"/>
-          </p:nvPr>
-        </p:nvSpPr>
-        <p:spPr>
-          <a:xfrm>
-            <a:off x="9169502" y="6390729"/>
-            <a:ext cx="2838473" cy="365125"/>
-          </a:xfrm>
-        </p:spPr>
+            <p:ph type="sldNum" sz="quarter" idx="12"/>
+          </p:nvPr>
+        </p:nvSpPr>
+        <p:spPr/>
         <p:txBody>
           <a:bodyPr/>
           <a:lstStyle/>
           <a:p>
-            <a:r>
-              <a:rPr lang="en-US" dirty="0"/>
-              <a:t>Fig. 2, Waze App logo</a:t>
-            </a:r>
+            <a:fld id="{9DCED871-2989-4B32-8014-48EE2C4221D7}" type="slidenum">
+              <a:rPr lang="en-US" smtClean="0"/>
+              <a:t>2</a:t>
+            </a:fld>
+            <a:endParaRPr lang="en-US"/>
           </a:p>
         </p:txBody>
       </p:sp>
@@ -13157,6 +14096,35 @@
           </a:p>
         </p:txBody>
       </p:sp>
+      <p:sp>
+        <p:nvSpPr>
+          <p:cNvPr id="5" name="Slide Number Placeholder 4">
+            <a:extLst>
+              <a:ext uri="{FF2B5EF4-FFF2-40B4-BE49-F238E27FC236}">
+                <a16:creationId xmlns:a16="http://schemas.microsoft.com/office/drawing/2014/main" id="{A9034D7D-EEC0-9C02-815F-639BB6E529EF}"/>
+              </a:ext>
+            </a:extLst>
+          </p:cNvPr>
+          <p:cNvSpPr>
+            <a:spLocks noGrp="1"/>
+          </p:cNvSpPr>
+          <p:nvPr>
+            <p:ph type="sldNum" sz="quarter" idx="12"/>
+          </p:nvPr>
+        </p:nvSpPr>
+        <p:spPr/>
+        <p:txBody>
+          <a:bodyPr/>
+          <a:lstStyle/>
+          <a:p>
+            <a:fld id="{9DCED871-2989-4B32-8014-48EE2C4221D7}" type="slidenum">
+              <a:rPr lang="en-US" smtClean="0"/>
+              <a:t>20</a:t>
+            </a:fld>
+            <a:endParaRPr lang="en-US"/>
+          </a:p>
+        </p:txBody>
+      </p:sp>
     </p:spTree>
     <p:extLst>
       <p:ext uri="{BB962C8B-B14F-4D97-AF65-F5344CB8AC3E}">
@@ -13583,6 +14551,35 @@
           </a:p>
         </p:txBody>
       </p:sp>
+      <p:sp>
+        <p:nvSpPr>
+          <p:cNvPr id="6" name="Slide Number Placeholder 5">
+            <a:extLst>
+              <a:ext uri="{FF2B5EF4-FFF2-40B4-BE49-F238E27FC236}">
+                <a16:creationId xmlns:a16="http://schemas.microsoft.com/office/drawing/2014/main" id="{28953FB5-A7CB-0C29-2377-A245718E0202}"/>
+              </a:ext>
+            </a:extLst>
+          </p:cNvPr>
+          <p:cNvSpPr>
+            <a:spLocks noGrp="1"/>
+          </p:cNvSpPr>
+          <p:nvPr>
+            <p:ph type="sldNum" sz="quarter" idx="12"/>
+          </p:nvPr>
+        </p:nvSpPr>
+        <p:spPr/>
+        <p:txBody>
+          <a:bodyPr/>
+          <a:lstStyle/>
+          <a:p>
+            <a:fld id="{9DCED871-2989-4B32-8014-48EE2C4221D7}" type="slidenum">
+              <a:rPr lang="en-US" smtClean="0"/>
+              <a:t>21</a:t>
+            </a:fld>
+            <a:endParaRPr lang="en-US"/>
+          </a:p>
+        </p:txBody>
+      </p:sp>
     </p:spTree>
     <p:extLst>
       <p:ext uri="{BB962C8B-B14F-4D97-AF65-F5344CB8AC3E}">
@@ -13634,7 +14631,15 @@
           <a:bodyPr/>
           <a:lstStyle/>
           <a:p>
-            <a:endParaRPr lang="en-US"/>
+            <a:r>
+              <a:rPr lang="en-US" dirty="0"/>
+              <a:t>List </a:t>
+            </a:r>
+            <a:r>
+              <a:rPr lang="en-US"/>
+              <a:t>of figures</a:t>
+            </a:r>
+            <a:endParaRPr lang="en-US" dirty="0"/>
           </a:p>
         </p:txBody>
       </p:sp>
@@ -13790,10 +14795,744 @@
           </a:p>
         </p:txBody>
       </p:sp>
+      <p:sp>
+        <p:nvSpPr>
+          <p:cNvPr id="6" name="Slide Number Placeholder 5">
+            <a:extLst>
+              <a:ext uri="{FF2B5EF4-FFF2-40B4-BE49-F238E27FC236}">
+                <a16:creationId xmlns:a16="http://schemas.microsoft.com/office/drawing/2014/main" id="{0DE31221-5159-0DD1-2DE0-9D249B15E63E}"/>
+              </a:ext>
+            </a:extLst>
+          </p:cNvPr>
+          <p:cNvSpPr>
+            <a:spLocks noGrp="1"/>
+          </p:cNvSpPr>
+          <p:nvPr>
+            <p:ph type="sldNum" sz="quarter" idx="12"/>
+          </p:nvPr>
+        </p:nvSpPr>
+        <p:spPr/>
+        <p:txBody>
+          <a:bodyPr/>
+          <a:lstStyle/>
+          <a:p>
+            <a:fld id="{9DCED871-2989-4B32-8014-48EE2C4221D7}" type="slidenum">
+              <a:rPr lang="en-US" smtClean="0"/>
+              <a:t>22</a:t>
+            </a:fld>
+            <a:endParaRPr lang="en-US"/>
+          </a:p>
+        </p:txBody>
+      </p:sp>
     </p:spTree>
     <p:extLst>
       <p:ext uri="{BB962C8B-B14F-4D97-AF65-F5344CB8AC3E}">
         <p14:creationId xmlns:p14="http://schemas.microsoft.com/office/powerpoint/2010/main" val="3427541568"/>
+      </p:ext>
+    </p:extLst>
+  </p:cSld>
+  <p:clrMapOvr>
+    <a:masterClrMapping/>
+  </p:clrMapOvr>
+</p:sld>
+</file>
+
+<file path=ppt/slides/slide23.xml><?xml version="1.0" encoding="utf-8"?>
+<p:sld xmlns:a="http://schemas.openxmlformats.org/drawingml/2006/main" xmlns:r="http://schemas.openxmlformats.org/officeDocument/2006/relationships" xmlns:p="http://schemas.openxmlformats.org/presentationml/2006/main">
+  <p:cSld>
+    <p:spTree>
+      <p:nvGrpSpPr>
+        <p:cNvPr id="1" name=""/>
+        <p:cNvGrpSpPr/>
+        <p:nvPr/>
+      </p:nvGrpSpPr>
+      <p:grpSpPr>
+        <a:xfrm>
+          <a:off x="0" y="0"/>
+          <a:ext cx="0" cy="0"/>
+          <a:chOff x="0" y="0"/>
+          <a:chExt cx="0" cy="0"/>
+        </a:xfrm>
+      </p:grpSpPr>
+      <p:sp>
+        <p:nvSpPr>
+          <p:cNvPr id="2" name="Title 1">
+            <a:extLst>
+              <a:ext uri="{FF2B5EF4-FFF2-40B4-BE49-F238E27FC236}">
+                <a16:creationId xmlns:a16="http://schemas.microsoft.com/office/drawing/2014/main" id="{C9042DFC-66FA-48EA-FFF2-329E474463BB}"/>
+              </a:ext>
+            </a:extLst>
+          </p:cNvPr>
+          <p:cNvSpPr>
+            <a:spLocks noGrp="1"/>
+          </p:cNvSpPr>
+          <p:nvPr>
+            <p:ph type="title"/>
+          </p:nvPr>
+        </p:nvSpPr>
+        <p:spPr/>
+        <p:txBody>
+          <a:bodyPr/>
+          <a:lstStyle/>
+          <a:p>
+            <a:r>
+              <a:rPr lang="en-US" dirty="0"/>
+              <a:t>Bibliography</a:t>
+            </a:r>
+          </a:p>
+        </p:txBody>
+      </p:sp>
+      <p:sp>
+        <p:nvSpPr>
+          <p:cNvPr id="3" name="Content Placeholder 2">
+            <a:extLst>
+              <a:ext uri="{FF2B5EF4-FFF2-40B4-BE49-F238E27FC236}">
+                <a16:creationId xmlns:a16="http://schemas.microsoft.com/office/drawing/2014/main" id="{8B915F97-6C82-0F7E-ED7E-FE3E1873A75A}"/>
+              </a:ext>
+            </a:extLst>
+          </p:cNvPr>
+          <p:cNvSpPr>
+            <a:spLocks noGrp="1"/>
+          </p:cNvSpPr>
+          <p:nvPr>
+            <p:ph idx="1"/>
+          </p:nvPr>
+        </p:nvSpPr>
+        <p:spPr/>
+        <p:txBody>
+          <a:bodyPr>
+            <a:normAutofit fontScale="85000" lnSpcReduction="20000"/>
+          </a:bodyPr>
+          <a:lstStyle/>
+          <a:p>
+            <a:r>
+              <a:rPr lang="en-US" dirty="0">
+                <a:hlinkClick r:id="rId2" tooltip="https://www.car-2-car.org/about-c-its"/>
+              </a:rPr>
+              <a:t>https://www.car-2-car.org/about-c-its</a:t>
+            </a:r>
+            <a:endParaRPr lang="en-US" dirty="0"/>
+          </a:p>
+          <a:p>
+            <a:r>
+              <a:rPr lang="en-US" dirty="0">
+                <a:effectLst/>
+                <a:latin typeface="-apple-system"/>
+                <a:hlinkClick r:id="rId3" tooltip="https://www.bosch-mobility.com/en/mobility-topics/ee-architecture/"/>
+              </a:rPr>
+              <a:t>https://www.bosch-mobility.com/en/mobility-topics/ee-architecture/</a:t>
+            </a:r>
+            <a:endParaRPr lang="en-US" dirty="0">
+              <a:effectLst/>
+              <a:latin typeface="-apple-system"/>
+            </a:endParaRPr>
+          </a:p>
+          <a:p>
+            <a:r>
+              <a:rPr lang="en-US" dirty="0">
+                <a:effectLst/>
+                <a:latin typeface="-apple-system"/>
+              </a:rPr>
+              <a:t> </a:t>
+            </a:r>
+            <a:r>
+              <a:rPr lang="en-US" dirty="0">
+                <a:effectLst/>
+                <a:latin typeface="-apple-system"/>
+                <a:hlinkClick r:id="rId4" tooltip="https://www.kpit.com/insights/the-lifecycle-of-a-diagnostic-trouble-code-dtc/"/>
+              </a:rPr>
+              <a:t>https://www.kpit.com/insights/the-lifecycle-of-a-diagnostic-trouble-code-dtc/</a:t>
+            </a:r>
+            <a:endParaRPr lang="en-US" dirty="0">
+              <a:effectLst/>
+              <a:latin typeface="-apple-system"/>
+            </a:endParaRPr>
+          </a:p>
+          <a:p>
+            <a:r>
+              <a:rPr lang="en-US" dirty="0">
+                <a:effectLst/>
+                <a:latin typeface="-apple-system"/>
+              </a:rPr>
+              <a:t> </a:t>
+            </a:r>
+            <a:r>
+              <a:rPr lang="en-US" dirty="0">
+                <a:effectLst/>
+                <a:latin typeface="-apple-system"/>
+                <a:hlinkClick r:id="rId5" tooltip="https://www.embitel.com/blog/embedded-blog/decoding-the-implementation-of-uds-vehicle-diagnostics-in-autosar-base-software-module"/>
+              </a:rPr>
+              <a:t>https://www.embitel.com/blog/embedded-blog/decoding-the-implementation-of-uds-vehicle-diagnostics-in-autosar-base-software-module</a:t>
+            </a:r>
+            <a:endParaRPr lang="en-US" dirty="0">
+              <a:effectLst/>
+              <a:latin typeface="-apple-system"/>
+            </a:endParaRPr>
+          </a:p>
+          <a:p>
+            <a:r>
+              <a:rPr lang="en-US" dirty="0">
+                <a:effectLst/>
+                <a:latin typeface="-apple-system"/>
+              </a:rPr>
+              <a:t> </a:t>
+            </a:r>
+            <a:r>
+              <a:rPr lang="en-US" dirty="0">
+                <a:effectLst/>
+                <a:latin typeface="-apple-system"/>
+                <a:hlinkClick r:id="rId6" tooltip="https://www.obd-codes.com/"/>
+              </a:rPr>
+              <a:t>https://www.obd-codes.com</a:t>
+            </a:r>
+            <a:endParaRPr lang="en-US" dirty="0">
+              <a:effectLst/>
+              <a:latin typeface="-apple-system"/>
+            </a:endParaRPr>
+          </a:p>
+          <a:p>
+            <a:r>
+              <a:rPr lang="en-US" dirty="0">
+                <a:effectLst/>
+                <a:latin typeface="-apple-system"/>
+              </a:rPr>
+              <a:t> </a:t>
+            </a:r>
+            <a:r>
+              <a:rPr lang="en-US" dirty="0">
+                <a:effectLst/>
+                <a:latin typeface="-apple-system"/>
+                <a:hlinkClick r:id="rId7" tooltip="https://www.sae.org/binaries/content/assets/cm/content/standards/p90475.pdf"/>
+              </a:rPr>
+              <a:t>https://www.sae.org/binaries/content/assets/cm/content/standards/p90475.pdf</a:t>
+            </a:r>
+            <a:endParaRPr lang="en-US" dirty="0">
+              <a:effectLst/>
+              <a:latin typeface="-apple-system"/>
+            </a:endParaRPr>
+          </a:p>
+          <a:p>
+            <a:r>
+              <a:rPr lang="en-US" dirty="0">
+                <a:effectLst/>
+                <a:latin typeface="-apple-system"/>
+              </a:rPr>
+              <a:t> </a:t>
+            </a:r>
+            <a:r>
+              <a:rPr lang="en-US" dirty="0">
+                <a:effectLst/>
+                <a:latin typeface="-apple-system"/>
+                <a:hlinkClick r:id="rId8" tooltip="https://www.sae.org/standards"/>
+              </a:rPr>
+              <a:t>https://www.sae.org/standards</a:t>
+            </a:r>
+            <a:endParaRPr lang="en-US" dirty="0">
+              <a:effectLst/>
+              <a:latin typeface="-apple-system"/>
+            </a:endParaRPr>
+          </a:p>
+          <a:p>
+            <a:r>
+              <a:rPr lang="en-US" dirty="0">
+                <a:effectLst/>
+                <a:latin typeface="-apple-system"/>
+              </a:rPr>
+              <a:t> </a:t>
+            </a:r>
+            <a:r>
+              <a:rPr lang="en-US" dirty="0">
+                <a:effectLst/>
+                <a:latin typeface="-apple-system"/>
+                <a:hlinkClick r:id="rId9" tooltip="https://www.ecutesting.com/categories/ecu-explained/"/>
+              </a:rPr>
+              <a:t>https://www.ecutesting.com/categories/ecu-explained/</a:t>
+            </a:r>
+            <a:endParaRPr lang="en-US" dirty="0">
+              <a:effectLst/>
+              <a:latin typeface="-apple-system"/>
+            </a:endParaRPr>
+          </a:p>
+          <a:p>
+            <a:r>
+              <a:rPr lang="en-US" dirty="0">
+                <a:effectLst/>
+                <a:latin typeface="-apple-system"/>
+              </a:rPr>
+              <a:t> </a:t>
+            </a:r>
+            <a:r>
+              <a:rPr lang="en-US" dirty="0">
+                <a:effectLst/>
+                <a:latin typeface="-apple-system"/>
+                <a:hlinkClick r:id="rId10" tooltip="https://www.sintrones.com/application/understanding-vehicle-computer-system-key-components-and-how-it-works/"/>
+              </a:rPr>
+              <a:t>https://www.sintrones.com/application/understanding-vehicle-computer-system-key-components-and-how-it-works/</a:t>
+            </a:r>
+            <a:endParaRPr lang="en-US" dirty="0">
+              <a:effectLst/>
+              <a:latin typeface="-apple-system"/>
+            </a:endParaRPr>
+          </a:p>
+          <a:p>
+            <a:r>
+              <a:rPr lang="en-US" dirty="0">
+                <a:effectLst/>
+                <a:latin typeface="-apple-system"/>
+              </a:rPr>
+              <a:t> </a:t>
+            </a:r>
+            <a:r>
+              <a:rPr lang="en-US" dirty="0">
+                <a:effectLst/>
+                <a:latin typeface="-apple-system"/>
+                <a:hlinkClick r:id="rId11" tooltip="https://www.csselectronics.com/pages/can-bus-simple-intro-tutorial"/>
+              </a:rPr>
+              <a:t>https://www.csselectronics.com/pages/can-bus-simple-intro-tutorial</a:t>
+            </a:r>
+            <a:endParaRPr lang="en-US" dirty="0">
+              <a:effectLst/>
+              <a:latin typeface="-apple-system"/>
+            </a:endParaRPr>
+          </a:p>
+          <a:p>
+            <a:pPr marL="0" indent="0">
+              <a:buNone/>
+            </a:pPr>
+            <a:endParaRPr lang="en-US" dirty="0"/>
+          </a:p>
+        </p:txBody>
+      </p:sp>
+      <p:sp>
+        <p:nvSpPr>
+          <p:cNvPr id="4" name="Slide Number Placeholder 3">
+            <a:extLst>
+              <a:ext uri="{FF2B5EF4-FFF2-40B4-BE49-F238E27FC236}">
+                <a16:creationId xmlns:a16="http://schemas.microsoft.com/office/drawing/2014/main" id="{8932BA5E-2575-0A8E-A751-9640D26AA97B}"/>
+              </a:ext>
+            </a:extLst>
+          </p:cNvPr>
+          <p:cNvSpPr>
+            <a:spLocks noGrp="1"/>
+          </p:cNvSpPr>
+          <p:nvPr>
+            <p:ph type="sldNum" sz="quarter" idx="12"/>
+          </p:nvPr>
+        </p:nvSpPr>
+        <p:spPr/>
+        <p:txBody>
+          <a:bodyPr/>
+          <a:lstStyle/>
+          <a:p>
+            <a:fld id="{9DCED871-2989-4B32-8014-48EE2C4221D7}" type="slidenum">
+              <a:rPr lang="en-US" smtClean="0"/>
+              <a:t>23</a:t>
+            </a:fld>
+            <a:endParaRPr lang="en-US"/>
+          </a:p>
+        </p:txBody>
+      </p:sp>
+    </p:spTree>
+    <p:extLst>
+      <p:ext uri="{BB962C8B-B14F-4D97-AF65-F5344CB8AC3E}">
+        <p14:creationId xmlns:p14="http://schemas.microsoft.com/office/powerpoint/2010/main" val="1008132512"/>
+      </p:ext>
+    </p:extLst>
+  </p:cSld>
+  <p:clrMapOvr>
+    <a:masterClrMapping/>
+  </p:clrMapOvr>
+</p:sld>
+</file>
+
+<file path=ppt/slides/slide24.xml><?xml version="1.0" encoding="utf-8"?>
+<p:sld xmlns:a="http://schemas.openxmlformats.org/drawingml/2006/main" xmlns:r="http://schemas.openxmlformats.org/officeDocument/2006/relationships" xmlns:p="http://schemas.openxmlformats.org/presentationml/2006/main">
+  <p:cSld>
+    <p:spTree>
+      <p:nvGrpSpPr>
+        <p:cNvPr id="1" name=""/>
+        <p:cNvGrpSpPr/>
+        <p:nvPr/>
+      </p:nvGrpSpPr>
+      <p:grpSpPr>
+        <a:xfrm>
+          <a:off x="0" y="0"/>
+          <a:ext cx="0" cy="0"/>
+          <a:chOff x="0" y="0"/>
+          <a:chExt cx="0" cy="0"/>
+        </a:xfrm>
+      </p:grpSpPr>
+      <p:sp>
+        <p:nvSpPr>
+          <p:cNvPr id="2" name="Title 1">
+            <a:extLst>
+              <a:ext uri="{FF2B5EF4-FFF2-40B4-BE49-F238E27FC236}">
+                <a16:creationId xmlns:a16="http://schemas.microsoft.com/office/drawing/2014/main" id="{7A38250A-D6AC-8A1B-5FB9-1A22647D0474}"/>
+              </a:ext>
+            </a:extLst>
+          </p:cNvPr>
+          <p:cNvSpPr>
+            <a:spLocks noGrp="1"/>
+          </p:cNvSpPr>
+          <p:nvPr>
+            <p:ph type="title"/>
+          </p:nvPr>
+        </p:nvSpPr>
+        <p:spPr/>
+        <p:txBody>
+          <a:bodyPr/>
+          <a:lstStyle/>
+          <a:p>
+            <a:r>
+              <a:rPr lang="en-US" dirty="0"/>
+              <a:t>Bibliography – </a:t>
+            </a:r>
+            <a:r>
+              <a:rPr lang="en-US" dirty="0" err="1"/>
+              <a:t>ctd</a:t>
+            </a:r>
+            <a:r>
+              <a:rPr lang="en-US" dirty="0"/>
+              <a:t>.</a:t>
+            </a:r>
+          </a:p>
+        </p:txBody>
+      </p:sp>
+      <p:sp>
+        <p:nvSpPr>
+          <p:cNvPr id="3" name="Content Placeholder 2">
+            <a:extLst>
+              <a:ext uri="{FF2B5EF4-FFF2-40B4-BE49-F238E27FC236}">
+                <a16:creationId xmlns:a16="http://schemas.microsoft.com/office/drawing/2014/main" id="{7DE9D012-3448-23FF-A01F-0D9BA262CD08}"/>
+              </a:ext>
+            </a:extLst>
+          </p:cNvPr>
+          <p:cNvSpPr>
+            <a:spLocks noGrp="1"/>
+          </p:cNvSpPr>
+          <p:nvPr>
+            <p:ph idx="1"/>
+          </p:nvPr>
+        </p:nvSpPr>
+        <p:spPr/>
+        <p:txBody>
+          <a:bodyPr>
+            <a:normAutofit fontScale="77500" lnSpcReduction="20000"/>
+          </a:bodyPr>
+          <a:lstStyle/>
+          <a:p>
+            <a:r>
+              <a:rPr lang="en-US" dirty="0">
+                <a:effectLst/>
+                <a:latin typeface="-apple-system"/>
+                <a:hlinkClick r:id="rId2" tooltip="https://www.renesas.com/en/document/pre/main-specifications-rh850e2x-series"/>
+              </a:rPr>
+              <a:t>https://www.renesas.com/en/document/pre/main-specifications-rh850e2x-series</a:t>
+            </a:r>
+            <a:endParaRPr lang="en-US" dirty="0">
+              <a:effectLst/>
+              <a:latin typeface="-apple-system"/>
+            </a:endParaRPr>
+          </a:p>
+          <a:p>
+            <a:r>
+              <a:rPr lang="en-US" dirty="0">
+                <a:effectLst/>
+                <a:latin typeface="-apple-system"/>
+              </a:rPr>
+              <a:t> </a:t>
+            </a:r>
+            <a:r>
+              <a:rPr lang="en-US" dirty="0">
+                <a:effectLst/>
+                <a:latin typeface="-apple-system"/>
+                <a:hlinkClick r:id="rId3" tooltip="https://www.mouser.com/datasheet/2/698/r01uh0607ej0120_rh850c1m_a1_rh850c1m_a2-2930644.pdf"/>
+              </a:rPr>
+              <a:t>https://www.mouser.com/datasheet/2/698/r01uh0607ej0120_rh850c1m_a1_rh850c1m_a2-2930644.pdf</a:t>
+            </a:r>
+            <a:endParaRPr lang="en-US" dirty="0">
+              <a:effectLst/>
+              <a:latin typeface="-apple-system"/>
+            </a:endParaRPr>
+          </a:p>
+          <a:p>
+            <a:r>
+              <a:rPr lang="en-US" dirty="0">
+                <a:effectLst/>
+                <a:latin typeface="-apple-system"/>
+              </a:rPr>
+              <a:t> </a:t>
+            </a:r>
+            <a:r>
+              <a:rPr lang="en-US" dirty="0">
+                <a:effectLst/>
+                <a:latin typeface="-apple-system"/>
+                <a:hlinkClick r:id="rId4" tooltip="https://www.mouser.com/datasheet/2/698/ren_r01uh0641ej0130_rh850e2x_fcc1_general_mah_2019-3196494.pdf"/>
+              </a:rPr>
+              <a:t>https://www.mouser.com/datasheet/2/698/REN_r01uh0641ej0130_rh850e2x_fcc1_General_MAH_2019-3196494.pdf</a:t>
+            </a:r>
+            <a:endParaRPr lang="en-US" dirty="0">
+              <a:effectLst/>
+              <a:latin typeface="-apple-system"/>
+            </a:endParaRPr>
+          </a:p>
+          <a:p>
+            <a:r>
+              <a:rPr lang="en-US" dirty="0">
+                <a:effectLst/>
+                <a:latin typeface="-apple-system"/>
+              </a:rPr>
+              <a:t> </a:t>
+            </a:r>
+            <a:r>
+              <a:rPr lang="en-US" dirty="0">
+                <a:effectLst/>
+                <a:latin typeface="-apple-system"/>
+                <a:hlinkClick r:id="rId5" tooltip="https://www.renesas.cn/zh/document/mat/rh850p1h-c-rh850p1m-c-292bga-piggyback-board-y-rh850-p1xc-292pin-pb-t1-v1"/>
+              </a:rPr>
+              <a:t>https://www.renesas.cn/zh/document/mat/rh850p1h-c-rh850p1m-c-292bga-piggyback-board-y-rh850-p1xc-292pin-pb-t1-v1</a:t>
+            </a:r>
+            <a:endParaRPr lang="en-US" dirty="0">
+              <a:effectLst/>
+              <a:latin typeface="-apple-system"/>
+            </a:endParaRPr>
+          </a:p>
+          <a:p>
+            <a:r>
+              <a:rPr lang="en-US" dirty="0">
+                <a:effectLst/>
+                <a:latin typeface="-apple-system"/>
+              </a:rPr>
+              <a:t> </a:t>
+            </a:r>
+            <a:r>
+              <a:rPr lang="en-US" dirty="0">
+                <a:effectLst/>
+                <a:latin typeface="-apple-system"/>
+                <a:hlinkClick r:id="rId6" tooltip="https://www.renesas.com/en/document/pre/main-product-specifications-r-car-m3-soc"/>
+              </a:rPr>
+              <a:t>https://www.renesas.com/en/document/pre/main-product-specifications-r-car-m3-soc</a:t>
+            </a:r>
+            <a:endParaRPr lang="en-US" dirty="0">
+              <a:effectLst/>
+              <a:latin typeface="-apple-system"/>
+            </a:endParaRPr>
+          </a:p>
+          <a:p>
+            <a:r>
+              <a:rPr lang="en-US" dirty="0">
+                <a:effectLst/>
+                <a:latin typeface="-apple-system"/>
+              </a:rPr>
+              <a:t> R-Car M3 Automotive System-on-Chip (SoC)</a:t>
+            </a:r>
+          </a:p>
+          <a:p>
+            <a:r>
+              <a:rPr lang="en-US" dirty="0">
+                <a:effectLst/>
+                <a:latin typeface="-apple-system"/>
+              </a:rPr>
+              <a:t> RH850/P1H-C Automotive Microcontrollers</a:t>
+            </a:r>
+          </a:p>
+          <a:p>
+            <a:r>
+              <a:rPr lang="en-US" dirty="0">
+                <a:effectLst/>
+                <a:latin typeface="-apple-system"/>
+              </a:rPr>
+              <a:t> RH850/C1M Automotive Microcontrollers</a:t>
+            </a:r>
+          </a:p>
+          <a:p>
+            <a:r>
+              <a:rPr lang="en-US" dirty="0">
+                <a:effectLst/>
+                <a:latin typeface="-apple-system"/>
+              </a:rPr>
+              <a:t> RH850/E2x Automotive Microcontrollers</a:t>
+            </a:r>
+          </a:p>
+        </p:txBody>
+      </p:sp>
+      <p:sp>
+        <p:nvSpPr>
+          <p:cNvPr id="4" name="Slide Number Placeholder 3">
+            <a:extLst>
+              <a:ext uri="{FF2B5EF4-FFF2-40B4-BE49-F238E27FC236}">
+                <a16:creationId xmlns:a16="http://schemas.microsoft.com/office/drawing/2014/main" id="{8225547E-A204-2CF5-B951-6DB01DC02575}"/>
+              </a:ext>
+            </a:extLst>
+          </p:cNvPr>
+          <p:cNvSpPr>
+            <a:spLocks noGrp="1"/>
+          </p:cNvSpPr>
+          <p:nvPr>
+            <p:ph type="sldNum" sz="quarter" idx="12"/>
+          </p:nvPr>
+        </p:nvSpPr>
+        <p:spPr/>
+        <p:txBody>
+          <a:bodyPr/>
+          <a:lstStyle/>
+          <a:p>
+            <a:fld id="{9DCED871-2989-4B32-8014-48EE2C4221D7}" type="slidenum">
+              <a:rPr lang="en-US" smtClean="0"/>
+              <a:t>24</a:t>
+            </a:fld>
+            <a:endParaRPr lang="en-US"/>
+          </a:p>
+        </p:txBody>
+      </p:sp>
+    </p:spTree>
+    <p:extLst>
+      <p:ext uri="{BB962C8B-B14F-4D97-AF65-F5344CB8AC3E}">
+        <p14:creationId xmlns:p14="http://schemas.microsoft.com/office/powerpoint/2010/main" val="353931730"/>
+      </p:ext>
+    </p:extLst>
+  </p:cSld>
+  <p:clrMapOvr>
+    <a:masterClrMapping/>
+  </p:clrMapOvr>
+</p:sld>
+</file>
+
+<file path=ppt/slides/slide25.xml><?xml version="1.0" encoding="utf-8"?>
+<p:sld xmlns:a="http://schemas.openxmlformats.org/drawingml/2006/main" xmlns:r="http://schemas.openxmlformats.org/officeDocument/2006/relationships" xmlns:p="http://schemas.openxmlformats.org/presentationml/2006/main">
+  <p:cSld>
+    <p:spTree>
+      <p:nvGrpSpPr>
+        <p:cNvPr id="1" name=""/>
+        <p:cNvGrpSpPr/>
+        <p:nvPr/>
+      </p:nvGrpSpPr>
+      <p:grpSpPr>
+        <a:xfrm>
+          <a:off x="0" y="0"/>
+          <a:ext cx="0" cy="0"/>
+          <a:chOff x="0" y="0"/>
+          <a:chExt cx="0" cy="0"/>
+        </a:xfrm>
+      </p:grpSpPr>
+      <p:sp>
+        <p:nvSpPr>
+          <p:cNvPr id="2" name="Title 1">
+            <a:extLst>
+              <a:ext uri="{FF2B5EF4-FFF2-40B4-BE49-F238E27FC236}">
+                <a16:creationId xmlns:a16="http://schemas.microsoft.com/office/drawing/2014/main" id="{EF7B725F-D7B1-59B1-8C6D-1A346846056B}"/>
+              </a:ext>
+            </a:extLst>
+          </p:cNvPr>
+          <p:cNvSpPr>
+            <a:spLocks noGrp="1"/>
+          </p:cNvSpPr>
+          <p:nvPr>
+            <p:ph type="title"/>
+          </p:nvPr>
+        </p:nvSpPr>
+        <p:spPr/>
+        <p:txBody>
+          <a:bodyPr/>
+          <a:lstStyle/>
+          <a:p>
+            <a:r>
+              <a:rPr lang="en-US" dirty="0"/>
+              <a:t>Bibliography – </a:t>
+            </a:r>
+            <a:r>
+              <a:rPr lang="en-US" dirty="0" err="1"/>
+              <a:t>ctd</a:t>
+            </a:r>
+            <a:r>
+              <a:rPr lang="en-US" dirty="0"/>
+              <a:t>.</a:t>
+            </a:r>
+          </a:p>
+        </p:txBody>
+      </p:sp>
+      <p:sp>
+        <p:nvSpPr>
+          <p:cNvPr id="3" name="Content Placeholder 2">
+            <a:extLst>
+              <a:ext uri="{FF2B5EF4-FFF2-40B4-BE49-F238E27FC236}">
+                <a16:creationId xmlns:a16="http://schemas.microsoft.com/office/drawing/2014/main" id="{935D49A1-1B47-9D19-1528-75C4B280A2F4}"/>
+              </a:ext>
+            </a:extLst>
+          </p:cNvPr>
+          <p:cNvSpPr>
+            <a:spLocks noGrp="1"/>
+          </p:cNvSpPr>
+          <p:nvPr>
+            <p:ph idx="1"/>
+          </p:nvPr>
+        </p:nvSpPr>
+        <p:spPr/>
+        <p:txBody>
+          <a:bodyPr/>
+          <a:lstStyle/>
+          <a:p>
+            <a:r>
+              <a:rPr lang="en-US" dirty="0">
+                <a:hlinkClick r:id="rId2" tooltip="https://www.commsignia.com/products/obu/"/>
+              </a:rPr>
+              <a:t>https://www.commsignia.com/products/obu/</a:t>
+            </a:r>
+            <a:endParaRPr lang="en-US" dirty="0"/>
+          </a:p>
+          <a:p>
+            <a:r>
+              <a:rPr lang="en-US" dirty="0">
+                <a:hlinkClick r:id="rId3" tooltip="https://www.commsignia.com/products/rsu/"/>
+              </a:rPr>
+              <a:t>https://www.commsignia.com/products/rsu/</a:t>
+            </a:r>
+            <a:endParaRPr lang="en-US" dirty="0"/>
+          </a:p>
+          <a:p>
+            <a:r>
+              <a:rPr lang="en-US" dirty="0">
+                <a:hlinkClick r:id="rId4" tooltip="https://www.c-roads.eu/platform/about/news/news/entry/show/c-roads-specification-release-21.html"/>
+              </a:rPr>
+              <a:t>https://www.c-roads.eu/platform/about/news/News/entry/show/c-roads-specification-release-21.html</a:t>
+            </a:r>
+            <a:endParaRPr lang="en-US" dirty="0"/>
+          </a:p>
+        </p:txBody>
+      </p:sp>
+      <p:sp>
+        <p:nvSpPr>
+          <p:cNvPr id="4" name="Slide Number Placeholder 3">
+            <a:extLst>
+              <a:ext uri="{FF2B5EF4-FFF2-40B4-BE49-F238E27FC236}">
+                <a16:creationId xmlns:a16="http://schemas.microsoft.com/office/drawing/2014/main" id="{718732E6-0D46-3080-BAAB-75467EEBE3F8}"/>
+              </a:ext>
+            </a:extLst>
+          </p:cNvPr>
+          <p:cNvSpPr>
+            <a:spLocks noGrp="1"/>
+          </p:cNvSpPr>
+          <p:nvPr>
+            <p:ph type="sldNum" sz="quarter" idx="12"/>
+          </p:nvPr>
+        </p:nvSpPr>
+        <p:spPr/>
+        <p:txBody>
+          <a:bodyPr/>
+          <a:lstStyle/>
+          <a:p>
+            <a:fld id="{9DCED871-2989-4B32-8014-48EE2C4221D7}" type="slidenum">
+              <a:rPr lang="en-US" smtClean="0"/>
+              <a:t>25</a:t>
+            </a:fld>
+            <a:endParaRPr lang="en-US"/>
+          </a:p>
+        </p:txBody>
+      </p:sp>
+    </p:spTree>
+    <p:extLst>
+      <p:ext uri="{BB962C8B-B14F-4D97-AF65-F5344CB8AC3E}">
+        <p14:creationId xmlns:p14="http://schemas.microsoft.com/office/powerpoint/2010/main" val="3456530857"/>
       </p:ext>
     </p:extLst>
   </p:cSld>
@@ -14492,31 +16231,128 @@
       </p:sp>
       <p:sp>
         <p:nvSpPr>
-          <p:cNvPr id="8" name="Footer Placeholder 5">
-            <a:extLst>
-              <a:ext uri="{FF2B5EF4-FFF2-40B4-BE49-F238E27FC236}">
-                <a16:creationId xmlns:a16="http://schemas.microsoft.com/office/drawing/2014/main" id="{0552A7F3-458D-4FEA-DDD5-539E5E2B7B1D}"/>
-              </a:ext>
-            </a:extLst>
-          </p:cNvPr>
-          <p:cNvSpPr>
-            <a:spLocks noGrp="1"/>
-          </p:cNvSpPr>
-          <p:nvPr>
-            <p:ph type="ftr" sz="quarter" idx="11"/>
-          </p:nvPr>
+          <p:cNvPr id="6" name="Footer Placeholder 5">
+            <a:extLst>
+              <a:ext uri="{FF2B5EF4-FFF2-40B4-BE49-F238E27FC236}">
+                <a16:creationId xmlns:a16="http://schemas.microsoft.com/office/drawing/2014/main" id="{6CF9B099-9C12-B7CD-5977-B04977E4AFD6}"/>
+              </a:ext>
+            </a:extLst>
+          </p:cNvPr>
+          <p:cNvSpPr txBox="1">
+            <a:spLocks/>
+          </p:cNvSpPr>
+          <p:nvPr/>
         </p:nvSpPr>
         <p:spPr>
           <a:xfrm>
-            <a:off x="4038600" y="6356350"/>
+            <a:off x="6879336" y="6334919"/>
             <a:ext cx="4114800" cy="365125"/>
           </a:xfrm>
+          <a:prstGeom prst="rect">
+            <a:avLst/>
+          </a:prstGeom>
         </p:spPr>
         <p:txBody>
           <a:bodyPr vert="horz" lIns="91440" tIns="45720" rIns="91440" bIns="45720" rtlCol="0" anchor="ctr">
             <a:normAutofit/>
           </a:bodyPr>
-          <a:lstStyle/>
+          <a:lstStyle>
+            <a:defPPr>
+              <a:defRPr lang="en-US"/>
+            </a:defPPr>
+            <a:lvl1pPr marL="0" algn="ctr" defTabSz="914400" rtl="0" eaLnBrk="1" latinLnBrk="0" hangingPunct="1">
+              <a:defRPr sz="1200" kern="1200">
+                <a:solidFill>
+                  <a:schemeClr val="tx1">
+                    <a:tint val="82000"/>
+                  </a:schemeClr>
+                </a:solidFill>
+                <a:latin typeface="+mn-lt"/>
+                <a:ea typeface="+mn-ea"/>
+                <a:cs typeface="+mn-cs"/>
+              </a:defRPr>
+            </a:lvl1pPr>
+            <a:lvl2pPr marL="457200" algn="l" defTabSz="914400" rtl="0" eaLnBrk="1" latinLnBrk="0" hangingPunct="1">
+              <a:defRPr sz="1800" kern="1200">
+                <a:solidFill>
+                  <a:schemeClr val="tx1"/>
+                </a:solidFill>
+                <a:latin typeface="+mn-lt"/>
+                <a:ea typeface="+mn-ea"/>
+                <a:cs typeface="+mn-cs"/>
+              </a:defRPr>
+            </a:lvl2pPr>
+            <a:lvl3pPr marL="914400" algn="l" defTabSz="914400" rtl="0" eaLnBrk="1" latinLnBrk="0" hangingPunct="1">
+              <a:defRPr sz="1800" kern="1200">
+                <a:solidFill>
+                  <a:schemeClr val="tx1"/>
+                </a:solidFill>
+                <a:latin typeface="+mn-lt"/>
+                <a:ea typeface="+mn-ea"/>
+                <a:cs typeface="+mn-cs"/>
+              </a:defRPr>
+            </a:lvl3pPr>
+            <a:lvl4pPr marL="1371600" algn="l" defTabSz="914400" rtl="0" eaLnBrk="1" latinLnBrk="0" hangingPunct="1">
+              <a:defRPr sz="1800" kern="1200">
+                <a:solidFill>
+                  <a:schemeClr val="tx1"/>
+                </a:solidFill>
+                <a:latin typeface="+mn-lt"/>
+                <a:ea typeface="+mn-ea"/>
+                <a:cs typeface="+mn-cs"/>
+              </a:defRPr>
+            </a:lvl4pPr>
+            <a:lvl5pPr marL="1828800" algn="l" defTabSz="914400" rtl="0" eaLnBrk="1" latinLnBrk="0" hangingPunct="1">
+              <a:defRPr sz="1800" kern="1200">
+                <a:solidFill>
+                  <a:schemeClr val="tx1"/>
+                </a:solidFill>
+                <a:latin typeface="+mn-lt"/>
+                <a:ea typeface="+mn-ea"/>
+                <a:cs typeface="+mn-cs"/>
+              </a:defRPr>
+            </a:lvl5pPr>
+            <a:lvl6pPr marL="2286000" algn="l" defTabSz="914400" rtl="0" eaLnBrk="1" latinLnBrk="0" hangingPunct="1">
+              <a:defRPr sz="1800" kern="1200">
+                <a:solidFill>
+                  <a:schemeClr val="tx1"/>
+                </a:solidFill>
+                <a:latin typeface="+mn-lt"/>
+                <a:ea typeface="+mn-ea"/>
+                <a:cs typeface="+mn-cs"/>
+              </a:defRPr>
+            </a:lvl6pPr>
+            <a:lvl7pPr marL="2743200" algn="l" defTabSz="914400" rtl="0" eaLnBrk="1" latinLnBrk="0" hangingPunct="1">
+              <a:defRPr sz="1800" kern="1200">
+                <a:solidFill>
+                  <a:schemeClr val="tx1"/>
+                </a:solidFill>
+                <a:latin typeface="+mn-lt"/>
+                <a:ea typeface="+mn-ea"/>
+                <a:cs typeface="+mn-cs"/>
+              </a:defRPr>
+            </a:lvl7pPr>
+            <a:lvl8pPr marL="3200400" algn="l" defTabSz="914400" rtl="0" eaLnBrk="1" latinLnBrk="0" hangingPunct="1">
+              <a:defRPr sz="1800" kern="1200">
+                <a:solidFill>
+                  <a:schemeClr val="tx1"/>
+                </a:solidFill>
+                <a:latin typeface="+mn-lt"/>
+                <a:ea typeface="+mn-ea"/>
+                <a:cs typeface="+mn-cs"/>
+              </a:defRPr>
+            </a:lvl8pPr>
+            <a:lvl9pPr marL="3657600" algn="l" defTabSz="914400" rtl="0" eaLnBrk="1" latinLnBrk="0" hangingPunct="1">
+              <a:defRPr sz="1800" kern="1200">
+                <a:solidFill>
+                  <a:schemeClr val="tx1"/>
+                </a:solidFill>
+                <a:latin typeface="+mn-lt"/>
+                <a:ea typeface="+mn-ea"/>
+                <a:cs typeface="+mn-cs"/>
+              </a:defRPr>
+            </a:lvl9pPr>
+          </a:lstStyle>
           <a:p>
             <a:pPr>
               <a:spcAft>
@@ -14524,41 +16360,44 @@
               </a:spcAft>
             </a:pPr>
             <a:r>
-              <a:rPr lang="en-US" kern="1200" dirty="0">
+              <a:rPr lang="en-US" dirty="0">
                 <a:solidFill>
                   <a:schemeClr val="tx1">
                     <a:tint val="75000"/>
                   </a:schemeClr>
                 </a:solidFill>
-                <a:latin typeface="+mn-lt"/>
-                <a:ea typeface="+mn-ea"/>
-                <a:cs typeface="+mn-cs"/>
               </a:rPr>
-              <a:t>Fig. </a:t>
-            </a:r>
-            <a:r>
-              <a:rPr lang="en-US" dirty="0">
-                <a:solidFill>
-                  <a:schemeClr val="tx1">
-                    <a:tint val="75000"/>
-                  </a:schemeClr>
-                </a:solidFill>
-              </a:rPr>
+              <a:t>Fig. 3, C-ITS components</a:t>
+            </a:r>
+          </a:p>
+        </p:txBody>
+      </p:sp>
+      <p:sp>
+        <p:nvSpPr>
+          <p:cNvPr id="7" name="Slide Number Placeholder 6">
+            <a:extLst>
+              <a:ext uri="{FF2B5EF4-FFF2-40B4-BE49-F238E27FC236}">
+                <a16:creationId xmlns:a16="http://schemas.microsoft.com/office/drawing/2014/main" id="{797F90AB-540C-1FCF-FBFB-9F83F393166D}"/>
+              </a:ext>
+            </a:extLst>
+          </p:cNvPr>
+          <p:cNvSpPr>
+            <a:spLocks noGrp="1"/>
+          </p:cNvSpPr>
+          <p:nvPr>
+            <p:ph type="sldNum" sz="quarter" idx="12"/>
+          </p:nvPr>
+        </p:nvSpPr>
+        <p:spPr/>
+        <p:txBody>
+          <a:bodyPr/>
+          <a:lstStyle/>
+          <a:p>
+            <a:fld id="{9DCED871-2989-4B32-8014-48EE2C4221D7}" type="slidenum">
+              <a:rPr lang="en-US" smtClean="0"/>
               <a:t>3</a:t>
-            </a:r>
-            <a:r>
-              <a:rPr lang="en-US" kern="1200" dirty="0">
-                <a:solidFill>
-                  <a:schemeClr val="tx1">
-                    <a:tint val="75000"/>
-                  </a:schemeClr>
-                </a:solidFill>
-                <a:latin typeface="+mn-lt"/>
-                <a:ea typeface="+mn-ea"/>
-                <a:cs typeface="+mn-cs"/>
-              </a:rPr>
-              <a:t>, C-ITS components</a:t>
-            </a:r>
+            </a:fld>
+            <a:endParaRPr lang="en-US"/>
           </a:p>
         </p:txBody>
       </p:sp>
@@ -15297,31 +17136,128 @@
       </p:sp>
       <p:sp>
         <p:nvSpPr>
-          <p:cNvPr id="8" name="Footer Placeholder 5">
-            <a:extLst>
-              <a:ext uri="{FF2B5EF4-FFF2-40B4-BE49-F238E27FC236}">
-                <a16:creationId xmlns:a16="http://schemas.microsoft.com/office/drawing/2014/main" id="{0552A7F3-458D-4FEA-DDD5-539E5E2B7B1D}"/>
-              </a:ext>
-            </a:extLst>
-          </p:cNvPr>
-          <p:cNvSpPr>
-            <a:spLocks noGrp="1"/>
-          </p:cNvSpPr>
-          <p:nvPr>
-            <p:ph type="ftr" sz="quarter" idx="11"/>
-          </p:nvPr>
+          <p:cNvPr id="7" name="Footer Placeholder 5">
+            <a:extLst>
+              <a:ext uri="{FF2B5EF4-FFF2-40B4-BE49-F238E27FC236}">
+                <a16:creationId xmlns:a16="http://schemas.microsoft.com/office/drawing/2014/main" id="{F66F4E72-B4F4-88FC-8188-C5E51CCE12C4}"/>
+              </a:ext>
+            </a:extLst>
+          </p:cNvPr>
+          <p:cNvSpPr txBox="1">
+            <a:spLocks/>
+          </p:cNvSpPr>
+          <p:nvPr/>
         </p:nvSpPr>
         <p:spPr>
           <a:xfrm>
-            <a:off x="3812366" y="6546397"/>
+            <a:off x="3147753" y="6265862"/>
             <a:ext cx="4114800" cy="365125"/>
           </a:xfrm>
+          <a:prstGeom prst="rect">
+            <a:avLst/>
+          </a:prstGeom>
         </p:spPr>
         <p:txBody>
           <a:bodyPr vert="horz" lIns="91440" tIns="45720" rIns="91440" bIns="45720" rtlCol="0" anchor="ctr">
             <a:normAutofit/>
           </a:bodyPr>
-          <a:lstStyle/>
+          <a:lstStyle>
+            <a:defPPr>
+              <a:defRPr lang="en-US"/>
+            </a:defPPr>
+            <a:lvl1pPr marL="0" algn="ctr" defTabSz="914400" rtl="0" eaLnBrk="1" latinLnBrk="0" hangingPunct="1">
+              <a:defRPr sz="1200" kern="1200">
+                <a:solidFill>
+                  <a:schemeClr val="tx1">
+                    <a:tint val="82000"/>
+                  </a:schemeClr>
+                </a:solidFill>
+                <a:latin typeface="+mn-lt"/>
+                <a:ea typeface="+mn-ea"/>
+                <a:cs typeface="+mn-cs"/>
+              </a:defRPr>
+            </a:lvl1pPr>
+            <a:lvl2pPr marL="457200" algn="l" defTabSz="914400" rtl="0" eaLnBrk="1" latinLnBrk="0" hangingPunct="1">
+              <a:defRPr sz="1800" kern="1200">
+                <a:solidFill>
+                  <a:schemeClr val="tx1"/>
+                </a:solidFill>
+                <a:latin typeface="+mn-lt"/>
+                <a:ea typeface="+mn-ea"/>
+                <a:cs typeface="+mn-cs"/>
+              </a:defRPr>
+            </a:lvl2pPr>
+            <a:lvl3pPr marL="914400" algn="l" defTabSz="914400" rtl="0" eaLnBrk="1" latinLnBrk="0" hangingPunct="1">
+              <a:defRPr sz="1800" kern="1200">
+                <a:solidFill>
+                  <a:schemeClr val="tx1"/>
+                </a:solidFill>
+                <a:latin typeface="+mn-lt"/>
+                <a:ea typeface="+mn-ea"/>
+                <a:cs typeface="+mn-cs"/>
+              </a:defRPr>
+            </a:lvl3pPr>
+            <a:lvl4pPr marL="1371600" algn="l" defTabSz="914400" rtl="0" eaLnBrk="1" latinLnBrk="0" hangingPunct="1">
+              <a:defRPr sz="1800" kern="1200">
+                <a:solidFill>
+                  <a:schemeClr val="tx1"/>
+                </a:solidFill>
+                <a:latin typeface="+mn-lt"/>
+                <a:ea typeface="+mn-ea"/>
+                <a:cs typeface="+mn-cs"/>
+              </a:defRPr>
+            </a:lvl4pPr>
+            <a:lvl5pPr marL="1828800" algn="l" defTabSz="914400" rtl="0" eaLnBrk="1" latinLnBrk="0" hangingPunct="1">
+              <a:defRPr sz="1800" kern="1200">
+                <a:solidFill>
+                  <a:schemeClr val="tx1"/>
+                </a:solidFill>
+                <a:latin typeface="+mn-lt"/>
+                <a:ea typeface="+mn-ea"/>
+                <a:cs typeface="+mn-cs"/>
+              </a:defRPr>
+            </a:lvl5pPr>
+            <a:lvl6pPr marL="2286000" algn="l" defTabSz="914400" rtl="0" eaLnBrk="1" latinLnBrk="0" hangingPunct="1">
+              <a:defRPr sz="1800" kern="1200">
+                <a:solidFill>
+                  <a:schemeClr val="tx1"/>
+                </a:solidFill>
+                <a:latin typeface="+mn-lt"/>
+                <a:ea typeface="+mn-ea"/>
+                <a:cs typeface="+mn-cs"/>
+              </a:defRPr>
+            </a:lvl6pPr>
+            <a:lvl7pPr marL="2743200" algn="l" defTabSz="914400" rtl="0" eaLnBrk="1" latinLnBrk="0" hangingPunct="1">
+              <a:defRPr sz="1800" kern="1200">
+                <a:solidFill>
+                  <a:schemeClr val="tx1"/>
+                </a:solidFill>
+                <a:latin typeface="+mn-lt"/>
+                <a:ea typeface="+mn-ea"/>
+                <a:cs typeface="+mn-cs"/>
+              </a:defRPr>
+            </a:lvl7pPr>
+            <a:lvl8pPr marL="3200400" algn="l" defTabSz="914400" rtl="0" eaLnBrk="1" latinLnBrk="0" hangingPunct="1">
+              <a:defRPr sz="1800" kern="1200">
+                <a:solidFill>
+                  <a:schemeClr val="tx1"/>
+                </a:solidFill>
+                <a:latin typeface="+mn-lt"/>
+                <a:ea typeface="+mn-ea"/>
+                <a:cs typeface="+mn-cs"/>
+              </a:defRPr>
+            </a:lvl8pPr>
+            <a:lvl9pPr marL="3657600" algn="l" defTabSz="914400" rtl="0" eaLnBrk="1" latinLnBrk="0" hangingPunct="1">
+              <a:defRPr sz="1800" kern="1200">
+                <a:solidFill>
+                  <a:schemeClr val="tx1"/>
+                </a:solidFill>
+                <a:latin typeface="+mn-lt"/>
+                <a:ea typeface="+mn-ea"/>
+                <a:cs typeface="+mn-cs"/>
+              </a:defRPr>
+            </a:lvl9pPr>
+          </a:lstStyle>
           <a:p>
             <a:pPr>
               <a:spcAft>
@@ -15330,36 +17266,43 @@
               <a:defRPr/>
             </a:pPr>
             <a:r>
-              <a:rPr lang="en-US" sz="1000" kern="1200" dirty="0">
-                <a:solidFill>
-                  <a:srgbClr val="FFFFFF"/>
-                </a:solidFill>
-                <a:latin typeface="Calibri" panose="020F0502020204030204"/>
-                <a:ea typeface="+mn-ea"/>
-                <a:cs typeface="+mn-cs"/>
-              </a:rPr>
-              <a:t>Fig. </a:t>
-            </a:r>
-            <a:r>
               <a:rPr lang="en-US" sz="1000" dirty="0">
                 <a:solidFill>
                   <a:srgbClr val="FFFFFF"/>
                 </a:solidFill>
                 <a:latin typeface="Calibri" panose="020F0502020204030204"/>
               </a:rPr>
+              <a:t>Fig. 4, Broken-down vehicle</a:t>
+            </a:r>
+          </a:p>
+        </p:txBody>
+      </p:sp>
+      <p:sp>
+        <p:nvSpPr>
+          <p:cNvPr id="9" name="Slide Number Placeholder 8">
+            <a:extLst>
+              <a:ext uri="{FF2B5EF4-FFF2-40B4-BE49-F238E27FC236}">
+                <a16:creationId xmlns:a16="http://schemas.microsoft.com/office/drawing/2014/main" id="{3B4EB30E-FFBB-8483-52E9-E9F879332AAA}"/>
+              </a:ext>
+            </a:extLst>
+          </p:cNvPr>
+          <p:cNvSpPr>
+            <a:spLocks noGrp="1"/>
+          </p:cNvSpPr>
+          <p:nvPr>
+            <p:ph type="sldNum" sz="quarter" idx="12"/>
+          </p:nvPr>
+        </p:nvSpPr>
+        <p:spPr/>
+        <p:txBody>
+          <a:bodyPr/>
+          <a:lstStyle/>
+          <a:p>
+            <a:fld id="{9DCED871-2989-4B32-8014-48EE2C4221D7}" type="slidenum">
+              <a:rPr lang="en-US" smtClean="0"/>
               <a:t>4</a:t>
-            </a:r>
-            <a:r>
-              <a:rPr lang="en-US" sz="1000" kern="1200" dirty="0">
-                <a:solidFill>
-                  <a:srgbClr val="FFFFFF"/>
-                </a:solidFill>
-                <a:latin typeface="Calibri" panose="020F0502020204030204"/>
-                <a:ea typeface="+mn-ea"/>
-                <a:cs typeface="+mn-cs"/>
-              </a:rPr>
-              <a:t>, Broken-down vehicle</a:t>
-            </a:r>
+            </a:fld>
+            <a:endParaRPr lang="en-US"/>
           </a:p>
         </p:txBody>
       </p:sp>
@@ -16145,31 +18088,128 @@
       </p:sp>
       <p:sp>
         <p:nvSpPr>
-          <p:cNvPr id="9" name="Footer Placeholder 5">
-            <a:extLst>
-              <a:ext uri="{FF2B5EF4-FFF2-40B4-BE49-F238E27FC236}">
-                <a16:creationId xmlns:a16="http://schemas.microsoft.com/office/drawing/2014/main" id="{087C42A1-9341-69D4-524F-997F0BDBD514}"/>
-              </a:ext>
-            </a:extLst>
-          </p:cNvPr>
-          <p:cNvSpPr>
-            <a:spLocks noGrp="1"/>
-          </p:cNvSpPr>
-          <p:nvPr>
-            <p:ph type="ftr" sz="quarter" idx="11"/>
-          </p:nvPr>
+          <p:cNvPr id="7" name="Footer Placeholder 5">
+            <a:extLst>
+              <a:ext uri="{FF2B5EF4-FFF2-40B4-BE49-F238E27FC236}">
+                <a16:creationId xmlns:a16="http://schemas.microsoft.com/office/drawing/2014/main" id="{0DCDDF30-4075-4BFA-7A71-D89074056714}"/>
+              </a:ext>
+            </a:extLst>
+          </p:cNvPr>
+          <p:cNvSpPr txBox="1">
+            <a:spLocks/>
+          </p:cNvSpPr>
+          <p:nvPr/>
         </p:nvSpPr>
         <p:spPr>
           <a:xfrm>
-            <a:off x="6248398" y="6356350"/>
+            <a:off x="8610600" y="6356349"/>
             <a:ext cx="3960877" cy="365125"/>
           </a:xfrm>
+          <a:prstGeom prst="rect">
+            <a:avLst/>
+          </a:prstGeom>
         </p:spPr>
         <p:txBody>
-          <a:bodyPr vert="horz" lIns="91440" tIns="45720" rIns="91440" bIns="45720" rtlCol="0">
+          <a:bodyPr vert="horz" lIns="91440" tIns="45720" rIns="91440" bIns="45720" rtlCol="0" anchor="ctr">
             <a:normAutofit/>
           </a:bodyPr>
-          <a:lstStyle/>
+          <a:lstStyle>
+            <a:defPPr>
+              <a:defRPr lang="en-US"/>
+            </a:defPPr>
+            <a:lvl1pPr marL="0" algn="ctr" defTabSz="914400" rtl="0" eaLnBrk="1" latinLnBrk="0" hangingPunct="1">
+              <a:defRPr sz="1200" kern="1200">
+                <a:solidFill>
+                  <a:schemeClr val="tx1">
+                    <a:tint val="82000"/>
+                  </a:schemeClr>
+                </a:solidFill>
+                <a:latin typeface="+mn-lt"/>
+                <a:ea typeface="+mn-ea"/>
+                <a:cs typeface="+mn-cs"/>
+              </a:defRPr>
+            </a:lvl1pPr>
+            <a:lvl2pPr marL="457200" algn="l" defTabSz="914400" rtl="0" eaLnBrk="1" latinLnBrk="0" hangingPunct="1">
+              <a:defRPr sz="1800" kern="1200">
+                <a:solidFill>
+                  <a:schemeClr val="tx1"/>
+                </a:solidFill>
+                <a:latin typeface="+mn-lt"/>
+                <a:ea typeface="+mn-ea"/>
+                <a:cs typeface="+mn-cs"/>
+              </a:defRPr>
+            </a:lvl2pPr>
+            <a:lvl3pPr marL="914400" algn="l" defTabSz="914400" rtl="0" eaLnBrk="1" latinLnBrk="0" hangingPunct="1">
+              <a:defRPr sz="1800" kern="1200">
+                <a:solidFill>
+                  <a:schemeClr val="tx1"/>
+                </a:solidFill>
+                <a:latin typeface="+mn-lt"/>
+                <a:ea typeface="+mn-ea"/>
+                <a:cs typeface="+mn-cs"/>
+              </a:defRPr>
+            </a:lvl3pPr>
+            <a:lvl4pPr marL="1371600" algn="l" defTabSz="914400" rtl="0" eaLnBrk="1" latinLnBrk="0" hangingPunct="1">
+              <a:defRPr sz="1800" kern="1200">
+                <a:solidFill>
+                  <a:schemeClr val="tx1"/>
+                </a:solidFill>
+                <a:latin typeface="+mn-lt"/>
+                <a:ea typeface="+mn-ea"/>
+                <a:cs typeface="+mn-cs"/>
+              </a:defRPr>
+            </a:lvl4pPr>
+            <a:lvl5pPr marL="1828800" algn="l" defTabSz="914400" rtl="0" eaLnBrk="1" latinLnBrk="0" hangingPunct="1">
+              <a:defRPr sz="1800" kern="1200">
+                <a:solidFill>
+                  <a:schemeClr val="tx1"/>
+                </a:solidFill>
+                <a:latin typeface="+mn-lt"/>
+                <a:ea typeface="+mn-ea"/>
+                <a:cs typeface="+mn-cs"/>
+              </a:defRPr>
+            </a:lvl5pPr>
+            <a:lvl6pPr marL="2286000" algn="l" defTabSz="914400" rtl="0" eaLnBrk="1" latinLnBrk="0" hangingPunct="1">
+              <a:defRPr sz="1800" kern="1200">
+                <a:solidFill>
+                  <a:schemeClr val="tx1"/>
+                </a:solidFill>
+                <a:latin typeface="+mn-lt"/>
+                <a:ea typeface="+mn-ea"/>
+                <a:cs typeface="+mn-cs"/>
+              </a:defRPr>
+            </a:lvl6pPr>
+            <a:lvl7pPr marL="2743200" algn="l" defTabSz="914400" rtl="0" eaLnBrk="1" latinLnBrk="0" hangingPunct="1">
+              <a:defRPr sz="1800" kern="1200">
+                <a:solidFill>
+                  <a:schemeClr val="tx1"/>
+                </a:solidFill>
+                <a:latin typeface="+mn-lt"/>
+                <a:ea typeface="+mn-ea"/>
+                <a:cs typeface="+mn-cs"/>
+              </a:defRPr>
+            </a:lvl7pPr>
+            <a:lvl8pPr marL="3200400" algn="l" defTabSz="914400" rtl="0" eaLnBrk="1" latinLnBrk="0" hangingPunct="1">
+              <a:defRPr sz="1800" kern="1200">
+                <a:solidFill>
+                  <a:schemeClr val="tx1"/>
+                </a:solidFill>
+                <a:latin typeface="+mn-lt"/>
+                <a:ea typeface="+mn-ea"/>
+                <a:cs typeface="+mn-cs"/>
+              </a:defRPr>
+            </a:lvl8pPr>
+            <a:lvl9pPr marL="3657600" algn="l" defTabSz="914400" rtl="0" eaLnBrk="1" latinLnBrk="0" hangingPunct="1">
+              <a:defRPr sz="1800" kern="1200">
+                <a:solidFill>
+                  <a:schemeClr val="tx1"/>
+                </a:solidFill>
+                <a:latin typeface="+mn-lt"/>
+                <a:ea typeface="+mn-ea"/>
+                <a:cs typeface="+mn-cs"/>
+              </a:defRPr>
+            </a:lvl9pPr>
+          </a:lstStyle>
           <a:p>
             <a:pPr algn="l">
               <a:spcAft>
@@ -16177,25 +18217,38 @@
               </a:spcAft>
             </a:pPr>
             <a:r>
-              <a:rPr lang="en-US" kern="1200" dirty="0">
-                <a:latin typeface="+mn-lt"/>
-                <a:ea typeface="+mn-ea"/>
-                <a:cs typeface="+mn-cs"/>
-              </a:rPr>
-              <a:t>Fig. </a:t>
-            </a:r>
-            <a:r>
               <a:rPr lang="en-US" dirty="0"/>
-              <a:t>5-6</a:t>
-            </a:r>
-            <a:r>
-              <a:rPr lang="en-US" kern="1200" dirty="0">
-                <a:latin typeface="+mn-lt"/>
-                <a:ea typeface="+mn-ea"/>
-                <a:cs typeface="+mn-cs"/>
-              </a:rPr>
-              <a:t>, New Zonal level.</a:t>
-            </a:r>
+              <a:t>Fig. 5-6, New Zonal level.</a:t>
+            </a:r>
+          </a:p>
+        </p:txBody>
+      </p:sp>
+      <p:sp>
+        <p:nvSpPr>
+          <p:cNvPr id="10" name="Slide Number Placeholder 9">
+            <a:extLst>
+              <a:ext uri="{FF2B5EF4-FFF2-40B4-BE49-F238E27FC236}">
+                <a16:creationId xmlns:a16="http://schemas.microsoft.com/office/drawing/2014/main" id="{6847C215-FB27-EECA-8873-4E7327447D51}"/>
+              </a:ext>
+            </a:extLst>
+          </p:cNvPr>
+          <p:cNvSpPr>
+            <a:spLocks noGrp="1"/>
+          </p:cNvSpPr>
+          <p:nvPr>
+            <p:ph type="sldNum" sz="quarter" idx="12"/>
+          </p:nvPr>
+        </p:nvSpPr>
+        <p:spPr/>
+        <p:txBody>
+          <a:bodyPr/>
+          <a:lstStyle/>
+          <a:p>
+            <a:fld id="{9DCED871-2989-4B32-8014-48EE2C4221D7}" type="slidenum">
+              <a:rPr lang="en-US" smtClean="0"/>
+              <a:t>5</a:t>
+            </a:fld>
+            <a:endParaRPr lang="en-US"/>
           </a:p>
         </p:txBody>
       </p:sp>
@@ -16252,7 +18305,7 @@
           <a:p>
             <a:r>
               <a:rPr lang="en-US" dirty="0"/>
-              <a:t>Hardware Car</a:t>
+              <a:t>Vehicle - Hardware Car</a:t>
             </a:r>
           </a:p>
         </p:txBody>
@@ -16385,31 +18438,128 @@
       </p:pic>
       <p:sp>
         <p:nvSpPr>
-          <p:cNvPr id="11" name="Footer Placeholder 5">
-            <a:extLst>
-              <a:ext uri="{FF2B5EF4-FFF2-40B4-BE49-F238E27FC236}">
-                <a16:creationId xmlns:a16="http://schemas.microsoft.com/office/drawing/2014/main" id="{BDF48C0B-EF89-4B5D-7EC2-1A024D24CA80}"/>
-              </a:ext>
-            </a:extLst>
-          </p:cNvPr>
-          <p:cNvSpPr>
-            <a:spLocks noGrp="1"/>
-          </p:cNvSpPr>
-          <p:nvPr>
-            <p:ph type="ftr" sz="quarter" idx="11"/>
-          </p:nvPr>
+          <p:cNvPr id="5" name="Footer Placeholder 5">
+            <a:extLst>
+              <a:ext uri="{FF2B5EF4-FFF2-40B4-BE49-F238E27FC236}">
+                <a16:creationId xmlns:a16="http://schemas.microsoft.com/office/drawing/2014/main" id="{E24BBAE7-EB80-16E8-DFD0-56FCA1ACCAE2}"/>
+              </a:ext>
+            </a:extLst>
+          </p:cNvPr>
+          <p:cNvSpPr txBox="1">
+            <a:spLocks/>
+          </p:cNvSpPr>
+          <p:nvPr/>
         </p:nvSpPr>
         <p:spPr>
           <a:xfrm>
-            <a:off x="8231123" y="6492875"/>
+            <a:off x="7808974" y="6356350"/>
             <a:ext cx="3960877" cy="365125"/>
           </a:xfrm>
+          <a:prstGeom prst="rect">
+            <a:avLst/>
+          </a:prstGeom>
         </p:spPr>
         <p:txBody>
-          <a:bodyPr vert="horz" lIns="91440" tIns="45720" rIns="91440" bIns="45720" rtlCol="0">
+          <a:bodyPr vert="horz" lIns="91440" tIns="45720" rIns="91440" bIns="45720" rtlCol="0" anchor="ctr">
             <a:normAutofit/>
           </a:bodyPr>
-          <a:lstStyle/>
+          <a:lstStyle>
+            <a:defPPr>
+              <a:defRPr lang="en-US"/>
+            </a:defPPr>
+            <a:lvl1pPr marL="0" algn="ctr" defTabSz="914400" rtl="0" eaLnBrk="1" latinLnBrk="0" hangingPunct="1">
+              <a:defRPr sz="1200" kern="1200">
+                <a:solidFill>
+                  <a:schemeClr val="tx1">
+                    <a:tint val="82000"/>
+                  </a:schemeClr>
+                </a:solidFill>
+                <a:latin typeface="+mn-lt"/>
+                <a:ea typeface="+mn-ea"/>
+                <a:cs typeface="+mn-cs"/>
+              </a:defRPr>
+            </a:lvl1pPr>
+            <a:lvl2pPr marL="457200" algn="l" defTabSz="914400" rtl="0" eaLnBrk="1" latinLnBrk="0" hangingPunct="1">
+              <a:defRPr sz="1800" kern="1200">
+                <a:solidFill>
+                  <a:schemeClr val="tx1"/>
+                </a:solidFill>
+                <a:latin typeface="+mn-lt"/>
+                <a:ea typeface="+mn-ea"/>
+                <a:cs typeface="+mn-cs"/>
+              </a:defRPr>
+            </a:lvl2pPr>
+            <a:lvl3pPr marL="914400" algn="l" defTabSz="914400" rtl="0" eaLnBrk="1" latinLnBrk="0" hangingPunct="1">
+              <a:defRPr sz="1800" kern="1200">
+                <a:solidFill>
+                  <a:schemeClr val="tx1"/>
+                </a:solidFill>
+                <a:latin typeface="+mn-lt"/>
+                <a:ea typeface="+mn-ea"/>
+                <a:cs typeface="+mn-cs"/>
+              </a:defRPr>
+            </a:lvl3pPr>
+            <a:lvl4pPr marL="1371600" algn="l" defTabSz="914400" rtl="0" eaLnBrk="1" latinLnBrk="0" hangingPunct="1">
+              <a:defRPr sz="1800" kern="1200">
+                <a:solidFill>
+                  <a:schemeClr val="tx1"/>
+                </a:solidFill>
+                <a:latin typeface="+mn-lt"/>
+                <a:ea typeface="+mn-ea"/>
+                <a:cs typeface="+mn-cs"/>
+              </a:defRPr>
+            </a:lvl4pPr>
+            <a:lvl5pPr marL="1828800" algn="l" defTabSz="914400" rtl="0" eaLnBrk="1" latinLnBrk="0" hangingPunct="1">
+              <a:defRPr sz="1800" kern="1200">
+                <a:solidFill>
+                  <a:schemeClr val="tx1"/>
+                </a:solidFill>
+                <a:latin typeface="+mn-lt"/>
+                <a:ea typeface="+mn-ea"/>
+                <a:cs typeface="+mn-cs"/>
+              </a:defRPr>
+            </a:lvl5pPr>
+            <a:lvl6pPr marL="2286000" algn="l" defTabSz="914400" rtl="0" eaLnBrk="1" latinLnBrk="0" hangingPunct="1">
+              <a:defRPr sz="1800" kern="1200">
+                <a:solidFill>
+                  <a:schemeClr val="tx1"/>
+                </a:solidFill>
+                <a:latin typeface="+mn-lt"/>
+                <a:ea typeface="+mn-ea"/>
+                <a:cs typeface="+mn-cs"/>
+              </a:defRPr>
+            </a:lvl6pPr>
+            <a:lvl7pPr marL="2743200" algn="l" defTabSz="914400" rtl="0" eaLnBrk="1" latinLnBrk="0" hangingPunct="1">
+              <a:defRPr sz="1800" kern="1200">
+                <a:solidFill>
+                  <a:schemeClr val="tx1"/>
+                </a:solidFill>
+                <a:latin typeface="+mn-lt"/>
+                <a:ea typeface="+mn-ea"/>
+                <a:cs typeface="+mn-cs"/>
+              </a:defRPr>
+            </a:lvl7pPr>
+            <a:lvl8pPr marL="3200400" algn="l" defTabSz="914400" rtl="0" eaLnBrk="1" latinLnBrk="0" hangingPunct="1">
+              <a:defRPr sz="1800" kern="1200">
+                <a:solidFill>
+                  <a:schemeClr val="tx1"/>
+                </a:solidFill>
+                <a:latin typeface="+mn-lt"/>
+                <a:ea typeface="+mn-ea"/>
+                <a:cs typeface="+mn-cs"/>
+              </a:defRPr>
+            </a:lvl8pPr>
+            <a:lvl9pPr marL="3657600" algn="l" defTabSz="914400" rtl="0" eaLnBrk="1" latinLnBrk="0" hangingPunct="1">
+              <a:defRPr sz="1800" kern="1200">
+                <a:solidFill>
+                  <a:schemeClr val="tx1"/>
+                </a:solidFill>
+                <a:latin typeface="+mn-lt"/>
+                <a:ea typeface="+mn-ea"/>
+                <a:cs typeface="+mn-cs"/>
+              </a:defRPr>
+            </a:lvl9pPr>
+          </a:lstStyle>
           <a:p>
             <a:pPr algn="l">
               <a:spcAft>
@@ -16417,13 +18567,38 @@
               </a:spcAft>
             </a:pPr>
             <a:r>
-              <a:rPr lang="en-US" kern="1200" dirty="0">
-                <a:latin typeface="+mn-lt"/>
-                <a:ea typeface="+mn-ea"/>
-                <a:cs typeface="+mn-cs"/>
-              </a:rPr>
+              <a:rPr lang="en-US" dirty="0"/>
               <a:t>Fig. 7, New Zonal level.</a:t>
             </a:r>
+          </a:p>
+        </p:txBody>
+      </p:sp>
+      <p:sp>
+        <p:nvSpPr>
+          <p:cNvPr id="7" name="Slide Number Placeholder 6">
+            <a:extLst>
+              <a:ext uri="{FF2B5EF4-FFF2-40B4-BE49-F238E27FC236}">
+                <a16:creationId xmlns:a16="http://schemas.microsoft.com/office/drawing/2014/main" id="{C03610BA-AC60-077C-260A-89E4D9E01870}"/>
+              </a:ext>
+            </a:extLst>
+          </p:cNvPr>
+          <p:cNvSpPr>
+            <a:spLocks noGrp="1"/>
+          </p:cNvSpPr>
+          <p:nvPr>
+            <p:ph type="sldNum" sz="quarter" idx="12"/>
+          </p:nvPr>
+        </p:nvSpPr>
+        <p:spPr/>
+        <p:txBody>
+          <a:bodyPr/>
+          <a:lstStyle/>
+          <a:p>
+            <a:fld id="{9DCED871-2989-4B32-8014-48EE2C4221D7}" type="slidenum">
+              <a:rPr lang="en-US" smtClean="0"/>
+              <a:t>6</a:t>
+            </a:fld>
+            <a:endParaRPr lang="en-US"/>
           </a:p>
         </p:txBody>
       </p:sp>
@@ -16872,12 +19047,12 @@
           <a:lstStyle/>
           <a:p>
             <a:r>
-              <a:rPr lang="en-US" sz="4000">
-                <a:solidFill>
-                  <a:srgbClr val="FFFFFF"/>
+              <a:rPr lang="en-US" sz="4000" dirty="0">
+                <a:solidFill>
+                  <a:schemeClr val="bg1"/>
                 </a:solidFill>
               </a:rPr>
-              <a:t>Front Zone</a:t>
+              <a:t>Vehicle - Front Zone</a:t>
             </a:r>
           </a:p>
         </p:txBody>
@@ -17002,6 +19177,35 @@
           </a:prstGeom>
         </p:spPr>
       </p:pic>
+      <p:sp>
+        <p:nvSpPr>
+          <p:cNvPr id="5" name="Slide Number Placeholder 4">
+            <a:extLst>
+              <a:ext uri="{FF2B5EF4-FFF2-40B4-BE49-F238E27FC236}">
+                <a16:creationId xmlns:a16="http://schemas.microsoft.com/office/drawing/2014/main" id="{ABE689F8-4EE0-BBD7-4B7E-0882B1EE3755}"/>
+              </a:ext>
+            </a:extLst>
+          </p:cNvPr>
+          <p:cNvSpPr>
+            <a:spLocks noGrp="1"/>
+          </p:cNvSpPr>
+          <p:nvPr>
+            <p:ph type="sldNum" sz="quarter" idx="12"/>
+          </p:nvPr>
+        </p:nvSpPr>
+        <p:spPr/>
+        <p:txBody>
+          <a:bodyPr/>
+          <a:lstStyle/>
+          <a:p>
+            <a:fld id="{9DCED871-2989-4B32-8014-48EE2C4221D7}" type="slidenum">
+              <a:rPr lang="en-US" smtClean="0"/>
+              <a:t>7</a:t>
+            </a:fld>
+            <a:endParaRPr lang="en-US"/>
+          </a:p>
+        </p:txBody>
+      </p:sp>
     </p:spTree>
     <p:extLst>
       <p:ext uri="{BB962C8B-B14F-4D97-AF65-F5344CB8AC3E}">
@@ -17453,12 +19657,12 @@
           <a:lstStyle/>
           <a:p>
             <a:r>
-              <a:rPr lang="en-US" sz="4000">
-                <a:solidFill>
-                  <a:srgbClr val="FFFFFF"/>
+              <a:rPr lang="en-US" sz="4000" dirty="0">
+                <a:solidFill>
+                  <a:schemeClr val="bg1"/>
                 </a:solidFill>
               </a:rPr>
-              <a:t>Central Zone</a:t>
+              <a:t>Vehicle - Central Zone</a:t>
             </a:r>
           </a:p>
         </p:txBody>
@@ -17523,6 +19727,35 @@
           </a:prstGeom>
         </p:spPr>
       </p:pic>
+      <p:sp>
+        <p:nvSpPr>
+          <p:cNvPr id="7" name="Slide Number Placeholder 6">
+            <a:extLst>
+              <a:ext uri="{FF2B5EF4-FFF2-40B4-BE49-F238E27FC236}">
+                <a16:creationId xmlns:a16="http://schemas.microsoft.com/office/drawing/2014/main" id="{C8FA9026-A5DA-148C-3528-955788A79615}"/>
+              </a:ext>
+            </a:extLst>
+          </p:cNvPr>
+          <p:cNvSpPr>
+            <a:spLocks noGrp="1"/>
+          </p:cNvSpPr>
+          <p:nvPr>
+            <p:ph type="sldNum" sz="quarter" idx="12"/>
+          </p:nvPr>
+        </p:nvSpPr>
+        <p:spPr/>
+        <p:txBody>
+          <a:bodyPr/>
+          <a:lstStyle/>
+          <a:p>
+            <a:fld id="{9DCED871-2989-4B32-8014-48EE2C4221D7}" type="slidenum">
+              <a:rPr lang="en-US" smtClean="0"/>
+              <a:t>8</a:t>
+            </a:fld>
+            <a:endParaRPr lang="en-US"/>
+          </a:p>
+        </p:txBody>
+      </p:sp>
     </p:spTree>
     <p:extLst>
       <p:ext uri="{BB962C8B-B14F-4D97-AF65-F5344CB8AC3E}">
@@ -17976,10 +20209,10 @@
             <a:r>
               <a:rPr lang="en-US" sz="4000" dirty="0">
                 <a:solidFill>
-                  <a:srgbClr val="FFFFFF"/>
+                  <a:schemeClr val="bg1"/>
                 </a:solidFill>
               </a:rPr>
-              <a:t>Rear Zone</a:t>
+              <a:t>Vehicle - Rear Zone</a:t>
             </a:r>
           </a:p>
         </p:txBody>
@@ -18104,6 +20337,35 @@
           </a:prstGeom>
         </p:spPr>
       </p:pic>
+      <p:sp>
+        <p:nvSpPr>
+          <p:cNvPr id="6" name="Slide Number Placeholder 5">
+            <a:extLst>
+              <a:ext uri="{FF2B5EF4-FFF2-40B4-BE49-F238E27FC236}">
+                <a16:creationId xmlns:a16="http://schemas.microsoft.com/office/drawing/2014/main" id="{6B79459E-F48C-793E-2BD4-89EC84420C93}"/>
+              </a:ext>
+            </a:extLst>
+          </p:cNvPr>
+          <p:cNvSpPr>
+            <a:spLocks noGrp="1"/>
+          </p:cNvSpPr>
+          <p:nvPr>
+            <p:ph type="sldNum" sz="quarter" idx="12"/>
+          </p:nvPr>
+        </p:nvSpPr>
+        <p:spPr/>
+        <p:txBody>
+          <a:bodyPr/>
+          <a:lstStyle/>
+          <a:p>
+            <a:fld id="{9DCED871-2989-4B32-8014-48EE2C4221D7}" type="slidenum">
+              <a:rPr lang="en-US" smtClean="0"/>
+              <a:t>9</a:t>
+            </a:fld>
+            <a:endParaRPr lang="en-US"/>
+          </a:p>
+        </p:txBody>
+      </p:sp>
     </p:spTree>
     <p:extLst>
       <p:ext uri="{BB962C8B-B14F-4D97-AF65-F5344CB8AC3E}">

--- a/Presentation/C-ITS.pptx
+++ b/Presentation/C-ITS.pptx
@@ -1270,7 +1270,7 @@
           <a:p>
             <a:fld id="{F8D372CF-70C8-4756-8EEA-216D48386233}" type="datetimeFigureOut">
               <a:rPr lang="en-US" smtClean="0"/>
-              <a:t>2/5/2025</a:t>
+              <a:t>2/6/2025</a:t>
             </a:fld>
             <a:endParaRPr lang="en-US"/>
           </a:p>
@@ -1768,7 +1768,7 @@
           <a:p>
             <a:fld id="{36EB16DF-0ACA-48CE-946C-1F1F648BD8AD}" type="datetime1">
               <a:rPr lang="en-US" smtClean="0"/>
-              <a:t>2/5/2025</a:t>
+              <a:t>2/6/2025</a:t>
             </a:fld>
             <a:endParaRPr lang="en-US"/>
           </a:p>
@@ -1969,7 +1969,7 @@
           <a:p>
             <a:fld id="{D49875A6-F379-4DD6-9B6B-A02AECDD8176}" type="datetime1">
               <a:rPr lang="en-US" smtClean="0"/>
-              <a:t>2/5/2025</a:t>
+              <a:t>2/6/2025</a:t>
             </a:fld>
             <a:endParaRPr lang="en-US"/>
           </a:p>
@@ -2180,7 +2180,7 @@
           <a:p>
             <a:fld id="{849C20AA-EF78-465A-93C3-B2902A2B03B4}" type="datetime1">
               <a:rPr lang="en-US" smtClean="0"/>
-              <a:t>2/5/2025</a:t>
+              <a:t>2/6/2025</a:t>
             </a:fld>
             <a:endParaRPr lang="en-US"/>
           </a:p>
@@ -2381,7 +2381,7 @@
           <a:p>
             <a:fld id="{D6D5B4D0-F6BF-42C9-B723-0E735610251C}" type="datetime1">
               <a:rPr lang="en-US" smtClean="0"/>
-              <a:t>2/5/2025</a:t>
+              <a:t>2/6/2025</a:t>
             </a:fld>
             <a:endParaRPr lang="en-US"/>
           </a:p>
@@ -2659,7 +2659,7 @@
           <a:p>
             <a:fld id="{58334CDB-F2DB-40CB-A30A-9A0B73F652BB}" type="datetime1">
               <a:rPr lang="en-US" smtClean="0"/>
-              <a:t>2/5/2025</a:t>
+              <a:t>2/6/2025</a:t>
             </a:fld>
             <a:endParaRPr lang="en-US"/>
           </a:p>
@@ -2927,7 +2927,7 @@
           <a:p>
             <a:fld id="{C53253D2-35D4-4E3E-A558-90DAA2A44133}" type="datetime1">
               <a:rPr lang="en-US" smtClean="0"/>
-              <a:t>2/5/2025</a:t>
+              <a:t>2/6/2025</a:t>
             </a:fld>
             <a:endParaRPr lang="en-US"/>
           </a:p>
@@ -3342,7 +3342,7 @@
           <a:p>
             <a:fld id="{0AF532BF-13CE-4C51-A9A5-85C2C70DFF03}" type="datetime1">
               <a:rPr lang="en-US" smtClean="0"/>
-              <a:t>2/5/2025</a:t>
+              <a:t>2/6/2025</a:t>
             </a:fld>
             <a:endParaRPr lang="en-US"/>
           </a:p>
@@ -3486,7 +3486,7 @@
           <a:p>
             <a:fld id="{3F814912-7FB5-4EEA-B750-65FDEA390F5A}" type="datetime1">
               <a:rPr lang="en-US" smtClean="0"/>
-              <a:t>2/5/2025</a:t>
+              <a:t>2/6/2025</a:t>
             </a:fld>
             <a:endParaRPr lang="en-US"/>
           </a:p>
@@ -3602,7 +3602,7 @@
           <a:p>
             <a:fld id="{CC35B2EB-08D1-4AE9-B787-E21D5A53243A}" type="datetime1">
               <a:rPr lang="en-US" smtClean="0"/>
-              <a:t>2/5/2025</a:t>
+              <a:t>2/6/2025</a:t>
             </a:fld>
             <a:endParaRPr lang="en-US"/>
           </a:p>
@@ -3916,7 +3916,7 @@
           <a:p>
             <a:fld id="{8ECC66DB-0115-4F51-9664-9587E3209E4F}" type="datetime1">
               <a:rPr lang="en-US" smtClean="0"/>
-              <a:t>2/5/2025</a:t>
+              <a:t>2/6/2025</a:t>
             </a:fld>
             <a:endParaRPr lang="en-US"/>
           </a:p>
@@ -4207,7 +4207,7 @@
           <a:p>
             <a:fld id="{3DD9D61E-1DED-4B2C-88D2-5FD19062878F}" type="datetime1">
               <a:rPr lang="en-US" smtClean="0"/>
-              <a:t>2/5/2025</a:t>
+              <a:t>2/6/2025</a:t>
             </a:fld>
             <a:endParaRPr lang="en-US"/>
           </a:p>
@@ -4451,7 +4451,7 @@
           <a:p>
             <a:fld id="{BC496AC7-115B-4C77-8EDF-D78EA21B7B89}" type="datetime1">
               <a:rPr lang="en-US" smtClean="0"/>
-              <a:t>2/5/2025</a:t>
+              <a:t>2/6/2025</a:t>
             </a:fld>
             <a:endParaRPr lang="en-US"/>
           </a:p>
@@ -8995,6 +8995,36 @@
           </a:p>
         </p:txBody>
       </p:sp>
+      <p:pic>
+        <p:nvPicPr>
+          <p:cNvPr id="4" name="Picture 3">
+            <a:extLst>
+              <a:ext uri="{FF2B5EF4-FFF2-40B4-BE49-F238E27FC236}">
+                <a16:creationId xmlns:a16="http://schemas.microsoft.com/office/drawing/2014/main" id="{76E2CEC8-B1F9-E10A-7BE1-60A95F577CD4}"/>
+              </a:ext>
+            </a:extLst>
+          </p:cNvPr>
+          <p:cNvPicPr>
+            <a:picLocks noChangeAspect="1"/>
+          </p:cNvPicPr>
+          <p:nvPr/>
+        </p:nvPicPr>
+        <p:blipFill>
+          <a:blip r:embed="rId5"/>
+          <a:stretch>
+            <a:fillRect/>
+          </a:stretch>
+        </p:blipFill>
+        <p:spPr>
+          <a:xfrm>
+            <a:off x="5763950" y="3463925"/>
+            <a:ext cx="780369" cy="335689"/>
+          </a:xfrm>
+          <a:prstGeom prst="rect">
+            <a:avLst/>
+          </a:prstGeom>
+        </p:spPr>
+      </p:pic>
     </p:spTree>
     <p:extLst>
       <p:ext uri="{BB962C8B-B14F-4D97-AF65-F5344CB8AC3E}">
